--- a/slides/8_SocialNetworkAnalysis.pptx
+++ b/slides/8_SocialNetworkAnalysis.pptx
@@ -247,7 +247,7 @@
           <a:p>
             <a:fld id="{D0D7D09A-089B-49AD-9380-9EDF59B0FA35}" type="datetimeFigureOut">
               <a:rPr lang="en-US" smtClean="0"/>
-              <a:t>3/21/2023</a:t>
+              <a:t>7/9/2023</a:t>
             </a:fld>
             <a:endParaRPr lang="en-US"/>
           </a:p>
@@ -661,7 +661,7 @@
           <a:p>
             <a:fld id="{66F7C53C-E5B1-464F-8287-06D868EDC1EC}" type="datetimeFigureOut">
               <a:rPr lang="en-US" smtClean="0"/>
-              <a:t>3/21/2023</a:t>
+              <a:t>7/9/2023</a:t>
             </a:fld>
             <a:endParaRPr lang="en-US"/>
           </a:p>
@@ -859,7 +859,7 @@
           <a:p>
             <a:fld id="{66F7C53C-E5B1-464F-8287-06D868EDC1EC}" type="datetimeFigureOut">
               <a:rPr lang="en-US" smtClean="0"/>
-              <a:t>3/21/2023</a:t>
+              <a:t>7/9/2023</a:t>
             </a:fld>
             <a:endParaRPr lang="en-US"/>
           </a:p>
@@ -1067,7 +1067,7 @@
           <a:p>
             <a:fld id="{66F7C53C-E5B1-464F-8287-06D868EDC1EC}" type="datetimeFigureOut">
               <a:rPr lang="en-US" smtClean="0"/>
-              <a:t>3/21/2023</a:t>
+              <a:t>7/9/2023</a:t>
             </a:fld>
             <a:endParaRPr lang="en-US"/>
           </a:p>
@@ -1265,7 +1265,7 @@
           <a:p>
             <a:fld id="{66F7C53C-E5B1-464F-8287-06D868EDC1EC}" type="datetimeFigureOut">
               <a:rPr lang="en-US" smtClean="0"/>
-              <a:t>3/21/2023</a:t>
+              <a:t>7/9/2023</a:t>
             </a:fld>
             <a:endParaRPr lang="en-US"/>
           </a:p>
@@ -1540,7 +1540,7 @@
           <a:p>
             <a:fld id="{66F7C53C-E5B1-464F-8287-06D868EDC1EC}" type="datetimeFigureOut">
               <a:rPr lang="en-US" smtClean="0"/>
-              <a:t>3/21/2023</a:t>
+              <a:t>7/9/2023</a:t>
             </a:fld>
             <a:endParaRPr lang="en-US"/>
           </a:p>
@@ -1805,7 +1805,7 @@
           <a:p>
             <a:fld id="{66F7C53C-E5B1-464F-8287-06D868EDC1EC}" type="datetimeFigureOut">
               <a:rPr lang="en-US" smtClean="0"/>
-              <a:t>3/21/2023</a:t>
+              <a:t>7/9/2023</a:t>
             </a:fld>
             <a:endParaRPr lang="en-US"/>
           </a:p>
@@ -2217,7 +2217,7 @@
           <a:p>
             <a:fld id="{66F7C53C-E5B1-464F-8287-06D868EDC1EC}" type="datetimeFigureOut">
               <a:rPr lang="en-US" smtClean="0"/>
-              <a:t>3/21/2023</a:t>
+              <a:t>7/9/2023</a:t>
             </a:fld>
             <a:endParaRPr lang="en-US"/>
           </a:p>
@@ -2358,7 +2358,7 @@
           <a:p>
             <a:fld id="{66F7C53C-E5B1-464F-8287-06D868EDC1EC}" type="datetimeFigureOut">
               <a:rPr lang="en-US" smtClean="0"/>
-              <a:t>3/21/2023</a:t>
+              <a:t>7/9/2023</a:t>
             </a:fld>
             <a:endParaRPr lang="en-US"/>
           </a:p>
@@ -2471,7 +2471,7 @@
           <a:p>
             <a:fld id="{66F7C53C-E5B1-464F-8287-06D868EDC1EC}" type="datetimeFigureOut">
               <a:rPr lang="en-US" smtClean="0"/>
-              <a:t>3/21/2023</a:t>
+              <a:t>7/9/2023</a:t>
             </a:fld>
             <a:endParaRPr lang="en-US"/>
           </a:p>
@@ -2782,7 +2782,7 @@
           <a:p>
             <a:fld id="{66F7C53C-E5B1-464F-8287-06D868EDC1EC}" type="datetimeFigureOut">
               <a:rPr lang="en-US" smtClean="0"/>
-              <a:t>3/21/2023</a:t>
+              <a:t>7/9/2023</a:t>
             </a:fld>
             <a:endParaRPr lang="en-US"/>
           </a:p>
@@ -3070,7 +3070,7 @@
           <a:p>
             <a:fld id="{66F7C53C-E5B1-464F-8287-06D868EDC1EC}" type="datetimeFigureOut">
               <a:rPr lang="en-US" smtClean="0"/>
-              <a:t>3/21/2023</a:t>
+              <a:t>7/9/2023</a:t>
             </a:fld>
             <a:endParaRPr lang="en-US"/>
           </a:p>
@@ -3311,7 +3311,7 @@
           <a:p>
             <a:fld id="{66F7C53C-E5B1-464F-8287-06D868EDC1EC}" type="datetimeFigureOut">
               <a:rPr lang="en-US" smtClean="0"/>
-              <a:t>3/21/2023</a:t>
+              <a:t>7/9/2023</a:t>
             </a:fld>
             <a:endParaRPr lang="en-US"/>
           </a:p>
@@ -4211,21 +4211,25 @@
             <a:pPr lvl="1"/>
             <a:r>
               <a:rPr lang="en-US" dirty="0"/>
-              <a:t>The message with the information travels from node to node </a:t>
+              <a:t>Messages with the information travel from node to node </a:t>
             </a:r>
           </a:p>
           <a:p>
             <a:pPr lvl="1"/>
             <a:r>
               <a:rPr lang="en-US" dirty="0"/>
-              <a:t>Nodes with stronger connections to the community transmit the message more effectively  </a:t>
+              <a:t>Nodes with stronger connections to the community transmit messages more effectively  </a:t>
             </a:r>
           </a:p>
           <a:p>
             <a:pPr lvl="1"/>
             <a:r>
               <a:rPr lang="en-US" dirty="0"/>
-              <a:t>These strongly connected nodes are considered influential </a:t>
+              <a:t>These strongly connected nodes are considered </a:t>
+            </a:r>
+            <a:r>
+              <a:rPr lang="en-US" b="1" dirty="0"/>
+              <a:t>influential </a:t>
             </a:r>
           </a:p>
           <a:p>
@@ -4353,33 +4357,15 @@
                                   </p:childTnLst>
                                 </p:cTn>
                               </p:par>
-                            </p:childTnLst>
-                          </p:cTn>
-                        </p:par>
-                      </p:childTnLst>
-                    </p:cTn>
-                  </p:par>
-                  <p:par>
-                    <p:cTn id="11" fill="hold">
-                      <p:stCondLst>
-                        <p:cond delay="indefinite"/>
-                      </p:stCondLst>
-                      <p:childTnLst>
-                        <p:par>
-                          <p:cTn id="12" fill="hold">
-                            <p:stCondLst>
-                              <p:cond delay="0"/>
-                            </p:stCondLst>
-                            <p:childTnLst>
                               <p:par>
-                                <p:cTn id="13" presetID="1" presetClass="entr" presetSubtype="0" fill="hold" nodeType="clickEffect">
+                                <p:cTn id="11" presetID="1" presetClass="entr" presetSubtype="0" fill="hold" nodeType="withEffect">
                                   <p:stCondLst>
                                     <p:cond delay="0"/>
                                   </p:stCondLst>
                                   <p:childTnLst>
                                     <p:set>
                                       <p:cBhvr>
-                                        <p:cTn id="14" dur="1" fill="hold">
+                                        <p:cTn id="12" dur="1" fill="hold">
                                           <p:stCondLst>
                                             <p:cond delay="0"/>
                                           </p:stCondLst>
@@ -4402,33 +4388,15 @@
                                   </p:childTnLst>
                                 </p:cTn>
                               </p:par>
-                            </p:childTnLst>
-                          </p:cTn>
-                        </p:par>
-                      </p:childTnLst>
-                    </p:cTn>
-                  </p:par>
-                  <p:par>
-                    <p:cTn id="15" fill="hold">
-                      <p:stCondLst>
-                        <p:cond delay="indefinite"/>
-                      </p:stCondLst>
-                      <p:childTnLst>
-                        <p:par>
-                          <p:cTn id="16" fill="hold">
-                            <p:stCondLst>
-                              <p:cond delay="0"/>
-                            </p:stCondLst>
-                            <p:childTnLst>
                               <p:par>
-                                <p:cTn id="17" presetID="1" presetClass="entr" presetSubtype="0" fill="hold" nodeType="clickEffect">
+                                <p:cTn id="13" presetID="1" presetClass="entr" presetSubtype="0" fill="hold" nodeType="withEffect">
                                   <p:stCondLst>
                                     <p:cond delay="0"/>
                                   </p:stCondLst>
                                   <p:childTnLst>
                                     <p:set>
                                       <p:cBhvr>
-                                        <p:cTn id="18" dur="1" fill="hold">
+                                        <p:cTn id="14" dur="1" fill="hold">
                                           <p:stCondLst>
                                             <p:cond delay="0"/>
                                           </p:stCondLst>
@@ -4451,33 +4419,15 @@
                                   </p:childTnLst>
                                 </p:cTn>
                               </p:par>
-                            </p:childTnLst>
-                          </p:cTn>
-                        </p:par>
-                      </p:childTnLst>
-                    </p:cTn>
-                  </p:par>
-                  <p:par>
-                    <p:cTn id="19" fill="hold">
-                      <p:stCondLst>
-                        <p:cond delay="indefinite"/>
-                      </p:stCondLst>
-                      <p:childTnLst>
-                        <p:par>
-                          <p:cTn id="20" fill="hold">
-                            <p:stCondLst>
-                              <p:cond delay="0"/>
-                            </p:stCondLst>
-                            <p:childTnLst>
                               <p:par>
-                                <p:cTn id="21" presetID="1" presetClass="entr" presetSubtype="0" fill="hold" nodeType="clickEffect">
+                                <p:cTn id="15" presetID="1" presetClass="entr" presetSubtype="0" fill="hold" nodeType="withEffect">
                                   <p:stCondLst>
                                     <p:cond delay="0"/>
                                   </p:stCondLst>
                                   <p:childTnLst>
                                     <p:set>
                                       <p:cBhvr>
-                                        <p:cTn id="22" dur="1" fill="hold">
+                                        <p:cTn id="16" dur="1" fill="hold">
                                           <p:stCondLst>
                                             <p:cond delay="0"/>
                                           </p:stCondLst>
@@ -4507,26 +4457,26 @@
                     </p:cTn>
                   </p:par>
                   <p:par>
-                    <p:cTn id="23" fill="hold">
+                    <p:cTn id="17" fill="hold">
                       <p:stCondLst>
                         <p:cond delay="indefinite"/>
                       </p:stCondLst>
                       <p:childTnLst>
                         <p:par>
-                          <p:cTn id="24" fill="hold">
+                          <p:cTn id="18" fill="hold">
                             <p:stCondLst>
                               <p:cond delay="0"/>
                             </p:stCondLst>
                             <p:childTnLst>
                               <p:par>
-                                <p:cTn id="25" presetID="1" presetClass="entr" presetSubtype="0" fill="hold" nodeType="clickEffect">
+                                <p:cTn id="19" presetID="1" presetClass="entr" presetSubtype="0" fill="hold" nodeType="clickEffect">
                                   <p:stCondLst>
                                     <p:cond delay="0"/>
                                   </p:stCondLst>
                                   <p:childTnLst>
                                     <p:set>
                                       <p:cBhvr>
-                                        <p:cTn id="26" dur="1" fill="hold">
+                                        <p:cTn id="20" dur="1" fill="hold">
                                           <p:stCondLst>
                                             <p:cond delay="0"/>
                                           </p:stCondLst>
@@ -4913,26 +4863,39 @@
                                   </p:childTnLst>
                                 </p:cTn>
                               </p:par>
-                            </p:childTnLst>
-                          </p:cTn>
-                        </p:par>
-                      </p:childTnLst>
-                    </p:cTn>
-                  </p:par>
-                  <p:par>
-                    <p:cTn id="15" fill="hold">
-                      <p:stCondLst>
-                        <p:cond delay="indefinite"/>
-                      </p:stCondLst>
-                      <p:childTnLst>
-                        <p:par>
-                          <p:cTn id="16" fill="hold">
-                            <p:stCondLst>
-                              <p:cond delay="0"/>
-                            </p:stCondLst>
-                            <p:childTnLst>
                               <p:par>
-                                <p:cTn id="17" presetID="1" presetClass="entr" presetSubtype="0" fill="hold" nodeType="clickEffect">
+                                <p:cTn id="15" presetID="1" presetClass="entr" presetSubtype="0" fill="hold" nodeType="withEffect">
+                                  <p:stCondLst>
+                                    <p:cond delay="0"/>
+                                  </p:stCondLst>
+                                  <p:childTnLst>
+                                    <p:set>
+                                      <p:cBhvr>
+                                        <p:cTn id="16" dur="1" fill="hold">
+                                          <p:stCondLst>
+                                            <p:cond delay="0"/>
+                                          </p:stCondLst>
+                                        </p:cTn>
+                                        <p:tgtEl>
+                                          <p:spTgt spid="3">
+                                            <p:txEl>
+                                              <p:pRg st="4" end="4"/>
+                                            </p:txEl>
+                                          </p:spTgt>
+                                        </p:tgtEl>
+                                        <p:attrNameLst>
+                                          <p:attrName>style.visibility</p:attrName>
+                                        </p:attrNameLst>
+                                      </p:cBhvr>
+                                      <p:to>
+                                        <p:strVal val="visible"/>
+                                      </p:to>
+                                    </p:set>
+                                  </p:childTnLst>
+                                </p:cTn>
+                              </p:par>
+                              <p:par>
+                                <p:cTn id="17" presetID="1" presetClass="entr" presetSubtype="0" fill="hold" nodeType="withEffect">
                                   <p:stCondLst>
                                     <p:cond delay="0"/>
                                   </p:stCondLst>
@@ -4947,7 +4910,7 @@
                                         <p:tgtEl>
                                           <p:spTgt spid="3">
                                             <p:txEl>
-                                              <p:pRg st="4" end="4"/>
+                                              <p:pRg st="5" end="5"/>
                                             </p:txEl>
                                           </p:spTgt>
                                         </p:tgtEl>
@@ -4989,55 +4952,6 @@
                                     <p:set>
                                       <p:cBhvr>
                                         <p:cTn id="22" dur="1" fill="hold">
-                                          <p:stCondLst>
-                                            <p:cond delay="0"/>
-                                          </p:stCondLst>
-                                        </p:cTn>
-                                        <p:tgtEl>
-                                          <p:spTgt spid="3">
-                                            <p:txEl>
-                                              <p:pRg st="5" end="5"/>
-                                            </p:txEl>
-                                          </p:spTgt>
-                                        </p:tgtEl>
-                                        <p:attrNameLst>
-                                          <p:attrName>style.visibility</p:attrName>
-                                        </p:attrNameLst>
-                                      </p:cBhvr>
-                                      <p:to>
-                                        <p:strVal val="visible"/>
-                                      </p:to>
-                                    </p:set>
-                                  </p:childTnLst>
-                                </p:cTn>
-                              </p:par>
-                            </p:childTnLst>
-                          </p:cTn>
-                        </p:par>
-                      </p:childTnLst>
-                    </p:cTn>
-                  </p:par>
-                  <p:par>
-                    <p:cTn id="23" fill="hold">
-                      <p:stCondLst>
-                        <p:cond delay="indefinite"/>
-                      </p:stCondLst>
-                      <p:childTnLst>
-                        <p:par>
-                          <p:cTn id="24" fill="hold">
-                            <p:stCondLst>
-                              <p:cond delay="0"/>
-                            </p:stCondLst>
-                            <p:childTnLst>
-                              <p:par>
-                                <p:cTn id="25" presetID="1" presetClass="entr" presetSubtype="0" fill="hold" nodeType="clickEffect">
-                                  <p:stCondLst>
-                                    <p:cond delay="0"/>
-                                  </p:stCondLst>
-                                  <p:childTnLst>
-                                    <p:set>
-                                      <p:cBhvr>
-                                        <p:cTn id="26" dur="1" fill="hold">
                                           <p:stCondLst>
                                             <p:cond delay="0"/>
                                           </p:stCondLst>
@@ -5146,8 +5060,8 @@
           </a:p>
         </p:txBody>
       </p:sp>
-      <mc:AlternateContent xmlns:mc="http://schemas.openxmlformats.org/markup-compatibility/2006" xmlns:a14="http://schemas.microsoft.com/office/drawing/2010/main">
-        <mc:Choice Requires="a14">
+      <mc:AlternateContent xmlns:mc="http://schemas.openxmlformats.org/markup-compatibility/2006">
+        <mc:Choice xmlns:a14="http://schemas.microsoft.com/office/drawing/2010/main" Requires="a14">
           <p:sp>
             <p:nvSpPr>
               <p:cNvPr id="3" name="Content Placeholder 2">
@@ -5256,17 +5170,9 @@
                 </a:r>
                 <a:r>
                   <a:rPr lang="en-US" b="1" dirty="0"/>
-                  <a:t>clustering</a:t>
+                  <a:t>clustering   </a:t>
                 </a:r>
-              </a:p>
-              <a:p>
-                <a:pPr marL="457200" lvl="1" indent="0">
-                  <a:buNone/>
-                </a:pPr>
-                <a:r>
-                  <a:rPr lang="en-US" dirty="0"/>
-                  <a:t> </a:t>
-                </a:r>
+                <a:endParaRPr lang="en-US" dirty="0"/>
               </a:p>
               <a:p>
                 <a:endParaRPr lang="en-US" dirty="0"/>
@@ -5280,7 +5186,7 @@
             </p:txBody>
           </p:sp>
         </mc:Choice>
-        <mc:Fallback xmlns="">
+        <mc:Fallback>
           <p:sp>
             <p:nvSpPr>
               <p:cNvPr id="3" name="Content Placeholder 2">
@@ -5469,55 +5375,6 @@
                                           <p:spTgt spid="3">
                                             <p:txEl>
                                               <p:pRg st="4" end="4"/>
-                                            </p:txEl>
-                                          </p:spTgt>
-                                        </p:tgtEl>
-                                        <p:attrNameLst>
-                                          <p:attrName>style.visibility</p:attrName>
-                                        </p:attrNameLst>
-                                      </p:cBhvr>
-                                      <p:to>
-                                        <p:strVal val="visible"/>
-                                      </p:to>
-                                    </p:set>
-                                  </p:childTnLst>
-                                </p:cTn>
-                              </p:par>
-                            </p:childTnLst>
-                          </p:cTn>
-                        </p:par>
-                      </p:childTnLst>
-                    </p:cTn>
-                  </p:par>
-                  <p:par>
-                    <p:cTn id="15" fill="hold">
-                      <p:stCondLst>
-                        <p:cond delay="indefinite"/>
-                      </p:stCondLst>
-                      <p:childTnLst>
-                        <p:par>
-                          <p:cTn id="16" fill="hold">
-                            <p:stCondLst>
-                              <p:cond delay="0"/>
-                            </p:stCondLst>
-                            <p:childTnLst>
-                              <p:par>
-                                <p:cTn id="17" presetID="1" presetClass="entr" presetSubtype="0" fill="hold" nodeType="clickEffect">
-                                  <p:stCondLst>
-                                    <p:cond delay="0"/>
-                                  </p:stCondLst>
-                                  <p:childTnLst>
-                                    <p:set>
-                                      <p:cBhvr>
-                                        <p:cTn id="18" dur="1" fill="hold">
-                                          <p:stCondLst>
-                                            <p:cond delay="0"/>
-                                          </p:stCondLst>
-                                        </p:cTn>
-                                        <p:tgtEl>
-                                          <p:spTgt spid="3">
-                                            <p:txEl>
-                                              <p:pRg st="5" end="5"/>
                                             </p:txEl>
                                           </p:spTgt>
                                         </p:tgtEl>
@@ -11016,26 +10873,39 @@
                                   </p:childTnLst>
                                 </p:cTn>
                               </p:par>
-                            </p:childTnLst>
-                          </p:cTn>
-                        </p:par>
-                      </p:childTnLst>
-                    </p:cTn>
-                  </p:par>
-                  <p:par>
-                    <p:cTn id="11" fill="hold">
-                      <p:stCondLst>
-                        <p:cond delay="indefinite"/>
-                      </p:stCondLst>
-                      <p:childTnLst>
-                        <p:par>
-                          <p:cTn id="12" fill="hold">
-                            <p:stCondLst>
-                              <p:cond delay="0"/>
-                            </p:stCondLst>
-                            <p:childTnLst>
                               <p:par>
-                                <p:cTn id="13" presetID="1" presetClass="entr" presetSubtype="0" fill="hold" grpId="0" nodeType="clickEffect">
+                                <p:cTn id="11" presetID="1" presetClass="entr" presetSubtype="0" fill="hold" grpId="0" nodeType="withEffect">
+                                  <p:stCondLst>
+                                    <p:cond delay="0"/>
+                                  </p:stCondLst>
+                                  <p:childTnLst>
+                                    <p:set>
+                                      <p:cBhvr>
+                                        <p:cTn id="12" dur="1" fill="hold">
+                                          <p:stCondLst>
+                                            <p:cond delay="0"/>
+                                          </p:stCondLst>
+                                        </p:cTn>
+                                        <p:tgtEl>
+                                          <p:spTgt spid="3">
+                                            <p:txEl>
+                                              <p:pRg st="3" end="3"/>
+                                            </p:txEl>
+                                          </p:spTgt>
+                                        </p:tgtEl>
+                                        <p:attrNameLst>
+                                          <p:attrName>style.visibility</p:attrName>
+                                        </p:attrNameLst>
+                                      </p:cBhvr>
+                                      <p:to>
+                                        <p:strVal val="visible"/>
+                                      </p:to>
+                                    </p:set>
+                                  </p:childTnLst>
+                                </p:cTn>
+                              </p:par>
+                              <p:par>
+                                <p:cTn id="13" presetID="1" presetClass="entr" presetSubtype="0" fill="hold" grpId="0" nodeType="withEffect">
                                   <p:stCondLst>
                                     <p:cond delay="0"/>
                                   </p:stCondLst>
@@ -11050,7 +10920,7 @@
                                         <p:tgtEl>
                                           <p:spTgt spid="3">
                                             <p:txEl>
-                                              <p:pRg st="3" end="3"/>
+                                              <p:pRg st="4" end="4"/>
                                             </p:txEl>
                                           </p:spTgt>
                                         </p:tgtEl>
@@ -11099,7 +10969,7 @@
                                         <p:tgtEl>
                                           <p:spTgt spid="3">
                                             <p:txEl>
-                                              <p:pRg st="4" end="4"/>
+                                              <p:pRg st="5" end="5"/>
                                             </p:txEl>
                                           </p:spTgt>
                                         </p:tgtEl>
@@ -11148,7 +11018,7 @@
                                         <p:tgtEl>
                                           <p:spTgt spid="3">
                                             <p:txEl>
-                                              <p:pRg st="5" end="5"/>
+                                              <p:pRg st="6" end="6"/>
                                             </p:txEl>
                                           </p:spTgt>
                                         </p:tgtEl>
@@ -11197,7 +11067,7 @@
                                         <p:tgtEl>
                                           <p:spTgt spid="3">
                                             <p:txEl>
-                                              <p:pRg st="6" end="6"/>
+                                              <p:pRg st="7" end="7"/>
                                             </p:txEl>
                                           </p:spTgt>
                                         </p:tgtEl>
@@ -11239,55 +11109,6 @@
                                     <p:set>
                                       <p:cBhvr>
                                         <p:cTn id="30" dur="1" fill="hold">
-                                          <p:stCondLst>
-                                            <p:cond delay="0"/>
-                                          </p:stCondLst>
-                                        </p:cTn>
-                                        <p:tgtEl>
-                                          <p:spTgt spid="3">
-                                            <p:txEl>
-                                              <p:pRg st="7" end="7"/>
-                                            </p:txEl>
-                                          </p:spTgt>
-                                        </p:tgtEl>
-                                        <p:attrNameLst>
-                                          <p:attrName>style.visibility</p:attrName>
-                                        </p:attrNameLst>
-                                      </p:cBhvr>
-                                      <p:to>
-                                        <p:strVal val="visible"/>
-                                      </p:to>
-                                    </p:set>
-                                  </p:childTnLst>
-                                </p:cTn>
-                              </p:par>
-                            </p:childTnLst>
-                          </p:cTn>
-                        </p:par>
-                      </p:childTnLst>
-                    </p:cTn>
-                  </p:par>
-                  <p:par>
-                    <p:cTn id="31" fill="hold">
-                      <p:stCondLst>
-                        <p:cond delay="indefinite"/>
-                      </p:stCondLst>
-                      <p:childTnLst>
-                        <p:par>
-                          <p:cTn id="32" fill="hold">
-                            <p:stCondLst>
-                              <p:cond delay="0"/>
-                            </p:stCondLst>
-                            <p:childTnLst>
-                              <p:par>
-                                <p:cTn id="33" presetID="1" presetClass="entr" presetSubtype="0" fill="hold" grpId="0" nodeType="clickEffect">
-                                  <p:stCondLst>
-                                    <p:cond delay="0"/>
-                                  </p:stCondLst>
-                                  <p:childTnLst>
-                                    <p:set>
-                                      <p:cBhvr>
-                                        <p:cTn id="34" dur="1" fill="hold">
                                           <p:stCondLst>
                                             <p:cond delay="0"/>
                                           </p:stCondLst>
@@ -13775,379 +13596,6 @@
   <p:clrMapOvr>
     <a:masterClrMapping/>
   </p:clrMapOvr>
-  <p:timing>
-    <p:tnLst>
-      <p:par>
-        <p:cTn id="1" dur="indefinite" restart="never" nodeType="tmRoot">
-          <p:childTnLst>
-            <p:seq concurrent="1" nextAc="seek">
-              <p:cTn id="2" dur="indefinite" nodeType="mainSeq">
-                <p:childTnLst>
-                  <p:par>
-                    <p:cTn id="3" fill="hold">
-                      <p:stCondLst>
-                        <p:cond delay="indefinite"/>
-                      </p:stCondLst>
-                      <p:childTnLst>
-                        <p:par>
-                          <p:cTn id="4" fill="hold">
-                            <p:stCondLst>
-                              <p:cond delay="0"/>
-                            </p:stCondLst>
-                            <p:childTnLst>
-                              <p:par>
-                                <p:cTn id="5" presetID="1" presetClass="entr" presetSubtype="0" fill="hold" nodeType="clickEffect">
-                                  <p:stCondLst>
-                                    <p:cond delay="0"/>
-                                  </p:stCondLst>
-                                  <p:childTnLst>
-                                    <p:set>
-                                      <p:cBhvr>
-                                        <p:cTn id="6" dur="1" fill="hold">
-                                          <p:stCondLst>
-                                            <p:cond delay="0"/>
-                                          </p:stCondLst>
-                                        </p:cTn>
-                                        <p:tgtEl>
-                                          <p:spTgt spid="3">
-                                            <p:txEl>
-                                              <p:pRg st="1" end="1"/>
-                                            </p:txEl>
-                                          </p:spTgt>
-                                        </p:tgtEl>
-                                        <p:attrNameLst>
-                                          <p:attrName>style.visibility</p:attrName>
-                                        </p:attrNameLst>
-                                      </p:cBhvr>
-                                      <p:to>
-                                        <p:strVal val="visible"/>
-                                      </p:to>
-                                    </p:set>
-                                  </p:childTnLst>
-                                </p:cTn>
-                              </p:par>
-                            </p:childTnLst>
-                          </p:cTn>
-                        </p:par>
-                      </p:childTnLst>
-                    </p:cTn>
-                  </p:par>
-                  <p:par>
-                    <p:cTn id="7" fill="hold">
-                      <p:stCondLst>
-                        <p:cond delay="indefinite"/>
-                      </p:stCondLst>
-                      <p:childTnLst>
-                        <p:par>
-                          <p:cTn id="8" fill="hold">
-                            <p:stCondLst>
-                              <p:cond delay="0"/>
-                            </p:stCondLst>
-                            <p:childTnLst>
-                              <p:par>
-                                <p:cTn id="9" presetID="1" presetClass="entr" presetSubtype="0" fill="hold" nodeType="clickEffect">
-                                  <p:stCondLst>
-                                    <p:cond delay="0"/>
-                                  </p:stCondLst>
-                                  <p:childTnLst>
-                                    <p:set>
-                                      <p:cBhvr>
-                                        <p:cTn id="10" dur="1" fill="hold">
-                                          <p:stCondLst>
-                                            <p:cond delay="0"/>
-                                          </p:stCondLst>
-                                        </p:cTn>
-                                        <p:tgtEl>
-                                          <p:spTgt spid="3">
-                                            <p:txEl>
-                                              <p:pRg st="2" end="2"/>
-                                            </p:txEl>
-                                          </p:spTgt>
-                                        </p:tgtEl>
-                                        <p:attrNameLst>
-                                          <p:attrName>style.visibility</p:attrName>
-                                        </p:attrNameLst>
-                                      </p:cBhvr>
-                                      <p:to>
-                                        <p:strVal val="visible"/>
-                                      </p:to>
-                                    </p:set>
-                                  </p:childTnLst>
-                                </p:cTn>
-                              </p:par>
-                            </p:childTnLst>
-                          </p:cTn>
-                        </p:par>
-                      </p:childTnLst>
-                    </p:cTn>
-                  </p:par>
-                  <p:par>
-                    <p:cTn id="11" fill="hold">
-                      <p:stCondLst>
-                        <p:cond delay="indefinite"/>
-                      </p:stCondLst>
-                      <p:childTnLst>
-                        <p:par>
-                          <p:cTn id="12" fill="hold">
-                            <p:stCondLst>
-                              <p:cond delay="0"/>
-                            </p:stCondLst>
-                            <p:childTnLst>
-                              <p:par>
-                                <p:cTn id="13" presetID="1" presetClass="entr" presetSubtype="0" fill="hold" nodeType="clickEffect">
-                                  <p:stCondLst>
-                                    <p:cond delay="0"/>
-                                  </p:stCondLst>
-                                  <p:childTnLst>
-                                    <p:set>
-                                      <p:cBhvr>
-                                        <p:cTn id="14" dur="1" fill="hold">
-                                          <p:stCondLst>
-                                            <p:cond delay="0"/>
-                                          </p:stCondLst>
-                                        </p:cTn>
-                                        <p:tgtEl>
-                                          <p:spTgt spid="3">
-                                            <p:txEl>
-                                              <p:pRg st="3" end="3"/>
-                                            </p:txEl>
-                                          </p:spTgt>
-                                        </p:tgtEl>
-                                        <p:attrNameLst>
-                                          <p:attrName>style.visibility</p:attrName>
-                                        </p:attrNameLst>
-                                      </p:cBhvr>
-                                      <p:to>
-                                        <p:strVal val="visible"/>
-                                      </p:to>
-                                    </p:set>
-                                  </p:childTnLst>
-                                </p:cTn>
-                              </p:par>
-                            </p:childTnLst>
-                          </p:cTn>
-                        </p:par>
-                      </p:childTnLst>
-                    </p:cTn>
-                  </p:par>
-                  <p:par>
-                    <p:cTn id="15" fill="hold">
-                      <p:stCondLst>
-                        <p:cond delay="indefinite"/>
-                      </p:stCondLst>
-                      <p:childTnLst>
-                        <p:par>
-                          <p:cTn id="16" fill="hold">
-                            <p:stCondLst>
-                              <p:cond delay="0"/>
-                            </p:stCondLst>
-                            <p:childTnLst>
-                              <p:par>
-                                <p:cTn id="17" presetID="1" presetClass="entr" presetSubtype="0" fill="hold" nodeType="clickEffect">
-                                  <p:stCondLst>
-                                    <p:cond delay="0"/>
-                                  </p:stCondLst>
-                                  <p:childTnLst>
-                                    <p:set>
-                                      <p:cBhvr>
-                                        <p:cTn id="18" dur="1" fill="hold">
-                                          <p:stCondLst>
-                                            <p:cond delay="0"/>
-                                          </p:stCondLst>
-                                        </p:cTn>
-                                        <p:tgtEl>
-                                          <p:spTgt spid="3">
-                                            <p:txEl>
-                                              <p:pRg st="4" end="4"/>
-                                            </p:txEl>
-                                          </p:spTgt>
-                                        </p:tgtEl>
-                                        <p:attrNameLst>
-                                          <p:attrName>style.visibility</p:attrName>
-                                        </p:attrNameLst>
-                                      </p:cBhvr>
-                                      <p:to>
-                                        <p:strVal val="visible"/>
-                                      </p:to>
-                                    </p:set>
-                                  </p:childTnLst>
-                                </p:cTn>
-                              </p:par>
-                            </p:childTnLst>
-                          </p:cTn>
-                        </p:par>
-                      </p:childTnLst>
-                    </p:cTn>
-                  </p:par>
-                  <p:par>
-                    <p:cTn id="19" fill="hold">
-                      <p:stCondLst>
-                        <p:cond delay="indefinite"/>
-                      </p:stCondLst>
-                      <p:childTnLst>
-                        <p:par>
-                          <p:cTn id="20" fill="hold">
-                            <p:stCondLst>
-                              <p:cond delay="0"/>
-                            </p:stCondLst>
-                            <p:childTnLst>
-                              <p:par>
-                                <p:cTn id="21" presetID="1" presetClass="entr" presetSubtype="0" fill="hold" nodeType="clickEffect">
-                                  <p:stCondLst>
-                                    <p:cond delay="0"/>
-                                  </p:stCondLst>
-                                  <p:childTnLst>
-                                    <p:set>
-                                      <p:cBhvr>
-                                        <p:cTn id="22" dur="1" fill="hold">
-                                          <p:stCondLst>
-                                            <p:cond delay="0"/>
-                                          </p:stCondLst>
-                                        </p:cTn>
-                                        <p:tgtEl>
-                                          <p:spTgt spid="3">
-                                            <p:txEl>
-                                              <p:pRg st="5" end="5"/>
-                                            </p:txEl>
-                                          </p:spTgt>
-                                        </p:tgtEl>
-                                        <p:attrNameLst>
-                                          <p:attrName>style.visibility</p:attrName>
-                                        </p:attrNameLst>
-                                      </p:cBhvr>
-                                      <p:to>
-                                        <p:strVal val="visible"/>
-                                      </p:to>
-                                    </p:set>
-                                  </p:childTnLst>
-                                </p:cTn>
-                              </p:par>
-                            </p:childTnLst>
-                          </p:cTn>
-                        </p:par>
-                      </p:childTnLst>
-                    </p:cTn>
-                  </p:par>
-                  <p:par>
-                    <p:cTn id="23" fill="hold">
-                      <p:stCondLst>
-                        <p:cond delay="indefinite"/>
-                      </p:stCondLst>
-                      <p:childTnLst>
-                        <p:par>
-                          <p:cTn id="24" fill="hold">
-                            <p:stCondLst>
-                              <p:cond delay="0"/>
-                            </p:stCondLst>
-                            <p:childTnLst>
-                              <p:par>
-                                <p:cTn id="25" presetID="1" presetClass="entr" presetSubtype="0" fill="hold" nodeType="clickEffect">
-                                  <p:stCondLst>
-                                    <p:cond delay="0"/>
-                                  </p:stCondLst>
-                                  <p:childTnLst>
-                                    <p:set>
-                                      <p:cBhvr>
-                                        <p:cTn id="26" dur="1" fill="hold">
-                                          <p:stCondLst>
-                                            <p:cond delay="0"/>
-                                          </p:stCondLst>
-                                        </p:cTn>
-                                        <p:tgtEl>
-                                          <p:spTgt spid="3">
-                                            <p:txEl>
-                                              <p:pRg st="6" end="6"/>
-                                            </p:txEl>
-                                          </p:spTgt>
-                                        </p:tgtEl>
-                                        <p:attrNameLst>
-                                          <p:attrName>style.visibility</p:attrName>
-                                        </p:attrNameLst>
-                                      </p:cBhvr>
-                                      <p:to>
-                                        <p:strVal val="visible"/>
-                                      </p:to>
-                                    </p:set>
-                                  </p:childTnLst>
-                                </p:cTn>
-                              </p:par>
-                            </p:childTnLst>
-                          </p:cTn>
-                        </p:par>
-                      </p:childTnLst>
-                    </p:cTn>
-                  </p:par>
-                  <p:par>
-                    <p:cTn id="27" fill="hold">
-                      <p:stCondLst>
-                        <p:cond delay="indefinite"/>
-                      </p:stCondLst>
-                      <p:childTnLst>
-                        <p:par>
-                          <p:cTn id="28" fill="hold">
-                            <p:stCondLst>
-                              <p:cond delay="0"/>
-                            </p:stCondLst>
-                            <p:childTnLst>
-                              <p:par>
-                                <p:cTn id="29" presetID="1" presetClass="entr" presetSubtype="0" fill="hold" nodeType="clickEffect">
-                                  <p:stCondLst>
-                                    <p:cond delay="0"/>
-                                  </p:stCondLst>
-                                  <p:childTnLst>
-                                    <p:set>
-                                      <p:cBhvr>
-                                        <p:cTn id="30" dur="1" fill="hold">
-                                          <p:stCondLst>
-                                            <p:cond delay="0"/>
-                                          </p:stCondLst>
-                                        </p:cTn>
-                                        <p:tgtEl>
-                                          <p:spTgt spid="3">
-                                            <p:txEl>
-                                              <p:pRg st="7" end="7"/>
-                                            </p:txEl>
-                                          </p:spTgt>
-                                        </p:tgtEl>
-                                        <p:attrNameLst>
-                                          <p:attrName>style.visibility</p:attrName>
-                                        </p:attrNameLst>
-                                      </p:cBhvr>
-                                      <p:to>
-                                        <p:strVal val="visible"/>
-                                      </p:to>
-                                    </p:set>
-                                  </p:childTnLst>
-                                </p:cTn>
-                              </p:par>
-                            </p:childTnLst>
-                          </p:cTn>
-                        </p:par>
-                      </p:childTnLst>
-                    </p:cTn>
-                  </p:par>
-                </p:childTnLst>
-              </p:cTn>
-              <p:prevCondLst>
-                <p:cond evt="onPrev" delay="0">
-                  <p:tgtEl>
-                    <p:sldTgt/>
-                  </p:tgtEl>
-                </p:cond>
-              </p:prevCondLst>
-              <p:nextCondLst>
-                <p:cond evt="onNext" delay="0">
-                  <p:tgtEl>
-                    <p:sldTgt/>
-                  </p:tgtEl>
-                </p:cond>
-              </p:nextCondLst>
-            </p:seq>
-          </p:childTnLst>
-        </p:cTn>
-      </p:par>
-    </p:tnLst>
-  </p:timing>
 </p:sld>
 </file>
 
@@ -17082,26 +16530,39 @@
                                   </p:childTnLst>
                                 </p:cTn>
                               </p:par>
-                            </p:childTnLst>
-                          </p:cTn>
-                        </p:par>
-                      </p:childTnLst>
-                    </p:cTn>
-                  </p:par>
-                  <p:par>
-                    <p:cTn id="7" fill="hold">
-                      <p:stCondLst>
-                        <p:cond delay="indefinite"/>
-                      </p:stCondLst>
-                      <p:childTnLst>
-                        <p:par>
-                          <p:cTn id="8" fill="hold">
-                            <p:stCondLst>
-                              <p:cond delay="0"/>
-                            </p:stCondLst>
-                            <p:childTnLst>
                               <p:par>
-                                <p:cTn id="9" presetID="1" presetClass="entr" presetSubtype="0" fill="hold" nodeType="clickEffect">
+                                <p:cTn id="7" presetID="1" presetClass="entr" presetSubtype="0" fill="hold" nodeType="withEffect">
+                                  <p:stCondLst>
+                                    <p:cond delay="0"/>
+                                  </p:stCondLst>
+                                  <p:childTnLst>
+                                    <p:set>
+                                      <p:cBhvr>
+                                        <p:cTn id="8" dur="1" fill="hold">
+                                          <p:stCondLst>
+                                            <p:cond delay="0"/>
+                                          </p:stCondLst>
+                                        </p:cTn>
+                                        <p:tgtEl>
+                                          <p:spTgt spid="3">
+                                            <p:txEl>
+                                              <p:pRg st="2" end="2"/>
+                                            </p:txEl>
+                                          </p:spTgt>
+                                        </p:tgtEl>
+                                        <p:attrNameLst>
+                                          <p:attrName>style.visibility</p:attrName>
+                                        </p:attrNameLst>
+                                      </p:cBhvr>
+                                      <p:to>
+                                        <p:strVal val="visible"/>
+                                      </p:to>
+                                    </p:set>
+                                  </p:childTnLst>
+                                </p:cTn>
+                              </p:par>
+                              <p:par>
+                                <p:cTn id="9" presetID="1" presetClass="entr" presetSubtype="0" fill="hold" nodeType="withEffect">
                                   <p:stCondLst>
                                     <p:cond delay="0"/>
                                   </p:stCondLst>
@@ -17116,7 +16577,7 @@
                                         <p:tgtEl>
                                           <p:spTgt spid="3">
                                             <p:txEl>
-                                              <p:pRg st="2" end="2"/>
+                                              <p:pRg st="3" end="3"/>
                                             </p:txEl>
                                           </p:spTgt>
                                         </p:tgtEl>
@@ -17165,7 +16626,7 @@
                                         <p:tgtEl>
                                           <p:spTgt spid="3">
                                             <p:txEl>
-                                              <p:pRg st="3" end="3"/>
+                                              <p:pRg st="4" end="4"/>
                                             </p:txEl>
                                           </p:spTgt>
                                         </p:tgtEl>
@@ -17180,26 +16641,39 @@
                                   </p:childTnLst>
                                 </p:cTn>
                               </p:par>
-                            </p:childTnLst>
-                          </p:cTn>
-                        </p:par>
-                      </p:childTnLst>
-                    </p:cTn>
-                  </p:par>
-                  <p:par>
-                    <p:cTn id="15" fill="hold">
-                      <p:stCondLst>
-                        <p:cond delay="indefinite"/>
-                      </p:stCondLst>
-                      <p:childTnLst>
-                        <p:par>
-                          <p:cTn id="16" fill="hold">
-                            <p:stCondLst>
-                              <p:cond delay="0"/>
-                            </p:stCondLst>
-                            <p:childTnLst>
                               <p:par>
-                                <p:cTn id="17" presetID="1" presetClass="entr" presetSubtype="0" fill="hold" nodeType="clickEffect">
+                                <p:cTn id="15" presetID="1" presetClass="entr" presetSubtype="0" fill="hold" nodeType="withEffect">
+                                  <p:stCondLst>
+                                    <p:cond delay="0"/>
+                                  </p:stCondLst>
+                                  <p:childTnLst>
+                                    <p:set>
+                                      <p:cBhvr>
+                                        <p:cTn id="16" dur="1" fill="hold">
+                                          <p:stCondLst>
+                                            <p:cond delay="0"/>
+                                          </p:stCondLst>
+                                        </p:cTn>
+                                        <p:tgtEl>
+                                          <p:spTgt spid="3">
+                                            <p:txEl>
+                                              <p:pRg st="5" end="5"/>
+                                            </p:txEl>
+                                          </p:spTgt>
+                                        </p:tgtEl>
+                                        <p:attrNameLst>
+                                          <p:attrName>style.visibility</p:attrName>
+                                        </p:attrNameLst>
+                                      </p:cBhvr>
+                                      <p:to>
+                                        <p:strVal val="visible"/>
+                                      </p:to>
+                                    </p:set>
+                                  </p:childTnLst>
+                                </p:cTn>
+                              </p:par>
+                              <p:par>
+                                <p:cTn id="17" presetID="1" presetClass="entr" presetSubtype="0" fill="hold" nodeType="withEffect">
                                   <p:stCondLst>
                                     <p:cond delay="0"/>
                                   </p:stCondLst>
@@ -17214,7 +16688,7 @@
                                         <p:tgtEl>
                                           <p:spTgt spid="3">
                                             <p:txEl>
-                                              <p:pRg st="4" end="4"/>
+                                              <p:pRg st="6" end="6"/>
                                             </p:txEl>
                                           </p:spTgt>
                                         </p:tgtEl>
@@ -17263,104 +16737,6 @@
                                         <p:tgtEl>
                                           <p:spTgt spid="3">
                                             <p:txEl>
-                                              <p:pRg st="5" end="5"/>
-                                            </p:txEl>
-                                          </p:spTgt>
-                                        </p:tgtEl>
-                                        <p:attrNameLst>
-                                          <p:attrName>style.visibility</p:attrName>
-                                        </p:attrNameLst>
-                                      </p:cBhvr>
-                                      <p:to>
-                                        <p:strVal val="visible"/>
-                                      </p:to>
-                                    </p:set>
-                                  </p:childTnLst>
-                                </p:cTn>
-                              </p:par>
-                            </p:childTnLst>
-                          </p:cTn>
-                        </p:par>
-                      </p:childTnLst>
-                    </p:cTn>
-                  </p:par>
-                  <p:par>
-                    <p:cTn id="23" fill="hold">
-                      <p:stCondLst>
-                        <p:cond delay="indefinite"/>
-                      </p:stCondLst>
-                      <p:childTnLst>
-                        <p:par>
-                          <p:cTn id="24" fill="hold">
-                            <p:stCondLst>
-                              <p:cond delay="0"/>
-                            </p:stCondLst>
-                            <p:childTnLst>
-                              <p:par>
-                                <p:cTn id="25" presetID="1" presetClass="entr" presetSubtype="0" fill="hold" nodeType="clickEffect">
-                                  <p:stCondLst>
-                                    <p:cond delay="0"/>
-                                  </p:stCondLst>
-                                  <p:childTnLst>
-                                    <p:set>
-                                      <p:cBhvr>
-                                        <p:cTn id="26" dur="1" fill="hold">
-                                          <p:stCondLst>
-                                            <p:cond delay="0"/>
-                                          </p:stCondLst>
-                                        </p:cTn>
-                                        <p:tgtEl>
-                                          <p:spTgt spid="3">
-                                            <p:txEl>
-                                              <p:pRg st="6" end="6"/>
-                                            </p:txEl>
-                                          </p:spTgt>
-                                        </p:tgtEl>
-                                        <p:attrNameLst>
-                                          <p:attrName>style.visibility</p:attrName>
-                                        </p:attrNameLst>
-                                      </p:cBhvr>
-                                      <p:to>
-                                        <p:strVal val="visible"/>
-                                      </p:to>
-                                    </p:set>
-                                  </p:childTnLst>
-                                </p:cTn>
-                              </p:par>
-                            </p:childTnLst>
-                          </p:cTn>
-                        </p:par>
-                      </p:childTnLst>
-                    </p:cTn>
-                  </p:par>
-                  <p:par>
-                    <p:cTn id="27" fill="hold">
-                      <p:stCondLst>
-                        <p:cond delay="indefinite"/>
-                      </p:stCondLst>
-                      <p:childTnLst>
-                        <p:par>
-                          <p:cTn id="28" fill="hold">
-                            <p:stCondLst>
-                              <p:cond delay="0"/>
-                            </p:stCondLst>
-                            <p:childTnLst>
-                              <p:par>
-                                <p:cTn id="29" presetID="1" presetClass="entr" presetSubtype="0" fill="hold" nodeType="clickEffect">
-                                  <p:stCondLst>
-                                    <p:cond delay="0"/>
-                                  </p:stCondLst>
-                                  <p:childTnLst>
-                                    <p:set>
-                                      <p:cBhvr>
-                                        <p:cTn id="30" dur="1" fill="hold">
-                                          <p:stCondLst>
-                                            <p:cond delay="0"/>
-                                          </p:stCondLst>
-                                        </p:cTn>
-                                        <p:tgtEl>
-                                          <p:spTgt spid="3">
-                                            <p:txEl>
                                               <p:pRg st="7" end="7"/>
                                             </p:txEl>
                                           </p:spTgt>
@@ -17376,33 +16752,15 @@
                                   </p:childTnLst>
                                 </p:cTn>
                               </p:par>
-                            </p:childTnLst>
-                          </p:cTn>
-                        </p:par>
-                      </p:childTnLst>
-                    </p:cTn>
-                  </p:par>
-                  <p:par>
-                    <p:cTn id="31" fill="hold">
-                      <p:stCondLst>
-                        <p:cond delay="indefinite"/>
-                      </p:stCondLst>
-                      <p:childTnLst>
-                        <p:par>
-                          <p:cTn id="32" fill="hold">
-                            <p:stCondLst>
-                              <p:cond delay="0"/>
-                            </p:stCondLst>
-                            <p:childTnLst>
                               <p:par>
-                                <p:cTn id="33" presetID="1" presetClass="entr" presetSubtype="0" fill="hold" nodeType="clickEffect">
+                                <p:cTn id="23" presetID="1" presetClass="entr" presetSubtype="0" fill="hold" nodeType="withEffect">
                                   <p:stCondLst>
                                     <p:cond delay="0"/>
                                   </p:stCondLst>
                                   <p:childTnLst>
                                     <p:set>
                                       <p:cBhvr>
-                                        <p:cTn id="34" dur="1" fill="hold">
+                                        <p:cTn id="24" dur="1" fill="hold">
                                           <p:stCondLst>
                                             <p:cond delay="0"/>
                                           </p:stCondLst>
@@ -17425,33 +16783,15 @@
                                   </p:childTnLst>
                                 </p:cTn>
                               </p:par>
-                            </p:childTnLst>
-                          </p:cTn>
-                        </p:par>
-                      </p:childTnLst>
-                    </p:cTn>
-                  </p:par>
-                  <p:par>
-                    <p:cTn id="35" fill="hold">
-                      <p:stCondLst>
-                        <p:cond delay="indefinite"/>
-                      </p:stCondLst>
-                      <p:childTnLst>
-                        <p:par>
-                          <p:cTn id="36" fill="hold">
-                            <p:stCondLst>
-                              <p:cond delay="0"/>
-                            </p:stCondLst>
-                            <p:childTnLst>
                               <p:par>
-                                <p:cTn id="37" presetID="1" presetClass="entr" presetSubtype="0" fill="hold" nodeType="clickEffect">
+                                <p:cTn id="25" presetID="1" presetClass="entr" presetSubtype="0" fill="hold" nodeType="withEffect">
                                   <p:stCondLst>
                                     <p:cond delay="0"/>
                                   </p:stCondLst>
                                   <p:childTnLst>
                                     <p:set>
                                       <p:cBhvr>
-                                        <p:cTn id="38" dur="1" fill="hold">
+                                        <p:cTn id="26" dur="1" fill="hold">
                                           <p:stCondLst>
                                             <p:cond delay="0"/>
                                           </p:stCondLst>
@@ -18492,33 +17832,15 @@
                                   </p:childTnLst>
                                 </p:cTn>
                               </p:par>
-                            </p:childTnLst>
-                          </p:cTn>
-                        </p:par>
-                      </p:childTnLst>
-                    </p:cTn>
-                  </p:par>
-                  <p:par>
-                    <p:cTn id="7" fill="hold">
-                      <p:stCondLst>
-                        <p:cond delay="indefinite"/>
-                      </p:stCondLst>
-                      <p:childTnLst>
-                        <p:par>
-                          <p:cTn id="8" fill="hold">
-                            <p:stCondLst>
-                              <p:cond delay="0"/>
-                            </p:stCondLst>
-                            <p:childTnLst>
                               <p:par>
-                                <p:cTn id="9" presetID="1" presetClass="entr" presetSubtype="0" fill="hold" nodeType="clickEffect">
+                                <p:cTn id="7" presetID="1" presetClass="entr" presetSubtype="0" fill="hold" nodeType="withEffect">
                                   <p:stCondLst>
                                     <p:cond delay="0"/>
                                   </p:stCondLst>
                                   <p:childTnLst>
                                     <p:set>
                                       <p:cBhvr>
-                                        <p:cTn id="10" dur="1" fill="hold">
+                                        <p:cTn id="8" dur="1" fill="hold">
                                           <p:stCondLst>
                                             <p:cond delay="0"/>
                                           </p:stCondLst>
@@ -18548,26 +17870,26 @@
                     </p:cTn>
                   </p:par>
                   <p:par>
-                    <p:cTn id="11" fill="hold">
+                    <p:cTn id="9" fill="hold">
                       <p:stCondLst>
                         <p:cond delay="indefinite"/>
                       </p:stCondLst>
                       <p:childTnLst>
                         <p:par>
-                          <p:cTn id="12" fill="hold">
+                          <p:cTn id="10" fill="hold">
                             <p:stCondLst>
                               <p:cond delay="0"/>
                             </p:stCondLst>
                             <p:childTnLst>
                               <p:par>
-                                <p:cTn id="13" presetID="1" presetClass="entr" presetSubtype="0" fill="hold" nodeType="clickEffect">
+                                <p:cTn id="11" presetID="1" presetClass="entr" presetSubtype="0" fill="hold" nodeType="clickEffect">
                                   <p:stCondLst>
                                     <p:cond delay="0"/>
                                   </p:stCondLst>
                                   <p:childTnLst>
                                     <p:set>
                                       <p:cBhvr>
-                                        <p:cTn id="14" dur="1" fill="hold">
+                                        <p:cTn id="12" dur="1" fill="hold">
                                           <p:stCondLst>
                                             <p:cond delay="0"/>
                                           </p:stCondLst>
@@ -18590,26 +17912,70 @@
                                   </p:childTnLst>
                                 </p:cTn>
                               </p:par>
-                            </p:childTnLst>
-                          </p:cTn>
-                        </p:par>
-                      </p:childTnLst>
-                    </p:cTn>
-                  </p:par>
-                  <p:par>
-                    <p:cTn id="15" fill="hold">
-                      <p:stCondLst>
-                        <p:cond delay="indefinite"/>
-                      </p:stCondLst>
-                      <p:childTnLst>
-                        <p:par>
-                          <p:cTn id="16" fill="hold">
-                            <p:stCondLst>
-                              <p:cond delay="0"/>
-                            </p:stCondLst>
-                            <p:childTnLst>
                               <p:par>
-                                <p:cTn id="17" presetID="1" presetClass="entr" presetSubtype="0" fill="hold" nodeType="clickEffect">
+                                <p:cTn id="13" presetID="1" presetClass="entr" presetSubtype="0" fill="hold" nodeType="withEffect">
+                                  <p:stCondLst>
+                                    <p:cond delay="0"/>
+                                  </p:stCondLst>
+                                  <p:childTnLst>
+                                    <p:set>
+                                      <p:cBhvr>
+                                        <p:cTn id="14" dur="1" fill="hold">
+                                          <p:stCondLst>
+                                            <p:cond delay="0"/>
+                                          </p:stCondLst>
+                                        </p:cTn>
+                                        <p:tgtEl>
+                                          <p:spTgt spid="3">
+                                            <p:txEl>
+                                              <p:pRg st="4" end="4"/>
+                                            </p:txEl>
+                                          </p:spTgt>
+                                        </p:tgtEl>
+                                        <p:attrNameLst>
+                                          <p:attrName>style.visibility</p:attrName>
+                                        </p:attrNameLst>
+                                      </p:cBhvr>
+                                      <p:to>
+                                        <p:strVal val="visible"/>
+                                      </p:to>
+                                    </p:set>
+                                  </p:childTnLst>
+                                </p:cTn>
+                              </p:par>
+                              <p:par>
+                                <p:cTn id="15" presetID="1" presetClass="entr" presetSubtype="0" fill="hold" nodeType="withEffect">
+                                  <p:stCondLst>
+                                    <p:cond delay="0"/>
+                                  </p:stCondLst>
+                                  <p:childTnLst>
+                                    <p:set>
+                                      <p:cBhvr>
+                                        <p:cTn id="16" dur="1" fill="hold">
+                                          <p:stCondLst>
+                                            <p:cond delay="0"/>
+                                          </p:stCondLst>
+                                        </p:cTn>
+                                        <p:tgtEl>
+                                          <p:spTgt spid="3">
+                                            <p:txEl>
+                                              <p:pRg st="5" end="5"/>
+                                            </p:txEl>
+                                          </p:spTgt>
+                                        </p:tgtEl>
+                                        <p:attrNameLst>
+                                          <p:attrName>style.visibility</p:attrName>
+                                        </p:attrNameLst>
+                                      </p:cBhvr>
+                                      <p:to>
+                                        <p:strVal val="visible"/>
+                                      </p:to>
+                                    </p:set>
+                                  </p:childTnLst>
+                                </p:cTn>
+                              </p:par>
+                              <p:par>
+                                <p:cTn id="17" presetID="1" presetClass="entr" presetSubtype="0" fill="hold" nodeType="withEffect">
                                   <p:stCondLst>
                                     <p:cond delay="0"/>
                                   </p:stCondLst>
@@ -18624,7 +17990,7 @@
                                         <p:tgtEl>
                                           <p:spTgt spid="3">
                                             <p:txEl>
-                                              <p:pRg st="4" end="4"/>
+                                              <p:pRg st="6" end="6"/>
                                             </p:txEl>
                                           </p:spTgt>
                                         </p:tgtEl>
@@ -18666,104 +18032,6 @@
                                     <p:set>
                                       <p:cBhvr>
                                         <p:cTn id="22" dur="1" fill="hold">
-                                          <p:stCondLst>
-                                            <p:cond delay="0"/>
-                                          </p:stCondLst>
-                                        </p:cTn>
-                                        <p:tgtEl>
-                                          <p:spTgt spid="3">
-                                            <p:txEl>
-                                              <p:pRg st="5" end="5"/>
-                                            </p:txEl>
-                                          </p:spTgt>
-                                        </p:tgtEl>
-                                        <p:attrNameLst>
-                                          <p:attrName>style.visibility</p:attrName>
-                                        </p:attrNameLst>
-                                      </p:cBhvr>
-                                      <p:to>
-                                        <p:strVal val="visible"/>
-                                      </p:to>
-                                    </p:set>
-                                  </p:childTnLst>
-                                </p:cTn>
-                              </p:par>
-                            </p:childTnLst>
-                          </p:cTn>
-                        </p:par>
-                      </p:childTnLst>
-                    </p:cTn>
-                  </p:par>
-                  <p:par>
-                    <p:cTn id="23" fill="hold">
-                      <p:stCondLst>
-                        <p:cond delay="indefinite"/>
-                      </p:stCondLst>
-                      <p:childTnLst>
-                        <p:par>
-                          <p:cTn id="24" fill="hold">
-                            <p:stCondLst>
-                              <p:cond delay="0"/>
-                            </p:stCondLst>
-                            <p:childTnLst>
-                              <p:par>
-                                <p:cTn id="25" presetID="1" presetClass="entr" presetSubtype="0" fill="hold" nodeType="clickEffect">
-                                  <p:stCondLst>
-                                    <p:cond delay="0"/>
-                                  </p:stCondLst>
-                                  <p:childTnLst>
-                                    <p:set>
-                                      <p:cBhvr>
-                                        <p:cTn id="26" dur="1" fill="hold">
-                                          <p:stCondLst>
-                                            <p:cond delay="0"/>
-                                          </p:stCondLst>
-                                        </p:cTn>
-                                        <p:tgtEl>
-                                          <p:spTgt spid="3">
-                                            <p:txEl>
-                                              <p:pRg st="6" end="6"/>
-                                            </p:txEl>
-                                          </p:spTgt>
-                                        </p:tgtEl>
-                                        <p:attrNameLst>
-                                          <p:attrName>style.visibility</p:attrName>
-                                        </p:attrNameLst>
-                                      </p:cBhvr>
-                                      <p:to>
-                                        <p:strVal val="visible"/>
-                                      </p:to>
-                                    </p:set>
-                                  </p:childTnLst>
-                                </p:cTn>
-                              </p:par>
-                            </p:childTnLst>
-                          </p:cTn>
-                        </p:par>
-                      </p:childTnLst>
-                    </p:cTn>
-                  </p:par>
-                  <p:par>
-                    <p:cTn id="27" fill="hold">
-                      <p:stCondLst>
-                        <p:cond delay="indefinite"/>
-                      </p:stCondLst>
-                      <p:childTnLst>
-                        <p:par>
-                          <p:cTn id="28" fill="hold">
-                            <p:stCondLst>
-                              <p:cond delay="0"/>
-                            </p:stCondLst>
-                            <p:childTnLst>
-                              <p:par>
-                                <p:cTn id="29" presetID="1" presetClass="entr" presetSubtype="0" fill="hold" nodeType="clickEffect">
-                                  <p:stCondLst>
-                                    <p:cond delay="0"/>
-                                  </p:stCondLst>
-                                  <p:childTnLst>
-                                    <p:set>
-                                      <p:cBhvr>
-                                        <p:cTn id="30" dur="1" fill="hold">
                                           <p:stCondLst>
                                             <p:cond delay="0"/>
                                           </p:stCondLst>
@@ -18872,8 +18140,8 @@
           </a:p>
         </p:txBody>
       </p:sp>
-      <mc:AlternateContent xmlns:mc="http://schemas.openxmlformats.org/markup-compatibility/2006">
-        <mc:Choice xmlns:a14="http://schemas.microsoft.com/office/drawing/2010/main" Requires="a14">
+      <mc:AlternateContent xmlns:mc="http://schemas.openxmlformats.org/markup-compatibility/2006" xmlns:a14="http://schemas.microsoft.com/office/drawing/2010/main">
+        <mc:Choice Requires="a14">
           <p:sp>
             <p:nvSpPr>
               <p:cNvPr id="3" name="Content Placeholder 2">
@@ -19028,7 +18296,7 @@
             </p:txBody>
           </p:sp>
         </mc:Choice>
-        <mc:Fallback>
+        <mc:Fallback xmlns="">
           <p:sp>
             <p:nvSpPr>
               <p:cNvPr id="3" name="Content Placeholder 2">
@@ -19133,26 +18401,39 @@
                                   </p:childTnLst>
                                 </p:cTn>
                               </p:par>
-                            </p:childTnLst>
-                          </p:cTn>
-                        </p:par>
-                      </p:childTnLst>
-                    </p:cTn>
-                  </p:par>
-                  <p:par>
-                    <p:cTn id="7" fill="hold">
-                      <p:stCondLst>
-                        <p:cond delay="indefinite"/>
-                      </p:stCondLst>
-                      <p:childTnLst>
-                        <p:par>
-                          <p:cTn id="8" fill="hold">
-                            <p:stCondLst>
-                              <p:cond delay="0"/>
-                            </p:stCondLst>
-                            <p:childTnLst>
                               <p:par>
-                                <p:cTn id="9" presetID="1" presetClass="entr" presetSubtype="0" fill="hold" nodeType="clickEffect">
+                                <p:cTn id="7" presetID="1" presetClass="entr" presetSubtype="0" fill="hold" nodeType="withEffect">
+                                  <p:stCondLst>
+                                    <p:cond delay="0"/>
+                                  </p:stCondLst>
+                                  <p:childTnLst>
+                                    <p:set>
+                                      <p:cBhvr>
+                                        <p:cTn id="8" dur="1" fill="hold">
+                                          <p:stCondLst>
+                                            <p:cond delay="0"/>
+                                          </p:stCondLst>
+                                        </p:cTn>
+                                        <p:tgtEl>
+                                          <p:spTgt spid="3">
+                                            <p:txEl>
+                                              <p:pRg st="2" end="2"/>
+                                            </p:txEl>
+                                          </p:spTgt>
+                                        </p:tgtEl>
+                                        <p:attrNameLst>
+                                          <p:attrName>style.visibility</p:attrName>
+                                        </p:attrNameLst>
+                                      </p:cBhvr>
+                                      <p:to>
+                                        <p:strVal val="visible"/>
+                                      </p:to>
+                                    </p:set>
+                                  </p:childTnLst>
+                                </p:cTn>
+                              </p:par>
+                              <p:par>
+                                <p:cTn id="9" presetID="1" presetClass="entr" presetSubtype="0" fill="hold" nodeType="withEffect">
                                   <p:stCondLst>
                                     <p:cond delay="0"/>
                                   </p:stCondLst>
@@ -19167,7 +18448,7 @@
                                         <p:tgtEl>
                                           <p:spTgt spid="3">
                                             <p:txEl>
-                                              <p:pRg st="2" end="2"/>
+                                              <p:pRg st="3" end="3"/>
                                             </p:txEl>
                                           </p:spTgt>
                                         </p:tgtEl>
@@ -19216,55 +18497,6 @@
                                         <p:tgtEl>
                                           <p:spTgt spid="3">
                                             <p:txEl>
-                                              <p:pRg st="3" end="3"/>
-                                            </p:txEl>
-                                          </p:spTgt>
-                                        </p:tgtEl>
-                                        <p:attrNameLst>
-                                          <p:attrName>style.visibility</p:attrName>
-                                        </p:attrNameLst>
-                                      </p:cBhvr>
-                                      <p:to>
-                                        <p:strVal val="visible"/>
-                                      </p:to>
-                                    </p:set>
-                                  </p:childTnLst>
-                                </p:cTn>
-                              </p:par>
-                            </p:childTnLst>
-                          </p:cTn>
-                        </p:par>
-                      </p:childTnLst>
-                    </p:cTn>
-                  </p:par>
-                  <p:par>
-                    <p:cTn id="15" fill="hold">
-                      <p:stCondLst>
-                        <p:cond delay="indefinite"/>
-                      </p:stCondLst>
-                      <p:childTnLst>
-                        <p:par>
-                          <p:cTn id="16" fill="hold">
-                            <p:stCondLst>
-                              <p:cond delay="0"/>
-                            </p:stCondLst>
-                            <p:childTnLst>
-                              <p:par>
-                                <p:cTn id="17" presetID="1" presetClass="entr" presetSubtype="0" fill="hold" nodeType="clickEffect">
-                                  <p:stCondLst>
-                                    <p:cond delay="0"/>
-                                  </p:stCondLst>
-                                  <p:childTnLst>
-                                    <p:set>
-                                      <p:cBhvr>
-                                        <p:cTn id="18" dur="1" fill="hold">
-                                          <p:stCondLst>
-                                            <p:cond delay="0"/>
-                                          </p:stCondLst>
-                                        </p:cTn>
-                                        <p:tgtEl>
-                                          <p:spTgt spid="3">
-                                            <p:txEl>
                                               <p:pRg st="4" end="4"/>
                                             </p:txEl>
                                           </p:spTgt>
@@ -19280,33 +18512,15 @@
                                   </p:childTnLst>
                                 </p:cTn>
                               </p:par>
-                            </p:childTnLst>
-                          </p:cTn>
-                        </p:par>
-                      </p:childTnLst>
-                    </p:cTn>
-                  </p:par>
-                  <p:par>
-                    <p:cTn id="19" fill="hold">
-                      <p:stCondLst>
-                        <p:cond delay="indefinite"/>
-                      </p:stCondLst>
-                      <p:childTnLst>
-                        <p:par>
-                          <p:cTn id="20" fill="hold">
-                            <p:stCondLst>
-                              <p:cond delay="0"/>
-                            </p:stCondLst>
-                            <p:childTnLst>
                               <p:par>
-                                <p:cTn id="21" presetID="1" presetClass="entr" presetSubtype="0" fill="hold" nodeType="clickEffect">
+                                <p:cTn id="15" presetID="1" presetClass="entr" presetSubtype="0" fill="hold" nodeType="withEffect">
                                   <p:stCondLst>
                                     <p:cond delay="0"/>
                                   </p:stCondLst>
                                   <p:childTnLst>
                                     <p:set>
                                       <p:cBhvr>
-                                        <p:cTn id="22" dur="1" fill="hold">
+                                        <p:cTn id="16" dur="1" fill="hold">
                                           <p:stCondLst>
                                             <p:cond delay="0"/>
                                           </p:stCondLst>
@@ -19329,33 +18543,15 @@
                                   </p:childTnLst>
                                 </p:cTn>
                               </p:par>
-                            </p:childTnLst>
-                          </p:cTn>
-                        </p:par>
-                      </p:childTnLst>
-                    </p:cTn>
-                  </p:par>
-                  <p:par>
-                    <p:cTn id="23" fill="hold">
-                      <p:stCondLst>
-                        <p:cond delay="indefinite"/>
-                      </p:stCondLst>
-                      <p:childTnLst>
-                        <p:par>
-                          <p:cTn id="24" fill="hold">
-                            <p:stCondLst>
-                              <p:cond delay="0"/>
-                            </p:stCondLst>
-                            <p:childTnLst>
                               <p:par>
-                                <p:cTn id="25" presetID="1" presetClass="entr" presetSubtype="0" fill="hold" nodeType="clickEffect">
+                                <p:cTn id="17" presetID="1" presetClass="entr" presetSubtype="0" fill="hold" nodeType="withEffect">
                                   <p:stCondLst>
                                     <p:cond delay="0"/>
                                   </p:stCondLst>
                                   <p:childTnLst>
                                     <p:set>
                                       <p:cBhvr>
-                                        <p:cTn id="26" dur="1" fill="hold">
+                                        <p:cTn id="18" dur="1" fill="hold">
                                           <p:stCondLst>
                                             <p:cond delay="0"/>
                                           </p:stCondLst>
@@ -19378,33 +18574,15 @@
                                   </p:childTnLst>
                                 </p:cTn>
                               </p:par>
-                            </p:childTnLst>
-                          </p:cTn>
-                        </p:par>
-                      </p:childTnLst>
-                    </p:cTn>
-                  </p:par>
-                  <p:par>
-                    <p:cTn id="27" fill="hold">
-                      <p:stCondLst>
-                        <p:cond delay="indefinite"/>
-                      </p:stCondLst>
-                      <p:childTnLst>
-                        <p:par>
-                          <p:cTn id="28" fill="hold">
-                            <p:stCondLst>
-                              <p:cond delay="0"/>
-                            </p:stCondLst>
-                            <p:childTnLst>
                               <p:par>
-                                <p:cTn id="29" presetID="1" presetClass="entr" presetSubtype="0" fill="hold" nodeType="clickEffect">
+                                <p:cTn id="19" presetID="1" presetClass="entr" presetSubtype="0" fill="hold" nodeType="withEffect">
                                   <p:stCondLst>
                                     <p:cond delay="0"/>
                                   </p:stCondLst>
                                   <p:childTnLst>
                                     <p:set>
                                       <p:cBhvr>
-                                        <p:cTn id="30" dur="1" fill="hold">
+                                        <p:cTn id="20" dur="1" fill="hold">
                                           <p:stCondLst>
                                             <p:cond delay="0"/>
                                           </p:stCondLst>
@@ -19427,33 +18605,15 @@
                                   </p:childTnLst>
                                 </p:cTn>
                               </p:par>
-                            </p:childTnLst>
-                          </p:cTn>
-                        </p:par>
-                      </p:childTnLst>
-                    </p:cTn>
-                  </p:par>
-                  <p:par>
-                    <p:cTn id="31" fill="hold">
-                      <p:stCondLst>
-                        <p:cond delay="indefinite"/>
-                      </p:stCondLst>
-                      <p:childTnLst>
-                        <p:par>
-                          <p:cTn id="32" fill="hold">
-                            <p:stCondLst>
-                              <p:cond delay="0"/>
-                            </p:stCondLst>
-                            <p:childTnLst>
                               <p:par>
-                                <p:cTn id="33" presetID="1" presetClass="entr" presetSubtype="0" fill="hold" nodeType="clickEffect">
+                                <p:cTn id="21" presetID="1" presetClass="entr" presetSubtype="0" fill="hold" nodeType="withEffect">
                                   <p:stCondLst>
                                     <p:cond delay="0"/>
                                   </p:stCondLst>
                                   <p:childTnLst>
                                     <p:set>
                                       <p:cBhvr>
-                                        <p:cTn id="34" dur="1" fill="hold">
+                                        <p:cTn id="22" dur="1" fill="hold">
                                           <p:stCondLst>
                                             <p:cond delay="0"/>
                                           </p:stCondLst>
@@ -19476,33 +18636,15 @@
                                   </p:childTnLst>
                                 </p:cTn>
                               </p:par>
-                            </p:childTnLst>
-                          </p:cTn>
-                        </p:par>
-                      </p:childTnLst>
-                    </p:cTn>
-                  </p:par>
-                  <p:par>
-                    <p:cTn id="35" fill="hold">
-                      <p:stCondLst>
-                        <p:cond delay="indefinite"/>
-                      </p:stCondLst>
-                      <p:childTnLst>
-                        <p:par>
-                          <p:cTn id="36" fill="hold">
-                            <p:stCondLst>
-                              <p:cond delay="0"/>
-                            </p:stCondLst>
-                            <p:childTnLst>
                               <p:par>
-                                <p:cTn id="37" presetID="1" presetClass="entr" presetSubtype="0" fill="hold" nodeType="clickEffect">
+                                <p:cTn id="23" presetID="1" presetClass="entr" presetSubtype="0" fill="hold" nodeType="withEffect">
                                   <p:stCondLst>
                                     <p:cond delay="0"/>
                                   </p:stCondLst>
                                   <p:childTnLst>
                                     <p:set>
                                       <p:cBhvr>
-                                        <p:cTn id="38" dur="1" fill="hold">
+                                        <p:cTn id="24" dur="1" fill="hold">
                                           <p:stCondLst>
                                             <p:cond delay="0"/>
                                           </p:stCondLst>
@@ -24037,7 +23179,7 @@
                 <a:pPr lvl="1"/>
                 <a:r>
                   <a:rPr lang="en-US" dirty="0"/>
-                  <a:t>Is a tree if only one shortest path </a:t>
+                  <a:t>Tree has only one shortest path </a:t>
                 </a:r>
               </a:p>
               <a:p>
@@ -24298,26 +23440,39 @@
                                   </p:childTnLst>
                                 </p:cTn>
                               </p:par>
-                            </p:childTnLst>
-                          </p:cTn>
-                        </p:par>
-                      </p:childTnLst>
-                    </p:cTn>
-                  </p:par>
-                  <p:par>
-                    <p:cTn id="15" fill="hold">
-                      <p:stCondLst>
-                        <p:cond delay="indefinite"/>
-                      </p:stCondLst>
-                      <p:childTnLst>
-                        <p:par>
-                          <p:cTn id="16" fill="hold">
-                            <p:stCondLst>
-                              <p:cond delay="0"/>
-                            </p:stCondLst>
-                            <p:childTnLst>
                               <p:par>
-                                <p:cTn id="17" presetID="1" presetClass="entr" presetSubtype="0" fill="hold" nodeType="clickEffect">
+                                <p:cTn id="15" presetID="1" presetClass="entr" presetSubtype="0" fill="hold" nodeType="withEffect">
+                                  <p:stCondLst>
+                                    <p:cond delay="0"/>
+                                  </p:stCondLst>
+                                  <p:childTnLst>
+                                    <p:set>
+                                      <p:cBhvr>
+                                        <p:cTn id="16" dur="1" fill="hold">
+                                          <p:stCondLst>
+                                            <p:cond delay="0"/>
+                                          </p:stCondLst>
+                                        </p:cTn>
+                                        <p:tgtEl>
+                                          <p:spTgt spid="3">
+                                            <p:txEl>
+                                              <p:pRg st="4" end="4"/>
+                                            </p:txEl>
+                                          </p:spTgt>
+                                        </p:tgtEl>
+                                        <p:attrNameLst>
+                                          <p:attrName>style.visibility</p:attrName>
+                                        </p:attrNameLst>
+                                      </p:cBhvr>
+                                      <p:to>
+                                        <p:strVal val="visible"/>
+                                      </p:to>
+                                    </p:set>
+                                  </p:childTnLst>
+                                </p:cTn>
+                              </p:par>
+                              <p:par>
+                                <p:cTn id="17" presetID="1" presetClass="entr" presetSubtype="0" fill="hold" nodeType="withEffect">
                                   <p:stCondLst>
                                     <p:cond delay="0"/>
                                   </p:stCondLst>
@@ -24332,7 +23487,7 @@
                                         <p:tgtEl>
                                           <p:spTgt spid="3">
                                             <p:txEl>
-                                              <p:pRg st="4" end="4"/>
+                                              <p:pRg st="5" end="5"/>
                                             </p:txEl>
                                           </p:spTgt>
                                         </p:tgtEl>
@@ -24381,55 +23536,6 @@
                                         <p:tgtEl>
                                           <p:spTgt spid="3">
                                             <p:txEl>
-                                              <p:pRg st="5" end="5"/>
-                                            </p:txEl>
-                                          </p:spTgt>
-                                        </p:tgtEl>
-                                        <p:attrNameLst>
-                                          <p:attrName>style.visibility</p:attrName>
-                                        </p:attrNameLst>
-                                      </p:cBhvr>
-                                      <p:to>
-                                        <p:strVal val="visible"/>
-                                      </p:to>
-                                    </p:set>
-                                  </p:childTnLst>
-                                </p:cTn>
-                              </p:par>
-                            </p:childTnLst>
-                          </p:cTn>
-                        </p:par>
-                      </p:childTnLst>
-                    </p:cTn>
-                  </p:par>
-                  <p:par>
-                    <p:cTn id="23" fill="hold">
-                      <p:stCondLst>
-                        <p:cond delay="indefinite"/>
-                      </p:stCondLst>
-                      <p:childTnLst>
-                        <p:par>
-                          <p:cTn id="24" fill="hold">
-                            <p:stCondLst>
-                              <p:cond delay="0"/>
-                            </p:stCondLst>
-                            <p:childTnLst>
-                              <p:par>
-                                <p:cTn id="25" presetID="1" presetClass="entr" presetSubtype="0" fill="hold" nodeType="clickEffect">
-                                  <p:stCondLst>
-                                    <p:cond delay="0"/>
-                                  </p:stCondLst>
-                                  <p:childTnLst>
-                                    <p:set>
-                                      <p:cBhvr>
-                                        <p:cTn id="26" dur="1" fill="hold">
-                                          <p:stCondLst>
-                                            <p:cond delay="0"/>
-                                          </p:stCondLst>
-                                        </p:cTn>
-                                        <p:tgtEl>
-                                          <p:spTgt spid="3">
-                                            <p:txEl>
                                               <p:pRg st="6" end="6"/>
                                             </p:txEl>
                                           </p:spTgt>
@@ -24445,33 +23551,15 @@
                                   </p:childTnLst>
                                 </p:cTn>
                               </p:par>
-                            </p:childTnLst>
-                          </p:cTn>
-                        </p:par>
-                      </p:childTnLst>
-                    </p:cTn>
-                  </p:par>
-                  <p:par>
-                    <p:cTn id="27" fill="hold">
-                      <p:stCondLst>
-                        <p:cond delay="indefinite"/>
-                      </p:stCondLst>
-                      <p:childTnLst>
-                        <p:par>
-                          <p:cTn id="28" fill="hold">
-                            <p:stCondLst>
-                              <p:cond delay="0"/>
-                            </p:stCondLst>
-                            <p:childTnLst>
                               <p:par>
-                                <p:cTn id="29" presetID="1" presetClass="entr" presetSubtype="0" fill="hold" nodeType="clickEffect">
+                                <p:cTn id="23" presetID="1" presetClass="entr" presetSubtype="0" fill="hold" nodeType="withEffect">
                                   <p:stCondLst>
                                     <p:cond delay="0"/>
                                   </p:stCondLst>
                                   <p:childTnLst>
                                     <p:set>
                                       <p:cBhvr>
-                                        <p:cTn id="30" dur="1" fill="hold">
+                                        <p:cTn id="24" dur="1" fill="hold">
                                           <p:stCondLst>
                                             <p:cond delay="0"/>
                                           </p:stCondLst>
@@ -24494,33 +23582,15 @@
                                   </p:childTnLst>
                                 </p:cTn>
                               </p:par>
-                            </p:childTnLst>
-                          </p:cTn>
-                        </p:par>
-                      </p:childTnLst>
-                    </p:cTn>
-                  </p:par>
-                  <p:par>
-                    <p:cTn id="31" fill="hold">
-                      <p:stCondLst>
-                        <p:cond delay="indefinite"/>
-                      </p:stCondLst>
-                      <p:childTnLst>
-                        <p:par>
-                          <p:cTn id="32" fill="hold">
-                            <p:stCondLst>
-                              <p:cond delay="0"/>
-                            </p:stCondLst>
-                            <p:childTnLst>
                               <p:par>
-                                <p:cTn id="33" presetID="1" presetClass="entr" presetSubtype="0" fill="hold" nodeType="clickEffect">
+                                <p:cTn id="25" presetID="1" presetClass="entr" presetSubtype="0" fill="hold" nodeType="withEffect">
                                   <p:stCondLst>
                                     <p:cond delay="0"/>
                                   </p:stCondLst>
                                   <p:childTnLst>
                                     <p:set>
                                       <p:cBhvr>
-                                        <p:cTn id="34" dur="1" fill="hold">
+                                        <p:cTn id="26" dur="1" fill="hold">
                                           <p:stCondLst>
                                             <p:cond delay="0"/>
                                           </p:stCondLst>
@@ -28813,7 +27883,7 @@
           <a:p>
             <a:r>
               <a:rPr lang="en-US" dirty="0"/>
-              <a:t>Modularity is a metric comparing the connection in a community to a random network.    </a:t>
+              <a:t>Modularity is a metric to compare the connection in a community to a random network.    </a:t>
             </a:r>
           </a:p>
         </p:txBody>
@@ -28928,33 +27998,15 @@
                                   </p:childTnLst>
                                 </p:cTn>
                               </p:par>
-                            </p:childTnLst>
-                          </p:cTn>
-                        </p:par>
-                      </p:childTnLst>
-                    </p:cTn>
-                  </p:par>
-                  <p:par>
-                    <p:cTn id="11" fill="hold">
-                      <p:stCondLst>
-                        <p:cond delay="indefinite"/>
-                      </p:stCondLst>
-                      <p:childTnLst>
-                        <p:par>
-                          <p:cTn id="12" fill="hold">
-                            <p:stCondLst>
-                              <p:cond delay="0"/>
-                            </p:stCondLst>
-                            <p:childTnLst>
                               <p:par>
-                                <p:cTn id="13" presetID="1" presetClass="entr" presetSubtype="0" fill="hold" grpId="0" nodeType="clickEffect">
+                                <p:cTn id="11" presetID="1" presetClass="entr" presetSubtype="0" fill="hold" grpId="0" nodeType="withEffect">
                                   <p:stCondLst>
                                     <p:cond delay="0"/>
                                   </p:stCondLst>
                                   <p:childTnLst>
                                     <p:set>
                                       <p:cBhvr>
-                                        <p:cTn id="14" dur="1" fill="hold">
+                                        <p:cTn id="12" dur="1" fill="hold">
                                           <p:stCondLst>
                                             <p:cond delay="0"/>
                                           </p:stCondLst>
@@ -28977,26 +28029,70 @@
                                   </p:childTnLst>
                                 </p:cTn>
                               </p:par>
-                            </p:childTnLst>
-                          </p:cTn>
-                        </p:par>
-                      </p:childTnLst>
-                    </p:cTn>
-                  </p:par>
-                  <p:par>
-                    <p:cTn id="15" fill="hold">
-                      <p:stCondLst>
-                        <p:cond delay="indefinite"/>
-                      </p:stCondLst>
-                      <p:childTnLst>
-                        <p:par>
-                          <p:cTn id="16" fill="hold">
-                            <p:stCondLst>
-                              <p:cond delay="0"/>
-                            </p:stCondLst>
-                            <p:childTnLst>
                               <p:par>
-                                <p:cTn id="17" presetID="1" presetClass="entr" presetSubtype="0" fill="hold" grpId="0" nodeType="clickEffect">
+                                <p:cTn id="13" presetID="1" presetClass="entr" presetSubtype="0" fill="hold" grpId="0" nodeType="withEffect">
+                                  <p:stCondLst>
+                                    <p:cond delay="0"/>
+                                  </p:stCondLst>
+                                  <p:childTnLst>
+                                    <p:set>
+                                      <p:cBhvr>
+                                        <p:cTn id="14" dur="1" fill="hold">
+                                          <p:stCondLst>
+                                            <p:cond delay="0"/>
+                                          </p:stCondLst>
+                                        </p:cTn>
+                                        <p:tgtEl>
+                                          <p:spTgt spid="3">
+                                            <p:txEl>
+                                              <p:pRg st="4" end="4"/>
+                                            </p:txEl>
+                                          </p:spTgt>
+                                        </p:tgtEl>
+                                        <p:attrNameLst>
+                                          <p:attrName>style.visibility</p:attrName>
+                                        </p:attrNameLst>
+                                      </p:cBhvr>
+                                      <p:to>
+                                        <p:strVal val="visible"/>
+                                      </p:to>
+                                    </p:set>
+                                  </p:childTnLst>
+                                </p:cTn>
+                              </p:par>
+                              <p:par>
+                                <p:cTn id="15" presetID="1" presetClass="entr" presetSubtype="0" fill="hold" grpId="0" nodeType="withEffect">
+                                  <p:stCondLst>
+                                    <p:cond delay="0"/>
+                                  </p:stCondLst>
+                                  <p:childTnLst>
+                                    <p:set>
+                                      <p:cBhvr>
+                                        <p:cTn id="16" dur="1" fill="hold">
+                                          <p:stCondLst>
+                                            <p:cond delay="0"/>
+                                          </p:stCondLst>
+                                        </p:cTn>
+                                        <p:tgtEl>
+                                          <p:spTgt spid="3">
+                                            <p:txEl>
+                                              <p:pRg st="5" end="5"/>
+                                            </p:txEl>
+                                          </p:spTgt>
+                                        </p:tgtEl>
+                                        <p:attrNameLst>
+                                          <p:attrName>style.visibility</p:attrName>
+                                        </p:attrNameLst>
+                                      </p:cBhvr>
+                                      <p:to>
+                                        <p:strVal val="visible"/>
+                                      </p:to>
+                                    </p:set>
+                                  </p:childTnLst>
+                                </p:cTn>
+                              </p:par>
+                              <p:par>
+                                <p:cTn id="17" presetID="1" presetClass="entr" presetSubtype="0" fill="hold" grpId="0" nodeType="withEffect">
                                   <p:stCondLst>
                                     <p:cond delay="0"/>
                                   </p:stCondLst>
@@ -29011,7 +28107,7 @@
                                         <p:tgtEl>
                                           <p:spTgt spid="3">
                                             <p:txEl>
-                                              <p:pRg st="4" end="4"/>
+                                              <p:pRg st="6" end="6"/>
                                             </p:txEl>
                                           </p:spTgt>
                                         </p:tgtEl>
@@ -29060,7 +28156,7 @@
                                         <p:tgtEl>
                                           <p:spTgt spid="3">
                                             <p:txEl>
-                                              <p:pRg st="5" end="5"/>
+                                              <p:pRg st="7" end="7"/>
                                             </p:txEl>
                                           </p:spTgt>
                                         </p:tgtEl>
@@ -29102,104 +28198,6 @@
                                     <p:set>
                                       <p:cBhvr>
                                         <p:cTn id="26" dur="1" fill="hold">
-                                          <p:stCondLst>
-                                            <p:cond delay="0"/>
-                                          </p:stCondLst>
-                                        </p:cTn>
-                                        <p:tgtEl>
-                                          <p:spTgt spid="3">
-                                            <p:txEl>
-                                              <p:pRg st="6" end="6"/>
-                                            </p:txEl>
-                                          </p:spTgt>
-                                        </p:tgtEl>
-                                        <p:attrNameLst>
-                                          <p:attrName>style.visibility</p:attrName>
-                                        </p:attrNameLst>
-                                      </p:cBhvr>
-                                      <p:to>
-                                        <p:strVal val="visible"/>
-                                      </p:to>
-                                    </p:set>
-                                  </p:childTnLst>
-                                </p:cTn>
-                              </p:par>
-                            </p:childTnLst>
-                          </p:cTn>
-                        </p:par>
-                      </p:childTnLst>
-                    </p:cTn>
-                  </p:par>
-                  <p:par>
-                    <p:cTn id="27" fill="hold">
-                      <p:stCondLst>
-                        <p:cond delay="indefinite"/>
-                      </p:stCondLst>
-                      <p:childTnLst>
-                        <p:par>
-                          <p:cTn id="28" fill="hold">
-                            <p:stCondLst>
-                              <p:cond delay="0"/>
-                            </p:stCondLst>
-                            <p:childTnLst>
-                              <p:par>
-                                <p:cTn id="29" presetID="1" presetClass="entr" presetSubtype="0" fill="hold" grpId="0" nodeType="clickEffect">
-                                  <p:stCondLst>
-                                    <p:cond delay="0"/>
-                                  </p:stCondLst>
-                                  <p:childTnLst>
-                                    <p:set>
-                                      <p:cBhvr>
-                                        <p:cTn id="30" dur="1" fill="hold">
-                                          <p:stCondLst>
-                                            <p:cond delay="0"/>
-                                          </p:stCondLst>
-                                        </p:cTn>
-                                        <p:tgtEl>
-                                          <p:spTgt spid="3">
-                                            <p:txEl>
-                                              <p:pRg st="7" end="7"/>
-                                            </p:txEl>
-                                          </p:spTgt>
-                                        </p:tgtEl>
-                                        <p:attrNameLst>
-                                          <p:attrName>style.visibility</p:attrName>
-                                        </p:attrNameLst>
-                                      </p:cBhvr>
-                                      <p:to>
-                                        <p:strVal val="visible"/>
-                                      </p:to>
-                                    </p:set>
-                                  </p:childTnLst>
-                                </p:cTn>
-                              </p:par>
-                            </p:childTnLst>
-                          </p:cTn>
-                        </p:par>
-                      </p:childTnLst>
-                    </p:cTn>
-                  </p:par>
-                  <p:par>
-                    <p:cTn id="31" fill="hold">
-                      <p:stCondLst>
-                        <p:cond delay="indefinite"/>
-                      </p:stCondLst>
-                      <p:childTnLst>
-                        <p:par>
-                          <p:cTn id="32" fill="hold">
-                            <p:stCondLst>
-                              <p:cond delay="0"/>
-                            </p:stCondLst>
-                            <p:childTnLst>
-                              <p:par>
-                                <p:cTn id="33" presetID="1" presetClass="entr" presetSubtype="0" fill="hold" grpId="0" nodeType="clickEffect">
-                                  <p:stCondLst>
-                                    <p:cond delay="0"/>
-                                  </p:stCondLst>
-                                  <p:childTnLst>
-                                    <p:set>
-                                      <p:cBhvr>
-                                        <p:cTn id="34" dur="1" fill="hold">
                                           <p:stCondLst>
                                             <p:cond delay="0"/>
                                           </p:stCondLst>
@@ -29470,8 +28468,8 @@
           </a:p>
         </p:txBody>
       </p:sp>
-      <mc:AlternateContent xmlns:mc="http://schemas.openxmlformats.org/markup-compatibility/2006" xmlns:a14="http://schemas.microsoft.com/office/drawing/2010/main">
-        <mc:Choice Requires="a14">
+      <mc:AlternateContent xmlns:mc="http://schemas.openxmlformats.org/markup-compatibility/2006">
+        <mc:Choice xmlns:a14="http://schemas.microsoft.com/office/drawing/2010/main" Requires="a14">
           <p:sp>
             <p:nvSpPr>
               <p:cNvPr id="3" name="Content Placeholder 2">
@@ -29982,7 +28980,7 @@
                 <a:endParaRPr lang="en-US" dirty="0"/>
               </a:p>
               <a:p>
-                <a:pPr marL="0" indent="0">
+                <a:pPr marL="457200" lvl="1" indent="0">
                   <a:buNone/>
                 </a:pPr>
                 <a:r>
@@ -29991,7 +28989,7 @@
                 </a:r>
               </a:p>
               <a:p>
-                <a:pPr marL="0" indent="0">
+                <a:pPr marL="457200" lvl="1" indent="0">
                   <a:buNone/>
                 </a:pPr>
                 <a14:m>
@@ -30063,7 +29061,7 @@
                 </a:r>
               </a:p>
               <a:p>
-                <a:pPr marL="0" indent="0">
+                <a:pPr marL="457200" lvl="1" indent="0">
                   <a:buNone/>
                 </a:pPr>
                 <a14:m>
@@ -30256,7 +29254,7 @@
                 </a:r>
               </a:p>
               <a:p>
-                <a:pPr marL="0" indent="0">
+                <a:pPr marL="457200" lvl="1" indent="0">
                   <a:buNone/>
                 </a:pPr>
                 <a:r>
@@ -30335,7 +29333,7 @@
                 </a:r>
               </a:p>
               <a:p>
-                <a:pPr marL="0" indent="0">
+                <a:pPr marL="457200" lvl="1" indent="0">
                   <a:buNone/>
                 </a:pPr>
                 <a:r>
@@ -30379,7 +29377,7 @@
             </p:txBody>
           </p:sp>
         </mc:Choice>
-        <mc:Fallback xmlns="">
+        <mc:Fallback>
           <p:sp>
             <p:nvSpPr>
               <p:cNvPr id="3" name="Content Placeholder 2">
@@ -30404,7 +29402,7 @@
               <a:blipFill>
                 <a:blip r:embed="rId2"/>
                 <a:stretch>
-                  <a:fillRect l="-1188" t="-1674" r="-113" b="-1046"/>
+                  <a:fillRect l="-1188" t="-1674" r="-113"/>
                 </a:stretch>
               </a:blipFill>
             </p:spPr>
@@ -30564,26 +29562,39 @@
                                   </p:childTnLst>
                                 </p:cTn>
                               </p:par>
-                            </p:childTnLst>
-                          </p:cTn>
-                        </p:par>
-                      </p:childTnLst>
-                    </p:cTn>
-                  </p:par>
-                  <p:par>
-                    <p:cTn id="13" fill="hold">
-                      <p:stCondLst>
-                        <p:cond delay="indefinite"/>
-                      </p:stCondLst>
-                      <p:childTnLst>
-                        <p:par>
-                          <p:cTn id="14" fill="hold">
-                            <p:stCondLst>
-                              <p:cond delay="0"/>
-                            </p:stCondLst>
-                            <p:childTnLst>
                               <p:par>
-                                <p:cTn id="15" presetID="1" presetClass="entr" presetSubtype="0" fill="hold" nodeType="clickEffect">
+                                <p:cTn id="13" presetID="1" presetClass="entr" presetSubtype="0" fill="hold" nodeType="withEffect">
+                                  <p:stCondLst>
+                                    <p:cond delay="0"/>
+                                  </p:stCondLst>
+                                  <p:childTnLst>
+                                    <p:set>
+                                      <p:cBhvr>
+                                        <p:cTn id="14" dur="1" fill="hold">
+                                          <p:stCondLst>
+                                            <p:cond delay="0"/>
+                                          </p:stCondLst>
+                                        </p:cTn>
+                                        <p:tgtEl>
+                                          <p:spTgt spid="3">
+                                            <p:txEl>
+                                              <p:pRg st="4" end="4"/>
+                                            </p:txEl>
+                                          </p:spTgt>
+                                        </p:tgtEl>
+                                        <p:attrNameLst>
+                                          <p:attrName>style.visibility</p:attrName>
+                                        </p:attrNameLst>
+                                      </p:cBhvr>
+                                      <p:to>
+                                        <p:strVal val="visible"/>
+                                      </p:to>
+                                    </p:set>
+                                  </p:childTnLst>
+                                </p:cTn>
+                              </p:par>
+                              <p:par>
+                                <p:cTn id="15" presetID="1" presetClass="entr" presetSubtype="0" fill="hold" nodeType="withEffect">
                                   <p:stCondLst>
                                     <p:cond delay="0"/>
                                   </p:stCondLst>
@@ -30598,7 +29609,7 @@
                                         <p:tgtEl>
                                           <p:spTgt spid="3">
                                             <p:txEl>
-                                              <p:pRg st="4" end="4"/>
+                                              <p:pRg st="5" end="5"/>
                                             </p:txEl>
                                           </p:spTgt>
                                         </p:tgtEl>
@@ -30629,7 +29640,7 @@
                                         <p:tgtEl>
                                           <p:spTgt spid="3">
                                             <p:txEl>
-                                              <p:pRg st="5" end="5"/>
+                                              <p:pRg st="6" end="6"/>
                                             </p:txEl>
                                           </p:spTgt>
                                         </p:tgtEl>
@@ -30660,7 +29671,7 @@
                                         <p:tgtEl>
                                           <p:spTgt spid="3">
                                             <p:txEl>
-                                              <p:pRg st="6" end="6"/>
+                                              <p:pRg st="7" end="7"/>
                                             </p:txEl>
                                           </p:spTgt>
                                         </p:tgtEl>
@@ -30684,37 +29695,6 @@
                                     <p:set>
                                       <p:cBhvr>
                                         <p:cTn id="22" dur="1" fill="hold">
-                                          <p:stCondLst>
-                                            <p:cond delay="0"/>
-                                          </p:stCondLst>
-                                        </p:cTn>
-                                        <p:tgtEl>
-                                          <p:spTgt spid="3">
-                                            <p:txEl>
-                                              <p:pRg st="7" end="7"/>
-                                            </p:txEl>
-                                          </p:spTgt>
-                                        </p:tgtEl>
-                                        <p:attrNameLst>
-                                          <p:attrName>style.visibility</p:attrName>
-                                        </p:attrNameLst>
-                                      </p:cBhvr>
-                                      <p:to>
-                                        <p:strVal val="visible"/>
-                                      </p:to>
-                                    </p:set>
-                                  </p:childTnLst>
-                                </p:cTn>
-                              </p:par>
-                              <p:par>
-                                <p:cTn id="23" presetID="1" presetClass="entr" presetSubtype="0" fill="hold" nodeType="withEffect">
-                                  <p:stCondLst>
-                                    <p:cond delay="0"/>
-                                  </p:stCondLst>
-                                  <p:childTnLst>
-                                    <p:set>
-                                      <p:cBhvr>
-                                        <p:cTn id="24" dur="1" fill="hold">
                                           <p:stCondLst>
                                             <p:cond delay="0"/>
                                           </p:stCondLst>
@@ -30823,8 +29803,8 @@
           </a:p>
         </p:txBody>
       </p:sp>
-      <mc:AlternateContent xmlns:mc="http://schemas.openxmlformats.org/markup-compatibility/2006" xmlns:a14="http://schemas.microsoft.com/office/drawing/2010/main">
-        <mc:Choice Requires="a14">
+      <mc:AlternateContent xmlns:mc="http://schemas.openxmlformats.org/markup-compatibility/2006">
+        <mc:Choice xmlns:a14="http://schemas.microsoft.com/office/drawing/2010/main" Requires="a14">
           <p:sp>
             <p:nvSpPr>
               <p:cNvPr id="3" name="Content Placeholder 2">
@@ -30868,7 +29848,15 @@
               <a:p>
                 <a:r>
                   <a:rPr lang="en-US" dirty="0"/>
-                  <a:t>For a random graph with </a:t>
+                  <a:t>For a </a:t>
+                </a:r>
+                <a:r>
+                  <a:rPr lang="en-US" b="1" dirty="0"/>
+                  <a:t>random graph</a:t>
+                </a:r>
+                <a:r>
+                  <a:rPr lang="en-US" dirty="0"/>
+                  <a:t> with </a:t>
                 </a:r>
                 <a14:m>
                   <m:oMath xmlns:m="http://schemas.openxmlformats.org/officeDocument/2006/math">
@@ -31480,7 +30468,7 @@
             </p:txBody>
           </p:sp>
         </mc:Choice>
-        <mc:Fallback xmlns="">
+        <mc:Fallback>
           <p:sp>
             <p:nvSpPr>
               <p:cNvPr id="3" name="Content Placeholder 2">
@@ -42674,33 +41662,15 @@
                                   </p:childTnLst>
                                 </p:cTn>
                               </p:par>
-                            </p:childTnLst>
-                          </p:cTn>
-                        </p:par>
-                      </p:childTnLst>
-                    </p:cTn>
-                  </p:par>
-                  <p:par>
-                    <p:cTn id="19" fill="hold">
-                      <p:stCondLst>
-                        <p:cond delay="indefinite"/>
-                      </p:stCondLst>
-                      <p:childTnLst>
-                        <p:par>
-                          <p:cTn id="20" fill="hold">
-                            <p:stCondLst>
-                              <p:cond delay="0"/>
-                            </p:stCondLst>
-                            <p:childTnLst>
                               <p:par>
-                                <p:cTn id="21" presetID="1" presetClass="entr" presetSubtype="0" fill="hold" nodeType="clickEffect">
+                                <p:cTn id="19" presetID="1" presetClass="entr" presetSubtype="0" fill="hold" nodeType="withEffect">
                                   <p:stCondLst>
                                     <p:cond delay="0"/>
                                   </p:stCondLst>
                                   <p:childTnLst>
                                     <p:set>
                                       <p:cBhvr>
-                                        <p:cTn id="22" dur="1" fill="hold">
+                                        <p:cTn id="20" dur="1" fill="hold">
                                           <p:stCondLst>
                                             <p:cond delay="0"/>
                                           </p:stCondLst>
@@ -42723,33 +41693,15 @@
                                   </p:childTnLst>
                                 </p:cTn>
                               </p:par>
-                            </p:childTnLst>
-                          </p:cTn>
-                        </p:par>
-                      </p:childTnLst>
-                    </p:cTn>
-                  </p:par>
-                  <p:par>
-                    <p:cTn id="23" fill="hold">
-                      <p:stCondLst>
-                        <p:cond delay="indefinite"/>
-                      </p:stCondLst>
-                      <p:childTnLst>
-                        <p:par>
-                          <p:cTn id="24" fill="hold">
-                            <p:stCondLst>
-                              <p:cond delay="0"/>
-                            </p:stCondLst>
-                            <p:childTnLst>
                               <p:par>
-                                <p:cTn id="25" presetID="1" presetClass="entr" presetSubtype="0" fill="hold" nodeType="clickEffect">
+                                <p:cTn id="21" presetID="1" presetClass="entr" presetSubtype="0" fill="hold" nodeType="withEffect">
                                   <p:stCondLst>
                                     <p:cond delay="0"/>
                                   </p:stCondLst>
                                   <p:childTnLst>
                                     <p:set>
                                       <p:cBhvr>
-                                        <p:cTn id="26" dur="1" fill="hold">
+                                        <p:cTn id="22" dur="1" fill="hold">
                                           <p:stCondLst>
                                             <p:cond delay="0"/>
                                           </p:stCondLst>
@@ -42772,33 +41724,15 @@
                                   </p:childTnLst>
                                 </p:cTn>
                               </p:par>
-                            </p:childTnLst>
-                          </p:cTn>
-                        </p:par>
-                      </p:childTnLst>
-                    </p:cTn>
-                  </p:par>
-                  <p:par>
-                    <p:cTn id="27" fill="hold">
-                      <p:stCondLst>
-                        <p:cond delay="indefinite"/>
-                      </p:stCondLst>
-                      <p:childTnLst>
-                        <p:par>
-                          <p:cTn id="28" fill="hold">
-                            <p:stCondLst>
-                              <p:cond delay="0"/>
-                            </p:stCondLst>
-                            <p:childTnLst>
                               <p:par>
-                                <p:cTn id="29" presetID="1" presetClass="entr" presetSubtype="0" fill="hold" nodeType="clickEffect">
+                                <p:cTn id="23" presetID="1" presetClass="entr" presetSubtype="0" fill="hold" nodeType="withEffect">
                                   <p:stCondLst>
                                     <p:cond delay="0"/>
                                   </p:stCondLst>
                                   <p:childTnLst>
                                     <p:set>
                                       <p:cBhvr>
-                                        <p:cTn id="30" dur="1" fill="hold">
+                                        <p:cTn id="24" dur="1" fill="hold">
                                           <p:stCondLst>
                                             <p:cond delay="0"/>
                                           </p:stCondLst>
@@ -44478,26 +43412,39 @@
                                   </p:childTnLst>
                                 </p:cTn>
                               </p:par>
-                            </p:childTnLst>
-                          </p:cTn>
-                        </p:par>
-                      </p:childTnLst>
-                    </p:cTn>
-                  </p:par>
-                  <p:par>
-                    <p:cTn id="11" fill="hold">
-                      <p:stCondLst>
-                        <p:cond delay="indefinite"/>
-                      </p:stCondLst>
-                      <p:childTnLst>
-                        <p:par>
-                          <p:cTn id="12" fill="hold">
-                            <p:stCondLst>
-                              <p:cond delay="0"/>
-                            </p:stCondLst>
-                            <p:childTnLst>
                               <p:par>
-                                <p:cTn id="13" presetID="1" presetClass="entr" presetSubtype="0" fill="hold" nodeType="clickEffect">
+                                <p:cTn id="11" presetID="1" presetClass="entr" presetSubtype="0" fill="hold" nodeType="withEffect">
+                                  <p:stCondLst>
+                                    <p:cond delay="0"/>
+                                  </p:stCondLst>
+                                  <p:childTnLst>
+                                    <p:set>
+                                      <p:cBhvr>
+                                        <p:cTn id="12" dur="1" fill="hold">
+                                          <p:stCondLst>
+                                            <p:cond delay="0"/>
+                                          </p:stCondLst>
+                                        </p:cTn>
+                                        <p:tgtEl>
+                                          <p:spTgt spid="3">
+                                            <p:txEl>
+                                              <p:pRg st="3" end="3"/>
+                                            </p:txEl>
+                                          </p:spTgt>
+                                        </p:tgtEl>
+                                        <p:attrNameLst>
+                                          <p:attrName>style.visibility</p:attrName>
+                                        </p:attrNameLst>
+                                      </p:cBhvr>
+                                      <p:to>
+                                        <p:strVal val="visible"/>
+                                      </p:to>
+                                    </p:set>
+                                  </p:childTnLst>
+                                </p:cTn>
+                              </p:par>
+                              <p:par>
+                                <p:cTn id="13" presetID="1" presetClass="entr" presetSubtype="0" fill="hold" nodeType="withEffect">
                                   <p:stCondLst>
                                     <p:cond delay="0"/>
                                   </p:stCondLst>
@@ -44512,7 +43459,7 @@
                                         <p:tgtEl>
                                           <p:spTgt spid="3">
                                             <p:txEl>
-                                              <p:pRg st="3" end="3"/>
+                                              <p:pRg st="4" end="4"/>
                                             </p:txEl>
                                           </p:spTgt>
                                         </p:tgtEl>
@@ -44561,55 +43508,6 @@
                                         <p:tgtEl>
                                           <p:spTgt spid="3">
                                             <p:txEl>
-                                              <p:pRg st="4" end="4"/>
-                                            </p:txEl>
-                                          </p:spTgt>
-                                        </p:tgtEl>
-                                        <p:attrNameLst>
-                                          <p:attrName>style.visibility</p:attrName>
-                                        </p:attrNameLst>
-                                      </p:cBhvr>
-                                      <p:to>
-                                        <p:strVal val="visible"/>
-                                      </p:to>
-                                    </p:set>
-                                  </p:childTnLst>
-                                </p:cTn>
-                              </p:par>
-                            </p:childTnLst>
-                          </p:cTn>
-                        </p:par>
-                      </p:childTnLst>
-                    </p:cTn>
-                  </p:par>
-                  <p:par>
-                    <p:cTn id="19" fill="hold">
-                      <p:stCondLst>
-                        <p:cond delay="indefinite"/>
-                      </p:stCondLst>
-                      <p:childTnLst>
-                        <p:par>
-                          <p:cTn id="20" fill="hold">
-                            <p:stCondLst>
-                              <p:cond delay="0"/>
-                            </p:stCondLst>
-                            <p:childTnLst>
-                              <p:par>
-                                <p:cTn id="21" presetID="1" presetClass="entr" presetSubtype="0" fill="hold" nodeType="clickEffect">
-                                  <p:stCondLst>
-                                    <p:cond delay="0"/>
-                                  </p:stCondLst>
-                                  <p:childTnLst>
-                                    <p:set>
-                                      <p:cBhvr>
-                                        <p:cTn id="22" dur="1" fill="hold">
-                                          <p:stCondLst>
-                                            <p:cond delay="0"/>
-                                          </p:stCondLst>
-                                        </p:cTn>
-                                        <p:tgtEl>
-                                          <p:spTgt spid="3">
-                                            <p:txEl>
                                               <p:pRg st="5" end="5"/>
                                             </p:txEl>
                                           </p:spTgt>
@@ -44625,33 +43523,15 @@
                                   </p:childTnLst>
                                 </p:cTn>
                               </p:par>
-                            </p:childTnLst>
-                          </p:cTn>
-                        </p:par>
-                      </p:childTnLst>
-                    </p:cTn>
-                  </p:par>
-                  <p:par>
-                    <p:cTn id="23" fill="hold">
-                      <p:stCondLst>
-                        <p:cond delay="indefinite"/>
-                      </p:stCondLst>
-                      <p:childTnLst>
-                        <p:par>
-                          <p:cTn id="24" fill="hold">
-                            <p:stCondLst>
-                              <p:cond delay="0"/>
-                            </p:stCondLst>
-                            <p:childTnLst>
                               <p:par>
-                                <p:cTn id="25" presetID="1" presetClass="entr" presetSubtype="0" fill="hold" nodeType="clickEffect">
+                                <p:cTn id="19" presetID="1" presetClass="entr" presetSubtype="0" fill="hold" nodeType="withEffect">
                                   <p:stCondLst>
                                     <p:cond delay="0"/>
                                   </p:stCondLst>
                                   <p:childTnLst>
                                     <p:set>
                                       <p:cBhvr>
-                                        <p:cTn id="26" dur="1" fill="hold">
+                                        <p:cTn id="20" dur="1" fill="hold">
                                           <p:stCondLst>
                                             <p:cond delay="0"/>
                                           </p:stCondLst>
@@ -44674,33 +43554,15 @@
                                   </p:childTnLst>
                                 </p:cTn>
                               </p:par>
-                            </p:childTnLst>
-                          </p:cTn>
-                        </p:par>
-                      </p:childTnLst>
-                    </p:cTn>
-                  </p:par>
-                  <p:par>
-                    <p:cTn id="27" fill="hold">
-                      <p:stCondLst>
-                        <p:cond delay="indefinite"/>
-                      </p:stCondLst>
-                      <p:childTnLst>
-                        <p:par>
-                          <p:cTn id="28" fill="hold">
-                            <p:stCondLst>
-                              <p:cond delay="0"/>
-                            </p:stCondLst>
-                            <p:childTnLst>
                               <p:par>
-                                <p:cTn id="29" presetID="1" presetClass="entr" presetSubtype="0" fill="hold" nodeType="clickEffect">
+                                <p:cTn id="21" presetID="1" presetClass="entr" presetSubtype="0" fill="hold" nodeType="withEffect">
                                   <p:stCondLst>
                                     <p:cond delay="0"/>
                                   </p:stCondLst>
                                   <p:childTnLst>
                                     <p:set>
                                       <p:cBhvr>
-                                        <p:cTn id="30" dur="1" fill="hold">
+                                        <p:cTn id="22" dur="1" fill="hold">
                                           <p:stCondLst>
                                             <p:cond delay="0"/>
                                           </p:stCondLst>
@@ -44905,7 +43767,7 @@
             <a:pPr lvl="1"/>
             <a:r>
               <a:rPr lang="en-US" dirty="0"/>
-              <a:t>Organisms in an environment have asymmetric relationship   </a:t>
+              <a:t>Organisms in an environment have asymmetric relationship, e.g. predator-prey  </a:t>
             </a:r>
           </a:p>
           <a:p>
@@ -44983,33 +43845,15 @@
                                   </p:childTnLst>
                                 </p:cTn>
                               </p:par>
-                            </p:childTnLst>
-                          </p:cTn>
-                        </p:par>
-                      </p:childTnLst>
-                    </p:cTn>
-                  </p:par>
-                  <p:par>
-                    <p:cTn id="7" fill="hold">
-                      <p:stCondLst>
-                        <p:cond delay="indefinite"/>
-                      </p:stCondLst>
-                      <p:childTnLst>
-                        <p:par>
-                          <p:cTn id="8" fill="hold">
-                            <p:stCondLst>
-                              <p:cond delay="0"/>
-                            </p:stCondLst>
-                            <p:childTnLst>
                               <p:par>
-                                <p:cTn id="9" presetID="1" presetClass="entr" presetSubtype="0" fill="hold" nodeType="clickEffect">
+                                <p:cTn id="7" presetID="1" presetClass="entr" presetSubtype="0" fill="hold" nodeType="withEffect">
                                   <p:stCondLst>
                                     <p:cond delay="0"/>
                                   </p:stCondLst>
                                   <p:childTnLst>
                                     <p:set>
                                       <p:cBhvr>
-                                        <p:cTn id="10" dur="1" fill="hold">
+                                        <p:cTn id="8" dur="1" fill="hold">
                                           <p:stCondLst>
                                             <p:cond delay="0"/>
                                           </p:stCondLst>
@@ -45032,33 +43876,15 @@
                                   </p:childTnLst>
                                 </p:cTn>
                               </p:par>
-                            </p:childTnLst>
-                          </p:cTn>
-                        </p:par>
-                      </p:childTnLst>
-                    </p:cTn>
-                  </p:par>
-                  <p:par>
-                    <p:cTn id="11" fill="hold">
-                      <p:stCondLst>
-                        <p:cond delay="indefinite"/>
-                      </p:stCondLst>
-                      <p:childTnLst>
-                        <p:par>
-                          <p:cTn id="12" fill="hold">
-                            <p:stCondLst>
-                              <p:cond delay="0"/>
-                            </p:stCondLst>
-                            <p:childTnLst>
                               <p:par>
-                                <p:cTn id="13" presetID="1" presetClass="entr" presetSubtype="0" fill="hold" nodeType="clickEffect">
+                                <p:cTn id="9" presetID="1" presetClass="entr" presetSubtype="0" fill="hold" nodeType="withEffect">
                                   <p:stCondLst>
                                     <p:cond delay="0"/>
                                   </p:stCondLst>
                                   <p:childTnLst>
                                     <p:set>
                                       <p:cBhvr>
-                                        <p:cTn id="14" dur="1" fill="hold">
+                                        <p:cTn id="10" dur="1" fill="hold">
                                           <p:stCondLst>
                                             <p:cond delay="0"/>
                                           </p:stCondLst>
@@ -45081,33 +43907,15 @@
                                   </p:childTnLst>
                                 </p:cTn>
                               </p:par>
-                            </p:childTnLst>
-                          </p:cTn>
-                        </p:par>
-                      </p:childTnLst>
-                    </p:cTn>
-                  </p:par>
-                  <p:par>
-                    <p:cTn id="15" fill="hold">
-                      <p:stCondLst>
-                        <p:cond delay="indefinite"/>
-                      </p:stCondLst>
-                      <p:childTnLst>
-                        <p:par>
-                          <p:cTn id="16" fill="hold">
-                            <p:stCondLst>
-                              <p:cond delay="0"/>
-                            </p:stCondLst>
-                            <p:childTnLst>
                               <p:par>
-                                <p:cTn id="17" presetID="1" presetClass="entr" presetSubtype="0" fill="hold" nodeType="clickEffect">
+                                <p:cTn id="11" presetID="1" presetClass="entr" presetSubtype="0" fill="hold" nodeType="withEffect">
                                   <p:stCondLst>
                                     <p:cond delay="0"/>
                                   </p:stCondLst>
                                   <p:childTnLst>
                                     <p:set>
                                       <p:cBhvr>
-                                        <p:cTn id="18" dur="1" fill="hold">
+                                        <p:cTn id="12" dur="1" fill="hold">
                                           <p:stCondLst>
                                             <p:cond delay="0"/>
                                           </p:stCondLst>
@@ -45137,26 +43945,26 @@
                     </p:cTn>
                   </p:par>
                   <p:par>
-                    <p:cTn id="19" fill="hold">
+                    <p:cTn id="13" fill="hold">
                       <p:stCondLst>
                         <p:cond delay="indefinite"/>
                       </p:stCondLst>
                       <p:childTnLst>
                         <p:par>
-                          <p:cTn id="20" fill="hold">
+                          <p:cTn id="14" fill="hold">
                             <p:stCondLst>
                               <p:cond delay="0"/>
                             </p:stCondLst>
                             <p:childTnLst>
                               <p:par>
-                                <p:cTn id="21" presetID="1" presetClass="entr" presetSubtype="0" fill="hold" nodeType="clickEffect">
+                                <p:cTn id="15" presetID="1" presetClass="entr" presetSubtype="0" fill="hold" nodeType="clickEffect">
                                   <p:stCondLst>
                                     <p:cond delay="0"/>
                                   </p:stCondLst>
                                   <p:childTnLst>
                                     <p:set>
                                       <p:cBhvr>
-                                        <p:cTn id="22" dur="1" fill="hold">
+                                        <p:cTn id="16" dur="1" fill="hold">
                                           <p:stCondLst>
                                             <p:cond delay="0"/>
                                           </p:stCondLst>
@@ -45179,33 +43987,15 @@
                                   </p:childTnLst>
                                 </p:cTn>
                               </p:par>
-                            </p:childTnLst>
-                          </p:cTn>
-                        </p:par>
-                      </p:childTnLst>
-                    </p:cTn>
-                  </p:par>
-                  <p:par>
-                    <p:cTn id="23" fill="hold">
-                      <p:stCondLst>
-                        <p:cond delay="indefinite"/>
-                      </p:stCondLst>
-                      <p:childTnLst>
-                        <p:par>
-                          <p:cTn id="24" fill="hold">
-                            <p:stCondLst>
-                              <p:cond delay="0"/>
-                            </p:stCondLst>
-                            <p:childTnLst>
                               <p:par>
-                                <p:cTn id="25" presetID="1" presetClass="entr" presetSubtype="0" fill="hold" nodeType="clickEffect">
+                                <p:cTn id="17" presetID="1" presetClass="entr" presetSubtype="0" fill="hold" nodeType="withEffect">
                                   <p:stCondLst>
                                     <p:cond delay="0"/>
                                   </p:stCondLst>
                                   <p:childTnLst>
                                     <p:set>
                                       <p:cBhvr>
-                                        <p:cTn id="26" dur="1" fill="hold">
+                                        <p:cTn id="18" dur="1" fill="hold">
                                           <p:stCondLst>
                                             <p:cond delay="0"/>
                                           </p:stCondLst>
@@ -45228,33 +44018,15 @@
                                   </p:childTnLst>
                                 </p:cTn>
                               </p:par>
-                            </p:childTnLst>
-                          </p:cTn>
-                        </p:par>
-                      </p:childTnLst>
-                    </p:cTn>
-                  </p:par>
-                  <p:par>
-                    <p:cTn id="27" fill="hold">
-                      <p:stCondLst>
-                        <p:cond delay="indefinite"/>
-                      </p:stCondLst>
-                      <p:childTnLst>
-                        <p:par>
-                          <p:cTn id="28" fill="hold">
-                            <p:stCondLst>
-                              <p:cond delay="0"/>
-                            </p:stCondLst>
-                            <p:childTnLst>
                               <p:par>
-                                <p:cTn id="29" presetID="1" presetClass="entr" presetSubtype="0" fill="hold" nodeType="clickEffect">
+                                <p:cTn id="19" presetID="1" presetClass="entr" presetSubtype="0" fill="hold" nodeType="withEffect">
                                   <p:stCondLst>
                                     <p:cond delay="0"/>
                                   </p:stCondLst>
                                   <p:childTnLst>
                                     <p:set>
                                       <p:cBhvr>
-                                        <p:cTn id="30" dur="1" fill="hold">
+                                        <p:cTn id="20" dur="1" fill="hold">
                                           <p:stCondLst>
                                             <p:cond delay="0"/>
                                           </p:stCondLst>
@@ -45284,26 +44056,26 @@
                     </p:cTn>
                   </p:par>
                   <p:par>
-                    <p:cTn id="31" fill="hold">
+                    <p:cTn id="21" fill="hold">
                       <p:stCondLst>
                         <p:cond delay="indefinite"/>
                       </p:stCondLst>
                       <p:childTnLst>
                         <p:par>
-                          <p:cTn id="32" fill="hold">
+                          <p:cTn id="22" fill="hold">
                             <p:stCondLst>
                               <p:cond delay="0"/>
                             </p:stCondLst>
                             <p:childTnLst>
                               <p:par>
-                                <p:cTn id="33" presetID="1" presetClass="entr" presetSubtype="0" fill="hold" nodeType="clickEffect">
+                                <p:cTn id="23" presetID="1" presetClass="entr" presetSubtype="0" fill="hold" nodeType="clickEffect">
                                   <p:stCondLst>
                                     <p:cond delay="0"/>
                                   </p:stCondLst>
                                   <p:childTnLst>
                                     <p:set>
                                       <p:cBhvr>
-                                        <p:cTn id="34" dur="1" fill="hold">
+                                        <p:cTn id="24" dur="1" fill="hold">
                                           <p:stCondLst>
                                             <p:cond delay="0"/>
                                           </p:stCondLst>
@@ -45660,33 +44432,15 @@
                                   </p:childTnLst>
                                 </p:cTn>
                               </p:par>
-                            </p:childTnLst>
-                          </p:cTn>
-                        </p:par>
-                      </p:childTnLst>
-                    </p:cTn>
-                  </p:par>
-                  <p:par>
-                    <p:cTn id="11" fill="hold">
-                      <p:stCondLst>
-                        <p:cond delay="indefinite"/>
-                      </p:stCondLst>
-                      <p:childTnLst>
-                        <p:par>
-                          <p:cTn id="12" fill="hold">
-                            <p:stCondLst>
-                              <p:cond delay="0"/>
-                            </p:stCondLst>
-                            <p:childTnLst>
                               <p:par>
-                                <p:cTn id="13" presetID="1" presetClass="entr" presetSubtype="0" fill="hold" nodeType="clickEffect">
+                                <p:cTn id="11" presetID="1" presetClass="entr" presetSubtype="0" fill="hold" nodeType="withEffect">
                                   <p:stCondLst>
                                     <p:cond delay="0"/>
                                   </p:stCondLst>
                                   <p:childTnLst>
                                     <p:set>
                                       <p:cBhvr>
-                                        <p:cTn id="14" dur="1" fill="hold">
+                                        <p:cTn id="12" dur="1" fill="hold">
                                           <p:stCondLst>
                                             <p:cond delay="0"/>
                                           </p:stCondLst>
@@ -45709,26 +44463,70 @@
                                   </p:childTnLst>
                                 </p:cTn>
                               </p:par>
-                            </p:childTnLst>
-                          </p:cTn>
-                        </p:par>
-                      </p:childTnLst>
-                    </p:cTn>
-                  </p:par>
-                  <p:par>
-                    <p:cTn id="15" fill="hold">
-                      <p:stCondLst>
-                        <p:cond delay="indefinite"/>
-                      </p:stCondLst>
-                      <p:childTnLst>
-                        <p:par>
-                          <p:cTn id="16" fill="hold">
-                            <p:stCondLst>
-                              <p:cond delay="0"/>
-                            </p:stCondLst>
-                            <p:childTnLst>
                               <p:par>
-                                <p:cTn id="17" presetID="1" presetClass="entr" presetSubtype="0" fill="hold" nodeType="clickEffect">
+                                <p:cTn id="13" presetID="1" presetClass="entr" presetSubtype="0" fill="hold" nodeType="withEffect">
+                                  <p:stCondLst>
+                                    <p:cond delay="0"/>
+                                  </p:stCondLst>
+                                  <p:childTnLst>
+                                    <p:set>
+                                      <p:cBhvr>
+                                        <p:cTn id="14" dur="1" fill="hold">
+                                          <p:stCondLst>
+                                            <p:cond delay="0"/>
+                                          </p:stCondLst>
+                                        </p:cTn>
+                                        <p:tgtEl>
+                                          <p:spTgt spid="3">
+                                            <p:txEl>
+                                              <p:pRg st="4" end="4"/>
+                                            </p:txEl>
+                                          </p:spTgt>
+                                        </p:tgtEl>
+                                        <p:attrNameLst>
+                                          <p:attrName>style.visibility</p:attrName>
+                                        </p:attrNameLst>
+                                      </p:cBhvr>
+                                      <p:to>
+                                        <p:strVal val="visible"/>
+                                      </p:to>
+                                    </p:set>
+                                  </p:childTnLst>
+                                </p:cTn>
+                              </p:par>
+                              <p:par>
+                                <p:cTn id="15" presetID="1" presetClass="entr" presetSubtype="0" fill="hold" nodeType="withEffect">
+                                  <p:stCondLst>
+                                    <p:cond delay="0"/>
+                                  </p:stCondLst>
+                                  <p:childTnLst>
+                                    <p:set>
+                                      <p:cBhvr>
+                                        <p:cTn id="16" dur="1" fill="hold">
+                                          <p:stCondLst>
+                                            <p:cond delay="0"/>
+                                          </p:stCondLst>
+                                        </p:cTn>
+                                        <p:tgtEl>
+                                          <p:spTgt spid="3">
+                                            <p:txEl>
+                                              <p:pRg st="5" end="5"/>
+                                            </p:txEl>
+                                          </p:spTgt>
+                                        </p:tgtEl>
+                                        <p:attrNameLst>
+                                          <p:attrName>style.visibility</p:attrName>
+                                        </p:attrNameLst>
+                                      </p:cBhvr>
+                                      <p:to>
+                                        <p:strVal val="visible"/>
+                                      </p:to>
+                                    </p:set>
+                                  </p:childTnLst>
+                                </p:cTn>
+                              </p:par>
+                              <p:par>
+                                <p:cTn id="17" presetID="1" presetClass="entr" presetSubtype="0" fill="hold" nodeType="withEffect">
                                   <p:stCondLst>
                                     <p:cond delay="0"/>
                                   </p:stCondLst>
@@ -45743,7 +44541,7 @@
                                         <p:tgtEl>
                                           <p:spTgt spid="3">
                                             <p:txEl>
-                                              <p:pRg st="4" end="4"/>
+                                              <p:pRg st="6" end="6"/>
                                             </p:txEl>
                                           </p:spTgt>
                                         </p:tgtEl>
@@ -45792,7 +44590,7 @@
                                         <p:tgtEl>
                                           <p:spTgt spid="3">
                                             <p:txEl>
-                                              <p:pRg st="5" end="5"/>
+                                              <p:pRg st="7" end="7"/>
                                             </p:txEl>
                                           </p:spTgt>
                                         </p:tgtEl>
@@ -45841,104 +44639,6 @@
                                         <p:tgtEl>
                                           <p:spTgt spid="3">
                                             <p:txEl>
-                                              <p:pRg st="6" end="6"/>
-                                            </p:txEl>
-                                          </p:spTgt>
-                                        </p:tgtEl>
-                                        <p:attrNameLst>
-                                          <p:attrName>style.visibility</p:attrName>
-                                        </p:attrNameLst>
-                                      </p:cBhvr>
-                                      <p:to>
-                                        <p:strVal val="visible"/>
-                                      </p:to>
-                                    </p:set>
-                                  </p:childTnLst>
-                                </p:cTn>
-                              </p:par>
-                            </p:childTnLst>
-                          </p:cTn>
-                        </p:par>
-                      </p:childTnLst>
-                    </p:cTn>
-                  </p:par>
-                  <p:par>
-                    <p:cTn id="27" fill="hold">
-                      <p:stCondLst>
-                        <p:cond delay="indefinite"/>
-                      </p:stCondLst>
-                      <p:childTnLst>
-                        <p:par>
-                          <p:cTn id="28" fill="hold">
-                            <p:stCondLst>
-                              <p:cond delay="0"/>
-                            </p:stCondLst>
-                            <p:childTnLst>
-                              <p:par>
-                                <p:cTn id="29" presetID="1" presetClass="entr" presetSubtype="0" fill="hold" nodeType="clickEffect">
-                                  <p:stCondLst>
-                                    <p:cond delay="0"/>
-                                  </p:stCondLst>
-                                  <p:childTnLst>
-                                    <p:set>
-                                      <p:cBhvr>
-                                        <p:cTn id="30" dur="1" fill="hold">
-                                          <p:stCondLst>
-                                            <p:cond delay="0"/>
-                                          </p:stCondLst>
-                                        </p:cTn>
-                                        <p:tgtEl>
-                                          <p:spTgt spid="3">
-                                            <p:txEl>
-                                              <p:pRg st="7" end="7"/>
-                                            </p:txEl>
-                                          </p:spTgt>
-                                        </p:tgtEl>
-                                        <p:attrNameLst>
-                                          <p:attrName>style.visibility</p:attrName>
-                                        </p:attrNameLst>
-                                      </p:cBhvr>
-                                      <p:to>
-                                        <p:strVal val="visible"/>
-                                      </p:to>
-                                    </p:set>
-                                  </p:childTnLst>
-                                </p:cTn>
-                              </p:par>
-                            </p:childTnLst>
-                          </p:cTn>
-                        </p:par>
-                      </p:childTnLst>
-                    </p:cTn>
-                  </p:par>
-                  <p:par>
-                    <p:cTn id="31" fill="hold">
-                      <p:stCondLst>
-                        <p:cond delay="indefinite"/>
-                      </p:stCondLst>
-                      <p:childTnLst>
-                        <p:par>
-                          <p:cTn id="32" fill="hold">
-                            <p:stCondLst>
-                              <p:cond delay="0"/>
-                            </p:stCondLst>
-                            <p:childTnLst>
-                              <p:par>
-                                <p:cTn id="33" presetID="1" presetClass="entr" presetSubtype="0" fill="hold" nodeType="clickEffect">
-                                  <p:stCondLst>
-                                    <p:cond delay="0"/>
-                                  </p:stCondLst>
-                                  <p:childTnLst>
-                                    <p:set>
-                                      <p:cBhvr>
-                                        <p:cTn id="34" dur="1" fill="hold">
-                                          <p:stCondLst>
-                                            <p:cond delay="0"/>
-                                          </p:stCondLst>
-                                        </p:cTn>
-                                        <p:tgtEl>
-                                          <p:spTgt spid="3">
-                                            <p:txEl>
                                               <p:pRg st="8" end="8"/>
                                             </p:txEl>
                                           </p:spTgt>
@@ -45954,33 +44654,15 @@
                                   </p:childTnLst>
                                 </p:cTn>
                               </p:par>
-                            </p:childTnLst>
-                          </p:cTn>
-                        </p:par>
-                      </p:childTnLst>
-                    </p:cTn>
-                  </p:par>
-                  <p:par>
-                    <p:cTn id="35" fill="hold">
-                      <p:stCondLst>
-                        <p:cond delay="indefinite"/>
-                      </p:stCondLst>
-                      <p:childTnLst>
-                        <p:par>
-                          <p:cTn id="36" fill="hold">
-                            <p:stCondLst>
-                              <p:cond delay="0"/>
-                            </p:stCondLst>
-                            <p:childTnLst>
                               <p:par>
-                                <p:cTn id="37" presetID="1" presetClass="entr" presetSubtype="0" fill="hold" nodeType="clickEffect">
+                                <p:cTn id="27" presetID="1" presetClass="entr" presetSubtype="0" fill="hold" nodeType="withEffect">
                                   <p:stCondLst>
                                     <p:cond delay="0"/>
                                   </p:stCondLst>
                                   <p:childTnLst>
                                     <p:set>
                                       <p:cBhvr>
-                                        <p:cTn id="38" dur="1" fill="hold">
+                                        <p:cTn id="28" dur="1" fill="hold">
                                           <p:stCondLst>
                                             <p:cond delay="0"/>
                                           </p:stCondLst>
@@ -46003,33 +44685,15 @@
                                   </p:childTnLst>
                                 </p:cTn>
                               </p:par>
-                            </p:childTnLst>
-                          </p:cTn>
-                        </p:par>
-                      </p:childTnLst>
-                    </p:cTn>
-                  </p:par>
-                  <p:par>
-                    <p:cTn id="39" fill="hold">
-                      <p:stCondLst>
-                        <p:cond delay="indefinite"/>
-                      </p:stCondLst>
-                      <p:childTnLst>
-                        <p:par>
-                          <p:cTn id="40" fill="hold">
-                            <p:stCondLst>
-                              <p:cond delay="0"/>
-                            </p:stCondLst>
-                            <p:childTnLst>
                               <p:par>
-                                <p:cTn id="41" presetID="1" presetClass="entr" presetSubtype="0" fill="hold" nodeType="clickEffect">
+                                <p:cTn id="29" presetID="1" presetClass="entr" presetSubtype="0" fill="hold" nodeType="withEffect">
                                   <p:stCondLst>
                                     <p:cond delay="0"/>
                                   </p:stCondLst>
                                   <p:childTnLst>
                                     <p:set>
                                       <p:cBhvr>
-                                        <p:cTn id="42" dur="1" fill="hold">
+                                        <p:cTn id="30" dur="1" fill="hold">
                                           <p:stCondLst>
                                             <p:cond delay="0"/>
                                           </p:stCondLst>
@@ -46307,26 +44971,39 @@
                                   </p:childTnLst>
                                 </p:cTn>
                               </p:par>
-                            </p:childTnLst>
-                          </p:cTn>
-                        </p:par>
-                      </p:childTnLst>
-                    </p:cTn>
-                  </p:par>
-                  <p:par>
-                    <p:cTn id="7" fill="hold">
-                      <p:stCondLst>
-                        <p:cond delay="indefinite"/>
-                      </p:stCondLst>
-                      <p:childTnLst>
-                        <p:par>
-                          <p:cTn id="8" fill="hold">
-                            <p:stCondLst>
-                              <p:cond delay="0"/>
-                            </p:stCondLst>
-                            <p:childTnLst>
                               <p:par>
-                                <p:cTn id="9" presetID="1" presetClass="entr" presetSubtype="0" fill="hold" nodeType="clickEffect">
+                                <p:cTn id="7" presetID="1" presetClass="entr" presetSubtype="0" fill="hold" nodeType="withEffect">
+                                  <p:stCondLst>
+                                    <p:cond delay="0"/>
+                                  </p:stCondLst>
+                                  <p:childTnLst>
+                                    <p:set>
+                                      <p:cBhvr>
+                                        <p:cTn id="8" dur="1" fill="hold">
+                                          <p:stCondLst>
+                                            <p:cond delay="0"/>
+                                          </p:stCondLst>
+                                        </p:cTn>
+                                        <p:tgtEl>
+                                          <p:spTgt spid="3">
+                                            <p:txEl>
+                                              <p:pRg st="2" end="2"/>
+                                            </p:txEl>
+                                          </p:spTgt>
+                                        </p:tgtEl>
+                                        <p:attrNameLst>
+                                          <p:attrName>style.visibility</p:attrName>
+                                        </p:attrNameLst>
+                                      </p:cBhvr>
+                                      <p:to>
+                                        <p:strVal val="visible"/>
+                                      </p:to>
+                                    </p:set>
+                                  </p:childTnLst>
+                                </p:cTn>
+                              </p:par>
+                              <p:par>
+                                <p:cTn id="9" presetID="1" presetClass="entr" presetSubtype="0" fill="hold" nodeType="withEffect">
                                   <p:stCondLst>
                                     <p:cond delay="0"/>
                                   </p:stCondLst>
@@ -46341,7 +45018,7 @@
                                         <p:tgtEl>
                                           <p:spTgt spid="3">
                                             <p:txEl>
-                                              <p:pRg st="2" end="2"/>
+                                              <p:pRg st="3" end="3"/>
                                             </p:txEl>
                                           </p:spTgt>
                                         </p:tgtEl>
@@ -46390,55 +45067,6 @@
                                         <p:tgtEl>
                                           <p:spTgt spid="3">
                                             <p:txEl>
-                                              <p:pRg st="3" end="3"/>
-                                            </p:txEl>
-                                          </p:spTgt>
-                                        </p:tgtEl>
-                                        <p:attrNameLst>
-                                          <p:attrName>style.visibility</p:attrName>
-                                        </p:attrNameLst>
-                                      </p:cBhvr>
-                                      <p:to>
-                                        <p:strVal val="visible"/>
-                                      </p:to>
-                                    </p:set>
-                                  </p:childTnLst>
-                                </p:cTn>
-                              </p:par>
-                            </p:childTnLst>
-                          </p:cTn>
-                        </p:par>
-                      </p:childTnLst>
-                    </p:cTn>
-                  </p:par>
-                  <p:par>
-                    <p:cTn id="15" fill="hold">
-                      <p:stCondLst>
-                        <p:cond delay="indefinite"/>
-                      </p:stCondLst>
-                      <p:childTnLst>
-                        <p:par>
-                          <p:cTn id="16" fill="hold">
-                            <p:stCondLst>
-                              <p:cond delay="0"/>
-                            </p:stCondLst>
-                            <p:childTnLst>
-                              <p:par>
-                                <p:cTn id="17" presetID="1" presetClass="entr" presetSubtype="0" fill="hold" nodeType="clickEffect">
-                                  <p:stCondLst>
-                                    <p:cond delay="0"/>
-                                  </p:stCondLst>
-                                  <p:childTnLst>
-                                    <p:set>
-                                      <p:cBhvr>
-                                        <p:cTn id="18" dur="1" fill="hold">
-                                          <p:stCondLst>
-                                            <p:cond delay="0"/>
-                                          </p:stCondLst>
-                                        </p:cTn>
-                                        <p:tgtEl>
-                                          <p:spTgt spid="3">
-                                            <p:txEl>
                                               <p:pRg st="4" end="4"/>
                                             </p:txEl>
                                           </p:spTgt>
@@ -46454,33 +45082,15 @@
                                   </p:childTnLst>
                                 </p:cTn>
                               </p:par>
-                            </p:childTnLst>
-                          </p:cTn>
-                        </p:par>
-                      </p:childTnLst>
-                    </p:cTn>
-                  </p:par>
-                  <p:par>
-                    <p:cTn id="19" fill="hold">
-                      <p:stCondLst>
-                        <p:cond delay="indefinite"/>
-                      </p:stCondLst>
-                      <p:childTnLst>
-                        <p:par>
-                          <p:cTn id="20" fill="hold">
-                            <p:stCondLst>
-                              <p:cond delay="0"/>
-                            </p:stCondLst>
-                            <p:childTnLst>
                               <p:par>
-                                <p:cTn id="21" presetID="1" presetClass="entr" presetSubtype="0" fill="hold" nodeType="clickEffect">
+                                <p:cTn id="15" presetID="1" presetClass="entr" presetSubtype="0" fill="hold" nodeType="withEffect">
                                   <p:stCondLst>
                                     <p:cond delay="0"/>
                                   </p:stCondLst>
                                   <p:childTnLst>
                                     <p:set>
                                       <p:cBhvr>
-                                        <p:cTn id="22" dur="1" fill="hold">
+                                        <p:cTn id="16" dur="1" fill="hold">
                                           <p:stCondLst>
                                             <p:cond delay="0"/>
                                           </p:stCondLst>
@@ -46510,26 +45120,26 @@
                     </p:cTn>
                   </p:par>
                   <p:par>
-                    <p:cTn id="23" fill="hold">
+                    <p:cTn id="17" fill="hold">
                       <p:stCondLst>
                         <p:cond delay="indefinite"/>
                       </p:stCondLst>
                       <p:childTnLst>
                         <p:par>
-                          <p:cTn id="24" fill="hold">
+                          <p:cTn id="18" fill="hold">
                             <p:stCondLst>
                               <p:cond delay="0"/>
                             </p:stCondLst>
                             <p:childTnLst>
                               <p:par>
-                                <p:cTn id="25" presetID="1" presetClass="entr" presetSubtype="0" fill="hold" nodeType="clickEffect">
+                                <p:cTn id="19" presetID="1" presetClass="entr" presetSubtype="0" fill="hold" nodeType="clickEffect">
                                   <p:stCondLst>
                                     <p:cond delay="0"/>
                                   </p:stCondLst>
                                   <p:childTnLst>
                                     <p:set>
                                       <p:cBhvr>
-                                        <p:cTn id="26" dur="1" fill="hold">
+                                        <p:cTn id="20" dur="1" fill="hold">
                                           <p:stCondLst>
                                             <p:cond delay="0"/>
                                           </p:stCondLst>
@@ -46552,33 +45162,15 @@
                                   </p:childTnLst>
                                 </p:cTn>
                               </p:par>
-                            </p:childTnLst>
-                          </p:cTn>
-                        </p:par>
-                      </p:childTnLst>
-                    </p:cTn>
-                  </p:par>
-                  <p:par>
-                    <p:cTn id="27" fill="hold">
-                      <p:stCondLst>
-                        <p:cond delay="indefinite"/>
-                      </p:stCondLst>
-                      <p:childTnLst>
-                        <p:par>
-                          <p:cTn id="28" fill="hold">
-                            <p:stCondLst>
-                              <p:cond delay="0"/>
-                            </p:stCondLst>
-                            <p:childTnLst>
                               <p:par>
-                                <p:cTn id="29" presetID="1" presetClass="entr" presetSubtype="0" fill="hold" nodeType="clickEffect">
+                                <p:cTn id="21" presetID="1" presetClass="entr" presetSubtype="0" fill="hold" nodeType="withEffect">
                                   <p:stCondLst>
                                     <p:cond delay="0"/>
                                   </p:stCondLst>
                                   <p:childTnLst>
                                     <p:set>
                                       <p:cBhvr>
-                                        <p:cTn id="30" dur="1" fill="hold">
+                                        <p:cTn id="22" dur="1" fill="hold">
                                           <p:stCondLst>
                                             <p:cond delay="0"/>
                                           </p:stCondLst>
@@ -46601,33 +45193,15 @@
                                   </p:childTnLst>
                                 </p:cTn>
                               </p:par>
-                            </p:childTnLst>
-                          </p:cTn>
-                        </p:par>
-                      </p:childTnLst>
-                    </p:cTn>
-                  </p:par>
-                  <p:par>
-                    <p:cTn id="31" fill="hold">
-                      <p:stCondLst>
-                        <p:cond delay="indefinite"/>
-                      </p:stCondLst>
-                      <p:childTnLst>
-                        <p:par>
-                          <p:cTn id="32" fill="hold">
-                            <p:stCondLst>
-                              <p:cond delay="0"/>
-                            </p:stCondLst>
-                            <p:childTnLst>
                               <p:par>
-                                <p:cTn id="33" presetID="1" presetClass="entr" presetSubtype="0" fill="hold" nodeType="clickEffect">
+                                <p:cTn id="23" presetID="1" presetClass="entr" presetSubtype="0" fill="hold" nodeType="withEffect">
                                   <p:stCondLst>
                                     <p:cond delay="0"/>
                                   </p:stCondLst>
                                   <p:childTnLst>
                                     <p:set>
                                       <p:cBhvr>
-                                        <p:cTn id="34" dur="1" fill="hold">
+                                        <p:cTn id="24" dur="1" fill="hold">
                                           <p:stCondLst>
                                             <p:cond delay="0"/>
                                           </p:stCondLst>
@@ -46657,26 +45231,26 @@
                     </p:cTn>
                   </p:par>
                   <p:par>
-                    <p:cTn id="35" fill="hold">
+                    <p:cTn id="25" fill="hold">
                       <p:stCondLst>
                         <p:cond delay="indefinite"/>
                       </p:stCondLst>
                       <p:childTnLst>
                         <p:par>
-                          <p:cTn id="36" fill="hold">
+                          <p:cTn id="26" fill="hold">
                             <p:stCondLst>
                               <p:cond delay="0"/>
                             </p:stCondLst>
                             <p:childTnLst>
                               <p:par>
-                                <p:cTn id="37" presetID="1" presetClass="entr" presetSubtype="0" fill="hold" nodeType="clickEffect">
+                                <p:cTn id="27" presetID="1" presetClass="entr" presetSubtype="0" fill="hold" nodeType="clickEffect">
                                   <p:stCondLst>
                                     <p:cond delay="0"/>
                                   </p:stCondLst>
                                   <p:childTnLst>
                                     <p:set>
                                       <p:cBhvr>
-                                        <p:cTn id="38" dur="1" fill="hold">
+                                        <p:cTn id="28" dur="1" fill="hold">
                                           <p:stCondLst>
                                             <p:cond delay="0"/>
                                           </p:stCondLst>

--- a/slides/8_SocialNetworkAnalysis.pptx
+++ b/slides/8_SocialNetworkAnalysis.pptx
@@ -247,7 +247,7 @@
           <a:p>
             <a:fld id="{D0D7D09A-089B-49AD-9380-9EDF59B0FA35}" type="datetimeFigureOut">
               <a:rPr lang="en-US" smtClean="0"/>
-              <a:t>7/9/2023</a:t>
+              <a:t>7/10/2023</a:t>
             </a:fld>
             <a:endParaRPr lang="en-US"/>
           </a:p>
@@ -661,7 +661,7 @@
           <a:p>
             <a:fld id="{66F7C53C-E5B1-464F-8287-06D868EDC1EC}" type="datetimeFigureOut">
               <a:rPr lang="en-US" smtClean="0"/>
-              <a:t>7/9/2023</a:t>
+              <a:t>7/10/2023</a:t>
             </a:fld>
             <a:endParaRPr lang="en-US"/>
           </a:p>
@@ -859,7 +859,7 @@
           <a:p>
             <a:fld id="{66F7C53C-E5B1-464F-8287-06D868EDC1EC}" type="datetimeFigureOut">
               <a:rPr lang="en-US" smtClean="0"/>
-              <a:t>7/9/2023</a:t>
+              <a:t>7/10/2023</a:t>
             </a:fld>
             <a:endParaRPr lang="en-US"/>
           </a:p>
@@ -1067,7 +1067,7 @@
           <a:p>
             <a:fld id="{66F7C53C-E5B1-464F-8287-06D868EDC1EC}" type="datetimeFigureOut">
               <a:rPr lang="en-US" smtClean="0"/>
-              <a:t>7/9/2023</a:t>
+              <a:t>7/10/2023</a:t>
             </a:fld>
             <a:endParaRPr lang="en-US"/>
           </a:p>
@@ -1265,7 +1265,7 @@
           <a:p>
             <a:fld id="{66F7C53C-E5B1-464F-8287-06D868EDC1EC}" type="datetimeFigureOut">
               <a:rPr lang="en-US" smtClean="0"/>
-              <a:t>7/9/2023</a:t>
+              <a:t>7/10/2023</a:t>
             </a:fld>
             <a:endParaRPr lang="en-US"/>
           </a:p>
@@ -1540,7 +1540,7 @@
           <a:p>
             <a:fld id="{66F7C53C-E5B1-464F-8287-06D868EDC1EC}" type="datetimeFigureOut">
               <a:rPr lang="en-US" smtClean="0"/>
-              <a:t>7/9/2023</a:t>
+              <a:t>7/10/2023</a:t>
             </a:fld>
             <a:endParaRPr lang="en-US"/>
           </a:p>
@@ -1805,7 +1805,7 @@
           <a:p>
             <a:fld id="{66F7C53C-E5B1-464F-8287-06D868EDC1EC}" type="datetimeFigureOut">
               <a:rPr lang="en-US" smtClean="0"/>
-              <a:t>7/9/2023</a:t>
+              <a:t>7/10/2023</a:t>
             </a:fld>
             <a:endParaRPr lang="en-US"/>
           </a:p>
@@ -2217,7 +2217,7 @@
           <a:p>
             <a:fld id="{66F7C53C-E5B1-464F-8287-06D868EDC1EC}" type="datetimeFigureOut">
               <a:rPr lang="en-US" smtClean="0"/>
-              <a:t>7/9/2023</a:t>
+              <a:t>7/10/2023</a:t>
             </a:fld>
             <a:endParaRPr lang="en-US"/>
           </a:p>
@@ -2358,7 +2358,7 @@
           <a:p>
             <a:fld id="{66F7C53C-E5B1-464F-8287-06D868EDC1EC}" type="datetimeFigureOut">
               <a:rPr lang="en-US" smtClean="0"/>
-              <a:t>7/9/2023</a:t>
+              <a:t>7/10/2023</a:t>
             </a:fld>
             <a:endParaRPr lang="en-US"/>
           </a:p>
@@ -2471,7 +2471,7 @@
           <a:p>
             <a:fld id="{66F7C53C-E5B1-464F-8287-06D868EDC1EC}" type="datetimeFigureOut">
               <a:rPr lang="en-US" smtClean="0"/>
-              <a:t>7/9/2023</a:t>
+              <a:t>7/10/2023</a:t>
             </a:fld>
             <a:endParaRPr lang="en-US"/>
           </a:p>
@@ -2782,7 +2782,7 @@
           <a:p>
             <a:fld id="{66F7C53C-E5B1-464F-8287-06D868EDC1EC}" type="datetimeFigureOut">
               <a:rPr lang="en-US" smtClean="0"/>
-              <a:t>7/9/2023</a:t>
+              <a:t>7/10/2023</a:t>
             </a:fld>
             <a:endParaRPr lang="en-US"/>
           </a:p>
@@ -3070,7 +3070,7 @@
           <a:p>
             <a:fld id="{66F7C53C-E5B1-464F-8287-06D868EDC1EC}" type="datetimeFigureOut">
               <a:rPr lang="en-US" smtClean="0"/>
-              <a:t>7/9/2023</a:t>
+              <a:t>7/10/2023</a:t>
             </a:fld>
             <a:endParaRPr lang="en-US"/>
           </a:p>
@@ -3311,7 +3311,7 @@
           <a:p>
             <a:fld id="{66F7C53C-E5B1-464F-8287-06D868EDC1EC}" type="datetimeFigureOut">
               <a:rPr lang="en-US" smtClean="0"/>
-              <a:t>7/9/2023</a:t>
+              <a:t>7/10/2023</a:t>
             </a:fld>
             <a:endParaRPr lang="en-US"/>
           </a:p>
@@ -5060,8 +5060,8 @@
           </a:p>
         </p:txBody>
       </p:sp>
-      <mc:AlternateContent xmlns:mc="http://schemas.openxmlformats.org/markup-compatibility/2006">
-        <mc:Choice xmlns:a14="http://schemas.microsoft.com/office/drawing/2010/main" Requires="a14">
+      <mc:AlternateContent xmlns:mc="http://schemas.openxmlformats.org/markup-compatibility/2006" xmlns:a14="http://schemas.microsoft.com/office/drawing/2010/main">
+        <mc:Choice Requires="a14">
           <p:sp>
             <p:nvSpPr>
               <p:cNvPr id="3" name="Content Placeholder 2">
@@ -5186,7 +5186,7 @@
             </p:txBody>
           </p:sp>
         </mc:Choice>
-        <mc:Fallback>
+        <mc:Fallback xmlns="">
           <p:sp>
             <p:nvSpPr>
               <p:cNvPr id="3" name="Content Placeholder 2">
@@ -23072,8 +23072,8 @@
           </a:p>
         </p:txBody>
       </p:sp>
-      <mc:AlternateContent xmlns:mc="http://schemas.openxmlformats.org/markup-compatibility/2006">
-        <mc:Choice xmlns:a14="http://schemas.microsoft.com/office/drawing/2010/main" Requires="a14">
+      <mc:AlternateContent xmlns:mc="http://schemas.openxmlformats.org/markup-compatibility/2006" xmlns:a14="http://schemas.microsoft.com/office/drawing/2010/main">
+        <mc:Choice Requires="a14">
           <p:sp>
             <p:nvSpPr>
               <p:cNvPr id="3" name="Content Placeholder 2">
@@ -23237,7 +23237,7 @@
             </p:txBody>
           </p:sp>
         </mc:Choice>
-        <mc:Fallback>
+        <mc:Fallback xmlns="">
           <p:sp>
             <p:nvSpPr>
               <p:cNvPr id="3" name="Content Placeholder 2">
@@ -23699,8 +23699,8 @@
           </a:p>
         </p:txBody>
       </p:sp>
-      <mc:AlternateContent xmlns:mc="http://schemas.openxmlformats.org/markup-compatibility/2006" xmlns:a14="http://schemas.microsoft.com/office/drawing/2010/main">
-        <mc:Choice Requires="a14">
+      <mc:AlternateContent xmlns:mc="http://schemas.openxmlformats.org/markup-compatibility/2006">
+        <mc:Choice xmlns:a14="http://schemas.microsoft.com/office/drawing/2010/main" Requires="a14">
           <p:sp>
             <p:nvSpPr>
               <p:cNvPr id="3" name="Content Placeholder 2">
@@ -23843,7 +23843,7 @@
                 </a14:m>
                 <a:r>
                   <a:rPr lang="en-US" dirty="0"/>
-                  <a:t>total number of shortest paths, betweenness centrality: </a:t>
+                  <a:t>total shortest paths, betweenness centrality: </a:t>
                 </a:r>
               </a:p>
               <a:p>
@@ -24149,7 +24149,7 @@
             </p:txBody>
           </p:sp>
         </mc:Choice>
-        <mc:Fallback xmlns="">
+        <mc:Fallback>
           <p:sp>
             <p:nvSpPr>
               <p:cNvPr id="3" name="Content Placeholder 2">
@@ -28468,8 +28468,8 @@
           </a:p>
         </p:txBody>
       </p:sp>
-      <mc:AlternateContent xmlns:mc="http://schemas.openxmlformats.org/markup-compatibility/2006">
-        <mc:Choice xmlns:a14="http://schemas.microsoft.com/office/drawing/2010/main" Requires="a14">
+      <mc:AlternateContent xmlns:mc="http://schemas.openxmlformats.org/markup-compatibility/2006" xmlns:a14="http://schemas.microsoft.com/office/drawing/2010/main">
+        <mc:Choice Requires="a14">
           <p:sp>
             <p:nvSpPr>
               <p:cNvPr id="3" name="Content Placeholder 2">
@@ -29377,7 +29377,7 @@
             </p:txBody>
           </p:sp>
         </mc:Choice>
-        <mc:Fallback>
+        <mc:Fallback xmlns="">
           <p:sp>
             <p:nvSpPr>
               <p:cNvPr id="3" name="Content Placeholder 2">
@@ -29803,8 +29803,8 @@
           </a:p>
         </p:txBody>
       </p:sp>
-      <mc:AlternateContent xmlns:mc="http://schemas.openxmlformats.org/markup-compatibility/2006">
-        <mc:Choice xmlns:a14="http://schemas.microsoft.com/office/drawing/2010/main" Requires="a14">
+      <mc:AlternateContent xmlns:mc="http://schemas.openxmlformats.org/markup-compatibility/2006" xmlns:a14="http://schemas.microsoft.com/office/drawing/2010/main">
+        <mc:Choice Requires="a14">
           <p:sp>
             <p:nvSpPr>
               <p:cNvPr id="3" name="Content Placeholder 2">
@@ -30468,7 +30468,7 @@
             </p:txBody>
           </p:sp>
         </mc:Choice>
-        <mc:Fallback>
+        <mc:Fallback xmlns="">
           <p:sp>
             <p:nvSpPr>
               <p:cNvPr id="3" name="Content Placeholder 2">
@@ -30868,8 +30868,8 @@
           </a:p>
         </p:txBody>
       </p:sp>
-      <mc:AlternateContent xmlns:mc="http://schemas.openxmlformats.org/markup-compatibility/2006" xmlns:a14="http://schemas.microsoft.com/office/drawing/2010/main">
-        <mc:Choice Requires="a14">
+      <mc:AlternateContent xmlns:mc="http://schemas.openxmlformats.org/markup-compatibility/2006">
+        <mc:Choice xmlns:a14="http://schemas.microsoft.com/office/drawing/2010/main" Requires="a14">
           <p:sp>
             <p:nvSpPr>
               <p:cNvPr id="3" name="Content Placeholder 2">
@@ -31615,15 +31615,19 @@
                 </a14:m>
                 <a:r>
                   <a:rPr lang="en-US" dirty="0"/>
-                  <a:t>, the expected Modularity, </a:t>
+                  <a:t>, the </a:t>
+                </a:r>
+                <a:r>
+                  <a:rPr lang="en-US" b="1" dirty="0"/>
+                  <a:t>expected Modularity, </a:t>
                 </a:r>
                 <a14:m>
                   <m:oMath xmlns:m="http://schemas.openxmlformats.org/officeDocument/2006/math">
                     <m:r>
-                      <a:rPr lang="en-US" b="0" i="1" smtClean="0">
+                      <a:rPr lang="en-US" b="1" i="1" smtClean="0">
                         <a:latin typeface="Cambria Math" panose="02040503050406030204" pitchFamily="18" charset="0"/>
                       </a:rPr>
-                      <m:t>𝑄</m:t>
+                      <m:t>𝑸</m:t>
                     </m:r>
                   </m:oMath>
                 </a14:m>
@@ -31941,7 +31945,7 @@
             </p:txBody>
           </p:sp>
         </mc:Choice>
-        <mc:Fallback xmlns="">
+        <mc:Fallback>
           <p:sp>
             <p:nvSpPr>
               <p:cNvPr id="3" name="Content Placeholder 2">
@@ -32243,8 +32247,8 @@
           </a:p>
         </p:txBody>
       </p:sp>
-      <mc:AlternateContent xmlns:mc="http://schemas.openxmlformats.org/markup-compatibility/2006" xmlns:a14="http://schemas.microsoft.com/office/drawing/2010/main">
-        <mc:Choice Requires="a14">
+      <mc:AlternateContent xmlns:mc="http://schemas.openxmlformats.org/markup-compatibility/2006">
+        <mc:Choice xmlns:a14="http://schemas.microsoft.com/office/drawing/2010/main" Requires="a14">
           <p:sp>
             <p:nvSpPr>
               <p:cNvPr id="3" name="Content Placeholder 2">
@@ -32701,7 +32705,7 @@
                 </a:r>
                 <a:r>
                   <a:rPr lang="en-US" dirty="0"/>
-                  <a:t>– know efficient exact algorithm </a:t>
+                  <a:t>– no known efficient exact algorithms! </a:t>
                 </a:r>
               </a:p>
               <a:p>
@@ -32713,7 +32717,7 @@
             </p:txBody>
           </p:sp>
         </mc:Choice>
-        <mc:Fallback xmlns="">
+        <mc:Fallback>
           <p:sp>
             <p:nvSpPr>
               <p:cNvPr id="3" name="Content Placeholder 2">
@@ -32996,33 +33000,15 @@
                                   </p:childTnLst>
                                 </p:cTn>
                               </p:par>
-                            </p:childTnLst>
-                          </p:cTn>
-                        </p:par>
-                      </p:childTnLst>
-                    </p:cTn>
-                  </p:par>
-                  <p:par>
-                    <p:cTn id="21" fill="hold">
-                      <p:stCondLst>
-                        <p:cond delay="indefinite"/>
-                      </p:stCondLst>
-                      <p:childTnLst>
-                        <p:par>
-                          <p:cTn id="22" fill="hold">
-                            <p:stCondLst>
-                              <p:cond delay="0"/>
-                            </p:stCondLst>
-                            <p:childTnLst>
                               <p:par>
-                                <p:cTn id="23" presetID="1" presetClass="entr" presetSubtype="0" fill="hold" nodeType="clickEffect">
+                                <p:cTn id="21" presetID="1" presetClass="entr" presetSubtype="0" fill="hold" nodeType="withEffect">
                                   <p:stCondLst>
                                     <p:cond delay="0"/>
                                   </p:stCondLst>
                                   <p:childTnLst>
                                     <p:set>
                                       <p:cBhvr>
-                                        <p:cTn id="24" dur="1" fill="hold">
+                                        <p:cTn id="22" dur="1" fill="hold">
                                           <p:stCondLst>
                                             <p:cond delay="0"/>
                                           </p:stCondLst>
@@ -33045,33 +33031,15 @@
                                   </p:childTnLst>
                                 </p:cTn>
                               </p:par>
-                            </p:childTnLst>
-                          </p:cTn>
-                        </p:par>
-                      </p:childTnLst>
-                    </p:cTn>
-                  </p:par>
-                  <p:par>
-                    <p:cTn id="25" fill="hold">
-                      <p:stCondLst>
-                        <p:cond delay="indefinite"/>
-                      </p:stCondLst>
-                      <p:childTnLst>
-                        <p:par>
-                          <p:cTn id="26" fill="hold">
-                            <p:stCondLst>
-                              <p:cond delay="0"/>
-                            </p:stCondLst>
-                            <p:childTnLst>
                               <p:par>
-                                <p:cTn id="27" presetID="1" presetClass="entr" presetSubtype="0" fill="hold" nodeType="clickEffect">
+                                <p:cTn id="23" presetID="1" presetClass="entr" presetSubtype="0" fill="hold" nodeType="withEffect">
                                   <p:stCondLst>
                                     <p:cond delay="0"/>
                                   </p:stCondLst>
                                   <p:childTnLst>
                                     <p:set>
                                       <p:cBhvr>
-                                        <p:cTn id="28" dur="1" fill="hold">
+                                        <p:cTn id="24" dur="1" fill="hold">
                                           <p:stCondLst>
                                             <p:cond delay="0"/>
                                           </p:stCondLst>
@@ -33094,33 +33062,15 @@
                                   </p:childTnLst>
                                 </p:cTn>
                               </p:par>
-                            </p:childTnLst>
-                          </p:cTn>
-                        </p:par>
-                      </p:childTnLst>
-                    </p:cTn>
-                  </p:par>
-                  <p:par>
-                    <p:cTn id="29" fill="hold">
-                      <p:stCondLst>
-                        <p:cond delay="indefinite"/>
-                      </p:stCondLst>
-                      <p:childTnLst>
-                        <p:par>
-                          <p:cTn id="30" fill="hold">
-                            <p:stCondLst>
-                              <p:cond delay="0"/>
-                            </p:stCondLst>
-                            <p:childTnLst>
                               <p:par>
-                                <p:cTn id="31" presetID="1" presetClass="entr" presetSubtype="0" fill="hold" nodeType="clickEffect">
+                                <p:cTn id="25" presetID="1" presetClass="entr" presetSubtype="0" fill="hold" nodeType="withEffect">
                                   <p:stCondLst>
                                     <p:cond delay="0"/>
                                   </p:stCondLst>
                                   <p:childTnLst>
                                     <p:set>
                                       <p:cBhvr>
-                                        <p:cTn id="32" dur="1" fill="hold">
+                                        <p:cTn id="26" dur="1" fill="hold">
                                           <p:stCondLst>
                                             <p:cond delay="0"/>
                                           </p:stCondLst>
@@ -33150,26 +33100,26 @@
                     </p:cTn>
                   </p:par>
                   <p:par>
-                    <p:cTn id="33" fill="hold">
+                    <p:cTn id="27" fill="hold">
                       <p:stCondLst>
                         <p:cond delay="indefinite"/>
                       </p:stCondLst>
                       <p:childTnLst>
                         <p:par>
-                          <p:cTn id="34" fill="hold">
+                          <p:cTn id="28" fill="hold">
                             <p:stCondLst>
                               <p:cond delay="0"/>
                             </p:stCondLst>
                             <p:childTnLst>
                               <p:par>
-                                <p:cTn id="35" presetID="1" presetClass="entr" presetSubtype="0" fill="hold" nodeType="clickEffect">
+                                <p:cTn id="29" presetID="1" presetClass="entr" presetSubtype="0" fill="hold" nodeType="clickEffect">
                                   <p:stCondLst>
                                     <p:cond delay="0"/>
                                   </p:stCondLst>
                                   <p:childTnLst>
                                     <p:set>
                                       <p:cBhvr>
-                                        <p:cTn id="36" dur="1" fill="hold">
+                                        <p:cTn id="30" dur="1" fill="hold">
                                           <p:stCondLst>
                                             <p:cond delay="0"/>
                                           </p:stCondLst>
@@ -33947,33 +33897,15 @@
                                   </p:childTnLst>
                                 </p:cTn>
                               </p:par>
-                            </p:childTnLst>
-                          </p:cTn>
-                        </p:par>
-                      </p:childTnLst>
-                    </p:cTn>
-                  </p:par>
-                  <p:par>
-                    <p:cTn id="7" fill="hold">
-                      <p:stCondLst>
-                        <p:cond delay="indefinite"/>
-                      </p:stCondLst>
-                      <p:childTnLst>
-                        <p:par>
-                          <p:cTn id="8" fill="hold">
-                            <p:stCondLst>
-                              <p:cond delay="0"/>
-                            </p:stCondLst>
-                            <p:childTnLst>
                               <p:par>
-                                <p:cTn id="9" presetID="1" presetClass="entr" presetSubtype="0" fill="hold" grpId="0" nodeType="clickEffect">
+                                <p:cTn id="7" presetID="1" presetClass="entr" presetSubtype="0" fill="hold" grpId="0" nodeType="withEffect">
                                   <p:stCondLst>
                                     <p:cond delay="0"/>
                                   </p:stCondLst>
                                   <p:childTnLst>
                                     <p:set>
                                       <p:cBhvr>
-                                        <p:cTn id="10" dur="1" fill="hold">
+                                        <p:cTn id="8" dur="1" fill="hold">
                                           <p:stCondLst>
                                             <p:cond delay="0"/>
                                           </p:stCondLst>
@@ -33996,33 +33928,15 @@
                                   </p:childTnLst>
                                 </p:cTn>
                               </p:par>
-                            </p:childTnLst>
-                          </p:cTn>
-                        </p:par>
-                      </p:childTnLst>
-                    </p:cTn>
-                  </p:par>
-                  <p:par>
-                    <p:cTn id="11" fill="hold">
-                      <p:stCondLst>
-                        <p:cond delay="indefinite"/>
-                      </p:stCondLst>
-                      <p:childTnLst>
-                        <p:par>
-                          <p:cTn id="12" fill="hold">
-                            <p:stCondLst>
-                              <p:cond delay="0"/>
-                            </p:stCondLst>
-                            <p:childTnLst>
                               <p:par>
-                                <p:cTn id="13" presetID="1" presetClass="entr" presetSubtype="0" fill="hold" grpId="0" nodeType="clickEffect">
+                                <p:cTn id="9" presetID="1" presetClass="entr" presetSubtype="0" fill="hold" grpId="0" nodeType="withEffect">
                                   <p:stCondLst>
                                     <p:cond delay="0"/>
                                   </p:stCondLst>
                                   <p:childTnLst>
                                     <p:set>
                                       <p:cBhvr>
-                                        <p:cTn id="14" dur="1" fill="hold">
+                                        <p:cTn id="10" dur="1" fill="hold">
                                           <p:stCondLst>
                                             <p:cond delay="0"/>
                                           </p:stCondLst>
@@ -34045,33 +33959,15 @@
                                   </p:childTnLst>
                                 </p:cTn>
                               </p:par>
-                            </p:childTnLst>
-                          </p:cTn>
-                        </p:par>
-                      </p:childTnLst>
-                    </p:cTn>
-                  </p:par>
-                  <p:par>
-                    <p:cTn id="15" fill="hold">
-                      <p:stCondLst>
-                        <p:cond delay="indefinite"/>
-                      </p:stCondLst>
-                      <p:childTnLst>
-                        <p:par>
-                          <p:cTn id="16" fill="hold">
-                            <p:stCondLst>
-                              <p:cond delay="0"/>
-                            </p:stCondLst>
-                            <p:childTnLst>
                               <p:par>
-                                <p:cTn id="17" presetID="1" presetClass="entr" presetSubtype="0" fill="hold" grpId="0" nodeType="clickEffect">
+                                <p:cTn id="11" presetID="1" presetClass="entr" presetSubtype="0" fill="hold" grpId="0" nodeType="withEffect">
                                   <p:stCondLst>
                                     <p:cond delay="0"/>
                                   </p:stCondLst>
                                   <p:childTnLst>
                                     <p:set>
                                       <p:cBhvr>
-                                        <p:cTn id="18" dur="1" fill="hold">
+                                        <p:cTn id="12" dur="1" fill="hold">
                                           <p:stCondLst>
                                             <p:cond delay="0"/>
                                           </p:stCondLst>
@@ -34101,26 +33997,26 @@
                     </p:cTn>
                   </p:par>
                   <p:par>
-                    <p:cTn id="19" fill="hold">
+                    <p:cTn id="13" fill="hold">
                       <p:stCondLst>
                         <p:cond delay="indefinite"/>
                       </p:stCondLst>
                       <p:childTnLst>
                         <p:par>
-                          <p:cTn id="20" fill="hold">
+                          <p:cTn id="14" fill="hold">
                             <p:stCondLst>
                               <p:cond delay="0"/>
                             </p:stCondLst>
                             <p:childTnLst>
                               <p:par>
-                                <p:cTn id="21" presetID="1" presetClass="entr" presetSubtype="0" fill="hold" grpId="0" nodeType="clickEffect">
+                                <p:cTn id="15" presetID="1" presetClass="entr" presetSubtype="0" fill="hold" grpId="0" nodeType="clickEffect">
                                   <p:stCondLst>
                                     <p:cond delay="0"/>
                                   </p:stCondLst>
                                   <p:childTnLst>
                                     <p:set>
                                       <p:cBhvr>
-                                        <p:cTn id="22" dur="1" fill="hold">
+                                        <p:cTn id="16" dur="1" fill="hold">
                                           <p:stCondLst>
                                             <p:cond delay="0"/>
                                           </p:stCondLst>
@@ -34143,33 +34039,15 @@
                                   </p:childTnLst>
                                 </p:cTn>
                               </p:par>
-                            </p:childTnLst>
-                          </p:cTn>
-                        </p:par>
-                      </p:childTnLst>
-                    </p:cTn>
-                  </p:par>
-                  <p:par>
-                    <p:cTn id="23" fill="hold">
-                      <p:stCondLst>
-                        <p:cond delay="indefinite"/>
-                      </p:stCondLst>
-                      <p:childTnLst>
-                        <p:par>
-                          <p:cTn id="24" fill="hold">
-                            <p:stCondLst>
-                              <p:cond delay="0"/>
-                            </p:stCondLst>
-                            <p:childTnLst>
                               <p:par>
-                                <p:cTn id="25" presetID="1" presetClass="entr" presetSubtype="0" fill="hold" grpId="0" nodeType="clickEffect">
+                                <p:cTn id="17" presetID="1" presetClass="entr" presetSubtype="0" fill="hold" grpId="0" nodeType="withEffect">
                                   <p:stCondLst>
                                     <p:cond delay="0"/>
                                   </p:stCondLst>
                                   <p:childTnLst>
                                     <p:set>
                                       <p:cBhvr>
-                                        <p:cTn id="26" dur="1" fill="hold">
+                                        <p:cTn id="18" dur="1" fill="hold">
                                           <p:stCondLst>
                                             <p:cond delay="0"/>
                                           </p:stCondLst>
@@ -34192,33 +34070,15 @@
                                   </p:childTnLst>
                                 </p:cTn>
                               </p:par>
-                            </p:childTnLst>
-                          </p:cTn>
-                        </p:par>
-                      </p:childTnLst>
-                    </p:cTn>
-                  </p:par>
-                  <p:par>
-                    <p:cTn id="27" fill="hold">
-                      <p:stCondLst>
-                        <p:cond delay="indefinite"/>
-                      </p:stCondLst>
-                      <p:childTnLst>
-                        <p:par>
-                          <p:cTn id="28" fill="hold">
-                            <p:stCondLst>
-                              <p:cond delay="0"/>
-                            </p:stCondLst>
-                            <p:childTnLst>
                               <p:par>
-                                <p:cTn id="29" presetID="1" presetClass="entr" presetSubtype="0" fill="hold" grpId="0" nodeType="clickEffect">
+                                <p:cTn id="19" presetID="1" presetClass="entr" presetSubtype="0" fill="hold" grpId="0" nodeType="withEffect">
                                   <p:stCondLst>
                                     <p:cond delay="0"/>
                                   </p:stCondLst>
                                   <p:childTnLst>
                                     <p:set>
                                       <p:cBhvr>
-                                        <p:cTn id="30" dur="1" fill="hold">
+                                        <p:cTn id="20" dur="1" fill="hold">
                                           <p:stCondLst>
                                             <p:cond delay="0"/>
                                           </p:stCondLst>
@@ -34248,26 +34108,26 @@
                     </p:cTn>
                   </p:par>
                   <p:par>
-                    <p:cTn id="31" fill="hold">
+                    <p:cTn id="21" fill="hold">
                       <p:stCondLst>
                         <p:cond delay="indefinite"/>
                       </p:stCondLst>
                       <p:childTnLst>
                         <p:par>
-                          <p:cTn id="32" fill="hold">
+                          <p:cTn id="22" fill="hold">
                             <p:stCondLst>
                               <p:cond delay="0"/>
                             </p:stCondLst>
                             <p:childTnLst>
                               <p:par>
-                                <p:cTn id="33" presetID="1" presetClass="entr" presetSubtype="0" fill="hold" grpId="0" nodeType="clickEffect">
+                                <p:cTn id="23" presetID="1" presetClass="entr" presetSubtype="0" fill="hold" grpId="0" nodeType="clickEffect">
                                   <p:stCondLst>
                                     <p:cond delay="0"/>
                                   </p:stCondLst>
                                   <p:childTnLst>
                                     <p:set>
                                       <p:cBhvr>
-                                        <p:cTn id="34" dur="1" fill="hold">
+                                        <p:cTn id="24" dur="1" fill="hold">
                                           <p:stCondLst>
                                             <p:cond delay="0"/>
                                           </p:stCondLst>
@@ -34297,26 +34157,26 @@
                     </p:cTn>
                   </p:par>
                   <p:par>
-                    <p:cTn id="35" fill="hold">
+                    <p:cTn id="25" fill="hold">
                       <p:stCondLst>
                         <p:cond delay="indefinite"/>
                       </p:stCondLst>
                       <p:childTnLst>
                         <p:par>
-                          <p:cTn id="36" fill="hold">
+                          <p:cTn id="26" fill="hold">
                             <p:stCondLst>
                               <p:cond delay="0"/>
                             </p:stCondLst>
                             <p:childTnLst>
                               <p:par>
-                                <p:cTn id="37" presetID="1" presetClass="entr" presetSubtype="0" fill="hold" grpId="0" nodeType="clickEffect">
+                                <p:cTn id="27" presetID="1" presetClass="entr" presetSubtype="0" fill="hold" grpId="0" nodeType="clickEffect">
                                   <p:stCondLst>
                                     <p:cond delay="0"/>
                                   </p:stCondLst>
                                   <p:childTnLst>
                                     <p:set>
                                       <p:cBhvr>
-                                        <p:cTn id="38" dur="1" fill="hold">
+                                        <p:cTn id="28" dur="1" fill="hold">
                                           <p:stCondLst>
                                             <p:cond delay="0"/>
                                           </p:stCondLst>
@@ -35198,8 +35058,8 @@
           </a:p>
         </p:txBody>
       </p:sp>
-      <mc:AlternateContent xmlns:mc="http://schemas.openxmlformats.org/markup-compatibility/2006" xmlns:a14="http://schemas.microsoft.com/office/drawing/2010/main">
-        <mc:Choice Requires="a14">
+      <mc:AlternateContent xmlns:mc="http://schemas.openxmlformats.org/markup-compatibility/2006">
+        <mc:Choice xmlns:a14="http://schemas.microsoft.com/office/drawing/2010/main" Requires="a14">
           <p:sp>
             <p:nvSpPr>
               <p:cNvPr id="3" name="Content Placeholder 2">
@@ -35258,7 +35118,7 @@
               <a:p>
                 <a:r>
                   <a:rPr lang="en-US" dirty="0"/>
-                  <a:t>Can continue to make binary partitions of the components </a:t>
+                  <a:t>Can recursively continue partitions of the components </a:t>
                 </a:r>
               </a:p>
               <a:p>
@@ -35351,7 +35211,7 @@
             </p:txBody>
           </p:sp>
         </mc:Choice>
-        <mc:Fallback xmlns="">
+        <mc:Fallback>
           <p:sp>
             <p:nvSpPr>
               <p:cNvPr id="3" name="Content Placeholder 2">
@@ -35456,33 +35316,15 @@
                                   </p:childTnLst>
                                 </p:cTn>
                               </p:par>
-                            </p:childTnLst>
-                          </p:cTn>
-                        </p:par>
-                      </p:childTnLst>
-                    </p:cTn>
-                  </p:par>
-                  <p:par>
-                    <p:cTn id="7" fill="hold">
-                      <p:stCondLst>
-                        <p:cond delay="indefinite"/>
-                      </p:stCondLst>
-                      <p:childTnLst>
-                        <p:par>
-                          <p:cTn id="8" fill="hold">
-                            <p:stCondLst>
-                              <p:cond delay="0"/>
-                            </p:stCondLst>
-                            <p:childTnLst>
                               <p:par>
-                                <p:cTn id="9" presetID="1" presetClass="entr" presetSubtype="0" fill="hold" nodeType="clickEffect">
+                                <p:cTn id="7" presetID="1" presetClass="entr" presetSubtype="0" fill="hold" nodeType="withEffect">
                                   <p:stCondLst>
                                     <p:cond delay="0"/>
                                   </p:stCondLst>
                                   <p:childTnLst>
                                     <p:set>
                                       <p:cBhvr>
-                                        <p:cTn id="10" dur="1" fill="hold">
+                                        <p:cTn id="8" dur="1" fill="hold">
                                           <p:stCondLst>
                                             <p:cond delay="0"/>
                                           </p:stCondLst>
@@ -35512,19 +35354,50 @@
                     </p:cTn>
                   </p:par>
                   <p:par>
-                    <p:cTn id="11" fill="hold">
+                    <p:cTn id="9" fill="hold">
                       <p:stCondLst>
                         <p:cond delay="indefinite"/>
                       </p:stCondLst>
                       <p:childTnLst>
                         <p:par>
-                          <p:cTn id="12" fill="hold">
+                          <p:cTn id="10" fill="hold">
                             <p:stCondLst>
                               <p:cond delay="0"/>
                             </p:stCondLst>
                             <p:childTnLst>
                               <p:par>
-                                <p:cTn id="13" presetID="1" presetClass="entr" presetSubtype="0" fill="hold" nodeType="clickEffect">
+                                <p:cTn id="11" presetID="1" presetClass="entr" presetSubtype="0" fill="hold" nodeType="clickEffect">
+                                  <p:stCondLst>
+                                    <p:cond delay="0"/>
+                                  </p:stCondLst>
+                                  <p:childTnLst>
+                                    <p:set>
+                                      <p:cBhvr>
+                                        <p:cTn id="12" dur="1" fill="hold">
+                                          <p:stCondLst>
+                                            <p:cond delay="0"/>
+                                          </p:stCondLst>
+                                        </p:cTn>
+                                        <p:tgtEl>
+                                          <p:spTgt spid="3">
+                                            <p:txEl>
+                                              <p:pRg st="4" end="4"/>
+                                            </p:txEl>
+                                          </p:spTgt>
+                                        </p:tgtEl>
+                                        <p:attrNameLst>
+                                          <p:attrName>style.visibility</p:attrName>
+                                        </p:attrNameLst>
+                                      </p:cBhvr>
+                                      <p:to>
+                                        <p:strVal val="visible"/>
+                                      </p:to>
+                                    </p:set>
+                                  </p:childTnLst>
+                                </p:cTn>
+                              </p:par>
+                              <p:par>
+                                <p:cTn id="13" presetID="1" presetClass="entr" presetSubtype="0" fill="hold" nodeType="withEffect">
                                   <p:stCondLst>
                                     <p:cond delay="0"/>
                                   </p:stCondLst>
@@ -35539,7 +35412,7 @@
                                         <p:tgtEl>
                                           <p:spTgt spid="3">
                                             <p:txEl>
-                                              <p:pRg st="4" end="4"/>
+                                              <p:pRg st="5" end="5"/>
                                             </p:txEl>
                                           </p:spTgt>
                                         </p:tgtEl>
@@ -35581,55 +35454,6 @@
                                     <p:set>
                                       <p:cBhvr>
                                         <p:cTn id="18" dur="1" fill="hold">
-                                          <p:stCondLst>
-                                            <p:cond delay="0"/>
-                                          </p:stCondLst>
-                                        </p:cTn>
-                                        <p:tgtEl>
-                                          <p:spTgt spid="3">
-                                            <p:txEl>
-                                              <p:pRg st="5" end="5"/>
-                                            </p:txEl>
-                                          </p:spTgt>
-                                        </p:tgtEl>
-                                        <p:attrNameLst>
-                                          <p:attrName>style.visibility</p:attrName>
-                                        </p:attrNameLst>
-                                      </p:cBhvr>
-                                      <p:to>
-                                        <p:strVal val="visible"/>
-                                      </p:to>
-                                    </p:set>
-                                  </p:childTnLst>
-                                </p:cTn>
-                              </p:par>
-                            </p:childTnLst>
-                          </p:cTn>
-                        </p:par>
-                      </p:childTnLst>
-                    </p:cTn>
-                  </p:par>
-                  <p:par>
-                    <p:cTn id="19" fill="hold">
-                      <p:stCondLst>
-                        <p:cond delay="indefinite"/>
-                      </p:stCondLst>
-                      <p:childTnLst>
-                        <p:par>
-                          <p:cTn id="20" fill="hold">
-                            <p:stCondLst>
-                              <p:cond delay="0"/>
-                            </p:stCondLst>
-                            <p:childTnLst>
-                              <p:par>
-                                <p:cTn id="21" presetID="1" presetClass="entr" presetSubtype="0" fill="hold" nodeType="clickEffect">
-                                  <p:stCondLst>
-                                    <p:cond delay="0"/>
-                                  </p:stCondLst>
-                                  <p:childTnLst>
-                                    <p:set>
-                                      <p:cBhvr>
-                                        <p:cTn id="22" dur="1" fill="hold">
                                           <p:stCondLst>
                                             <p:cond delay="0"/>
                                           </p:stCondLst>
@@ -35738,8 +35562,8 @@
           </a:p>
         </p:txBody>
       </p:sp>
-      <mc:AlternateContent xmlns:mc="http://schemas.openxmlformats.org/markup-compatibility/2006" xmlns:a14="http://schemas.microsoft.com/office/drawing/2010/main">
-        <mc:Choice Requires="a14">
+      <mc:AlternateContent xmlns:mc="http://schemas.openxmlformats.org/markup-compatibility/2006">
+        <mc:Choice xmlns:a14="http://schemas.microsoft.com/office/drawing/2010/main" Requires="a14">
           <p:sp>
             <p:nvSpPr>
               <p:cNvPr id="3" name="Content Placeholder 2">
@@ -35773,7 +35597,15 @@
                 </a:pPr>
                 <a:r>
                   <a:rPr lang="en-US" dirty="0"/>
-                  <a:t>Use spectral decomposition to maximize modularity</a:t>
+                  <a:t>Use </a:t>
+                </a:r>
+                <a:r>
+                  <a:rPr lang="en-US" b="1" dirty="0"/>
+                  <a:t>spectral decomposition </a:t>
+                </a:r>
+                <a:r>
+                  <a:rPr lang="en-US" dirty="0"/>
+                  <a:t>to maximize modularity</a:t>
                 </a:r>
               </a:p>
               <a:p>
@@ -36309,7 +36141,15 @@
                 </a:r>
                 <a:r>
                   <a:rPr lang="en-US" dirty="0"/>
-                  <a:t> is the modularity matrix with </a:t>
+                  <a:t> is the </a:t>
+                </a:r>
+                <a:r>
+                  <a:rPr lang="en-US" b="1" dirty="0"/>
+                  <a:t>modularity matrix </a:t>
+                </a:r>
+                <a:r>
+                  <a:rPr lang="en-US" dirty="0"/>
+                  <a:t>with </a:t>
                 </a:r>
               </a:p>
               <a:p>
@@ -36578,7 +36418,7 @@
             </p:txBody>
           </p:sp>
         </mc:Choice>
-        <mc:Fallback xmlns="">
+        <mc:Fallback>
           <p:sp>
             <p:nvSpPr>
               <p:cNvPr id="3" name="Content Placeholder 2">
@@ -39045,8 +38885,8 @@
           </a:p>
         </p:txBody>
       </p:sp>
-      <mc:AlternateContent xmlns:mc="http://schemas.openxmlformats.org/markup-compatibility/2006" xmlns:a14="http://schemas.microsoft.com/office/drawing/2010/main">
-        <mc:Choice Requires="a14">
+      <mc:AlternateContent xmlns:mc="http://schemas.openxmlformats.org/markup-compatibility/2006">
+        <mc:Choice xmlns:a14="http://schemas.microsoft.com/office/drawing/2010/main" Requires="a14">
           <p:sp>
             <p:nvSpPr>
               <p:cNvPr id="3" name="Content Placeholder 2">
@@ -39924,7 +39764,7 @@
                   <a:rPr lang="en-US" dirty="0">
                     <a:cs typeface="Segoe UI" panose="020B0502040204020203" pitchFamily="34" charset="0"/>
                   </a:rPr>
-                  <a:t>The n eigenvalues are ordered, </a:t>
+                  <a:t>Magnitudes of n eigenvalues are ordered, </a:t>
                 </a:r>
                 <a14:m>
                   <m:oMath xmlns:m="http://schemas.openxmlformats.org/officeDocument/2006/math">
@@ -39938,6 +39778,13 @@
                         </m:ctrlPr>
                       </m:sSubPr>
                       <m:e>
+                        <m:r>
+                          <a:rPr lang="en-US" b="0" i="1" smtClean="0">
+                            <a:latin typeface="Cambria Math" panose="02040503050406030204" pitchFamily="18" charset="0"/>
+                            <a:cs typeface="Segoe UI" panose="020B0502040204020203" pitchFamily="34" charset="0"/>
+                          </a:rPr>
+                          <m:t>|</m:t>
+                        </m:r>
                         <m:r>
                           <a:rPr lang="en-US" i="1">
                             <a:latin typeface="Cambria Math" panose="02040503050406030204" pitchFamily="18" charset="0"/>
@@ -39958,6 +39805,13 @@
                       </m:sub>
                     </m:sSub>
                     <m:r>
+                      <a:rPr lang="en-US" b="0" i="1" smtClean="0">
+                        <a:latin typeface="Cambria Math" panose="02040503050406030204" pitchFamily="18" charset="0"/>
+                        <a:cs typeface="Segoe UI" panose="020B0502040204020203" pitchFamily="34" charset="0"/>
+                      </a:rPr>
+                      <m:t>|</m:t>
+                    </m:r>
+                    <m:r>
                       <a:rPr lang="en-US" i="1">
                         <a:latin typeface="Cambria Math" panose="02040503050406030204" pitchFamily="18" charset="0"/>
                         <a:ea typeface="Cambria Math" panose="02040503050406030204" pitchFamily="18" charset="0"/>
@@ -39976,6 +39830,14 @@
                         </m:ctrlPr>
                       </m:sSubPr>
                       <m:e>
+                        <m:r>
+                          <a:rPr lang="en-US" b="0" i="1" smtClean="0">
+                            <a:latin typeface="Cambria Math" panose="02040503050406030204" pitchFamily="18" charset="0"/>
+                            <a:ea typeface="Cambria Math" panose="02040503050406030204" pitchFamily="18" charset="0"/>
+                            <a:cs typeface="Segoe UI" panose="020B0502040204020203" pitchFamily="34" charset="0"/>
+                          </a:rPr>
+                          <m:t>|</m:t>
+                        </m:r>
                         <m:r>
                           <a:rPr lang="en-US" i="1">
                             <a:latin typeface="Cambria Math" panose="02040503050406030204" pitchFamily="18" charset="0"/>
@@ -39996,6 +39858,14 @@
                         </m:r>
                       </m:sub>
                     </m:sSub>
+                    <m:r>
+                      <a:rPr lang="en-US" b="0" i="1" smtClean="0">
+                        <a:latin typeface="Cambria Math" panose="02040503050406030204" pitchFamily="18" charset="0"/>
+                        <a:ea typeface="Cambria Math" panose="02040503050406030204" pitchFamily="18" charset="0"/>
+                        <a:cs typeface="Segoe UI" panose="020B0502040204020203" pitchFamily="34" charset="0"/>
+                      </a:rPr>
+                      <m:t>|</m:t>
+                    </m:r>
                     <m:r>
                       <a:rPr lang="en-US" i="1">
                         <a:latin typeface="Cambria Math" panose="02040503050406030204" pitchFamily="18" charset="0"/>
@@ -40036,7 +39906,7 @@
                     <a:ea typeface="Cambria Math" panose="02040503050406030204" pitchFamily="18" charset="0"/>
                     <a:cs typeface="Segoe UI" panose="020B0502040204020203" pitchFamily="34" charset="0"/>
                   </a:rPr>
-                  <a:t> </a:t>
+                  <a:t> |</a:t>
                 </a:r>
                 <a14:m>
                   <m:oMath xmlns:m="http://schemas.openxmlformats.org/officeDocument/2006/math">
@@ -40071,6 +39941,14 @@
                         </m:r>
                       </m:sub>
                     </m:sSub>
+                    <m:r>
+                      <a:rPr lang="en-US" b="0" i="1" smtClean="0">
+                        <a:latin typeface="Cambria Math" panose="02040503050406030204" pitchFamily="18" charset="0"/>
+                        <a:ea typeface="Cambria Math" panose="02040503050406030204" pitchFamily="18" charset="0"/>
+                        <a:cs typeface="Segoe UI" panose="020B0502040204020203" pitchFamily="34" charset="0"/>
+                      </a:rPr>
+                      <m:t>|</m:t>
+                    </m:r>
                   </m:oMath>
                 </a14:m>
                 <a:endParaRPr lang="en-US" dirty="0">
@@ -40211,7 +40089,7 @@
             </p:txBody>
           </p:sp>
         </mc:Choice>
-        <mc:Fallback xmlns="">
+        <mc:Fallback>
           <p:sp>
             <p:nvSpPr>
               <p:cNvPr id="3" name="Content Placeholder 2">
@@ -40286,7 +40164,7 @@
                             </p:stCondLst>
                             <p:childTnLst>
                               <p:par>
-                                <p:cTn id="5" presetID="1" presetClass="entr" presetSubtype="0" fill="hold" grpId="0" nodeType="clickEffect">
+                                <p:cTn id="5" presetID="1" presetClass="entr" presetSubtype="0" fill="hold" nodeType="clickEffect">
                                   <p:stCondLst>
                                     <p:cond delay="0"/>
                                   </p:stCondLst>
@@ -40301,7 +40179,7 @@
                                         <p:tgtEl>
                                           <p:spTgt spid="3">
                                             <p:txEl>
-                                              <p:pRg st="1" end="1"/>
+                                              <p:pRg st="4" end="4"/>
                                             </p:txEl>
                                           </p:spTgt>
                                         </p:tgtEl>
@@ -40316,39 +40194,26 @@
                                   </p:childTnLst>
                                 </p:cTn>
                               </p:par>
+                            </p:childTnLst>
+                          </p:cTn>
+                        </p:par>
+                      </p:childTnLst>
+                    </p:cTn>
+                  </p:par>
+                  <p:par>
+                    <p:cTn id="7" fill="hold">
+                      <p:stCondLst>
+                        <p:cond delay="indefinite"/>
+                      </p:stCondLst>
+                      <p:childTnLst>
+                        <p:par>
+                          <p:cTn id="8" fill="hold">
+                            <p:stCondLst>
+                              <p:cond delay="0"/>
+                            </p:stCondLst>
+                            <p:childTnLst>
                               <p:par>
-                                <p:cTn id="7" presetID="1" presetClass="entr" presetSubtype="0" fill="hold" grpId="0" nodeType="withEffect">
-                                  <p:stCondLst>
-                                    <p:cond delay="0"/>
-                                  </p:stCondLst>
-                                  <p:childTnLst>
-                                    <p:set>
-                                      <p:cBhvr>
-                                        <p:cTn id="8" dur="1" fill="hold">
-                                          <p:stCondLst>
-                                            <p:cond delay="0"/>
-                                          </p:stCondLst>
-                                        </p:cTn>
-                                        <p:tgtEl>
-                                          <p:spTgt spid="3">
-                                            <p:txEl>
-                                              <p:pRg st="2" end="2"/>
-                                            </p:txEl>
-                                          </p:spTgt>
-                                        </p:tgtEl>
-                                        <p:attrNameLst>
-                                          <p:attrName>style.visibility</p:attrName>
-                                        </p:attrNameLst>
-                                      </p:cBhvr>
-                                      <p:to>
-                                        <p:strVal val="visible"/>
-                                      </p:to>
-                                    </p:set>
-                                  </p:childTnLst>
-                                </p:cTn>
-                              </p:par>
-                              <p:par>
-                                <p:cTn id="9" presetID="1" presetClass="entr" presetSubtype="0" fill="hold" grpId="0" nodeType="withEffect">
+                                <p:cTn id="9" presetID="1" presetClass="entr" presetSubtype="0" fill="hold" nodeType="clickEffect">
                                   <p:stCondLst>
                                     <p:cond delay="0"/>
                                   </p:stCondLst>
@@ -40363,7 +40228,7 @@
                                         <p:tgtEl>
                                           <p:spTgt spid="3">
                                             <p:txEl>
-                                              <p:pRg st="3" end="3"/>
+                                              <p:pRg st="5" end="5"/>
                                             </p:txEl>
                                           </p:spTgt>
                                         </p:tgtEl>
@@ -40397,7 +40262,7 @@
                             </p:stCondLst>
                             <p:childTnLst>
                               <p:par>
-                                <p:cTn id="13" presetID="1" presetClass="entr" presetSubtype="0" fill="hold" grpId="0" nodeType="clickEffect">
+                                <p:cTn id="13" presetID="1" presetClass="entr" presetSubtype="0" fill="hold" nodeType="clickEffect">
                                   <p:stCondLst>
                                     <p:cond delay="0"/>
                                   </p:stCondLst>
@@ -40405,104 +40270,6 @@
                                     <p:set>
                                       <p:cBhvr>
                                         <p:cTn id="14" dur="1" fill="hold">
-                                          <p:stCondLst>
-                                            <p:cond delay="0"/>
-                                          </p:stCondLst>
-                                        </p:cTn>
-                                        <p:tgtEl>
-                                          <p:spTgt spid="3">
-                                            <p:txEl>
-                                              <p:pRg st="4" end="4"/>
-                                            </p:txEl>
-                                          </p:spTgt>
-                                        </p:tgtEl>
-                                        <p:attrNameLst>
-                                          <p:attrName>style.visibility</p:attrName>
-                                        </p:attrNameLst>
-                                      </p:cBhvr>
-                                      <p:to>
-                                        <p:strVal val="visible"/>
-                                      </p:to>
-                                    </p:set>
-                                  </p:childTnLst>
-                                </p:cTn>
-                              </p:par>
-                            </p:childTnLst>
-                          </p:cTn>
-                        </p:par>
-                      </p:childTnLst>
-                    </p:cTn>
-                  </p:par>
-                  <p:par>
-                    <p:cTn id="15" fill="hold">
-                      <p:stCondLst>
-                        <p:cond delay="indefinite"/>
-                      </p:stCondLst>
-                      <p:childTnLst>
-                        <p:par>
-                          <p:cTn id="16" fill="hold">
-                            <p:stCondLst>
-                              <p:cond delay="0"/>
-                            </p:stCondLst>
-                            <p:childTnLst>
-                              <p:par>
-                                <p:cTn id="17" presetID="1" presetClass="entr" presetSubtype="0" fill="hold" grpId="0" nodeType="clickEffect">
-                                  <p:stCondLst>
-                                    <p:cond delay="0"/>
-                                  </p:stCondLst>
-                                  <p:childTnLst>
-                                    <p:set>
-                                      <p:cBhvr>
-                                        <p:cTn id="18" dur="1" fill="hold">
-                                          <p:stCondLst>
-                                            <p:cond delay="0"/>
-                                          </p:stCondLst>
-                                        </p:cTn>
-                                        <p:tgtEl>
-                                          <p:spTgt spid="3">
-                                            <p:txEl>
-                                              <p:pRg st="5" end="5"/>
-                                            </p:txEl>
-                                          </p:spTgt>
-                                        </p:tgtEl>
-                                        <p:attrNameLst>
-                                          <p:attrName>style.visibility</p:attrName>
-                                        </p:attrNameLst>
-                                      </p:cBhvr>
-                                      <p:to>
-                                        <p:strVal val="visible"/>
-                                      </p:to>
-                                    </p:set>
-                                  </p:childTnLst>
-                                </p:cTn>
-                              </p:par>
-                            </p:childTnLst>
-                          </p:cTn>
-                        </p:par>
-                      </p:childTnLst>
-                    </p:cTn>
-                  </p:par>
-                  <p:par>
-                    <p:cTn id="19" fill="hold">
-                      <p:stCondLst>
-                        <p:cond delay="indefinite"/>
-                      </p:stCondLst>
-                      <p:childTnLst>
-                        <p:par>
-                          <p:cTn id="20" fill="hold">
-                            <p:stCondLst>
-                              <p:cond delay="0"/>
-                            </p:stCondLst>
-                            <p:childTnLst>
-                              <p:par>
-                                <p:cTn id="21" presetID="1" presetClass="entr" presetSubtype="0" fill="hold" grpId="0" nodeType="clickEffect">
-                                  <p:stCondLst>
-                                    <p:cond delay="0"/>
-                                  </p:stCondLst>
-                                  <p:childTnLst>
-                                    <p:set>
-                                      <p:cBhvr>
-                                        <p:cTn id="22" dur="1" fill="hold">
                                           <p:stCondLst>
                                             <p:cond delay="0"/>
                                           </p:stCondLst>
@@ -40552,9 +40319,6 @@
         </p:cTn>
       </p:par>
     </p:tnLst>
-    <p:bldLst>
-      <p:bldP spid="3" grpId="0" uiExpand="1" build="p"/>
-    </p:bldLst>
   </p:timing>
 </p:sld>
 </file>
@@ -40614,8 +40378,8 @@
           </a:p>
         </p:txBody>
       </p:sp>
-      <mc:AlternateContent xmlns:mc="http://schemas.openxmlformats.org/markup-compatibility/2006" xmlns:a14="http://schemas.microsoft.com/office/drawing/2010/main">
-        <mc:Choice Requires="a14">
+      <mc:AlternateContent xmlns:mc="http://schemas.openxmlformats.org/markup-compatibility/2006">
+        <mc:Choice xmlns:a14="http://schemas.microsoft.com/office/drawing/2010/main" Requires="a14">
           <p:sp>
             <p:nvSpPr>
               <p:cNvPr id="3" name="Content Placeholder 2">
@@ -40888,7 +40652,7 @@
                   <a:rPr lang="en-US" dirty="0">
                     <a:ea typeface="Cambria Math" panose="02040503050406030204" pitchFamily="18" charset="0"/>
                   </a:rPr>
-                  <a:t>Can continue to divide the graph components to find smaller communities</a:t>
+                  <a:t>Can recursively divide the graph components to find smaller communities</a:t>
                 </a:r>
               </a:p>
               <a:p>
@@ -40908,7 +40672,7 @@
             </p:txBody>
           </p:sp>
         </mc:Choice>
-        <mc:Fallback xmlns="">
+        <mc:Fallback>
           <p:sp>
             <p:nvSpPr>
               <p:cNvPr id="3" name="Content Placeholder 2">
@@ -42609,526 +42373,6 @@
   <p:clrMapOvr>
     <a:masterClrMapping/>
   </p:clrMapOvr>
-  <p:timing>
-    <p:tnLst>
-      <p:par>
-        <p:cTn id="1" dur="indefinite" restart="never" nodeType="tmRoot">
-          <p:childTnLst>
-            <p:seq concurrent="1" nextAc="seek">
-              <p:cTn id="2" dur="indefinite" nodeType="mainSeq">
-                <p:childTnLst>
-                  <p:par>
-                    <p:cTn id="3" fill="hold">
-                      <p:stCondLst>
-                        <p:cond delay="indefinite"/>
-                      </p:stCondLst>
-                      <p:childTnLst>
-                        <p:par>
-                          <p:cTn id="4" fill="hold">
-                            <p:stCondLst>
-                              <p:cond delay="0"/>
-                            </p:stCondLst>
-                            <p:childTnLst>
-                              <p:par>
-                                <p:cTn id="5" presetID="1" presetClass="entr" presetSubtype="0" fill="hold" nodeType="clickEffect">
-                                  <p:stCondLst>
-                                    <p:cond delay="0"/>
-                                  </p:stCondLst>
-                                  <p:childTnLst>
-                                    <p:set>
-                                      <p:cBhvr>
-                                        <p:cTn id="6" dur="1" fill="hold">
-                                          <p:stCondLst>
-                                            <p:cond delay="0"/>
-                                          </p:stCondLst>
-                                        </p:cTn>
-                                        <p:tgtEl>
-                                          <p:spTgt spid="3">
-                                            <p:txEl>
-                                              <p:pRg st="1" end="1"/>
-                                            </p:txEl>
-                                          </p:spTgt>
-                                        </p:tgtEl>
-                                        <p:attrNameLst>
-                                          <p:attrName>style.visibility</p:attrName>
-                                        </p:attrNameLst>
-                                      </p:cBhvr>
-                                      <p:to>
-                                        <p:strVal val="visible"/>
-                                      </p:to>
-                                    </p:set>
-                                  </p:childTnLst>
-                                </p:cTn>
-                              </p:par>
-                            </p:childTnLst>
-                          </p:cTn>
-                        </p:par>
-                      </p:childTnLst>
-                    </p:cTn>
-                  </p:par>
-                  <p:par>
-                    <p:cTn id="7" fill="hold">
-                      <p:stCondLst>
-                        <p:cond delay="indefinite"/>
-                      </p:stCondLst>
-                      <p:childTnLst>
-                        <p:par>
-                          <p:cTn id="8" fill="hold">
-                            <p:stCondLst>
-                              <p:cond delay="0"/>
-                            </p:stCondLst>
-                            <p:childTnLst>
-                              <p:par>
-                                <p:cTn id="9" presetID="1" presetClass="entr" presetSubtype="0" fill="hold" nodeType="clickEffect">
-                                  <p:stCondLst>
-                                    <p:cond delay="0"/>
-                                  </p:stCondLst>
-                                  <p:childTnLst>
-                                    <p:set>
-                                      <p:cBhvr>
-                                        <p:cTn id="10" dur="1" fill="hold">
-                                          <p:stCondLst>
-                                            <p:cond delay="0"/>
-                                          </p:stCondLst>
-                                        </p:cTn>
-                                        <p:tgtEl>
-                                          <p:spTgt spid="3">
-                                            <p:txEl>
-                                              <p:pRg st="2" end="2"/>
-                                            </p:txEl>
-                                          </p:spTgt>
-                                        </p:tgtEl>
-                                        <p:attrNameLst>
-                                          <p:attrName>style.visibility</p:attrName>
-                                        </p:attrNameLst>
-                                      </p:cBhvr>
-                                      <p:to>
-                                        <p:strVal val="visible"/>
-                                      </p:to>
-                                    </p:set>
-                                  </p:childTnLst>
-                                </p:cTn>
-                              </p:par>
-                            </p:childTnLst>
-                          </p:cTn>
-                        </p:par>
-                      </p:childTnLst>
-                    </p:cTn>
-                  </p:par>
-                  <p:par>
-                    <p:cTn id="11" fill="hold">
-                      <p:stCondLst>
-                        <p:cond delay="indefinite"/>
-                      </p:stCondLst>
-                      <p:childTnLst>
-                        <p:par>
-                          <p:cTn id="12" fill="hold">
-                            <p:stCondLst>
-                              <p:cond delay="0"/>
-                            </p:stCondLst>
-                            <p:childTnLst>
-                              <p:par>
-                                <p:cTn id="13" presetID="1" presetClass="entr" presetSubtype="0" fill="hold" nodeType="clickEffect">
-                                  <p:stCondLst>
-                                    <p:cond delay="0"/>
-                                  </p:stCondLst>
-                                  <p:childTnLst>
-                                    <p:set>
-                                      <p:cBhvr>
-                                        <p:cTn id="14" dur="1" fill="hold">
-                                          <p:stCondLst>
-                                            <p:cond delay="0"/>
-                                          </p:stCondLst>
-                                        </p:cTn>
-                                        <p:tgtEl>
-                                          <p:spTgt spid="3">
-                                            <p:txEl>
-                                              <p:pRg st="3" end="3"/>
-                                            </p:txEl>
-                                          </p:spTgt>
-                                        </p:tgtEl>
-                                        <p:attrNameLst>
-                                          <p:attrName>style.visibility</p:attrName>
-                                        </p:attrNameLst>
-                                      </p:cBhvr>
-                                      <p:to>
-                                        <p:strVal val="visible"/>
-                                      </p:to>
-                                    </p:set>
-                                  </p:childTnLst>
-                                </p:cTn>
-                              </p:par>
-                            </p:childTnLst>
-                          </p:cTn>
-                        </p:par>
-                      </p:childTnLst>
-                    </p:cTn>
-                  </p:par>
-                  <p:par>
-                    <p:cTn id="15" fill="hold">
-                      <p:stCondLst>
-                        <p:cond delay="indefinite"/>
-                      </p:stCondLst>
-                      <p:childTnLst>
-                        <p:par>
-                          <p:cTn id="16" fill="hold">
-                            <p:stCondLst>
-                              <p:cond delay="0"/>
-                            </p:stCondLst>
-                            <p:childTnLst>
-                              <p:par>
-                                <p:cTn id="17" presetID="1" presetClass="entr" presetSubtype="0" fill="hold" nodeType="clickEffect">
-                                  <p:stCondLst>
-                                    <p:cond delay="0"/>
-                                  </p:stCondLst>
-                                  <p:childTnLst>
-                                    <p:set>
-                                      <p:cBhvr>
-                                        <p:cTn id="18" dur="1" fill="hold">
-                                          <p:stCondLst>
-                                            <p:cond delay="0"/>
-                                          </p:stCondLst>
-                                        </p:cTn>
-                                        <p:tgtEl>
-                                          <p:spTgt spid="3">
-                                            <p:txEl>
-                                              <p:pRg st="4" end="4"/>
-                                            </p:txEl>
-                                          </p:spTgt>
-                                        </p:tgtEl>
-                                        <p:attrNameLst>
-                                          <p:attrName>style.visibility</p:attrName>
-                                        </p:attrNameLst>
-                                      </p:cBhvr>
-                                      <p:to>
-                                        <p:strVal val="visible"/>
-                                      </p:to>
-                                    </p:set>
-                                  </p:childTnLst>
-                                </p:cTn>
-                              </p:par>
-                            </p:childTnLst>
-                          </p:cTn>
-                        </p:par>
-                      </p:childTnLst>
-                    </p:cTn>
-                  </p:par>
-                  <p:par>
-                    <p:cTn id="19" fill="hold">
-                      <p:stCondLst>
-                        <p:cond delay="indefinite"/>
-                      </p:stCondLst>
-                      <p:childTnLst>
-                        <p:par>
-                          <p:cTn id="20" fill="hold">
-                            <p:stCondLst>
-                              <p:cond delay="0"/>
-                            </p:stCondLst>
-                            <p:childTnLst>
-                              <p:par>
-                                <p:cTn id="21" presetID="1" presetClass="entr" presetSubtype="0" fill="hold" nodeType="clickEffect">
-                                  <p:stCondLst>
-                                    <p:cond delay="0"/>
-                                  </p:stCondLst>
-                                  <p:childTnLst>
-                                    <p:set>
-                                      <p:cBhvr>
-                                        <p:cTn id="22" dur="1" fill="hold">
-                                          <p:stCondLst>
-                                            <p:cond delay="0"/>
-                                          </p:stCondLst>
-                                        </p:cTn>
-                                        <p:tgtEl>
-                                          <p:spTgt spid="3">
-                                            <p:txEl>
-                                              <p:pRg st="5" end="5"/>
-                                            </p:txEl>
-                                          </p:spTgt>
-                                        </p:tgtEl>
-                                        <p:attrNameLst>
-                                          <p:attrName>style.visibility</p:attrName>
-                                        </p:attrNameLst>
-                                      </p:cBhvr>
-                                      <p:to>
-                                        <p:strVal val="visible"/>
-                                      </p:to>
-                                    </p:set>
-                                  </p:childTnLst>
-                                </p:cTn>
-                              </p:par>
-                            </p:childTnLst>
-                          </p:cTn>
-                        </p:par>
-                      </p:childTnLst>
-                    </p:cTn>
-                  </p:par>
-                  <p:par>
-                    <p:cTn id="23" fill="hold">
-                      <p:stCondLst>
-                        <p:cond delay="indefinite"/>
-                      </p:stCondLst>
-                      <p:childTnLst>
-                        <p:par>
-                          <p:cTn id="24" fill="hold">
-                            <p:stCondLst>
-                              <p:cond delay="0"/>
-                            </p:stCondLst>
-                            <p:childTnLst>
-                              <p:par>
-                                <p:cTn id="25" presetID="1" presetClass="entr" presetSubtype="0" fill="hold" nodeType="clickEffect">
-                                  <p:stCondLst>
-                                    <p:cond delay="0"/>
-                                  </p:stCondLst>
-                                  <p:childTnLst>
-                                    <p:set>
-                                      <p:cBhvr>
-                                        <p:cTn id="26" dur="1" fill="hold">
-                                          <p:stCondLst>
-                                            <p:cond delay="0"/>
-                                          </p:stCondLst>
-                                        </p:cTn>
-                                        <p:tgtEl>
-                                          <p:spTgt spid="3">
-                                            <p:txEl>
-                                              <p:pRg st="6" end="6"/>
-                                            </p:txEl>
-                                          </p:spTgt>
-                                        </p:tgtEl>
-                                        <p:attrNameLst>
-                                          <p:attrName>style.visibility</p:attrName>
-                                        </p:attrNameLst>
-                                      </p:cBhvr>
-                                      <p:to>
-                                        <p:strVal val="visible"/>
-                                      </p:to>
-                                    </p:set>
-                                  </p:childTnLst>
-                                </p:cTn>
-                              </p:par>
-                            </p:childTnLst>
-                          </p:cTn>
-                        </p:par>
-                      </p:childTnLst>
-                    </p:cTn>
-                  </p:par>
-                  <p:par>
-                    <p:cTn id="27" fill="hold">
-                      <p:stCondLst>
-                        <p:cond delay="indefinite"/>
-                      </p:stCondLst>
-                      <p:childTnLst>
-                        <p:par>
-                          <p:cTn id="28" fill="hold">
-                            <p:stCondLst>
-                              <p:cond delay="0"/>
-                            </p:stCondLst>
-                            <p:childTnLst>
-                              <p:par>
-                                <p:cTn id="29" presetID="1" presetClass="entr" presetSubtype="0" fill="hold" nodeType="clickEffect">
-                                  <p:stCondLst>
-                                    <p:cond delay="0"/>
-                                  </p:stCondLst>
-                                  <p:childTnLst>
-                                    <p:set>
-                                      <p:cBhvr>
-                                        <p:cTn id="30" dur="1" fill="hold">
-                                          <p:stCondLst>
-                                            <p:cond delay="0"/>
-                                          </p:stCondLst>
-                                        </p:cTn>
-                                        <p:tgtEl>
-                                          <p:spTgt spid="3">
-                                            <p:txEl>
-                                              <p:pRg st="7" end="7"/>
-                                            </p:txEl>
-                                          </p:spTgt>
-                                        </p:tgtEl>
-                                        <p:attrNameLst>
-                                          <p:attrName>style.visibility</p:attrName>
-                                        </p:attrNameLst>
-                                      </p:cBhvr>
-                                      <p:to>
-                                        <p:strVal val="visible"/>
-                                      </p:to>
-                                    </p:set>
-                                  </p:childTnLst>
-                                </p:cTn>
-                              </p:par>
-                            </p:childTnLst>
-                          </p:cTn>
-                        </p:par>
-                      </p:childTnLst>
-                    </p:cTn>
-                  </p:par>
-                  <p:par>
-                    <p:cTn id="31" fill="hold">
-                      <p:stCondLst>
-                        <p:cond delay="indefinite"/>
-                      </p:stCondLst>
-                      <p:childTnLst>
-                        <p:par>
-                          <p:cTn id="32" fill="hold">
-                            <p:stCondLst>
-                              <p:cond delay="0"/>
-                            </p:stCondLst>
-                            <p:childTnLst>
-                              <p:par>
-                                <p:cTn id="33" presetID="1" presetClass="entr" presetSubtype="0" fill="hold" nodeType="clickEffect">
-                                  <p:stCondLst>
-                                    <p:cond delay="0"/>
-                                  </p:stCondLst>
-                                  <p:childTnLst>
-                                    <p:set>
-                                      <p:cBhvr>
-                                        <p:cTn id="34" dur="1" fill="hold">
-                                          <p:stCondLst>
-                                            <p:cond delay="0"/>
-                                          </p:stCondLst>
-                                        </p:cTn>
-                                        <p:tgtEl>
-                                          <p:spTgt spid="3">
-                                            <p:txEl>
-                                              <p:pRg st="8" end="8"/>
-                                            </p:txEl>
-                                          </p:spTgt>
-                                        </p:tgtEl>
-                                        <p:attrNameLst>
-                                          <p:attrName>style.visibility</p:attrName>
-                                        </p:attrNameLst>
-                                      </p:cBhvr>
-                                      <p:to>
-                                        <p:strVal val="visible"/>
-                                      </p:to>
-                                    </p:set>
-                                  </p:childTnLst>
-                                </p:cTn>
-                              </p:par>
-                            </p:childTnLst>
-                          </p:cTn>
-                        </p:par>
-                      </p:childTnLst>
-                    </p:cTn>
-                  </p:par>
-                  <p:par>
-                    <p:cTn id="35" fill="hold">
-                      <p:stCondLst>
-                        <p:cond delay="indefinite"/>
-                      </p:stCondLst>
-                      <p:childTnLst>
-                        <p:par>
-                          <p:cTn id="36" fill="hold">
-                            <p:stCondLst>
-                              <p:cond delay="0"/>
-                            </p:stCondLst>
-                            <p:childTnLst>
-                              <p:par>
-                                <p:cTn id="37" presetID="1" presetClass="entr" presetSubtype="0" fill="hold" nodeType="clickEffect">
-                                  <p:stCondLst>
-                                    <p:cond delay="0"/>
-                                  </p:stCondLst>
-                                  <p:childTnLst>
-                                    <p:set>
-                                      <p:cBhvr>
-                                        <p:cTn id="38" dur="1" fill="hold">
-                                          <p:stCondLst>
-                                            <p:cond delay="0"/>
-                                          </p:stCondLst>
-                                        </p:cTn>
-                                        <p:tgtEl>
-                                          <p:spTgt spid="3">
-                                            <p:txEl>
-                                              <p:pRg st="9" end="9"/>
-                                            </p:txEl>
-                                          </p:spTgt>
-                                        </p:tgtEl>
-                                        <p:attrNameLst>
-                                          <p:attrName>style.visibility</p:attrName>
-                                        </p:attrNameLst>
-                                      </p:cBhvr>
-                                      <p:to>
-                                        <p:strVal val="visible"/>
-                                      </p:to>
-                                    </p:set>
-                                  </p:childTnLst>
-                                </p:cTn>
-                              </p:par>
-                            </p:childTnLst>
-                          </p:cTn>
-                        </p:par>
-                      </p:childTnLst>
-                    </p:cTn>
-                  </p:par>
-                  <p:par>
-                    <p:cTn id="39" fill="hold">
-                      <p:stCondLst>
-                        <p:cond delay="indefinite"/>
-                      </p:stCondLst>
-                      <p:childTnLst>
-                        <p:par>
-                          <p:cTn id="40" fill="hold">
-                            <p:stCondLst>
-                              <p:cond delay="0"/>
-                            </p:stCondLst>
-                            <p:childTnLst>
-                              <p:par>
-                                <p:cTn id="41" presetID="1" presetClass="entr" presetSubtype="0" fill="hold" nodeType="clickEffect">
-                                  <p:stCondLst>
-                                    <p:cond delay="0"/>
-                                  </p:stCondLst>
-                                  <p:childTnLst>
-                                    <p:set>
-                                      <p:cBhvr>
-                                        <p:cTn id="42" dur="1" fill="hold">
-                                          <p:stCondLst>
-                                            <p:cond delay="0"/>
-                                          </p:stCondLst>
-                                        </p:cTn>
-                                        <p:tgtEl>
-                                          <p:spTgt spid="3">
-                                            <p:txEl>
-                                              <p:pRg st="10" end="10"/>
-                                            </p:txEl>
-                                          </p:spTgt>
-                                        </p:tgtEl>
-                                        <p:attrNameLst>
-                                          <p:attrName>style.visibility</p:attrName>
-                                        </p:attrNameLst>
-                                      </p:cBhvr>
-                                      <p:to>
-                                        <p:strVal val="visible"/>
-                                      </p:to>
-                                    </p:set>
-                                  </p:childTnLst>
-                                </p:cTn>
-                              </p:par>
-                            </p:childTnLst>
-                          </p:cTn>
-                        </p:par>
-                      </p:childTnLst>
-                    </p:cTn>
-                  </p:par>
-                </p:childTnLst>
-              </p:cTn>
-              <p:prevCondLst>
-                <p:cond evt="onPrev" delay="0">
-                  <p:tgtEl>
-                    <p:sldTgt/>
-                  </p:tgtEl>
-                </p:cond>
-              </p:prevCondLst>
-              <p:nextCondLst>
-                <p:cond evt="onNext" delay="0">
-                  <p:tgtEl>
-                    <p:sldTgt/>
-                  </p:tgtEl>
-                </p:cond>
-              </p:nextCondLst>
-            </p:seq>
-          </p:childTnLst>
-        </p:cTn>
-      </p:par>
-    </p:tnLst>
-  </p:timing>
 </p:sld>
 </file>
 

--- a/slides/8_SocialNetworkAnalysis.pptx
+++ b/slides/8_SocialNetworkAnalysis.pptx
@@ -247,7 +247,7 @@
           <a:p>
             <a:fld id="{D0D7D09A-089B-49AD-9380-9EDF59B0FA35}" type="datetimeFigureOut">
               <a:rPr lang="en-US" smtClean="0"/>
-              <a:t>7/10/2023</a:t>
+              <a:t>7/13/2023</a:t>
             </a:fld>
             <a:endParaRPr lang="en-US"/>
           </a:p>
@@ -661,7 +661,7 @@
           <a:p>
             <a:fld id="{66F7C53C-E5B1-464F-8287-06D868EDC1EC}" type="datetimeFigureOut">
               <a:rPr lang="en-US" smtClean="0"/>
-              <a:t>7/10/2023</a:t>
+              <a:t>7/13/2023</a:t>
             </a:fld>
             <a:endParaRPr lang="en-US"/>
           </a:p>
@@ -859,7 +859,7 @@
           <a:p>
             <a:fld id="{66F7C53C-E5B1-464F-8287-06D868EDC1EC}" type="datetimeFigureOut">
               <a:rPr lang="en-US" smtClean="0"/>
-              <a:t>7/10/2023</a:t>
+              <a:t>7/13/2023</a:t>
             </a:fld>
             <a:endParaRPr lang="en-US"/>
           </a:p>
@@ -1067,7 +1067,7 @@
           <a:p>
             <a:fld id="{66F7C53C-E5B1-464F-8287-06D868EDC1EC}" type="datetimeFigureOut">
               <a:rPr lang="en-US" smtClean="0"/>
-              <a:t>7/10/2023</a:t>
+              <a:t>7/13/2023</a:t>
             </a:fld>
             <a:endParaRPr lang="en-US"/>
           </a:p>
@@ -1265,7 +1265,7 @@
           <a:p>
             <a:fld id="{66F7C53C-E5B1-464F-8287-06D868EDC1EC}" type="datetimeFigureOut">
               <a:rPr lang="en-US" smtClean="0"/>
-              <a:t>7/10/2023</a:t>
+              <a:t>7/13/2023</a:t>
             </a:fld>
             <a:endParaRPr lang="en-US"/>
           </a:p>
@@ -1540,7 +1540,7 @@
           <a:p>
             <a:fld id="{66F7C53C-E5B1-464F-8287-06D868EDC1EC}" type="datetimeFigureOut">
               <a:rPr lang="en-US" smtClean="0"/>
-              <a:t>7/10/2023</a:t>
+              <a:t>7/13/2023</a:t>
             </a:fld>
             <a:endParaRPr lang="en-US"/>
           </a:p>
@@ -1805,7 +1805,7 @@
           <a:p>
             <a:fld id="{66F7C53C-E5B1-464F-8287-06D868EDC1EC}" type="datetimeFigureOut">
               <a:rPr lang="en-US" smtClean="0"/>
-              <a:t>7/10/2023</a:t>
+              <a:t>7/13/2023</a:t>
             </a:fld>
             <a:endParaRPr lang="en-US"/>
           </a:p>
@@ -2217,7 +2217,7 @@
           <a:p>
             <a:fld id="{66F7C53C-E5B1-464F-8287-06D868EDC1EC}" type="datetimeFigureOut">
               <a:rPr lang="en-US" smtClean="0"/>
-              <a:t>7/10/2023</a:t>
+              <a:t>7/13/2023</a:t>
             </a:fld>
             <a:endParaRPr lang="en-US"/>
           </a:p>
@@ -2358,7 +2358,7 @@
           <a:p>
             <a:fld id="{66F7C53C-E5B1-464F-8287-06D868EDC1EC}" type="datetimeFigureOut">
               <a:rPr lang="en-US" smtClean="0"/>
-              <a:t>7/10/2023</a:t>
+              <a:t>7/13/2023</a:t>
             </a:fld>
             <a:endParaRPr lang="en-US"/>
           </a:p>
@@ -2471,7 +2471,7 @@
           <a:p>
             <a:fld id="{66F7C53C-E5B1-464F-8287-06D868EDC1EC}" type="datetimeFigureOut">
               <a:rPr lang="en-US" smtClean="0"/>
-              <a:t>7/10/2023</a:t>
+              <a:t>7/13/2023</a:t>
             </a:fld>
             <a:endParaRPr lang="en-US"/>
           </a:p>
@@ -2782,7 +2782,7 @@
           <a:p>
             <a:fld id="{66F7C53C-E5B1-464F-8287-06D868EDC1EC}" type="datetimeFigureOut">
               <a:rPr lang="en-US" smtClean="0"/>
-              <a:t>7/10/2023</a:t>
+              <a:t>7/13/2023</a:t>
             </a:fld>
             <a:endParaRPr lang="en-US"/>
           </a:p>
@@ -3070,7 +3070,7 @@
           <a:p>
             <a:fld id="{66F7C53C-E5B1-464F-8287-06D868EDC1EC}" type="datetimeFigureOut">
               <a:rPr lang="en-US" smtClean="0"/>
-              <a:t>7/10/2023</a:t>
+              <a:t>7/13/2023</a:t>
             </a:fld>
             <a:endParaRPr lang="en-US"/>
           </a:p>
@@ -3311,7 +3311,7 @@
           <a:p>
             <a:fld id="{66F7C53C-E5B1-464F-8287-06D868EDC1EC}" type="datetimeFigureOut">
               <a:rPr lang="en-US" smtClean="0"/>
-              <a:t>7/10/2023</a:t>
+              <a:t>7/13/2023</a:t>
             </a:fld>
             <a:endParaRPr lang="en-US"/>
           </a:p>
@@ -5060,8 +5060,8 @@
           </a:p>
         </p:txBody>
       </p:sp>
-      <mc:AlternateContent xmlns:mc="http://schemas.openxmlformats.org/markup-compatibility/2006" xmlns:a14="http://schemas.microsoft.com/office/drawing/2010/main">
-        <mc:Choice Requires="a14">
+      <mc:AlternateContent xmlns:mc="http://schemas.openxmlformats.org/markup-compatibility/2006">
+        <mc:Choice xmlns:a14="http://schemas.microsoft.com/office/drawing/2010/main" Requires="a14">
           <p:sp>
             <p:nvSpPr>
               <p:cNvPr id="3" name="Content Placeholder 2">
@@ -5128,6 +5128,25 @@
               </a:p>
               <a:p>
                 <a:r>
+                  <a:rPr lang="en-US" dirty="0"/>
+                  <a:t>Nodes that are vertices of many </a:t>
+                </a:r>
+                <a:r>
+                  <a:rPr lang="en-US" b="1" dirty="0"/>
+                  <a:t>triad</a:t>
+                </a:r>
+                <a:r>
+                  <a:rPr lang="en-US" dirty="0"/>
+                  <a:t> (triangle) relationships exhibit </a:t>
+                </a:r>
+                <a:r>
+                  <a:rPr lang="en-US" b="1" dirty="0"/>
+                  <a:t>clustering   </a:t>
+                </a:r>
+                <a:endParaRPr lang="en-US" dirty="0"/>
+              </a:p>
+              <a:p>
+                <a:r>
                   <a:rPr lang="en-US" b="1" dirty="0"/>
                   <a:t>K-cores</a:t>
                 </a:r>
@@ -5156,22 +5175,6 @@
                 <a:endParaRPr lang="en-US" dirty="0"/>
               </a:p>
               <a:p>
-                <a:r>
-                  <a:rPr lang="en-US" dirty="0"/>
-                  <a:t>Nodes that are vertex of many </a:t>
-                </a:r>
-                <a:r>
-                  <a:rPr lang="en-US" b="1" dirty="0"/>
-                  <a:t>triad</a:t>
-                </a:r>
-                <a:r>
-                  <a:rPr lang="en-US" dirty="0"/>
-                  <a:t> (triangle) relationships exhibit </a:t>
-                </a:r>
-                <a:r>
-                  <a:rPr lang="en-US" b="1" dirty="0"/>
-                  <a:t>clustering   </a:t>
-                </a:r>
                 <a:endParaRPr lang="en-US" dirty="0"/>
               </a:p>
               <a:p>
@@ -5186,7 +5189,7 @@
             </p:txBody>
           </p:sp>
         </mc:Choice>
-        <mc:Fallback xmlns="">
+        <mc:Fallback>
           <p:sp>
             <p:nvSpPr>
               <p:cNvPr id="3" name="Content Placeholder 2">
@@ -14762,8 +14765,8 @@
           </a:p>
         </p:txBody>
       </p:sp>
-      <mc:AlternateContent xmlns:mc="http://schemas.openxmlformats.org/markup-compatibility/2006" xmlns:a14="http://schemas.microsoft.com/office/drawing/2010/main">
-        <mc:Choice Requires="a14">
+      <mc:AlternateContent xmlns:mc="http://schemas.openxmlformats.org/markup-compatibility/2006">
+        <mc:Choice xmlns:a14="http://schemas.microsoft.com/office/drawing/2010/main" Requires="a14">
           <p:sp>
             <p:nvSpPr>
               <p:cNvPr id="3" name="Content Placeholder 2">
@@ -14857,7 +14860,15 @@
                 </a14:m>
                 <a:r>
                   <a:rPr lang="en-US" dirty="0"/>
-                  <a:t>, is the number of triangles passing through the node</a:t>
+                  <a:t>, is the number of triangles where the node is a </a:t>
+                </a:r>
+                <a:r>
+                  <a:rPr lang="en-US" dirty="0" err="1"/>
+                  <a:t>vertice</a:t>
+                </a:r>
+                <a:r>
+                  <a:rPr lang="en-US" dirty="0"/>
+                  <a:t> </a:t>
                 </a:r>
               </a:p>
               <a:p>
@@ -15161,7 +15172,7 @@
             </p:txBody>
           </p:sp>
         </mc:Choice>
-        <mc:Fallback xmlns="">
+        <mc:Fallback>
           <p:sp>
             <p:nvSpPr>
               <p:cNvPr id="3" name="Content Placeholder 2">
@@ -23072,8 +23083,8 @@
           </a:p>
         </p:txBody>
       </p:sp>
-      <mc:AlternateContent xmlns:mc="http://schemas.openxmlformats.org/markup-compatibility/2006" xmlns:a14="http://schemas.microsoft.com/office/drawing/2010/main">
-        <mc:Choice Requires="a14">
+      <mc:AlternateContent xmlns:mc="http://schemas.openxmlformats.org/markup-compatibility/2006">
+        <mc:Choice xmlns:a14="http://schemas.microsoft.com/office/drawing/2010/main" Requires="a14">
           <p:sp>
             <p:nvSpPr>
               <p:cNvPr id="3" name="Content Placeholder 2">
@@ -23225,7 +23236,35 @@
                 <a:pPr lvl="1"/>
                 <a:r>
                   <a:rPr lang="en-US" dirty="0"/>
-                  <a:t>1945 PhD dissertation was rejected, supposedly for unpaid fees   </a:t>
+                  <a:t>1945 PhD dissertation was rejected, supposedly for unpaid fees </a:t>
+                </a:r>
+              </a:p>
+              <a:p>
+                <a:r>
+                  <a:rPr lang="en-US" dirty="0"/>
+                  <a:t>For an broad introduction to solving problems by searching see Chapter 3 of </a:t>
+                </a:r>
+                <a:r>
+                  <a:rPr lang="en-US" dirty="0">
+                    <a:hlinkClick r:id="rId3"/>
+                  </a:rPr>
+                  <a:t>Artificial Intelligence, a modern approach, 4</a:t>
+                </a:r>
+                <a:r>
+                  <a:rPr lang="en-US" baseline="30000" dirty="0">
+                    <a:hlinkClick r:id="rId3"/>
+                  </a:rPr>
+                  <a:t>th</a:t>
+                </a:r>
+                <a:r>
+                  <a:rPr lang="en-US" dirty="0">
+                    <a:hlinkClick r:id="rId3"/>
+                  </a:rPr>
+                  <a:t> edition, Russell and Norvig, Pearson, 2021</a:t>
+                </a:r>
+                <a:r>
+                  <a:rPr lang="en-US" dirty="0"/>
+                  <a:t>  </a:t>
                 </a:r>
               </a:p>
               <a:p>
@@ -23237,7 +23276,7 @@
             </p:txBody>
           </p:sp>
         </mc:Choice>
-        <mc:Fallback xmlns="">
+        <mc:Fallback>
           <p:sp>
             <p:nvSpPr>
               <p:cNvPr id="3" name="Content Placeholder 2">
@@ -23260,9 +23299,9 @@
                 <a:ext cx="10515600" cy="5447426"/>
               </a:xfrm>
               <a:blipFill>
-                <a:blip r:embed="rId3"/>
+                <a:blip r:embed="rId4"/>
                 <a:stretch>
-                  <a:fillRect l="-1159" t="-1790"/>
+                  <a:fillRect l="-1159" t="-1790" b="-2685"/>
                 </a:stretch>
               </a:blipFill>
             </p:spPr>
@@ -23619,6 +23658,55 @@
                       </p:childTnLst>
                     </p:cTn>
                   </p:par>
+                  <p:par>
+                    <p:cTn id="27" fill="hold">
+                      <p:stCondLst>
+                        <p:cond delay="indefinite"/>
+                      </p:stCondLst>
+                      <p:childTnLst>
+                        <p:par>
+                          <p:cTn id="28" fill="hold">
+                            <p:stCondLst>
+                              <p:cond delay="0"/>
+                            </p:stCondLst>
+                            <p:childTnLst>
+                              <p:par>
+                                <p:cTn id="29" presetID="1" presetClass="entr" presetSubtype="0" fill="hold" nodeType="clickEffect">
+                                  <p:stCondLst>
+                                    <p:cond delay="0"/>
+                                  </p:stCondLst>
+                                  <p:childTnLst>
+                                    <p:set>
+                                      <p:cBhvr>
+                                        <p:cTn id="30" dur="1" fill="hold">
+                                          <p:stCondLst>
+                                            <p:cond delay="0"/>
+                                          </p:stCondLst>
+                                        </p:cTn>
+                                        <p:tgtEl>
+                                          <p:spTgt spid="3">
+                                            <p:txEl>
+                                              <p:pRg st="9" end="9"/>
+                                            </p:txEl>
+                                          </p:spTgt>
+                                        </p:tgtEl>
+                                        <p:attrNameLst>
+                                          <p:attrName>style.visibility</p:attrName>
+                                        </p:attrNameLst>
+                                      </p:cBhvr>
+                                      <p:to>
+                                        <p:strVal val="visible"/>
+                                      </p:to>
+                                    </p:set>
+                                  </p:childTnLst>
+                                </p:cTn>
+                              </p:par>
+                            </p:childTnLst>
+                          </p:cTn>
+                        </p:par>
+                      </p:childTnLst>
+                    </p:cTn>
+                  </p:par>
                 </p:childTnLst>
               </p:cTn>
               <p:prevCondLst>
@@ -23699,8 +23787,8 @@
           </a:p>
         </p:txBody>
       </p:sp>
-      <mc:AlternateContent xmlns:mc="http://schemas.openxmlformats.org/markup-compatibility/2006">
-        <mc:Choice xmlns:a14="http://schemas.microsoft.com/office/drawing/2010/main" Requires="a14">
+      <mc:AlternateContent xmlns:mc="http://schemas.openxmlformats.org/markup-compatibility/2006" xmlns:a14="http://schemas.microsoft.com/office/drawing/2010/main">
+        <mc:Choice Requires="a14">
           <p:sp>
             <p:nvSpPr>
               <p:cNvPr id="3" name="Content Placeholder 2">
@@ -24149,7 +24237,7 @@
             </p:txBody>
           </p:sp>
         </mc:Choice>
-        <mc:Fallback>
+        <mc:Fallback xmlns="">
           <p:sp>
             <p:nvSpPr>
               <p:cNvPr id="3" name="Content Placeholder 2">
@@ -30868,8 +30956,8 @@
           </a:p>
         </p:txBody>
       </p:sp>
-      <mc:AlternateContent xmlns:mc="http://schemas.openxmlformats.org/markup-compatibility/2006">
-        <mc:Choice xmlns:a14="http://schemas.microsoft.com/office/drawing/2010/main" Requires="a14">
+      <mc:AlternateContent xmlns:mc="http://schemas.openxmlformats.org/markup-compatibility/2006" xmlns:a14="http://schemas.microsoft.com/office/drawing/2010/main">
+        <mc:Choice Requires="a14">
           <p:sp>
             <p:nvSpPr>
               <p:cNvPr id="3" name="Content Placeholder 2">
@@ -31945,7 +32033,7 @@
             </p:txBody>
           </p:sp>
         </mc:Choice>
-        <mc:Fallback>
+        <mc:Fallback xmlns="">
           <p:sp>
             <p:nvSpPr>
               <p:cNvPr id="3" name="Content Placeholder 2">
@@ -32247,8 +32335,8 @@
           </a:p>
         </p:txBody>
       </p:sp>
-      <mc:AlternateContent xmlns:mc="http://schemas.openxmlformats.org/markup-compatibility/2006">
-        <mc:Choice xmlns:a14="http://schemas.microsoft.com/office/drawing/2010/main" Requires="a14">
+      <mc:AlternateContent xmlns:mc="http://schemas.openxmlformats.org/markup-compatibility/2006" xmlns:a14="http://schemas.microsoft.com/office/drawing/2010/main">
+        <mc:Choice Requires="a14">
           <p:sp>
             <p:nvSpPr>
               <p:cNvPr id="3" name="Content Placeholder 2">
@@ -32717,7 +32805,7 @@
             </p:txBody>
           </p:sp>
         </mc:Choice>
-        <mc:Fallback>
+        <mc:Fallback xmlns="">
           <p:sp>
             <p:nvSpPr>
               <p:cNvPr id="3" name="Content Placeholder 2">
@@ -35058,8 +35146,8 @@
           </a:p>
         </p:txBody>
       </p:sp>
-      <mc:AlternateContent xmlns:mc="http://schemas.openxmlformats.org/markup-compatibility/2006">
-        <mc:Choice xmlns:a14="http://schemas.microsoft.com/office/drawing/2010/main" Requires="a14">
+      <mc:AlternateContent xmlns:mc="http://schemas.openxmlformats.org/markup-compatibility/2006" xmlns:a14="http://schemas.microsoft.com/office/drawing/2010/main">
+        <mc:Choice Requires="a14">
           <p:sp>
             <p:nvSpPr>
               <p:cNvPr id="3" name="Content Placeholder 2">
@@ -35211,7 +35299,7 @@
             </p:txBody>
           </p:sp>
         </mc:Choice>
-        <mc:Fallback>
+        <mc:Fallback xmlns="">
           <p:sp>
             <p:nvSpPr>
               <p:cNvPr id="3" name="Content Placeholder 2">
@@ -35562,8 +35650,8 @@
           </a:p>
         </p:txBody>
       </p:sp>
-      <mc:AlternateContent xmlns:mc="http://schemas.openxmlformats.org/markup-compatibility/2006">
-        <mc:Choice xmlns:a14="http://schemas.microsoft.com/office/drawing/2010/main" Requires="a14">
+      <mc:AlternateContent xmlns:mc="http://schemas.openxmlformats.org/markup-compatibility/2006" xmlns:a14="http://schemas.microsoft.com/office/drawing/2010/main">
+        <mc:Choice Requires="a14">
           <p:sp>
             <p:nvSpPr>
               <p:cNvPr id="3" name="Content Placeholder 2">
@@ -36418,7 +36506,7 @@
             </p:txBody>
           </p:sp>
         </mc:Choice>
-        <mc:Fallback>
+        <mc:Fallback xmlns="">
           <p:sp>
             <p:nvSpPr>
               <p:cNvPr id="3" name="Content Placeholder 2">
@@ -38885,8 +38973,8 @@
           </a:p>
         </p:txBody>
       </p:sp>
-      <mc:AlternateContent xmlns:mc="http://schemas.openxmlformats.org/markup-compatibility/2006">
-        <mc:Choice xmlns:a14="http://schemas.microsoft.com/office/drawing/2010/main" Requires="a14">
+      <mc:AlternateContent xmlns:mc="http://schemas.openxmlformats.org/markup-compatibility/2006" xmlns:a14="http://schemas.microsoft.com/office/drawing/2010/main">
+        <mc:Choice Requires="a14">
           <p:sp>
             <p:nvSpPr>
               <p:cNvPr id="3" name="Content Placeholder 2">
@@ -40089,7 +40177,7 @@
             </p:txBody>
           </p:sp>
         </mc:Choice>
-        <mc:Fallback>
+        <mc:Fallback xmlns="">
           <p:sp>
             <p:nvSpPr>
               <p:cNvPr id="3" name="Content Placeholder 2">
@@ -40378,8 +40466,8 @@
           </a:p>
         </p:txBody>
       </p:sp>
-      <mc:AlternateContent xmlns:mc="http://schemas.openxmlformats.org/markup-compatibility/2006">
-        <mc:Choice xmlns:a14="http://schemas.microsoft.com/office/drawing/2010/main" Requires="a14">
+      <mc:AlternateContent xmlns:mc="http://schemas.openxmlformats.org/markup-compatibility/2006" xmlns:a14="http://schemas.microsoft.com/office/drawing/2010/main">
+        <mc:Choice Requires="a14">
           <p:sp>
             <p:nvSpPr>
               <p:cNvPr id="3" name="Content Placeholder 2">
@@ -40672,7 +40760,7 @@
             </p:txBody>
           </p:sp>
         </mc:Choice>
-        <mc:Fallback>
+        <mc:Fallback xmlns="">
           <p:sp>
             <p:nvSpPr>
               <p:cNvPr id="3" name="Content Placeholder 2">

--- a/slides/8_SocialNetworkAnalysis.pptx
+++ b/slides/8_SocialNetworkAnalysis.pptx
@@ -5,60 +5,59 @@
     <p:sldMasterId id="2147483648" r:id="rId1"/>
   </p:sldMasterIdLst>
   <p:notesMasterIdLst>
-    <p:notesMasterId r:id="rId53"/>
+    <p:notesMasterId r:id="rId52"/>
   </p:notesMasterIdLst>
   <p:sldIdLst>
     <p:sldId id="275" r:id="rId2"/>
     <p:sldId id="342" r:id="rId3"/>
     <p:sldId id="362" r:id="rId4"/>
     <p:sldId id="363" r:id="rId5"/>
-    <p:sldId id="343" r:id="rId6"/>
-    <p:sldId id="344" r:id="rId7"/>
-    <p:sldId id="396" r:id="rId8"/>
-    <p:sldId id="386" r:id="rId9"/>
-    <p:sldId id="353" r:id="rId10"/>
-    <p:sldId id="373" r:id="rId11"/>
-    <p:sldId id="382" r:id="rId12"/>
-    <p:sldId id="397" r:id="rId13"/>
-    <p:sldId id="385" r:id="rId14"/>
-    <p:sldId id="391" r:id="rId15"/>
-    <p:sldId id="349" r:id="rId16"/>
-    <p:sldId id="350" r:id="rId17"/>
-    <p:sldId id="352" r:id="rId18"/>
-    <p:sldId id="369" r:id="rId19"/>
-    <p:sldId id="355" r:id="rId20"/>
-    <p:sldId id="359" r:id="rId21"/>
-    <p:sldId id="390" r:id="rId22"/>
-    <p:sldId id="360" r:id="rId23"/>
-    <p:sldId id="361" r:id="rId24"/>
-    <p:sldId id="393" r:id="rId25"/>
-    <p:sldId id="381" r:id="rId26"/>
-    <p:sldId id="377" r:id="rId27"/>
-    <p:sldId id="379" r:id="rId28"/>
-    <p:sldId id="380" r:id="rId29"/>
-    <p:sldId id="351" r:id="rId30"/>
-    <p:sldId id="347" r:id="rId31"/>
-    <p:sldId id="383" r:id="rId32"/>
-    <p:sldId id="378" r:id="rId33"/>
-    <p:sldId id="384" r:id="rId34"/>
-    <p:sldId id="358" r:id="rId35"/>
-    <p:sldId id="389" r:id="rId36"/>
-    <p:sldId id="354" r:id="rId37"/>
-    <p:sldId id="356" r:id="rId38"/>
-    <p:sldId id="357" r:id="rId39"/>
-    <p:sldId id="364" r:id="rId40"/>
-    <p:sldId id="365" r:id="rId41"/>
-    <p:sldId id="366" r:id="rId42"/>
-    <p:sldId id="367" r:id="rId43"/>
-    <p:sldId id="371" r:id="rId44"/>
-    <p:sldId id="368" r:id="rId45"/>
-    <p:sldId id="372" r:id="rId46"/>
-    <p:sldId id="374" r:id="rId47"/>
-    <p:sldId id="375" r:id="rId48"/>
-    <p:sldId id="370" r:id="rId49"/>
-    <p:sldId id="376" r:id="rId50"/>
-    <p:sldId id="394" r:id="rId51"/>
-    <p:sldId id="395" r:id="rId52"/>
+    <p:sldId id="398" r:id="rId6"/>
+    <p:sldId id="343" r:id="rId7"/>
+    <p:sldId id="344" r:id="rId8"/>
+    <p:sldId id="396" r:id="rId9"/>
+    <p:sldId id="386" r:id="rId10"/>
+    <p:sldId id="353" r:id="rId11"/>
+    <p:sldId id="373" r:id="rId12"/>
+    <p:sldId id="382" r:id="rId13"/>
+    <p:sldId id="397" r:id="rId14"/>
+    <p:sldId id="349" r:id="rId15"/>
+    <p:sldId id="350" r:id="rId16"/>
+    <p:sldId id="352" r:id="rId17"/>
+    <p:sldId id="369" r:id="rId18"/>
+    <p:sldId id="355" r:id="rId19"/>
+    <p:sldId id="359" r:id="rId20"/>
+    <p:sldId id="390" r:id="rId21"/>
+    <p:sldId id="360" r:id="rId22"/>
+    <p:sldId id="361" r:id="rId23"/>
+    <p:sldId id="393" r:id="rId24"/>
+    <p:sldId id="381" r:id="rId25"/>
+    <p:sldId id="377" r:id="rId26"/>
+    <p:sldId id="379" r:id="rId27"/>
+    <p:sldId id="380" r:id="rId28"/>
+    <p:sldId id="351" r:id="rId29"/>
+    <p:sldId id="347" r:id="rId30"/>
+    <p:sldId id="383" r:id="rId31"/>
+    <p:sldId id="378" r:id="rId32"/>
+    <p:sldId id="384" r:id="rId33"/>
+    <p:sldId id="358" r:id="rId34"/>
+    <p:sldId id="389" r:id="rId35"/>
+    <p:sldId id="354" r:id="rId36"/>
+    <p:sldId id="356" r:id="rId37"/>
+    <p:sldId id="357" r:id="rId38"/>
+    <p:sldId id="364" r:id="rId39"/>
+    <p:sldId id="365" r:id="rId40"/>
+    <p:sldId id="366" r:id="rId41"/>
+    <p:sldId id="367" r:id="rId42"/>
+    <p:sldId id="371" r:id="rId43"/>
+    <p:sldId id="368" r:id="rId44"/>
+    <p:sldId id="372" r:id="rId45"/>
+    <p:sldId id="374" r:id="rId46"/>
+    <p:sldId id="375" r:id="rId47"/>
+    <p:sldId id="370" r:id="rId48"/>
+    <p:sldId id="376" r:id="rId49"/>
+    <p:sldId id="394" r:id="rId50"/>
+    <p:sldId id="395" r:id="rId51"/>
   </p:sldIdLst>
   <p:sldSz cx="12192000" cy="6858000"/>
   <p:notesSz cx="6858000" cy="9144000"/>
@@ -247,7 +246,7 @@
           <a:p>
             <a:fld id="{D0D7D09A-089B-49AD-9380-9EDF59B0FA35}" type="datetimeFigureOut">
               <a:rPr lang="en-US" smtClean="0"/>
-              <a:t>7/13/2023</a:t>
+              <a:t>3/17/2024</a:t>
             </a:fld>
             <a:endParaRPr lang="en-US"/>
           </a:p>
@@ -661,7 +660,7 @@
           <a:p>
             <a:fld id="{66F7C53C-E5B1-464F-8287-06D868EDC1EC}" type="datetimeFigureOut">
               <a:rPr lang="en-US" smtClean="0"/>
-              <a:t>7/13/2023</a:t>
+              <a:t>3/17/2024</a:t>
             </a:fld>
             <a:endParaRPr lang="en-US"/>
           </a:p>
@@ -859,7 +858,7 @@
           <a:p>
             <a:fld id="{66F7C53C-E5B1-464F-8287-06D868EDC1EC}" type="datetimeFigureOut">
               <a:rPr lang="en-US" smtClean="0"/>
-              <a:t>7/13/2023</a:t>
+              <a:t>3/17/2024</a:t>
             </a:fld>
             <a:endParaRPr lang="en-US"/>
           </a:p>
@@ -1067,7 +1066,7 @@
           <a:p>
             <a:fld id="{66F7C53C-E5B1-464F-8287-06D868EDC1EC}" type="datetimeFigureOut">
               <a:rPr lang="en-US" smtClean="0"/>
-              <a:t>7/13/2023</a:t>
+              <a:t>3/17/2024</a:t>
             </a:fld>
             <a:endParaRPr lang="en-US"/>
           </a:p>
@@ -1265,7 +1264,7 @@
           <a:p>
             <a:fld id="{66F7C53C-E5B1-464F-8287-06D868EDC1EC}" type="datetimeFigureOut">
               <a:rPr lang="en-US" smtClean="0"/>
-              <a:t>7/13/2023</a:t>
+              <a:t>3/17/2024</a:t>
             </a:fld>
             <a:endParaRPr lang="en-US"/>
           </a:p>
@@ -1540,7 +1539,7 @@
           <a:p>
             <a:fld id="{66F7C53C-E5B1-464F-8287-06D868EDC1EC}" type="datetimeFigureOut">
               <a:rPr lang="en-US" smtClean="0"/>
-              <a:t>7/13/2023</a:t>
+              <a:t>3/17/2024</a:t>
             </a:fld>
             <a:endParaRPr lang="en-US"/>
           </a:p>
@@ -1805,7 +1804,7 @@
           <a:p>
             <a:fld id="{66F7C53C-E5B1-464F-8287-06D868EDC1EC}" type="datetimeFigureOut">
               <a:rPr lang="en-US" smtClean="0"/>
-              <a:t>7/13/2023</a:t>
+              <a:t>3/17/2024</a:t>
             </a:fld>
             <a:endParaRPr lang="en-US"/>
           </a:p>
@@ -2217,7 +2216,7 @@
           <a:p>
             <a:fld id="{66F7C53C-E5B1-464F-8287-06D868EDC1EC}" type="datetimeFigureOut">
               <a:rPr lang="en-US" smtClean="0"/>
-              <a:t>7/13/2023</a:t>
+              <a:t>3/17/2024</a:t>
             </a:fld>
             <a:endParaRPr lang="en-US"/>
           </a:p>
@@ -2358,7 +2357,7 @@
           <a:p>
             <a:fld id="{66F7C53C-E5B1-464F-8287-06D868EDC1EC}" type="datetimeFigureOut">
               <a:rPr lang="en-US" smtClean="0"/>
-              <a:t>7/13/2023</a:t>
+              <a:t>3/17/2024</a:t>
             </a:fld>
             <a:endParaRPr lang="en-US"/>
           </a:p>
@@ -2471,7 +2470,7 @@
           <a:p>
             <a:fld id="{66F7C53C-E5B1-464F-8287-06D868EDC1EC}" type="datetimeFigureOut">
               <a:rPr lang="en-US" smtClean="0"/>
-              <a:t>7/13/2023</a:t>
+              <a:t>3/17/2024</a:t>
             </a:fld>
             <a:endParaRPr lang="en-US"/>
           </a:p>
@@ -2782,7 +2781,7 @@
           <a:p>
             <a:fld id="{66F7C53C-E5B1-464F-8287-06D868EDC1EC}" type="datetimeFigureOut">
               <a:rPr lang="en-US" smtClean="0"/>
-              <a:t>7/13/2023</a:t>
+              <a:t>3/17/2024</a:t>
             </a:fld>
             <a:endParaRPr lang="en-US"/>
           </a:p>
@@ -3070,7 +3069,7 @@
           <a:p>
             <a:fld id="{66F7C53C-E5B1-464F-8287-06D868EDC1EC}" type="datetimeFigureOut">
               <a:rPr lang="en-US" smtClean="0"/>
-              <a:t>7/13/2023</a:t>
+              <a:t>3/17/2024</a:t>
             </a:fld>
             <a:endParaRPr lang="en-US"/>
           </a:p>
@@ -3311,7 +3310,7 @@
           <a:p>
             <a:fld id="{66F7C53C-E5B1-464F-8287-06D868EDC1EC}" type="datetimeFigureOut">
               <a:rPr lang="en-US" smtClean="0"/>
-              <a:t>7/13/2023</a:t>
+              <a:t>3/17/2024</a:t>
             </a:fld>
             <a:endParaRPr lang="en-US"/>
           </a:p>
@@ -4075,7 +4074,7 @@
           <a:p>
             <a:r>
               <a:rPr lang="en-US" sz="1100" dirty="0"/>
-              <a:t>Copyright 2021, 2022, 2023, Stephen F Elston. All rights reserved.</a:t>
+              <a:t>Copyright 2021, 2022, 2023, 2024, Stephen F Elston. All rights reserved.</a:t>
             </a:r>
           </a:p>
           <a:p>
@@ -4145,7 +4144,7 @@
               <a:rPr lang="en-US" dirty="0">
                 <a:latin typeface="+mn-lt"/>
               </a:rPr>
-              <a:t>Centrality in Communities</a:t>
+              <a:t>Pitfalls in Social Network Analysis</a:t>
             </a:r>
             <a:endParaRPr lang="en-US" dirty="0"/>
           </a:p>
@@ -4184,6 +4183,563 @@
             </a:pPr>
             <a:r>
               <a:rPr lang="en-US" dirty="0"/>
+              <a:t>Unsupervised learning of community structure has pitfalls </a:t>
+            </a:r>
+          </a:p>
+          <a:p>
+            <a:r>
+              <a:rPr lang="en-US" dirty="0"/>
+              <a:t>No hard definitions or thresholds</a:t>
+            </a:r>
+          </a:p>
+          <a:p>
+            <a:pPr lvl="1"/>
+            <a:r>
+              <a:rPr lang="en-US" dirty="0"/>
+              <a:t>How can you define dense? </a:t>
+            </a:r>
+          </a:p>
+          <a:p>
+            <a:pPr lvl="1"/>
+            <a:r>
+              <a:rPr lang="en-US" dirty="0"/>
+              <a:t>How dense is a core? </a:t>
+            </a:r>
+          </a:p>
+          <a:p>
+            <a:r>
+              <a:rPr lang="en-US" dirty="0"/>
+              <a:t>How many communities are there? </a:t>
+            </a:r>
+          </a:p>
+          <a:p>
+            <a:pPr lvl="1"/>
+            <a:r>
+              <a:rPr lang="en-US" dirty="0"/>
+              <a:t>Communities may have </a:t>
+            </a:r>
+            <a:r>
+              <a:rPr lang="en-US" b="1" dirty="0"/>
+              <a:t>subcommunities</a:t>
+            </a:r>
+            <a:r>
+              <a:rPr lang="en-US" dirty="0"/>
+              <a:t>   </a:t>
+            </a:r>
+          </a:p>
+          <a:p>
+            <a:r>
+              <a:rPr lang="en-US" dirty="0"/>
+              <a:t>Communities may overlap – not independent or unique</a:t>
+            </a:r>
+          </a:p>
+          <a:p>
+            <a:pPr lvl="1"/>
+            <a:r>
+              <a:rPr lang="en-US" dirty="0"/>
+              <a:t>Example: members of two clubs </a:t>
+            </a:r>
+          </a:p>
+          <a:p>
+            <a:pPr lvl="1"/>
+            <a:r>
+              <a:rPr lang="en-US" dirty="0"/>
+              <a:t>Example: people in occupations and members of political parties  </a:t>
+            </a:r>
+          </a:p>
+          <a:p>
+            <a:r>
+              <a:rPr lang="en-US" dirty="0"/>
+              <a:t>Evaluation is never fully objective </a:t>
+            </a:r>
+          </a:p>
+          <a:p>
+            <a:endParaRPr lang="en-US" dirty="0"/>
+          </a:p>
+        </p:txBody>
+      </p:sp>
+    </p:spTree>
+    <p:extLst>
+      <p:ext uri="{BB962C8B-B14F-4D97-AF65-F5344CB8AC3E}">
+        <p14:creationId xmlns:p14="http://schemas.microsoft.com/office/powerpoint/2010/main" val="373737149"/>
+      </p:ext>
+    </p:extLst>
+  </p:cSld>
+  <p:clrMapOvr>
+    <a:masterClrMapping/>
+  </p:clrMapOvr>
+  <p:timing>
+    <p:tnLst>
+      <p:par>
+        <p:cTn id="1" dur="indefinite" restart="never" nodeType="tmRoot">
+          <p:childTnLst>
+            <p:seq concurrent="1" nextAc="seek">
+              <p:cTn id="2" dur="indefinite" nodeType="mainSeq">
+                <p:childTnLst>
+                  <p:par>
+                    <p:cTn id="3" fill="hold">
+                      <p:stCondLst>
+                        <p:cond delay="indefinite"/>
+                      </p:stCondLst>
+                      <p:childTnLst>
+                        <p:par>
+                          <p:cTn id="4" fill="hold">
+                            <p:stCondLst>
+                              <p:cond delay="0"/>
+                            </p:stCondLst>
+                            <p:childTnLst>
+                              <p:par>
+                                <p:cTn id="5" presetID="1" presetClass="entr" presetSubtype="0" fill="hold" nodeType="clickEffect">
+                                  <p:stCondLst>
+                                    <p:cond delay="0"/>
+                                  </p:stCondLst>
+                                  <p:childTnLst>
+                                    <p:set>
+                                      <p:cBhvr>
+                                        <p:cTn id="6" dur="1" fill="hold">
+                                          <p:stCondLst>
+                                            <p:cond delay="0"/>
+                                          </p:stCondLst>
+                                        </p:cTn>
+                                        <p:tgtEl>
+                                          <p:spTgt spid="3">
+                                            <p:txEl>
+                                              <p:pRg st="1" end="1"/>
+                                            </p:txEl>
+                                          </p:spTgt>
+                                        </p:tgtEl>
+                                        <p:attrNameLst>
+                                          <p:attrName>style.visibility</p:attrName>
+                                        </p:attrNameLst>
+                                      </p:cBhvr>
+                                      <p:to>
+                                        <p:strVal val="visible"/>
+                                      </p:to>
+                                    </p:set>
+                                  </p:childTnLst>
+                                </p:cTn>
+                              </p:par>
+                              <p:par>
+                                <p:cTn id="7" presetID="1" presetClass="entr" presetSubtype="0" fill="hold" nodeType="withEffect">
+                                  <p:stCondLst>
+                                    <p:cond delay="0"/>
+                                  </p:stCondLst>
+                                  <p:childTnLst>
+                                    <p:set>
+                                      <p:cBhvr>
+                                        <p:cTn id="8" dur="1" fill="hold">
+                                          <p:stCondLst>
+                                            <p:cond delay="0"/>
+                                          </p:stCondLst>
+                                        </p:cTn>
+                                        <p:tgtEl>
+                                          <p:spTgt spid="3">
+                                            <p:txEl>
+                                              <p:pRg st="2" end="2"/>
+                                            </p:txEl>
+                                          </p:spTgt>
+                                        </p:tgtEl>
+                                        <p:attrNameLst>
+                                          <p:attrName>style.visibility</p:attrName>
+                                        </p:attrNameLst>
+                                      </p:cBhvr>
+                                      <p:to>
+                                        <p:strVal val="visible"/>
+                                      </p:to>
+                                    </p:set>
+                                  </p:childTnLst>
+                                </p:cTn>
+                              </p:par>
+                              <p:par>
+                                <p:cTn id="9" presetID="1" presetClass="entr" presetSubtype="0" fill="hold" nodeType="withEffect">
+                                  <p:stCondLst>
+                                    <p:cond delay="0"/>
+                                  </p:stCondLst>
+                                  <p:childTnLst>
+                                    <p:set>
+                                      <p:cBhvr>
+                                        <p:cTn id="10" dur="1" fill="hold">
+                                          <p:stCondLst>
+                                            <p:cond delay="0"/>
+                                          </p:stCondLst>
+                                        </p:cTn>
+                                        <p:tgtEl>
+                                          <p:spTgt spid="3">
+                                            <p:txEl>
+                                              <p:pRg st="3" end="3"/>
+                                            </p:txEl>
+                                          </p:spTgt>
+                                        </p:tgtEl>
+                                        <p:attrNameLst>
+                                          <p:attrName>style.visibility</p:attrName>
+                                        </p:attrNameLst>
+                                      </p:cBhvr>
+                                      <p:to>
+                                        <p:strVal val="visible"/>
+                                      </p:to>
+                                    </p:set>
+                                  </p:childTnLst>
+                                </p:cTn>
+                              </p:par>
+                            </p:childTnLst>
+                          </p:cTn>
+                        </p:par>
+                      </p:childTnLst>
+                    </p:cTn>
+                  </p:par>
+                  <p:par>
+                    <p:cTn id="11" fill="hold">
+                      <p:stCondLst>
+                        <p:cond delay="indefinite"/>
+                      </p:stCondLst>
+                      <p:childTnLst>
+                        <p:par>
+                          <p:cTn id="12" fill="hold">
+                            <p:stCondLst>
+                              <p:cond delay="0"/>
+                            </p:stCondLst>
+                            <p:childTnLst>
+                              <p:par>
+                                <p:cTn id="13" presetID="1" presetClass="entr" presetSubtype="0" fill="hold" nodeType="clickEffect">
+                                  <p:stCondLst>
+                                    <p:cond delay="0"/>
+                                  </p:stCondLst>
+                                  <p:childTnLst>
+                                    <p:set>
+                                      <p:cBhvr>
+                                        <p:cTn id="14" dur="1" fill="hold">
+                                          <p:stCondLst>
+                                            <p:cond delay="0"/>
+                                          </p:stCondLst>
+                                        </p:cTn>
+                                        <p:tgtEl>
+                                          <p:spTgt spid="3">
+                                            <p:txEl>
+                                              <p:pRg st="4" end="4"/>
+                                            </p:txEl>
+                                          </p:spTgt>
+                                        </p:tgtEl>
+                                        <p:attrNameLst>
+                                          <p:attrName>style.visibility</p:attrName>
+                                        </p:attrNameLst>
+                                      </p:cBhvr>
+                                      <p:to>
+                                        <p:strVal val="visible"/>
+                                      </p:to>
+                                    </p:set>
+                                  </p:childTnLst>
+                                </p:cTn>
+                              </p:par>
+                              <p:par>
+                                <p:cTn id="15" presetID="1" presetClass="entr" presetSubtype="0" fill="hold" nodeType="withEffect">
+                                  <p:stCondLst>
+                                    <p:cond delay="0"/>
+                                  </p:stCondLst>
+                                  <p:childTnLst>
+                                    <p:set>
+                                      <p:cBhvr>
+                                        <p:cTn id="16" dur="1" fill="hold">
+                                          <p:stCondLst>
+                                            <p:cond delay="0"/>
+                                          </p:stCondLst>
+                                        </p:cTn>
+                                        <p:tgtEl>
+                                          <p:spTgt spid="3">
+                                            <p:txEl>
+                                              <p:pRg st="5" end="5"/>
+                                            </p:txEl>
+                                          </p:spTgt>
+                                        </p:tgtEl>
+                                        <p:attrNameLst>
+                                          <p:attrName>style.visibility</p:attrName>
+                                        </p:attrNameLst>
+                                      </p:cBhvr>
+                                      <p:to>
+                                        <p:strVal val="visible"/>
+                                      </p:to>
+                                    </p:set>
+                                  </p:childTnLst>
+                                </p:cTn>
+                              </p:par>
+                            </p:childTnLst>
+                          </p:cTn>
+                        </p:par>
+                      </p:childTnLst>
+                    </p:cTn>
+                  </p:par>
+                  <p:par>
+                    <p:cTn id="17" fill="hold">
+                      <p:stCondLst>
+                        <p:cond delay="indefinite"/>
+                      </p:stCondLst>
+                      <p:childTnLst>
+                        <p:par>
+                          <p:cTn id="18" fill="hold">
+                            <p:stCondLst>
+                              <p:cond delay="0"/>
+                            </p:stCondLst>
+                            <p:childTnLst>
+                              <p:par>
+                                <p:cTn id="19" presetID="1" presetClass="entr" presetSubtype="0" fill="hold" nodeType="clickEffect">
+                                  <p:stCondLst>
+                                    <p:cond delay="0"/>
+                                  </p:stCondLst>
+                                  <p:childTnLst>
+                                    <p:set>
+                                      <p:cBhvr>
+                                        <p:cTn id="20" dur="1" fill="hold">
+                                          <p:stCondLst>
+                                            <p:cond delay="0"/>
+                                          </p:stCondLst>
+                                        </p:cTn>
+                                        <p:tgtEl>
+                                          <p:spTgt spid="3">
+                                            <p:txEl>
+                                              <p:pRg st="6" end="6"/>
+                                            </p:txEl>
+                                          </p:spTgt>
+                                        </p:tgtEl>
+                                        <p:attrNameLst>
+                                          <p:attrName>style.visibility</p:attrName>
+                                        </p:attrNameLst>
+                                      </p:cBhvr>
+                                      <p:to>
+                                        <p:strVal val="visible"/>
+                                      </p:to>
+                                    </p:set>
+                                  </p:childTnLst>
+                                </p:cTn>
+                              </p:par>
+                              <p:par>
+                                <p:cTn id="21" presetID="1" presetClass="entr" presetSubtype="0" fill="hold" nodeType="withEffect">
+                                  <p:stCondLst>
+                                    <p:cond delay="0"/>
+                                  </p:stCondLst>
+                                  <p:childTnLst>
+                                    <p:set>
+                                      <p:cBhvr>
+                                        <p:cTn id="22" dur="1" fill="hold">
+                                          <p:stCondLst>
+                                            <p:cond delay="0"/>
+                                          </p:stCondLst>
+                                        </p:cTn>
+                                        <p:tgtEl>
+                                          <p:spTgt spid="3">
+                                            <p:txEl>
+                                              <p:pRg st="7" end="7"/>
+                                            </p:txEl>
+                                          </p:spTgt>
+                                        </p:tgtEl>
+                                        <p:attrNameLst>
+                                          <p:attrName>style.visibility</p:attrName>
+                                        </p:attrNameLst>
+                                      </p:cBhvr>
+                                      <p:to>
+                                        <p:strVal val="visible"/>
+                                      </p:to>
+                                    </p:set>
+                                  </p:childTnLst>
+                                </p:cTn>
+                              </p:par>
+                              <p:par>
+                                <p:cTn id="23" presetID="1" presetClass="entr" presetSubtype="0" fill="hold" nodeType="withEffect">
+                                  <p:stCondLst>
+                                    <p:cond delay="0"/>
+                                  </p:stCondLst>
+                                  <p:childTnLst>
+                                    <p:set>
+                                      <p:cBhvr>
+                                        <p:cTn id="24" dur="1" fill="hold">
+                                          <p:stCondLst>
+                                            <p:cond delay="0"/>
+                                          </p:stCondLst>
+                                        </p:cTn>
+                                        <p:tgtEl>
+                                          <p:spTgt spid="3">
+                                            <p:txEl>
+                                              <p:pRg st="8" end="8"/>
+                                            </p:txEl>
+                                          </p:spTgt>
+                                        </p:tgtEl>
+                                        <p:attrNameLst>
+                                          <p:attrName>style.visibility</p:attrName>
+                                        </p:attrNameLst>
+                                      </p:cBhvr>
+                                      <p:to>
+                                        <p:strVal val="visible"/>
+                                      </p:to>
+                                    </p:set>
+                                  </p:childTnLst>
+                                </p:cTn>
+                              </p:par>
+                            </p:childTnLst>
+                          </p:cTn>
+                        </p:par>
+                      </p:childTnLst>
+                    </p:cTn>
+                  </p:par>
+                  <p:par>
+                    <p:cTn id="25" fill="hold">
+                      <p:stCondLst>
+                        <p:cond delay="indefinite"/>
+                      </p:stCondLst>
+                      <p:childTnLst>
+                        <p:par>
+                          <p:cTn id="26" fill="hold">
+                            <p:stCondLst>
+                              <p:cond delay="0"/>
+                            </p:stCondLst>
+                            <p:childTnLst>
+                              <p:par>
+                                <p:cTn id="27" presetID="1" presetClass="entr" presetSubtype="0" fill="hold" nodeType="clickEffect">
+                                  <p:stCondLst>
+                                    <p:cond delay="0"/>
+                                  </p:stCondLst>
+                                  <p:childTnLst>
+                                    <p:set>
+                                      <p:cBhvr>
+                                        <p:cTn id="28" dur="1" fill="hold">
+                                          <p:stCondLst>
+                                            <p:cond delay="0"/>
+                                          </p:stCondLst>
+                                        </p:cTn>
+                                        <p:tgtEl>
+                                          <p:spTgt spid="3">
+                                            <p:txEl>
+                                              <p:pRg st="9" end="9"/>
+                                            </p:txEl>
+                                          </p:spTgt>
+                                        </p:tgtEl>
+                                        <p:attrNameLst>
+                                          <p:attrName>style.visibility</p:attrName>
+                                        </p:attrNameLst>
+                                      </p:cBhvr>
+                                      <p:to>
+                                        <p:strVal val="visible"/>
+                                      </p:to>
+                                    </p:set>
+                                  </p:childTnLst>
+                                </p:cTn>
+                              </p:par>
+                            </p:childTnLst>
+                          </p:cTn>
+                        </p:par>
+                      </p:childTnLst>
+                    </p:cTn>
+                  </p:par>
+                </p:childTnLst>
+              </p:cTn>
+              <p:prevCondLst>
+                <p:cond evt="onPrev" delay="0">
+                  <p:tgtEl>
+                    <p:sldTgt/>
+                  </p:tgtEl>
+                </p:cond>
+              </p:prevCondLst>
+              <p:nextCondLst>
+                <p:cond evt="onNext" delay="0">
+                  <p:tgtEl>
+                    <p:sldTgt/>
+                  </p:tgtEl>
+                </p:cond>
+              </p:nextCondLst>
+            </p:seq>
+          </p:childTnLst>
+        </p:cTn>
+      </p:par>
+    </p:tnLst>
+  </p:timing>
+</p:sld>
+</file>
+
+<file path=ppt/slides/slide11.xml><?xml version="1.0" encoding="utf-8"?>
+<p:sld xmlns:a="http://schemas.openxmlformats.org/drawingml/2006/main" xmlns:r="http://schemas.openxmlformats.org/officeDocument/2006/relationships" xmlns:p="http://schemas.openxmlformats.org/presentationml/2006/main">
+  <p:cSld>
+    <p:spTree>
+      <p:nvGrpSpPr>
+        <p:cNvPr id="1" name=""/>
+        <p:cNvGrpSpPr/>
+        <p:nvPr/>
+      </p:nvGrpSpPr>
+      <p:grpSpPr>
+        <a:xfrm>
+          <a:off x="0" y="0"/>
+          <a:ext cx="0" cy="0"/>
+          <a:chOff x="0" y="0"/>
+          <a:chExt cx="0" cy="0"/>
+        </a:xfrm>
+      </p:grpSpPr>
+      <p:sp>
+        <p:nvSpPr>
+          <p:cNvPr id="2" name="Title 1">
+            <a:extLst>
+              <a:ext uri="{FF2B5EF4-FFF2-40B4-BE49-F238E27FC236}">
+                <a16:creationId xmlns:a16="http://schemas.microsoft.com/office/drawing/2014/main" id="{3B3EA3CE-8DB0-40A5-B4A6-AFCE2156CC1F}"/>
+              </a:ext>
+            </a:extLst>
+          </p:cNvPr>
+          <p:cNvSpPr>
+            <a:spLocks noGrp="1"/>
+          </p:cNvSpPr>
+          <p:nvPr>
+            <p:ph type="title"/>
+          </p:nvPr>
+        </p:nvSpPr>
+        <p:spPr>
+          <a:xfrm>
+            <a:off x="838200" y="365125"/>
+            <a:ext cx="10515600" cy="620993"/>
+          </a:xfrm>
+        </p:spPr>
+        <p:txBody>
+          <a:bodyPr>
+            <a:normAutofit fontScale="90000"/>
+          </a:bodyPr>
+          <a:lstStyle/>
+          <a:p>
+            <a:r>
+              <a:rPr lang="en-US" dirty="0">
+                <a:latin typeface="+mn-lt"/>
+              </a:rPr>
+              <a:t>Centrality in Communities</a:t>
+            </a:r>
+            <a:endParaRPr lang="en-US" dirty="0"/>
+          </a:p>
+        </p:txBody>
+      </p:sp>
+      <p:sp>
+        <p:nvSpPr>
+          <p:cNvPr id="3" name="Content Placeholder 2">
+            <a:extLst>
+              <a:ext uri="{FF2B5EF4-FFF2-40B4-BE49-F238E27FC236}">
+                <a16:creationId xmlns:a16="http://schemas.microsoft.com/office/drawing/2014/main" id="{CA03134D-F068-4BC9-B038-F3D5CBDDE3F9}"/>
+              </a:ext>
+            </a:extLst>
+          </p:cNvPr>
+          <p:cNvSpPr>
+            <a:spLocks noGrp="1"/>
+          </p:cNvSpPr>
+          <p:nvPr>
+            <p:ph idx="1"/>
+          </p:nvPr>
+        </p:nvSpPr>
+        <p:spPr>
+          <a:xfrm>
+            <a:off x="775447" y="1208868"/>
+            <a:ext cx="10515600" cy="5447426"/>
+          </a:xfrm>
+        </p:spPr>
+        <p:txBody>
+          <a:bodyPr>
+            <a:normAutofit/>
+          </a:bodyPr>
+          <a:lstStyle/>
+          <a:p>
+            <a:pPr marL="0" indent="0">
+              <a:buNone/>
+            </a:pPr>
+            <a:r>
+              <a:rPr lang="en-US" dirty="0"/>
               <a:t>Find highly connected nodes at center or core of communities </a:t>
             </a:r>
           </a:p>
@@ -4218,7 +4774,7 @@
             <a:pPr lvl="1"/>
             <a:r>
               <a:rPr lang="en-US" dirty="0"/>
-              <a:t>Nodes with stronger connections to the community transmit messages more effectively  </a:t>
+              <a:t>Nodes with stronger connections to the community disseminate messages more effectively  </a:t>
             </a:r>
           </a:p>
           <a:p>
@@ -4530,7 +5086,7 @@
 </p:sld>
 </file>
 
-<file path=ppt/slides/slide11.xml><?xml version="1.0" encoding="utf-8"?>
+<file path=ppt/slides/slide12.xml><?xml version="1.0" encoding="utf-8"?>
 <p:sld xmlns:a="http://schemas.openxmlformats.org/drawingml/2006/main" xmlns:r="http://schemas.openxmlformats.org/officeDocument/2006/relationships" xmlns:p="http://schemas.openxmlformats.org/presentationml/2006/main">
   <p:cSld>
     <p:spTree>
@@ -5005,7 +5561,7 @@
 </p:sld>
 </file>
 
-<file path=ppt/slides/slide12.xml><?xml version="1.0" encoding="utf-8"?>
+<file path=ppt/slides/slide13.xml><?xml version="1.0" encoding="utf-8"?>
 <p:sld xmlns:a="http://schemas.openxmlformats.org/drawingml/2006/main" xmlns:r="http://schemas.openxmlformats.org/officeDocument/2006/relationships" xmlns:p="http://schemas.openxmlformats.org/presentationml/2006/main">
   <p:cSld>
     <p:spTree>
@@ -5114,8 +5670,12 @@
               </a:p>
               <a:p>
                 <a:r>
+                  <a:rPr lang="en-US" b="1" dirty="0"/>
+                  <a:t>Fully connected </a:t>
+                </a:r>
+                <a:r>
                   <a:rPr lang="en-US" dirty="0"/>
-                  <a:t>Fully connected portions of graphs are called </a:t>
+                  <a:t>portions of graphs are called </a:t>
                 </a:r>
                 <a:r>
                   <a:rPr lang="en-US" b="1" dirty="0"/>
@@ -5143,7 +5703,13 @@
                   <a:rPr lang="en-US" b="1" dirty="0"/>
                   <a:t>clustering   </a:t>
                 </a:r>
-                <a:endParaRPr lang="en-US" dirty="0"/>
+              </a:p>
+              <a:p>
+                <a:pPr lvl="1"/>
+                <a:r>
+                  <a:rPr lang="en-US" dirty="0"/>
+                  <a:t>Don’t confuse graph clustering with other types of ‘clustering’, e.g. K-means</a:t>
+                </a:r>
               </a:p>
               <a:p>
                 <a:r>
@@ -5343,33 +5909,15 @@
                                   </p:childTnLst>
                                 </p:cTn>
                               </p:par>
-                            </p:childTnLst>
-                          </p:cTn>
-                        </p:par>
-                      </p:childTnLst>
-                    </p:cTn>
-                  </p:par>
-                  <p:par>
-                    <p:cTn id="11" fill="hold">
-                      <p:stCondLst>
-                        <p:cond delay="indefinite"/>
-                      </p:stCondLst>
-                      <p:childTnLst>
-                        <p:par>
-                          <p:cTn id="12" fill="hold">
-                            <p:stCondLst>
-                              <p:cond delay="0"/>
-                            </p:stCondLst>
-                            <p:childTnLst>
                               <p:par>
-                                <p:cTn id="13" presetID="1" presetClass="entr" presetSubtype="0" fill="hold" nodeType="clickEffect">
+                                <p:cTn id="11" presetID="1" presetClass="entr" presetSubtype="0" fill="hold" nodeType="withEffect">
                                   <p:stCondLst>
                                     <p:cond delay="0"/>
                                   </p:stCondLst>
                                   <p:childTnLst>
                                     <p:set>
                                       <p:cBhvr>
-                                        <p:cTn id="14" dur="1" fill="hold">
+                                        <p:cTn id="12" dur="1" fill="hold">
                                           <p:stCondLst>
                                             <p:cond delay="0"/>
                                           </p:stCondLst>
@@ -5398,617 +5946,20 @@
                       </p:childTnLst>
                     </p:cTn>
                   </p:par>
-                </p:childTnLst>
-              </p:cTn>
-              <p:prevCondLst>
-                <p:cond evt="onPrev" delay="0">
-                  <p:tgtEl>
-                    <p:sldTgt/>
-                  </p:tgtEl>
-                </p:cond>
-              </p:prevCondLst>
-              <p:nextCondLst>
-                <p:cond evt="onNext" delay="0">
-                  <p:tgtEl>
-                    <p:sldTgt/>
-                  </p:tgtEl>
-                </p:cond>
-              </p:nextCondLst>
-            </p:seq>
-          </p:childTnLst>
-        </p:cTn>
-      </p:par>
-    </p:tnLst>
-  </p:timing>
-</p:sld>
-</file>
-
-<file path=ppt/slides/slide13.xml><?xml version="1.0" encoding="utf-8"?>
-<p:sld xmlns:a="http://schemas.openxmlformats.org/drawingml/2006/main" xmlns:r="http://schemas.openxmlformats.org/officeDocument/2006/relationships" xmlns:p="http://schemas.openxmlformats.org/presentationml/2006/main">
-  <p:cSld>
-    <p:spTree>
-      <p:nvGrpSpPr>
-        <p:cNvPr id="1" name=""/>
-        <p:cNvGrpSpPr/>
-        <p:nvPr/>
-      </p:nvGrpSpPr>
-      <p:grpSpPr>
-        <a:xfrm>
-          <a:off x="0" y="0"/>
-          <a:ext cx="0" cy="0"/>
-          <a:chOff x="0" y="0"/>
-          <a:chExt cx="0" cy="0"/>
-        </a:xfrm>
-      </p:grpSpPr>
-      <p:sp>
-        <p:nvSpPr>
-          <p:cNvPr id="2" name="Title 1">
-            <a:extLst>
-              <a:ext uri="{FF2B5EF4-FFF2-40B4-BE49-F238E27FC236}">
-                <a16:creationId xmlns:a16="http://schemas.microsoft.com/office/drawing/2014/main" id="{3B3EA3CE-8DB0-40A5-B4A6-AFCE2156CC1F}"/>
-              </a:ext>
-            </a:extLst>
-          </p:cNvPr>
-          <p:cNvSpPr>
-            <a:spLocks noGrp="1"/>
-          </p:cNvSpPr>
-          <p:nvPr>
-            <p:ph type="title"/>
-          </p:nvPr>
-        </p:nvSpPr>
-        <p:spPr>
-          <a:xfrm>
-            <a:off x="838200" y="365125"/>
-            <a:ext cx="10515600" cy="620993"/>
-          </a:xfrm>
-        </p:spPr>
-        <p:txBody>
-          <a:bodyPr>
-            <a:normAutofit fontScale="90000"/>
-          </a:bodyPr>
-          <a:lstStyle/>
-          <a:p>
-            <a:r>
-              <a:rPr lang="en-US" dirty="0">
-                <a:latin typeface="+mn-lt"/>
-              </a:rPr>
-              <a:t>Centrality in Communities </a:t>
-            </a:r>
-            <a:endParaRPr lang="en-US" dirty="0"/>
-          </a:p>
-        </p:txBody>
-      </p:sp>
-      <mc:AlternateContent xmlns:mc="http://schemas.openxmlformats.org/markup-compatibility/2006" xmlns:a14="http://schemas.microsoft.com/office/drawing/2010/main">
-        <mc:Choice Requires="a14">
-          <p:sp>
-            <p:nvSpPr>
-              <p:cNvPr id="3" name="Content Placeholder 2">
-                <a:extLst>
-                  <a:ext uri="{FF2B5EF4-FFF2-40B4-BE49-F238E27FC236}">
-                    <a16:creationId xmlns:a16="http://schemas.microsoft.com/office/drawing/2014/main" id="{CA03134D-F068-4BC9-B038-F3D5CBDDE3F9}"/>
-                  </a:ext>
-                </a:extLst>
-              </p:cNvPr>
-              <p:cNvSpPr>
-                <a:spLocks noGrp="1"/>
-              </p:cNvSpPr>
-              <p:nvPr>
-                <p:ph idx="1"/>
-              </p:nvPr>
-            </p:nvSpPr>
-            <p:spPr>
-              <a:xfrm>
-                <a:off x="775447" y="1208868"/>
-                <a:ext cx="10515600" cy="5447426"/>
-              </a:xfrm>
-            </p:spPr>
-            <p:txBody>
-              <a:bodyPr>
-                <a:normAutofit/>
-              </a:bodyPr>
-              <a:lstStyle/>
-              <a:p>
-                <a:pPr marL="0" indent="0">
-                  <a:buNone/>
-                </a:pPr>
-                <a:r>
-                  <a:rPr lang="en-US" b="1" dirty="0"/>
-                  <a:t>Centrality</a:t>
-                </a:r>
-                <a:r>
-                  <a:rPr lang="en-US" dirty="0"/>
-                  <a:t> is the ability of a node to exert influence on the network</a:t>
-                </a:r>
-              </a:p>
-              <a:p>
-                <a:r>
-                  <a:rPr lang="en-US" b="1" dirty="0"/>
-                  <a:t>Closeness centrality </a:t>
-                </a:r>
-                <a:r>
-                  <a:rPr lang="en-US" dirty="0"/>
-                  <a:t>is the </a:t>
-                </a:r>
-                <a:r>
-                  <a:rPr lang="en-US" b="1" dirty="0"/>
-                  <a:t>average inverse distance </a:t>
-                </a:r>
-                <a:r>
-                  <a:rPr lang="en-US" dirty="0"/>
-                  <a:t>from a node to all other nodes in a graph component </a:t>
-                </a:r>
-              </a:p>
-              <a:p>
-                <a:r>
-                  <a:rPr lang="en-US" dirty="0"/>
-                  <a:t>Nodes with highest closeness centrality are considered most influential </a:t>
-                </a:r>
-              </a:p>
-              <a:p>
-                <a:r>
-                  <a:rPr lang="en-US" dirty="0"/>
-                  <a:t>For graph of </a:t>
-                </a:r>
-                <a:r>
-                  <a:rPr lang="en-US" i="1" dirty="0"/>
-                  <a:t>N</a:t>
-                </a:r>
-                <a:r>
-                  <a:rPr lang="en-US" dirty="0"/>
-                  <a:t> nodes, compute closeness for node </a:t>
-                </a:r>
-                <a14:m>
-                  <m:oMath xmlns:m="http://schemas.openxmlformats.org/officeDocument/2006/math">
-                    <m:sSub>
-                      <m:sSubPr>
-                        <m:ctrlPr>
-                          <a:rPr lang="en-US" i="1" smtClean="0">
-                            <a:latin typeface="Cambria Math" panose="02040503050406030204" pitchFamily="18" charset="0"/>
-                          </a:rPr>
-                        </m:ctrlPr>
-                      </m:sSubPr>
-                      <m:e>
-                        <m:r>
-                          <a:rPr lang="en-US" b="0" i="1" smtClean="0">
-                            <a:latin typeface="Cambria Math" panose="02040503050406030204" pitchFamily="18" charset="0"/>
-                          </a:rPr>
-                          <m:t>𝑛</m:t>
-                        </m:r>
-                      </m:e>
-                      <m:sub>
-                        <m:r>
-                          <a:rPr lang="en-US" b="0" i="1" smtClean="0">
-                            <a:latin typeface="Cambria Math" panose="02040503050406030204" pitchFamily="18" charset="0"/>
-                          </a:rPr>
-                          <m:t>𝑖</m:t>
-                        </m:r>
-                      </m:sub>
-                    </m:sSub>
-                  </m:oMath>
-                </a14:m>
-                <a:r>
-                  <a:rPr lang="en-US" dirty="0"/>
-                  <a:t> as the inverse average distance, </a:t>
-                </a:r>
-                <a14:m>
-                  <m:oMath xmlns:m="http://schemas.openxmlformats.org/officeDocument/2006/math">
-                    <m:sSub>
-                      <m:sSubPr>
-                        <m:ctrlPr>
-                          <a:rPr lang="en-US" i="1" smtClean="0">
-                            <a:latin typeface="Cambria Math" panose="02040503050406030204" pitchFamily="18" charset="0"/>
-                          </a:rPr>
-                        </m:ctrlPr>
-                      </m:sSubPr>
-                      <m:e>
-                        <m:r>
-                          <a:rPr lang="en-US" b="0" i="1" smtClean="0">
-                            <a:latin typeface="Cambria Math" panose="02040503050406030204" pitchFamily="18" charset="0"/>
-                          </a:rPr>
-                          <m:t>𝑑</m:t>
-                        </m:r>
-                      </m:e>
-                      <m:sub>
-                        <m:r>
-                          <a:rPr lang="en-US" b="0" i="1" smtClean="0">
-                            <a:latin typeface="Cambria Math" panose="02040503050406030204" pitchFamily="18" charset="0"/>
-                          </a:rPr>
-                          <m:t>𝑖</m:t>
-                        </m:r>
-                        <m:r>
-                          <a:rPr lang="en-US" b="0" i="1" smtClean="0">
-                            <a:latin typeface="Cambria Math" panose="02040503050406030204" pitchFamily="18" charset="0"/>
-                          </a:rPr>
-                          <m:t>,</m:t>
-                        </m:r>
-                        <m:r>
-                          <a:rPr lang="en-US" b="0" i="1" smtClean="0">
-                            <a:latin typeface="Cambria Math" panose="02040503050406030204" pitchFamily="18" charset="0"/>
-                          </a:rPr>
-                          <m:t>𝑗</m:t>
-                        </m:r>
-                      </m:sub>
-                    </m:sSub>
-                  </m:oMath>
-                </a14:m>
-                <a:r>
-                  <a:rPr lang="en-US" dirty="0"/>
-                  <a:t>, to other nodes nodes: </a:t>
-                </a:r>
-              </a:p>
-              <a:p>
-                <a:pPr marL="0" indent="0">
-                  <a:buNone/>
-                </a:pPr>
-                <a14:m>
-                  <m:oMathPara xmlns:m="http://schemas.openxmlformats.org/officeDocument/2006/math">
-                    <m:oMathParaPr>
-                      <m:jc m:val="centerGroup"/>
-                    </m:oMathParaPr>
-                    <m:oMath xmlns:m="http://schemas.openxmlformats.org/officeDocument/2006/math">
-                      <m:sSub>
-                        <m:sSubPr>
-                          <m:ctrlPr>
-                            <a:rPr lang="en-US" i="1" smtClean="0">
-                              <a:latin typeface="Cambria Math" panose="02040503050406030204" pitchFamily="18" charset="0"/>
-                            </a:rPr>
-                          </m:ctrlPr>
-                        </m:sSubPr>
-                        <m:e>
-                          <m:r>
-                            <a:rPr lang="en-US" b="0" i="1" smtClean="0">
-                              <a:latin typeface="Cambria Math" panose="02040503050406030204" pitchFamily="18" charset="0"/>
-                            </a:rPr>
-                            <m:t>𝐶</m:t>
-                          </m:r>
-                        </m:e>
-                        <m:sub>
-                          <m:r>
-                            <a:rPr lang="en-US" b="0" i="1" smtClean="0">
-                              <a:latin typeface="Cambria Math" panose="02040503050406030204" pitchFamily="18" charset="0"/>
-                            </a:rPr>
-                            <m:t>𝑖</m:t>
-                          </m:r>
-                        </m:sub>
-                      </m:sSub>
-                      <m:r>
-                        <a:rPr lang="en-US" b="0" i="1" smtClean="0">
-                          <a:latin typeface="Cambria Math" panose="02040503050406030204" pitchFamily="18" charset="0"/>
-                        </a:rPr>
-                        <m:t>=</m:t>
-                      </m:r>
-                      <m:f>
-                        <m:fPr>
-                          <m:ctrlPr>
-                            <a:rPr lang="en-US" b="0" i="1" smtClean="0">
-                              <a:latin typeface="Cambria Math" panose="02040503050406030204" pitchFamily="18" charset="0"/>
-                            </a:rPr>
-                          </m:ctrlPr>
-                        </m:fPr>
-                        <m:num>
-                          <m:r>
-                            <a:rPr lang="en-US" b="0" i="1" smtClean="0">
-                              <a:latin typeface="Cambria Math" panose="02040503050406030204" pitchFamily="18" charset="0"/>
-                            </a:rPr>
-                            <m:t>𝑁</m:t>
-                          </m:r>
-                          <m:r>
-                            <a:rPr lang="en-US" b="0" i="1" smtClean="0">
-                              <a:latin typeface="Cambria Math" panose="02040503050406030204" pitchFamily="18" charset="0"/>
-                            </a:rPr>
-                            <m:t>−1</m:t>
-                          </m:r>
-                        </m:num>
-                        <m:den>
-                          <m:nary>
-                            <m:naryPr>
-                              <m:chr m:val="∑"/>
-                              <m:supHide m:val="on"/>
-                              <m:ctrlPr>
-                                <a:rPr lang="en-US" b="0" i="1" smtClean="0">
-                                  <a:latin typeface="Cambria Math" panose="02040503050406030204" pitchFamily="18" charset="0"/>
-                                </a:rPr>
-                              </m:ctrlPr>
-                            </m:naryPr>
-                            <m:sub>
-                              <m:r>
-                                <m:rPr>
-                                  <m:brk m:alnAt="7"/>
-                                </m:rPr>
-                                <a:rPr lang="en-US" b="0" i="1" smtClean="0">
-                                  <a:latin typeface="Cambria Math" panose="02040503050406030204" pitchFamily="18" charset="0"/>
-                                </a:rPr>
-                                <m:t>𝑗</m:t>
-                              </m:r>
-                              <m:r>
-                                <a:rPr lang="en-US" b="0" i="1" smtClean="0">
-                                  <a:latin typeface="Cambria Math" panose="02040503050406030204" pitchFamily="18" charset="0"/>
-                                  <a:ea typeface="Cambria Math" panose="02040503050406030204" pitchFamily="18" charset="0"/>
-                                </a:rPr>
-                                <m:t>≠</m:t>
-                              </m:r>
-                              <m:r>
-                                <a:rPr lang="en-US" b="0" i="1" smtClean="0">
-                                  <a:latin typeface="Cambria Math" panose="02040503050406030204" pitchFamily="18" charset="0"/>
-                                  <a:ea typeface="Cambria Math" panose="02040503050406030204" pitchFamily="18" charset="0"/>
-                                </a:rPr>
-                                <m:t>𝑖</m:t>
-                              </m:r>
-                            </m:sub>
-                            <m:sup/>
-                            <m:e>
-                              <m:sSub>
-                                <m:sSubPr>
-                                  <m:ctrlPr>
-                                    <a:rPr lang="en-US" b="0" i="1" smtClean="0">
-                                      <a:latin typeface="Cambria Math" panose="02040503050406030204" pitchFamily="18" charset="0"/>
-                                    </a:rPr>
-                                  </m:ctrlPr>
-                                </m:sSubPr>
-                                <m:e>
-                                  <m:r>
-                                    <a:rPr lang="en-US" b="0" i="1" smtClean="0">
-                                      <a:latin typeface="Cambria Math" panose="02040503050406030204" pitchFamily="18" charset="0"/>
-                                    </a:rPr>
-                                    <m:t>𝑑</m:t>
-                                  </m:r>
-                                </m:e>
-                                <m:sub>
-                                  <m:r>
-                                    <a:rPr lang="en-US" b="0" i="1" smtClean="0">
-                                      <a:latin typeface="Cambria Math" panose="02040503050406030204" pitchFamily="18" charset="0"/>
-                                    </a:rPr>
-                                    <m:t>𝑖</m:t>
-                                  </m:r>
-                                  <m:r>
-                                    <a:rPr lang="en-US" b="0" i="1" smtClean="0">
-                                      <a:latin typeface="Cambria Math" panose="02040503050406030204" pitchFamily="18" charset="0"/>
-                                    </a:rPr>
-                                    <m:t>,</m:t>
-                                  </m:r>
-                                  <m:r>
-                                    <a:rPr lang="en-US" b="0" i="1" smtClean="0">
-                                      <a:latin typeface="Cambria Math" panose="02040503050406030204" pitchFamily="18" charset="0"/>
-                                    </a:rPr>
-                                    <m:t>𝑗</m:t>
-                                  </m:r>
-                                </m:sub>
-                              </m:sSub>
-                            </m:e>
-                          </m:nary>
-                        </m:den>
-                      </m:f>
-                    </m:oMath>
-                  </m:oMathPara>
-                </a14:m>
-                <a:endParaRPr lang="en-US" dirty="0"/>
-              </a:p>
-              <a:p>
-                <a:pPr marL="457200" lvl="1" indent="0">
-                  <a:buNone/>
-                </a:pPr>
-                <a:r>
-                  <a:rPr lang="en-US" dirty="0"/>
-                  <a:t> </a:t>
-                </a:r>
-              </a:p>
-              <a:p>
-                <a:endParaRPr lang="en-US" dirty="0"/>
-              </a:p>
-              <a:p>
-                <a:endParaRPr lang="en-US" dirty="0"/>
-              </a:p>
-              <a:p>
-                <a:endParaRPr lang="en-US" dirty="0"/>
-              </a:p>
-            </p:txBody>
-          </p:sp>
-        </mc:Choice>
-        <mc:Fallback xmlns="">
-          <p:sp>
-            <p:nvSpPr>
-              <p:cNvPr id="3" name="Content Placeholder 2">
-                <a:extLst>
-                  <a:ext uri="{FF2B5EF4-FFF2-40B4-BE49-F238E27FC236}">
-                    <a16:creationId xmlns:a16="http://schemas.microsoft.com/office/drawing/2014/main" id="{CA03134D-F068-4BC9-B038-F3D5CBDDE3F9}"/>
-                  </a:ext>
-                </a:extLst>
-              </p:cNvPr>
-              <p:cNvSpPr>
-                <a:spLocks noGrp="1" noRot="1" noChangeAspect="1" noMove="1" noResize="1" noEditPoints="1" noAdjustHandles="1" noChangeArrowheads="1" noChangeShapeType="1" noTextEdit="1"/>
-              </p:cNvSpPr>
-              <p:nvPr>
-                <p:ph idx="1"/>
-              </p:nvPr>
-            </p:nvSpPr>
-            <p:spPr>
-              <a:xfrm>
-                <a:off x="775447" y="1208868"/>
-                <a:ext cx="10515600" cy="5447426"/>
-              </a:xfrm>
-              <a:blipFill>
-                <a:blip r:embed="rId2"/>
-                <a:stretch>
-                  <a:fillRect l="-1159" t="-1790"/>
-                </a:stretch>
-              </a:blipFill>
-            </p:spPr>
-            <p:txBody>
-              <a:bodyPr/>
-              <a:lstStyle/>
-              <a:p>
-                <a:r>
-                  <a:rPr lang="en-US">
-                    <a:noFill/>
-                  </a:rPr>
-                  <a:t> </a:t>
-                </a:r>
-              </a:p>
-            </p:txBody>
-          </p:sp>
-        </mc:Fallback>
-      </mc:AlternateContent>
-    </p:spTree>
-    <p:extLst>
-      <p:ext uri="{BB962C8B-B14F-4D97-AF65-F5344CB8AC3E}">
-        <p14:creationId xmlns:p14="http://schemas.microsoft.com/office/powerpoint/2010/main" val="802178342"/>
-      </p:ext>
-    </p:extLst>
-  </p:cSld>
-  <p:clrMapOvr>
-    <a:masterClrMapping/>
-  </p:clrMapOvr>
-  <p:timing>
-    <p:tnLst>
-      <p:par>
-        <p:cTn id="1" dur="indefinite" restart="never" nodeType="tmRoot">
-          <p:childTnLst>
-            <p:seq concurrent="1" nextAc="seek">
-              <p:cTn id="2" dur="indefinite" nodeType="mainSeq">
-                <p:childTnLst>
                   <p:par>
-                    <p:cTn id="3" fill="hold">
+                    <p:cTn id="13" fill="hold">
                       <p:stCondLst>
                         <p:cond delay="indefinite"/>
                       </p:stCondLst>
                       <p:childTnLst>
                         <p:par>
-                          <p:cTn id="4" fill="hold">
+                          <p:cTn id="14" fill="hold">
                             <p:stCondLst>
                               <p:cond delay="0"/>
                             </p:stCondLst>
                             <p:childTnLst>
                               <p:par>
-                                <p:cTn id="5" presetID="1" presetClass="entr" presetSubtype="0" fill="hold" nodeType="clickEffect">
-                                  <p:stCondLst>
-                                    <p:cond delay="0"/>
-                                  </p:stCondLst>
-                                  <p:childTnLst>
-                                    <p:set>
-                                      <p:cBhvr>
-                                        <p:cTn id="6" dur="1" fill="hold">
-                                          <p:stCondLst>
-                                            <p:cond delay="0"/>
-                                          </p:stCondLst>
-                                        </p:cTn>
-                                        <p:tgtEl>
-                                          <p:spTgt spid="3">
-                                            <p:txEl>
-                                              <p:pRg st="1" end="1"/>
-                                            </p:txEl>
-                                          </p:spTgt>
-                                        </p:tgtEl>
-                                        <p:attrNameLst>
-                                          <p:attrName>style.visibility</p:attrName>
-                                        </p:attrNameLst>
-                                      </p:cBhvr>
-                                      <p:to>
-                                        <p:strVal val="visible"/>
-                                      </p:to>
-                                    </p:set>
-                                  </p:childTnLst>
-                                </p:cTn>
-                              </p:par>
-                            </p:childTnLst>
-                          </p:cTn>
-                        </p:par>
-                      </p:childTnLst>
-                    </p:cTn>
-                  </p:par>
-                  <p:par>
-                    <p:cTn id="7" fill="hold">
-                      <p:stCondLst>
-                        <p:cond delay="indefinite"/>
-                      </p:stCondLst>
-                      <p:childTnLst>
-                        <p:par>
-                          <p:cTn id="8" fill="hold">
-                            <p:stCondLst>
-                              <p:cond delay="0"/>
-                            </p:stCondLst>
-                            <p:childTnLst>
-                              <p:par>
-                                <p:cTn id="9" presetID="1" presetClass="entr" presetSubtype="0" fill="hold" nodeType="clickEffect">
-                                  <p:stCondLst>
-                                    <p:cond delay="0"/>
-                                  </p:stCondLst>
-                                  <p:childTnLst>
-                                    <p:set>
-                                      <p:cBhvr>
-                                        <p:cTn id="10" dur="1" fill="hold">
-                                          <p:stCondLst>
-                                            <p:cond delay="0"/>
-                                          </p:stCondLst>
-                                        </p:cTn>
-                                        <p:tgtEl>
-                                          <p:spTgt spid="3">
-                                            <p:txEl>
-                                              <p:pRg st="2" end="2"/>
-                                            </p:txEl>
-                                          </p:spTgt>
-                                        </p:tgtEl>
-                                        <p:attrNameLst>
-                                          <p:attrName>style.visibility</p:attrName>
-                                        </p:attrNameLst>
-                                      </p:cBhvr>
-                                      <p:to>
-                                        <p:strVal val="visible"/>
-                                      </p:to>
-                                    </p:set>
-                                  </p:childTnLst>
-                                </p:cTn>
-                              </p:par>
-                            </p:childTnLst>
-                          </p:cTn>
-                        </p:par>
-                      </p:childTnLst>
-                    </p:cTn>
-                  </p:par>
-                  <p:par>
-                    <p:cTn id="11" fill="hold">
-                      <p:stCondLst>
-                        <p:cond delay="indefinite"/>
-                      </p:stCondLst>
-                      <p:childTnLst>
-                        <p:par>
-                          <p:cTn id="12" fill="hold">
-                            <p:stCondLst>
-                              <p:cond delay="0"/>
-                            </p:stCondLst>
-                            <p:childTnLst>
-                              <p:par>
-                                <p:cTn id="13" presetID="1" presetClass="entr" presetSubtype="0" fill="hold" nodeType="clickEffect">
-                                  <p:stCondLst>
-                                    <p:cond delay="0"/>
-                                  </p:stCondLst>
-                                  <p:childTnLst>
-                                    <p:set>
-                                      <p:cBhvr>
-                                        <p:cTn id="14" dur="1" fill="hold">
-                                          <p:stCondLst>
-                                            <p:cond delay="0"/>
-                                          </p:stCondLst>
-                                        </p:cTn>
-                                        <p:tgtEl>
-                                          <p:spTgt spid="3">
-                                            <p:txEl>
-                                              <p:pRg st="3" end="3"/>
-                                            </p:txEl>
-                                          </p:spTgt>
-                                        </p:tgtEl>
-                                        <p:attrNameLst>
-                                          <p:attrName>style.visibility</p:attrName>
-                                        </p:attrNameLst>
-                                      </p:cBhvr>
-                                      <p:to>
-                                        <p:strVal val="visible"/>
-                                      </p:to>
-                                    </p:set>
-                                  </p:childTnLst>
-                                </p:cTn>
-                              </p:par>
-                              <p:par>
-                                <p:cTn id="15" presetID="1" presetClass="entr" presetSubtype="0" fill="hold" nodeType="withEffect">
+                                <p:cTn id="15" presetID="1" presetClass="entr" presetSubtype="0" fill="hold" nodeType="clickEffect">
                                   <p:stCondLst>
                                     <p:cond delay="0"/>
                                   </p:stCondLst>
@@ -6023,7 +5974,7 @@
                                         <p:tgtEl>
                                           <p:spTgt spid="3">
                                             <p:txEl>
-                                              <p:pRg st="4" end="4"/>
+                                              <p:pRg st="5" end="5"/>
                                             </p:txEl>
                                           </p:spTgt>
                                         </p:tgtEl>
@@ -6070,149 +6021,6 @@
 </file>
 
 <file path=ppt/slides/slide14.xml><?xml version="1.0" encoding="utf-8"?>
-<p:sld xmlns:a="http://schemas.openxmlformats.org/drawingml/2006/main" xmlns:r="http://schemas.openxmlformats.org/officeDocument/2006/relationships" xmlns:p="http://schemas.openxmlformats.org/presentationml/2006/main">
-  <p:cSld>
-    <p:spTree>
-      <p:nvGrpSpPr>
-        <p:cNvPr id="1" name=""/>
-        <p:cNvGrpSpPr/>
-        <p:nvPr/>
-      </p:nvGrpSpPr>
-      <p:grpSpPr>
-        <a:xfrm>
-          <a:off x="0" y="0"/>
-          <a:ext cx="0" cy="0"/>
-          <a:chOff x="0" y="0"/>
-          <a:chExt cx="0" cy="0"/>
-        </a:xfrm>
-      </p:grpSpPr>
-      <p:sp>
-        <p:nvSpPr>
-          <p:cNvPr id="2" name="Title 1">
-            <a:extLst>
-              <a:ext uri="{FF2B5EF4-FFF2-40B4-BE49-F238E27FC236}">
-                <a16:creationId xmlns:a16="http://schemas.microsoft.com/office/drawing/2014/main" id="{3B3EA3CE-8DB0-40A5-B4A6-AFCE2156CC1F}"/>
-              </a:ext>
-            </a:extLst>
-          </p:cNvPr>
-          <p:cNvSpPr>
-            <a:spLocks noGrp="1"/>
-          </p:cNvSpPr>
-          <p:nvPr>
-            <p:ph type="title"/>
-          </p:nvPr>
-        </p:nvSpPr>
-        <p:spPr>
-          <a:xfrm>
-            <a:off x="838200" y="365125"/>
-            <a:ext cx="10515600" cy="620993"/>
-          </a:xfrm>
-        </p:spPr>
-        <p:txBody>
-          <a:bodyPr>
-            <a:normAutofit fontScale="90000"/>
-          </a:bodyPr>
-          <a:lstStyle/>
-          <a:p>
-            <a:r>
-              <a:rPr lang="en-US" dirty="0">
-                <a:latin typeface="+mn-lt"/>
-              </a:rPr>
-              <a:t>Centrality in Communities </a:t>
-            </a:r>
-            <a:endParaRPr lang="en-US" dirty="0"/>
-          </a:p>
-        </p:txBody>
-      </p:sp>
-      <p:sp>
-        <p:nvSpPr>
-          <p:cNvPr id="3" name="Content Placeholder 2">
-            <a:extLst>
-              <a:ext uri="{FF2B5EF4-FFF2-40B4-BE49-F238E27FC236}">
-                <a16:creationId xmlns:a16="http://schemas.microsoft.com/office/drawing/2014/main" id="{CA03134D-F068-4BC9-B038-F3D5CBDDE3F9}"/>
-              </a:ext>
-            </a:extLst>
-          </p:cNvPr>
-          <p:cNvSpPr>
-            <a:spLocks noGrp="1"/>
-          </p:cNvSpPr>
-          <p:nvPr>
-            <p:ph idx="1"/>
-          </p:nvPr>
-        </p:nvSpPr>
-        <p:spPr>
-          <a:xfrm>
-            <a:off x="775447" y="1208868"/>
-            <a:ext cx="4077541" cy="5447426"/>
-          </a:xfrm>
-        </p:spPr>
-        <p:txBody>
-          <a:bodyPr>
-            <a:normAutofit/>
-          </a:bodyPr>
-          <a:lstStyle/>
-          <a:p>
-            <a:pPr marL="0" indent="0">
-              <a:buNone/>
-            </a:pPr>
-            <a:r>
-              <a:rPr lang="en-US" b="1" dirty="0"/>
-              <a:t>Example: Closeness centrality</a:t>
-            </a:r>
-            <a:r>
-              <a:rPr lang="en-US" dirty="0"/>
-              <a:t> is the ability of a node to exert influence on the network</a:t>
-            </a:r>
-          </a:p>
-          <a:p>
-            <a:endParaRPr lang="en-US" dirty="0"/>
-          </a:p>
-        </p:txBody>
-      </p:sp>
-      <p:pic>
-        <p:nvPicPr>
-          <p:cNvPr id="5" name="Picture 4">
-            <a:extLst>
-              <a:ext uri="{FF2B5EF4-FFF2-40B4-BE49-F238E27FC236}">
-                <a16:creationId xmlns:a16="http://schemas.microsoft.com/office/drawing/2014/main" id="{987D161F-AFF1-B8E8-0BCD-19558C79A750}"/>
-              </a:ext>
-            </a:extLst>
-          </p:cNvPr>
-          <p:cNvPicPr>
-            <a:picLocks noChangeAspect="1"/>
-          </p:cNvPicPr>
-          <p:nvPr/>
-        </p:nvPicPr>
-        <p:blipFill>
-          <a:blip r:embed="rId2"/>
-          <a:stretch>
-            <a:fillRect/>
-          </a:stretch>
-        </p:blipFill>
-        <p:spPr>
-          <a:xfrm>
-            <a:off x="4815559" y="1062764"/>
-            <a:ext cx="7058253" cy="5685699"/>
-          </a:xfrm>
-          <a:prstGeom prst="rect">
-            <a:avLst/>
-          </a:prstGeom>
-        </p:spPr>
-      </p:pic>
-    </p:spTree>
-    <p:extLst>
-      <p:ext uri="{BB962C8B-B14F-4D97-AF65-F5344CB8AC3E}">
-        <p14:creationId xmlns:p14="http://schemas.microsoft.com/office/powerpoint/2010/main" val="479825153"/>
-      </p:ext>
-    </p:extLst>
-  </p:cSld>
-  <p:clrMapOvr>
-    <a:masterClrMapping/>
-  </p:clrMapOvr>
-</p:sld>
-</file>
-
-<file path=ppt/slides/slide15.xml><?xml version="1.0" encoding="utf-8"?>
 <p:sld xmlns:a="http://schemas.openxmlformats.org/drawingml/2006/main" xmlns:r="http://schemas.openxmlformats.org/officeDocument/2006/relationships" xmlns:p="http://schemas.openxmlformats.org/presentationml/2006/main">
   <p:cSld>
     <p:spTree>
@@ -9554,7 +9362,7 @@
 </p:sld>
 </file>
 
-<file path=ppt/slides/slide16.xml><?xml version="1.0" encoding="utf-8"?>
+<file path=ppt/slides/slide15.xml><?xml version="1.0" encoding="utf-8"?>
 <p:sld xmlns:a="http://schemas.openxmlformats.org/drawingml/2006/main" xmlns:r="http://schemas.openxmlformats.org/officeDocument/2006/relationships" xmlns:p="http://schemas.openxmlformats.org/presentationml/2006/main">
   <p:cSld>
     <p:spTree>
@@ -10510,7 +10318,7 @@
 </p:sld>
 </file>
 
-<file path=ppt/slides/slide17.xml><?xml version="1.0" encoding="utf-8"?>
+<file path=ppt/slides/slide16.xml><?xml version="1.0" encoding="utf-8"?>
 <p:sld xmlns:a="http://schemas.openxmlformats.org/drawingml/2006/main" xmlns:r="http://schemas.openxmlformats.org/officeDocument/2006/relationships" xmlns:p="http://schemas.openxmlformats.org/presentationml/2006/main">
   <p:cSld>
     <p:spTree>
@@ -10565,8 +10373,8 @@
           </a:p>
         </p:txBody>
       </p:sp>
-      <mc:AlternateContent xmlns:mc="http://schemas.openxmlformats.org/markup-compatibility/2006" xmlns:a14="http://schemas.microsoft.com/office/drawing/2010/main">
-        <mc:Choice Requires="a14">
+      <mc:AlternateContent xmlns:mc="http://schemas.openxmlformats.org/markup-compatibility/2006">
+        <mc:Choice xmlns:a14="http://schemas.microsoft.com/office/drawing/2010/main" Requires="a14">
           <p:sp>
             <p:nvSpPr>
               <p:cNvPr id="3" name="Content Placeholder 2">
@@ -10621,27 +10429,31 @@
               <a:p>
                 <a:r>
                   <a:rPr lang="en-US" dirty="0"/>
-                  <a:t>K-core is the part of a component that with degree </a:t>
+                  <a:t>K-core is the </a:t>
+                </a:r>
+                <a:r>
+                  <a:rPr lang="en-US" b="1" dirty="0"/>
+                  <a:t>part of a component with degree </a:t>
                 </a:r>
                 <a14:m>
                   <m:oMath xmlns:m="http://schemas.openxmlformats.org/officeDocument/2006/math">
                     <m:r>
-                      <a:rPr lang="en-US" i="1" smtClean="0">
+                      <a:rPr lang="en-US" b="1" i="1" smtClean="0">
                         <a:latin typeface="Cambria Math" panose="02040503050406030204" pitchFamily="18" charset="0"/>
                         <a:ea typeface="Cambria Math" panose="02040503050406030204" pitchFamily="18" charset="0"/>
                       </a:rPr>
                       <m:t>≥</m:t>
                     </m:r>
                     <m:r>
-                      <a:rPr lang="en-US" b="0" i="1" smtClean="0">
+                      <a:rPr lang="en-US" b="1" i="1" smtClean="0">
                         <a:latin typeface="Cambria Math" panose="02040503050406030204" pitchFamily="18" charset="0"/>
                         <a:ea typeface="Cambria Math" panose="02040503050406030204" pitchFamily="18" charset="0"/>
                       </a:rPr>
-                      <m:t>𝑘</m:t>
+                      <m:t>𝒌</m:t>
                     </m:r>
                   </m:oMath>
                 </a14:m>
-                <a:endParaRPr lang="en-US" b="0" dirty="0">
+                <a:endParaRPr lang="en-US" b="1" dirty="0">
                   <a:ea typeface="Cambria Math" panose="02040503050406030204" pitchFamily="18" charset="0"/>
                 </a:endParaRPr>
               </a:p>
@@ -10722,7 +10534,7 @@
             </p:txBody>
           </p:sp>
         </mc:Choice>
-        <mc:Fallback xmlns="">
+        <mc:Fallback>
           <p:sp>
             <p:nvSpPr>
               <p:cNvPr id="3" name="Content Placeholder 2">
@@ -11168,7 +10980,7 @@
 </p:sld>
 </file>
 
-<file path=ppt/slides/slide18.xml><?xml version="1.0" encoding="utf-8"?>
+<file path=ppt/slides/slide17.xml><?xml version="1.0" encoding="utf-8"?>
 <p:sld xmlns:a="http://schemas.openxmlformats.org/drawingml/2006/main" xmlns:r="http://schemas.openxmlformats.org/officeDocument/2006/relationships" xmlns:p="http://schemas.openxmlformats.org/presentationml/2006/main">
   <p:cSld>
     <p:spTree>
@@ -11578,7 +11390,7 @@
 </p:sld>
 </file>
 
-<file path=ppt/slides/slide19.xml><?xml version="1.0" encoding="utf-8"?>
+<file path=ppt/slides/slide18.xml><?xml version="1.0" encoding="utf-8"?>
 <p:sld xmlns:a="http://schemas.openxmlformats.org/drawingml/2006/main" xmlns:r="http://schemas.openxmlformats.org/officeDocument/2006/relationships" xmlns:p="http://schemas.openxmlformats.org/presentationml/2006/main">
   <p:cSld>
     <p:spTree>
@@ -13448,161 +13260,7 @@
 </p:sld>
 </file>
 
-<file path=ppt/slides/slide2.xml><?xml version="1.0" encoding="utf-8"?>
-<p:sld xmlns:a="http://schemas.openxmlformats.org/drawingml/2006/main" xmlns:r="http://schemas.openxmlformats.org/officeDocument/2006/relationships" xmlns:p="http://schemas.openxmlformats.org/presentationml/2006/main">
-  <p:cSld>
-    <p:spTree>
-      <p:nvGrpSpPr>
-        <p:cNvPr id="1" name=""/>
-        <p:cNvGrpSpPr/>
-        <p:nvPr/>
-      </p:nvGrpSpPr>
-      <p:grpSpPr>
-        <a:xfrm>
-          <a:off x="0" y="0"/>
-          <a:ext cx="0" cy="0"/>
-          <a:chOff x="0" y="0"/>
-          <a:chExt cx="0" cy="0"/>
-        </a:xfrm>
-      </p:grpSpPr>
-      <p:sp>
-        <p:nvSpPr>
-          <p:cNvPr id="2" name="Title 1">
-            <a:extLst>
-              <a:ext uri="{FF2B5EF4-FFF2-40B4-BE49-F238E27FC236}">
-                <a16:creationId xmlns:a16="http://schemas.microsoft.com/office/drawing/2014/main" id="{3B3EA3CE-8DB0-40A5-B4A6-AFCE2156CC1F}"/>
-              </a:ext>
-            </a:extLst>
-          </p:cNvPr>
-          <p:cNvSpPr>
-            <a:spLocks noGrp="1"/>
-          </p:cNvSpPr>
-          <p:nvPr>
-            <p:ph type="title"/>
-          </p:nvPr>
-        </p:nvSpPr>
-        <p:spPr>
-          <a:xfrm>
-            <a:off x="838200" y="365125"/>
-            <a:ext cx="10515600" cy="620993"/>
-          </a:xfrm>
-        </p:spPr>
-        <p:txBody>
-          <a:bodyPr>
-            <a:normAutofit fontScale="90000"/>
-          </a:bodyPr>
-          <a:lstStyle/>
-          <a:p>
-            <a:r>
-              <a:rPr lang="en-US" dirty="0">
-                <a:latin typeface="+mn-lt"/>
-              </a:rPr>
-              <a:t>Introduction to Social Network Analysis</a:t>
-            </a:r>
-            <a:endParaRPr lang="en-US" dirty="0"/>
-          </a:p>
-        </p:txBody>
-      </p:sp>
-      <p:sp>
-        <p:nvSpPr>
-          <p:cNvPr id="3" name="Content Placeholder 2">
-            <a:extLst>
-              <a:ext uri="{FF2B5EF4-FFF2-40B4-BE49-F238E27FC236}">
-                <a16:creationId xmlns:a16="http://schemas.microsoft.com/office/drawing/2014/main" id="{CA03134D-F068-4BC9-B038-F3D5CBDDE3F9}"/>
-              </a:ext>
-            </a:extLst>
-          </p:cNvPr>
-          <p:cNvSpPr>
-            <a:spLocks noGrp="1"/>
-          </p:cNvSpPr>
-          <p:nvPr>
-            <p:ph idx="1"/>
-          </p:nvPr>
-        </p:nvSpPr>
-        <p:spPr>
-          <a:xfrm>
-            <a:off x="775447" y="1208868"/>
-            <a:ext cx="10515600" cy="5447426"/>
-          </a:xfrm>
-        </p:spPr>
-        <p:txBody>
-          <a:bodyPr>
-            <a:normAutofit/>
-          </a:bodyPr>
-          <a:lstStyle/>
-          <a:p>
-            <a:pPr marL="0" indent="0">
-              <a:buNone/>
-            </a:pPr>
-            <a:r>
-              <a:rPr lang="en-US" dirty="0"/>
-              <a:t>Social networks appear in many forms </a:t>
-            </a:r>
-          </a:p>
-          <a:p>
-            <a:r>
-              <a:rPr lang="en-US" dirty="0"/>
-              <a:t>Online social media  </a:t>
-            </a:r>
-          </a:p>
-          <a:p>
-            <a:r>
-              <a:rPr lang="en-US" dirty="0"/>
-              <a:t>Networks of collaborating people</a:t>
-            </a:r>
-          </a:p>
-          <a:p>
-            <a:r>
-              <a:rPr lang="en-US" dirty="0"/>
-              <a:t>People in clubs   </a:t>
-            </a:r>
-          </a:p>
-          <a:p>
-            <a:r>
-              <a:rPr lang="en-US" dirty="0"/>
-              <a:t>Political and business organizations  </a:t>
-            </a:r>
-          </a:p>
-          <a:p>
-            <a:r>
-              <a:rPr lang="en-US" dirty="0"/>
-              <a:t>Organisms in an ecosystem</a:t>
-            </a:r>
-          </a:p>
-          <a:p>
-            <a:r>
-              <a:rPr lang="en-US" dirty="0"/>
-              <a:t>Citations in research papers   </a:t>
-            </a:r>
-          </a:p>
-          <a:p>
-            <a:r>
-              <a:rPr lang="en-US" b="1" dirty="0"/>
-              <a:t>Many more …</a:t>
-            </a:r>
-          </a:p>
-          <a:p>
-            <a:endParaRPr lang="en-US" dirty="0"/>
-          </a:p>
-          <a:p>
-            <a:endParaRPr lang="en-US" dirty="0"/>
-          </a:p>
-        </p:txBody>
-      </p:sp>
-    </p:spTree>
-    <p:extLst>
-      <p:ext uri="{BB962C8B-B14F-4D97-AF65-F5344CB8AC3E}">
-        <p14:creationId xmlns:p14="http://schemas.microsoft.com/office/powerpoint/2010/main" val="513003093"/>
-      </p:ext>
-    </p:extLst>
-  </p:cSld>
-  <p:clrMapOvr>
-    <a:masterClrMapping/>
-  </p:clrMapOvr>
-</p:sld>
-</file>
-
-<file path=ppt/slides/slide20.xml><?xml version="1.0" encoding="utf-8"?>
+<file path=ppt/slides/slide19.xml><?xml version="1.0" encoding="utf-8"?>
 <p:sld xmlns:a="http://schemas.openxmlformats.org/drawingml/2006/main" xmlns:r="http://schemas.openxmlformats.org/officeDocument/2006/relationships" xmlns:p="http://schemas.openxmlformats.org/presentationml/2006/main">
   <p:cSld>
     <p:spTree>
@@ -14566,7 +14224,161 @@
 </p:sld>
 </file>
 
-<file path=ppt/slides/slide21.xml><?xml version="1.0" encoding="utf-8"?>
+<file path=ppt/slides/slide2.xml><?xml version="1.0" encoding="utf-8"?>
+<p:sld xmlns:a="http://schemas.openxmlformats.org/drawingml/2006/main" xmlns:r="http://schemas.openxmlformats.org/officeDocument/2006/relationships" xmlns:p="http://schemas.openxmlformats.org/presentationml/2006/main">
+  <p:cSld>
+    <p:spTree>
+      <p:nvGrpSpPr>
+        <p:cNvPr id="1" name=""/>
+        <p:cNvGrpSpPr/>
+        <p:nvPr/>
+      </p:nvGrpSpPr>
+      <p:grpSpPr>
+        <a:xfrm>
+          <a:off x="0" y="0"/>
+          <a:ext cx="0" cy="0"/>
+          <a:chOff x="0" y="0"/>
+          <a:chExt cx="0" cy="0"/>
+        </a:xfrm>
+      </p:grpSpPr>
+      <p:sp>
+        <p:nvSpPr>
+          <p:cNvPr id="2" name="Title 1">
+            <a:extLst>
+              <a:ext uri="{FF2B5EF4-FFF2-40B4-BE49-F238E27FC236}">
+                <a16:creationId xmlns:a16="http://schemas.microsoft.com/office/drawing/2014/main" id="{3B3EA3CE-8DB0-40A5-B4A6-AFCE2156CC1F}"/>
+              </a:ext>
+            </a:extLst>
+          </p:cNvPr>
+          <p:cNvSpPr>
+            <a:spLocks noGrp="1"/>
+          </p:cNvSpPr>
+          <p:nvPr>
+            <p:ph type="title"/>
+          </p:nvPr>
+        </p:nvSpPr>
+        <p:spPr>
+          <a:xfrm>
+            <a:off x="838200" y="365125"/>
+            <a:ext cx="10515600" cy="620993"/>
+          </a:xfrm>
+        </p:spPr>
+        <p:txBody>
+          <a:bodyPr>
+            <a:normAutofit fontScale="90000"/>
+          </a:bodyPr>
+          <a:lstStyle/>
+          <a:p>
+            <a:r>
+              <a:rPr lang="en-US" dirty="0">
+                <a:latin typeface="+mn-lt"/>
+              </a:rPr>
+              <a:t>Introduction to Social Network Analysis</a:t>
+            </a:r>
+            <a:endParaRPr lang="en-US" dirty="0"/>
+          </a:p>
+        </p:txBody>
+      </p:sp>
+      <p:sp>
+        <p:nvSpPr>
+          <p:cNvPr id="3" name="Content Placeholder 2">
+            <a:extLst>
+              <a:ext uri="{FF2B5EF4-FFF2-40B4-BE49-F238E27FC236}">
+                <a16:creationId xmlns:a16="http://schemas.microsoft.com/office/drawing/2014/main" id="{CA03134D-F068-4BC9-B038-F3D5CBDDE3F9}"/>
+              </a:ext>
+            </a:extLst>
+          </p:cNvPr>
+          <p:cNvSpPr>
+            <a:spLocks noGrp="1"/>
+          </p:cNvSpPr>
+          <p:nvPr>
+            <p:ph idx="1"/>
+          </p:nvPr>
+        </p:nvSpPr>
+        <p:spPr>
+          <a:xfrm>
+            <a:off x="775447" y="1208868"/>
+            <a:ext cx="10515600" cy="5447426"/>
+          </a:xfrm>
+        </p:spPr>
+        <p:txBody>
+          <a:bodyPr>
+            <a:normAutofit/>
+          </a:bodyPr>
+          <a:lstStyle/>
+          <a:p>
+            <a:pPr marL="0" indent="0">
+              <a:buNone/>
+            </a:pPr>
+            <a:r>
+              <a:rPr lang="en-US" dirty="0"/>
+              <a:t>Social networks appear in many forms </a:t>
+            </a:r>
+          </a:p>
+          <a:p>
+            <a:r>
+              <a:rPr lang="en-US" dirty="0"/>
+              <a:t>Online social media  </a:t>
+            </a:r>
+          </a:p>
+          <a:p>
+            <a:r>
+              <a:rPr lang="en-US" dirty="0"/>
+              <a:t>Networks of collaborating people</a:t>
+            </a:r>
+          </a:p>
+          <a:p>
+            <a:r>
+              <a:rPr lang="en-US" dirty="0"/>
+              <a:t>People in clubs   </a:t>
+            </a:r>
+          </a:p>
+          <a:p>
+            <a:r>
+              <a:rPr lang="en-US" dirty="0"/>
+              <a:t>Political and business organizations  </a:t>
+            </a:r>
+          </a:p>
+          <a:p>
+            <a:r>
+              <a:rPr lang="en-US" dirty="0"/>
+              <a:t>Organisms in an ecosystem</a:t>
+            </a:r>
+          </a:p>
+          <a:p>
+            <a:r>
+              <a:rPr lang="en-US" dirty="0"/>
+              <a:t>Citations in research papers   </a:t>
+            </a:r>
+          </a:p>
+          <a:p>
+            <a:r>
+              <a:rPr lang="en-US" b="1" dirty="0"/>
+              <a:t>Many more …</a:t>
+            </a:r>
+          </a:p>
+          <a:p>
+            <a:endParaRPr lang="en-US" dirty="0"/>
+          </a:p>
+          <a:p>
+            <a:endParaRPr lang="en-US" dirty="0"/>
+          </a:p>
+        </p:txBody>
+      </p:sp>
+    </p:spTree>
+    <p:extLst>
+      <p:ext uri="{BB962C8B-B14F-4D97-AF65-F5344CB8AC3E}">
+        <p14:creationId xmlns:p14="http://schemas.microsoft.com/office/powerpoint/2010/main" val="513003093"/>
+      </p:ext>
+    </p:extLst>
+  </p:cSld>
+  <p:clrMapOvr>
+    <a:masterClrMapping/>
+  </p:clrMapOvr>
+</p:sld>
+</file>
+
+<file path=ppt/slides/slide20.xml><?xml version="1.0" encoding="utf-8"?>
 <p:sld xmlns:a="http://schemas.openxmlformats.org/drawingml/2006/main" xmlns:r="http://schemas.openxmlformats.org/officeDocument/2006/relationships" xmlns:p="http://schemas.openxmlformats.org/presentationml/2006/main">
   <p:cSld>
     <p:spTree>
@@ -14710,7 +14522,7 @@
 </p:sld>
 </file>
 
-<file path=ppt/slides/slide22.xml><?xml version="1.0" encoding="utf-8"?>
+<file path=ppt/slides/slide21.xml><?xml version="1.0" encoding="utf-8"?>
 <p:sld xmlns:a="http://schemas.openxmlformats.org/drawingml/2006/main" xmlns:r="http://schemas.openxmlformats.org/officeDocument/2006/relationships" xmlns:p="http://schemas.openxmlformats.org/presentationml/2006/main">
   <p:cSld>
     <p:spTree>
@@ -14765,8 +14577,8 @@
           </a:p>
         </p:txBody>
       </p:sp>
-      <mc:AlternateContent xmlns:mc="http://schemas.openxmlformats.org/markup-compatibility/2006">
-        <mc:Choice xmlns:a14="http://schemas.microsoft.com/office/drawing/2010/main" Requires="a14">
+      <mc:AlternateContent xmlns:mc="http://schemas.openxmlformats.org/markup-compatibility/2006" xmlns:a14="http://schemas.microsoft.com/office/drawing/2010/main">
+        <mc:Choice Requires="a14">
           <p:sp>
             <p:nvSpPr>
               <p:cNvPr id="3" name="Content Placeholder 2">
@@ -15172,7 +14984,7 @@
             </p:txBody>
           </p:sp>
         </mc:Choice>
-        <mc:Fallback>
+        <mc:Fallback xmlns="">
           <p:sp>
             <p:nvSpPr>
               <p:cNvPr id="3" name="Content Placeholder 2">
@@ -15520,7 +15332,7 @@
 </p:sld>
 </file>
 
-<file path=ppt/slides/slide23.xml><?xml version="1.0" encoding="utf-8"?>
+<file path=ppt/slides/slide22.xml><?xml version="1.0" encoding="utf-8"?>
 <p:sld xmlns:a="http://schemas.openxmlformats.org/drawingml/2006/main" xmlns:r="http://schemas.openxmlformats.org/officeDocument/2006/relationships" xmlns:p="http://schemas.openxmlformats.org/presentationml/2006/main">
   <p:cSld>
     <p:spTree>
@@ -16152,7 +15964,7 @@
 </p:sld>
 </file>
 
-<file path=ppt/slides/slide24.xml><?xml version="1.0" encoding="utf-8"?>
+<file path=ppt/slides/slide23.xml><?xml version="1.0" encoding="utf-8"?>
 <p:sld xmlns:a="http://schemas.openxmlformats.org/drawingml/2006/main" xmlns:r="http://schemas.openxmlformats.org/officeDocument/2006/relationships" xmlns:p="http://schemas.openxmlformats.org/presentationml/2006/main">
   <p:cSld>
     <p:spTree>
@@ -16302,7 +16114,7 @@
 </p:sld>
 </file>
 
-<file path=ppt/slides/slide25.xml><?xml version="1.0" encoding="utf-8"?>
+<file path=ppt/slides/slide24.xml><?xml version="1.0" encoding="utf-8"?>
 <p:sld xmlns:a="http://schemas.openxmlformats.org/drawingml/2006/main" xmlns:r="http://schemas.openxmlformats.org/officeDocument/2006/relationships" xmlns:p="http://schemas.openxmlformats.org/presentationml/2006/main">
   <p:cSld>
     <p:spTree>
@@ -16856,7 +16668,7 @@
 </p:sld>
 </file>
 
-<file path=ppt/slides/slide26.xml><?xml version="1.0" encoding="utf-8"?>
+<file path=ppt/slides/slide25.xml><?xml version="1.0" encoding="utf-8"?>
 <p:sld xmlns:a="http://schemas.openxmlformats.org/drawingml/2006/main" xmlns:r="http://schemas.openxmlformats.org/officeDocument/2006/relationships" xmlns:p="http://schemas.openxmlformats.org/presentationml/2006/main">
   <p:cSld>
     <p:spTree>
@@ -17255,7 +17067,7 @@
 </p:sld>
 </file>
 
-<file path=ppt/slides/slide27.xml><?xml version="1.0" encoding="utf-8"?>
+<file path=ppt/slides/slide26.xml><?xml version="1.0" encoding="utf-8"?>
 <p:sld xmlns:a="http://schemas.openxmlformats.org/drawingml/2006/main" xmlns:r="http://schemas.openxmlformats.org/officeDocument/2006/relationships" xmlns:p="http://schemas.openxmlformats.org/presentationml/2006/main">
   <p:cSld>
     <p:spTree>
@@ -17640,7 +17452,7 @@
 </p:sld>
 </file>
 
-<file path=ppt/slides/slide28.xml><?xml version="1.0" encoding="utf-8"?>
+<file path=ppt/slides/slide27.xml><?xml version="1.0" encoding="utf-8"?>
 <p:sld xmlns:a="http://schemas.openxmlformats.org/drawingml/2006/main" xmlns:r="http://schemas.openxmlformats.org/officeDocument/2006/relationships" xmlns:p="http://schemas.openxmlformats.org/presentationml/2006/main">
   <p:cSld>
     <p:spTree>
@@ -18096,7 +17908,7 @@
 </p:sld>
 </file>
 
-<file path=ppt/slides/slide29.xml><?xml version="1.0" encoding="utf-8"?>
+<file path=ppt/slides/slide28.xml><?xml version="1.0" encoding="utf-8"?>
 <p:sld xmlns:a="http://schemas.openxmlformats.org/drawingml/2006/main" xmlns:r="http://schemas.openxmlformats.org/officeDocument/2006/relationships" xmlns:p="http://schemas.openxmlformats.org/presentationml/2006/main">
   <p:cSld>
     <p:spTree>
@@ -18709,371 +18521,7 @@
 </p:sld>
 </file>
 
-<file path=ppt/slides/slide3.xml><?xml version="1.0" encoding="utf-8"?>
-<p:sld xmlns:a="http://schemas.openxmlformats.org/drawingml/2006/main" xmlns:r="http://schemas.openxmlformats.org/officeDocument/2006/relationships" xmlns:p="http://schemas.openxmlformats.org/presentationml/2006/main">
-  <p:cSld>
-    <p:spTree>
-      <p:nvGrpSpPr>
-        <p:cNvPr id="1" name=""/>
-        <p:cNvGrpSpPr/>
-        <p:nvPr/>
-      </p:nvGrpSpPr>
-      <p:grpSpPr>
-        <a:xfrm>
-          <a:off x="0" y="0"/>
-          <a:ext cx="0" cy="0"/>
-          <a:chOff x="0" y="0"/>
-          <a:chExt cx="0" cy="0"/>
-        </a:xfrm>
-      </p:grpSpPr>
-      <p:sp>
-        <p:nvSpPr>
-          <p:cNvPr id="2" name="Title 1">
-            <a:extLst>
-              <a:ext uri="{FF2B5EF4-FFF2-40B4-BE49-F238E27FC236}">
-                <a16:creationId xmlns:a16="http://schemas.microsoft.com/office/drawing/2014/main" id="{3B3EA3CE-8DB0-40A5-B4A6-AFCE2156CC1F}"/>
-              </a:ext>
-            </a:extLst>
-          </p:cNvPr>
-          <p:cNvSpPr>
-            <a:spLocks noGrp="1"/>
-          </p:cNvSpPr>
-          <p:nvPr>
-            <p:ph type="title"/>
-          </p:nvPr>
-        </p:nvSpPr>
-        <p:spPr>
-          <a:xfrm>
-            <a:off x="838200" y="365125"/>
-            <a:ext cx="10515600" cy="620993"/>
-          </a:xfrm>
-        </p:spPr>
-        <p:txBody>
-          <a:bodyPr>
-            <a:normAutofit fontScale="90000"/>
-          </a:bodyPr>
-          <a:lstStyle/>
-          <a:p>
-            <a:r>
-              <a:rPr lang="en-US" dirty="0">
-                <a:latin typeface="+mn-lt"/>
-              </a:rPr>
-              <a:t>Introduction to Social Network Analysis</a:t>
-            </a:r>
-            <a:endParaRPr lang="en-US" dirty="0"/>
-          </a:p>
-        </p:txBody>
-      </p:sp>
-      <p:sp>
-        <p:nvSpPr>
-          <p:cNvPr id="3" name="Content Placeholder 2">
-            <a:extLst>
-              <a:ext uri="{FF2B5EF4-FFF2-40B4-BE49-F238E27FC236}">
-                <a16:creationId xmlns:a16="http://schemas.microsoft.com/office/drawing/2014/main" id="{CA03134D-F068-4BC9-B038-F3D5CBDDE3F9}"/>
-              </a:ext>
-            </a:extLst>
-          </p:cNvPr>
-          <p:cNvSpPr>
-            <a:spLocks noGrp="1"/>
-          </p:cNvSpPr>
-          <p:nvPr>
-            <p:ph idx="1"/>
-          </p:nvPr>
-        </p:nvSpPr>
-        <p:spPr>
-          <a:xfrm>
-            <a:off x="775447" y="1208868"/>
-            <a:ext cx="5540293" cy="5526858"/>
-          </a:xfrm>
-        </p:spPr>
-        <p:txBody>
-          <a:bodyPr>
-            <a:normAutofit/>
-          </a:bodyPr>
-          <a:lstStyle/>
-          <a:p>
-            <a:pPr marL="0" indent="0">
-              <a:buNone/>
-            </a:pPr>
-            <a:r>
-              <a:rPr lang="en-US" dirty="0"/>
-              <a:t>Social networks appear in many forms </a:t>
-            </a:r>
-          </a:p>
-          <a:p>
-            <a:r>
-              <a:rPr lang="en-US" dirty="0"/>
-              <a:t>Example: small network of co-authorship of scientific papers   </a:t>
-            </a:r>
-          </a:p>
-          <a:p>
-            <a:r>
-              <a:rPr lang="en-US" dirty="0"/>
-              <a:t>Relationship communities organize along discipline lines</a:t>
-            </a:r>
-          </a:p>
-          <a:p>
-            <a:pPr marL="0" indent="0">
-              <a:buNone/>
-            </a:pPr>
-            <a:endParaRPr lang="en-US" dirty="0"/>
-          </a:p>
-          <a:p>
-            <a:pPr marL="0" indent="0">
-              <a:buNone/>
-            </a:pPr>
-            <a:r>
-              <a:rPr lang="en-US" sz="2000" dirty="0">
-                <a:hlinkClick r:id="rId2"/>
-              </a:rPr>
-              <a:t>Credit: Neman, 2004, Proceedings of the National Academy of Sciences</a:t>
-            </a:r>
-            <a:endParaRPr lang="en-US" sz="2000" dirty="0"/>
-          </a:p>
-          <a:p>
-            <a:endParaRPr lang="en-US" dirty="0"/>
-          </a:p>
-          <a:p>
-            <a:endParaRPr lang="en-US" dirty="0"/>
-          </a:p>
-        </p:txBody>
-      </p:sp>
-      <p:pic>
-        <p:nvPicPr>
-          <p:cNvPr id="5" name="Picture 4">
-            <a:extLst>
-              <a:ext uri="{FF2B5EF4-FFF2-40B4-BE49-F238E27FC236}">
-                <a16:creationId xmlns:a16="http://schemas.microsoft.com/office/drawing/2014/main" id="{B7303829-900A-40AC-89F5-A8ED8F2FF80B}"/>
-              </a:ext>
-            </a:extLst>
-          </p:cNvPr>
-          <p:cNvPicPr>
-            <a:picLocks noChangeAspect="1"/>
-          </p:cNvPicPr>
-          <p:nvPr/>
-        </p:nvPicPr>
-        <p:blipFill>
-          <a:blip r:embed="rId3">
-            <a:extLst>
-              <a:ext uri="{28A0092B-C50C-407E-A947-70E740481C1C}">
-                <a14:useLocalDpi xmlns:a14="http://schemas.microsoft.com/office/drawing/2010/main" val="0"/>
-              </a:ext>
-            </a:extLst>
-          </a:blip>
-          <a:stretch>
-            <a:fillRect/>
-          </a:stretch>
-        </p:blipFill>
-        <p:spPr>
-          <a:xfrm>
-            <a:off x="6744233" y="1043689"/>
-            <a:ext cx="4976640" cy="5449186"/>
-          </a:xfrm>
-          <a:prstGeom prst="rect">
-            <a:avLst/>
-          </a:prstGeom>
-        </p:spPr>
-      </p:pic>
-    </p:spTree>
-    <p:extLst>
-      <p:ext uri="{BB962C8B-B14F-4D97-AF65-F5344CB8AC3E}">
-        <p14:creationId xmlns:p14="http://schemas.microsoft.com/office/powerpoint/2010/main" val="3698031167"/>
-      </p:ext>
-    </p:extLst>
-  </p:cSld>
-  <p:clrMapOvr>
-    <a:masterClrMapping/>
-  </p:clrMapOvr>
-  <p:timing>
-    <p:tnLst>
-      <p:par>
-        <p:cTn id="1" dur="indefinite" restart="never" nodeType="tmRoot">
-          <p:childTnLst>
-            <p:seq concurrent="1" nextAc="seek">
-              <p:cTn id="2" dur="indefinite" nodeType="mainSeq">
-                <p:childTnLst>
-                  <p:par>
-                    <p:cTn id="3" fill="hold">
-                      <p:stCondLst>
-                        <p:cond delay="indefinite"/>
-                      </p:stCondLst>
-                      <p:childTnLst>
-                        <p:par>
-                          <p:cTn id="4" fill="hold">
-                            <p:stCondLst>
-                              <p:cond delay="0"/>
-                            </p:stCondLst>
-                            <p:childTnLst>
-                              <p:par>
-                                <p:cTn id="5" presetID="1" presetClass="entr" presetSubtype="0" fill="hold" nodeType="clickEffect">
-                                  <p:stCondLst>
-                                    <p:cond delay="0"/>
-                                  </p:stCondLst>
-                                  <p:childTnLst>
-                                    <p:set>
-                                      <p:cBhvr>
-                                        <p:cTn id="6" dur="1" fill="hold">
-                                          <p:stCondLst>
-                                            <p:cond delay="0"/>
-                                          </p:stCondLst>
-                                        </p:cTn>
-                                        <p:tgtEl>
-                                          <p:spTgt spid="3">
-                                            <p:txEl>
-                                              <p:pRg st="1" end="1"/>
-                                            </p:txEl>
-                                          </p:spTgt>
-                                        </p:tgtEl>
-                                        <p:attrNameLst>
-                                          <p:attrName>style.visibility</p:attrName>
-                                        </p:attrNameLst>
-                                      </p:cBhvr>
-                                      <p:to>
-                                        <p:strVal val="visible"/>
-                                      </p:to>
-                                    </p:set>
-                                  </p:childTnLst>
-                                </p:cTn>
-                              </p:par>
-                              <p:par>
-                                <p:cTn id="7" presetID="1" presetClass="entr" presetSubtype="0" fill="hold" nodeType="withEffect">
-                                  <p:stCondLst>
-                                    <p:cond delay="0"/>
-                                  </p:stCondLst>
-                                  <p:childTnLst>
-                                    <p:set>
-                                      <p:cBhvr>
-                                        <p:cTn id="8" dur="1" fill="hold">
-                                          <p:stCondLst>
-                                            <p:cond delay="0"/>
-                                          </p:stCondLst>
-                                        </p:cTn>
-                                        <p:tgtEl>
-                                          <p:spTgt spid="5"/>
-                                        </p:tgtEl>
-                                        <p:attrNameLst>
-                                          <p:attrName>style.visibility</p:attrName>
-                                        </p:attrNameLst>
-                                      </p:cBhvr>
-                                      <p:to>
-                                        <p:strVal val="visible"/>
-                                      </p:to>
-                                    </p:set>
-                                  </p:childTnLst>
-                                </p:cTn>
-                              </p:par>
-                              <p:par>
-                                <p:cTn id="9" presetID="1" presetClass="entr" presetSubtype="0" fill="hold" nodeType="withEffect">
-                                  <p:stCondLst>
-                                    <p:cond delay="0"/>
-                                  </p:stCondLst>
-                                  <p:childTnLst>
-                                    <p:set>
-                                      <p:cBhvr>
-                                        <p:cTn id="10" dur="1" fill="hold">
-                                          <p:stCondLst>
-                                            <p:cond delay="0"/>
-                                          </p:stCondLst>
-                                        </p:cTn>
-                                        <p:tgtEl>
-                                          <p:spTgt spid="3">
-                                            <p:txEl>
-                                              <p:pRg st="4" end="4"/>
-                                            </p:txEl>
-                                          </p:spTgt>
-                                        </p:tgtEl>
-                                        <p:attrNameLst>
-                                          <p:attrName>style.visibility</p:attrName>
-                                        </p:attrNameLst>
-                                      </p:cBhvr>
-                                      <p:to>
-                                        <p:strVal val="visible"/>
-                                      </p:to>
-                                    </p:set>
-                                  </p:childTnLst>
-                                </p:cTn>
-                              </p:par>
-                            </p:childTnLst>
-                          </p:cTn>
-                        </p:par>
-                      </p:childTnLst>
-                    </p:cTn>
-                  </p:par>
-                  <p:par>
-                    <p:cTn id="11" fill="hold">
-                      <p:stCondLst>
-                        <p:cond delay="indefinite"/>
-                      </p:stCondLst>
-                      <p:childTnLst>
-                        <p:par>
-                          <p:cTn id="12" fill="hold">
-                            <p:stCondLst>
-                              <p:cond delay="0"/>
-                            </p:stCondLst>
-                            <p:childTnLst>
-                              <p:par>
-                                <p:cTn id="13" presetID="1" presetClass="entr" presetSubtype="0" fill="hold" nodeType="clickEffect">
-                                  <p:stCondLst>
-                                    <p:cond delay="0"/>
-                                  </p:stCondLst>
-                                  <p:childTnLst>
-                                    <p:set>
-                                      <p:cBhvr>
-                                        <p:cTn id="14" dur="1" fill="hold">
-                                          <p:stCondLst>
-                                            <p:cond delay="0"/>
-                                          </p:stCondLst>
-                                        </p:cTn>
-                                        <p:tgtEl>
-                                          <p:spTgt spid="3">
-                                            <p:txEl>
-                                              <p:pRg st="2" end="2"/>
-                                            </p:txEl>
-                                          </p:spTgt>
-                                        </p:tgtEl>
-                                        <p:attrNameLst>
-                                          <p:attrName>style.visibility</p:attrName>
-                                        </p:attrNameLst>
-                                      </p:cBhvr>
-                                      <p:to>
-                                        <p:strVal val="visible"/>
-                                      </p:to>
-                                    </p:set>
-                                  </p:childTnLst>
-                                </p:cTn>
-                              </p:par>
-                            </p:childTnLst>
-                          </p:cTn>
-                        </p:par>
-                      </p:childTnLst>
-                    </p:cTn>
-                  </p:par>
-                </p:childTnLst>
-              </p:cTn>
-              <p:prevCondLst>
-                <p:cond evt="onPrev" delay="0">
-                  <p:tgtEl>
-                    <p:sldTgt/>
-                  </p:tgtEl>
-                </p:cond>
-              </p:prevCondLst>
-              <p:nextCondLst>
-                <p:cond evt="onNext" delay="0">
-                  <p:tgtEl>
-                    <p:sldTgt/>
-                  </p:tgtEl>
-                </p:cond>
-              </p:nextCondLst>
-            </p:seq>
-          </p:childTnLst>
-        </p:cTn>
-      </p:par>
-    </p:tnLst>
-  </p:timing>
-</p:sld>
-</file>
-
-<file path=ppt/slides/slide30.xml><?xml version="1.0" encoding="utf-8"?>
+<file path=ppt/slides/slide29.xml><?xml version="1.0" encoding="utf-8"?>
 <p:sld xmlns:a="http://schemas.openxmlformats.org/drawingml/2006/main" xmlns:r="http://schemas.openxmlformats.org/officeDocument/2006/relationships" xmlns:p="http://schemas.openxmlformats.org/presentationml/2006/main">
   <p:cSld>
     <p:spTree>
@@ -23028,7 +22476,7 @@
 </p:sld>
 </file>
 
-<file path=ppt/slides/slide31.xml><?xml version="1.0" encoding="utf-8"?>
+<file path=ppt/slides/slide3.xml><?xml version="1.0" encoding="utf-8"?>
 <p:sld xmlns:a="http://schemas.openxmlformats.org/drawingml/2006/main" xmlns:r="http://schemas.openxmlformats.org/officeDocument/2006/relationships" xmlns:p="http://schemas.openxmlformats.org/presentationml/2006/main">
   <p:cSld>
     <p:spTree>
@@ -23077,14 +22525,584 @@
               <a:rPr lang="en-US" dirty="0">
                 <a:latin typeface="+mn-lt"/>
               </a:rPr>
-              <a:t>Breadth First Search Algorithm</a:t>
+              <a:t>Introduction to Social Network Analysis</a:t>
             </a:r>
             <a:endParaRPr lang="en-US" dirty="0"/>
           </a:p>
         </p:txBody>
       </p:sp>
-      <mc:AlternateContent xmlns:mc="http://schemas.openxmlformats.org/markup-compatibility/2006">
-        <mc:Choice xmlns:a14="http://schemas.microsoft.com/office/drawing/2010/main" Requires="a14">
+      <p:sp>
+        <p:nvSpPr>
+          <p:cNvPr id="3" name="Content Placeholder 2">
+            <a:extLst>
+              <a:ext uri="{FF2B5EF4-FFF2-40B4-BE49-F238E27FC236}">
+                <a16:creationId xmlns:a16="http://schemas.microsoft.com/office/drawing/2014/main" id="{CA03134D-F068-4BC9-B038-F3D5CBDDE3F9}"/>
+              </a:ext>
+            </a:extLst>
+          </p:cNvPr>
+          <p:cNvSpPr>
+            <a:spLocks noGrp="1"/>
+          </p:cNvSpPr>
+          <p:nvPr>
+            <p:ph idx="1"/>
+          </p:nvPr>
+        </p:nvSpPr>
+        <p:spPr>
+          <a:xfrm>
+            <a:off x="775447" y="1208868"/>
+            <a:ext cx="5540293" cy="5526858"/>
+          </a:xfrm>
+        </p:spPr>
+        <p:txBody>
+          <a:bodyPr>
+            <a:normAutofit fontScale="92500" lnSpcReduction="20000"/>
+          </a:bodyPr>
+          <a:lstStyle/>
+          <a:p>
+            <a:pPr marL="0" indent="0">
+              <a:buNone/>
+            </a:pPr>
+            <a:r>
+              <a:rPr lang="en-US" dirty="0"/>
+              <a:t>Social networks appear in many forms </a:t>
+            </a:r>
+          </a:p>
+          <a:p>
+            <a:r>
+              <a:rPr lang="en-US" dirty="0"/>
+              <a:t>Example: small network of co-authorship of scientific papers   </a:t>
+            </a:r>
+          </a:p>
+          <a:p>
+            <a:r>
+              <a:rPr lang="en-US" dirty="0"/>
+              <a:t>Relationships represented by </a:t>
+            </a:r>
+            <a:r>
+              <a:rPr lang="en-US" b="1" dirty="0"/>
+              <a:t>undirected graph </a:t>
+            </a:r>
+          </a:p>
+          <a:p>
+            <a:r>
+              <a:rPr lang="en-US" dirty="0"/>
+              <a:t>Relationship </a:t>
+            </a:r>
+            <a:r>
+              <a:rPr lang="en-US" b="1" dirty="0"/>
+              <a:t>communities</a:t>
+            </a:r>
+            <a:r>
+              <a:rPr lang="en-US" dirty="0"/>
+              <a:t> organize along discipline lines</a:t>
+            </a:r>
+          </a:p>
+          <a:p>
+            <a:pPr lvl="1"/>
+            <a:r>
+              <a:rPr lang="en-US" dirty="0"/>
+              <a:t>Some community members are </a:t>
+            </a:r>
+            <a:r>
+              <a:rPr lang="en-US" b="1" dirty="0"/>
+              <a:t>strongly connected </a:t>
+            </a:r>
+          </a:p>
+          <a:p>
+            <a:pPr lvl="1"/>
+            <a:r>
+              <a:rPr lang="en-US" dirty="0"/>
+              <a:t>Strongly connected members are said to be </a:t>
+            </a:r>
+            <a:r>
+              <a:rPr lang="en-US" b="1" dirty="0"/>
+              <a:t>influential </a:t>
+            </a:r>
+          </a:p>
+          <a:p>
+            <a:r>
+              <a:rPr lang="en-US" dirty="0"/>
+              <a:t>Few connections between communities</a:t>
+            </a:r>
+          </a:p>
+          <a:p>
+            <a:pPr marL="0" indent="0">
+              <a:buNone/>
+            </a:pPr>
+            <a:endParaRPr lang="en-US" dirty="0"/>
+          </a:p>
+          <a:p>
+            <a:pPr marL="0" indent="0">
+              <a:buNone/>
+            </a:pPr>
+            <a:r>
+              <a:rPr lang="en-US" sz="2000" dirty="0">
+                <a:hlinkClick r:id="rId2"/>
+              </a:rPr>
+              <a:t>Credit: Neman, 2004, Proceedings of the National Academy of Sciences</a:t>
+            </a:r>
+            <a:endParaRPr lang="en-US" sz="2000" dirty="0"/>
+          </a:p>
+          <a:p>
+            <a:endParaRPr lang="en-US" dirty="0"/>
+          </a:p>
+          <a:p>
+            <a:endParaRPr lang="en-US" dirty="0"/>
+          </a:p>
+        </p:txBody>
+      </p:sp>
+      <p:pic>
+        <p:nvPicPr>
+          <p:cNvPr id="5" name="Picture 4">
+            <a:extLst>
+              <a:ext uri="{FF2B5EF4-FFF2-40B4-BE49-F238E27FC236}">
+                <a16:creationId xmlns:a16="http://schemas.microsoft.com/office/drawing/2014/main" id="{B7303829-900A-40AC-89F5-A8ED8F2FF80B}"/>
+              </a:ext>
+            </a:extLst>
+          </p:cNvPr>
+          <p:cNvPicPr>
+            <a:picLocks noChangeAspect="1"/>
+          </p:cNvPicPr>
+          <p:nvPr/>
+        </p:nvPicPr>
+        <p:blipFill>
+          <a:blip r:embed="rId3">
+            <a:extLst>
+              <a:ext uri="{28A0092B-C50C-407E-A947-70E740481C1C}">
+                <a14:useLocalDpi xmlns:a14="http://schemas.microsoft.com/office/drawing/2010/main" val="0"/>
+              </a:ext>
+            </a:extLst>
+          </a:blip>
+          <a:stretch>
+            <a:fillRect/>
+          </a:stretch>
+        </p:blipFill>
+        <p:spPr>
+          <a:xfrm>
+            <a:off x="6744233" y="1043689"/>
+            <a:ext cx="4976640" cy="5449186"/>
+          </a:xfrm>
+          <a:prstGeom prst="rect">
+            <a:avLst/>
+          </a:prstGeom>
+        </p:spPr>
+      </p:pic>
+    </p:spTree>
+    <p:extLst>
+      <p:ext uri="{BB962C8B-B14F-4D97-AF65-F5344CB8AC3E}">
+        <p14:creationId xmlns:p14="http://schemas.microsoft.com/office/powerpoint/2010/main" val="3698031167"/>
+      </p:ext>
+    </p:extLst>
+  </p:cSld>
+  <p:clrMapOvr>
+    <a:masterClrMapping/>
+  </p:clrMapOvr>
+  <p:timing>
+    <p:tnLst>
+      <p:par>
+        <p:cTn id="1" dur="indefinite" restart="never" nodeType="tmRoot">
+          <p:childTnLst>
+            <p:seq concurrent="1" nextAc="seek">
+              <p:cTn id="2" dur="indefinite" nodeType="mainSeq">
+                <p:childTnLst>
+                  <p:par>
+                    <p:cTn id="3" fill="hold">
+                      <p:stCondLst>
+                        <p:cond delay="indefinite"/>
+                      </p:stCondLst>
+                      <p:childTnLst>
+                        <p:par>
+                          <p:cTn id="4" fill="hold">
+                            <p:stCondLst>
+                              <p:cond delay="0"/>
+                            </p:stCondLst>
+                            <p:childTnLst>
+                              <p:par>
+                                <p:cTn id="5" presetID="1" presetClass="entr" presetSubtype="0" fill="hold" nodeType="clickEffect">
+                                  <p:stCondLst>
+                                    <p:cond delay="0"/>
+                                  </p:stCondLst>
+                                  <p:childTnLst>
+                                    <p:set>
+                                      <p:cBhvr>
+                                        <p:cTn id="6" dur="1" fill="hold">
+                                          <p:stCondLst>
+                                            <p:cond delay="0"/>
+                                          </p:stCondLst>
+                                        </p:cTn>
+                                        <p:tgtEl>
+                                          <p:spTgt spid="3">
+                                            <p:txEl>
+                                              <p:pRg st="1" end="1"/>
+                                            </p:txEl>
+                                          </p:spTgt>
+                                        </p:tgtEl>
+                                        <p:attrNameLst>
+                                          <p:attrName>style.visibility</p:attrName>
+                                        </p:attrNameLst>
+                                      </p:cBhvr>
+                                      <p:to>
+                                        <p:strVal val="visible"/>
+                                      </p:to>
+                                    </p:set>
+                                  </p:childTnLst>
+                                </p:cTn>
+                              </p:par>
+                              <p:par>
+                                <p:cTn id="7" presetID="1" presetClass="entr" presetSubtype="0" fill="hold" nodeType="withEffect">
+                                  <p:stCondLst>
+                                    <p:cond delay="0"/>
+                                  </p:stCondLst>
+                                  <p:childTnLst>
+                                    <p:set>
+                                      <p:cBhvr>
+                                        <p:cTn id="8" dur="1" fill="hold">
+                                          <p:stCondLst>
+                                            <p:cond delay="0"/>
+                                          </p:stCondLst>
+                                        </p:cTn>
+                                        <p:tgtEl>
+                                          <p:spTgt spid="5"/>
+                                        </p:tgtEl>
+                                        <p:attrNameLst>
+                                          <p:attrName>style.visibility</p:attrName>
+                                        </p:attrNameLst>
+                                      </p:cBhvr>
+                                      <p:to>
+                                        <p:strVal val="visible"/>
+                                      </p:to>
+                                    </p:set>
+                                  </p:childTnLst>
+                                </p:cTn>
+                              </p:par>
+                              <p:par>
+                                <p:cTn id="9" presetID="1" presetClass="entr" presetSubtype="0" fill="hold" nodeType="withEffect">
+                                  <p:stCondLst>
+                                    <p:cond delay="0"/>
+                                  </p:stCondLst>
+                                  <p:childTnLst>
+                                    <p:set>
+                                      <p:cBhvr>
+                                        <p:cTn id="10" dur="1" fill="hold">
+                                          <p:stCondLst>
+                                            <p:cond delay="0"/>
+                                          </p:stCondLst>
+                                        </p:cTn>
+                                        <p:tgtEl>
+                                          <p:spTgt spid="3">
+                                            <p:txEl>
+                                              <p:pRg st="8" end="8"/>
+                                            </p:txEl>
+                                          </p:spTgt>
+                                        </p:tgtEl>
+                                        <p:attrNameLst>
+                                          <p:attrName>style.visibility</p:attrName>
+                                        </p:attrNameLst>
+                                      </p:cBhvr>
+                                      <p:to>
+                                        <p:strVal val="visible"/>
+                                      </p:to>
+                                    </p:set>
+                                  </p:childTnLst>
+                                </p:cTn>
+                              </p:par>
+                            </p:childTnLst>
+                          </p:cTn>
+                        </p:par>
+                      </p:childTnLst>
+                    </p:cTn>
+                  </p:par>
+                  <p:par>
+                    <p:cTn id="11" fill="hold">
+                      <p:stCondLst>
+                        <p:cond delay="indefinite"/>
+                      </p:stCondLst>
+                      <p:childTnLst>
+                        <p:par>
+                          <p:cTn id="12" fill="hold">
+                            <p:stCondLst>
+                              <p:cond delay="0"/>
+                            </p:stCondLst>
+                            <p:childTnLst>
+                              <p:par>
+                                <p:cTn id="13" presetID="1" presetClass="entr" presetSubtype="0" fill="hold" nodeType="clickEffect">
+                                  <p:stCondLst>
+                                    <p:cond delay="0"/>
+                                  </p:stCondLst>
+                                  <p:childTnLst>
+                                    <p:set>
+                                      <p:cBhvr>
+                                        <p:cTn id="14" dur="1" fill="hold">
+                                          <p:stCondLst>
+                                            <p:cond delay="0"/>
+                                          </p:stCondLst>
+                                        </p:cTn>
+                                        <p:tgtEl>
+                                          <p:spTgt spid="3">
+                                            <p:txEl>
+                                              <p:pRg st="2" end="2"/>
+                                            </p:txEl>
+                                          </p:spTgt>
+                                        </p:tgtEl>
+                                        <p:attrNameLst>
+                                          <p:attrName>style.visibility</p:attrName>
+                                        </p:attrNameLst>
+                                      </p:cBhvr>
+                                      <p:to>
+                                        <p:strVal val="visible"/>
+                                      </p:to>
+                                    </p:set>
+                                  </p:childTnLst>
+                                </p:cTn>
+                              </p:par>
+                            </p:childTnLst>
+                          </p:cTn>
+                        </p:par>
+                      </p:childTnLst>
+                    </p:cTn>
+                  </p:par>
+                  <p:par>
+                    <p:cTn id="15" fill="hold">
+                      <p:stCondLst>
+                        <p:cond delay="indefinite"/>
+                      </p:stCondLst>
+                      <p:childTnLst>
+                        <p:par>
+                          <p:cTn id="16" fill="hold">
+                            <p:stCondLst>
+                              <p:cond delay="0"/>
+                            </p:stCondLst>
+                            <p:childTnLst>
+                              <p:par>
+                                <p:cTn id="17" presetID="1" presetClass="entr" presetSubtype="0" fill="hold" nodeType="clickEffect">
+                                  <p:stCondLst>
+                                    <p:cond delay="0"/>
+                                  </p:stCondLst>
+                                  <p:childTnLst>
+                                    <p:set>
+                                      <p:cBhvr>
+                                        <p:cTn id="18" dur="1" fill="hold">
+                                          <p:stCondLst>
+                                            <p:cond delay="0"/>
+                                          </p:stCondLst>
+                                        </p:cTn>
+                                        <p:tgtEl>
+                                          <p:spTgt spid="3">
+                                            <p:txEl>
+                                              <p:pRg st="3" end="3"/>
+                                            </p:txEl>
+                                          </p:spTgt>
+                                        </p:tgtEl>
+                                        <p:attrNameLst>
+                                          <p:attrName>style.visibility</p:attrName>
+                                        </p:attrNameLst>
+                                      </p:cBhvr>
+                                      <p:to>
+                                        <p:strVal val="visible"/>
+                                      </p:to>
+                                    </p:set>
+                                  </p:childTnLst>
+                                </p:cTn>
+                              </p:par>
+                              <p:par>
+                                <p:cTn id="19" presetID="1" presetClass="entr" presetSubtype="0" fill="hold" nodeType="withEffect">
+                                  <p:stCondLst>
+                                    <p:cond delay="0"/>
+                                  </p:stCondLst>
+                                  <p:childTnLst>
+                                    <p:set>
+                                      <p:cBhvr>
+                                        <p:cTn id="20" dur="1" fill="hold">
+                                          <p:stCondLst>
+                                            <p:cond delay="0"/>
+                                          </p:stCondLst>
+                                        </p:cTn>
+                                        <p:tgtEl>
+                                          <p:spTgt spid="3">
+                                            <p:txEl>
+                                              <p:pRg st="4" end="4"/>
+                                            </p:txEl>
+                                          </p:spTgt>
+                                        </p:tgtEl>
+                                        <p:attrNameLst>
+                                          <p:attrName>style.visibility</p:attrName>
+                                        </p:attrNameLst>
+                                      </p:cBhvr>
+                                      <p:to>
+                                        <p:strVal val="visible"/>
+                                      </p:to>
+                                    </p:set>
+                                  </p:childTnLst>
+                                </p:cTn>
+                              </p:par>
+                              <p:par>
+                                <p:cTn id="21" presetID="1" presetClass="entr" presetSubtype="0" fill="hold" nodeType="withEffect">
+                                  <p:stCondLst>
+                                    <p:cond delay="0"/>
+                                  </p:stCondLst>
+                                  <p:childTnLst>
+                                    <p:set>
+                                      <p:cBhvr>
+                                        <p:cTn id="22" dur="1" fill="hold">
+                                          <p:stCondLst>
+                                            <p:cond delay="0"/>
+                                          </p:stCondLst>
+                                        </p:cTn>
+                                        <p:tgtEl>
+                                          <p:spTgt spid="3">
+                                            <p:txEl>
+                                              <p:pRg st="5" end="5"/>
+                                            </p:txEl>
+                                          </p:spTgt>
+                                        </p:tgtEl>
+                                        <p:attrNameLst>
+                                          <p:attrName>style.visibility</p:attrName>
+                                        </p:attrNameLst>
+                                      </p:cBhvr>
+                                      <p:to>
+                                        <p:strVal val="visible"/>
+                                      </p:to>
+                                    </p:set>
+                                  </p:childTnLst>
+                                </p:cTn>
+                              </p:par>
+                            </p:childTnLst>
+                          </p:cTn>
+                        </p:par>
+                      </p:childTnLst>
+                    </p:cTn>
+                  </p:par>
+                  <p:par>
+                    <p:cTn id="23" fill="hold">
+                      <p:stCondLst>
+                        <p:cond delay="indefinite"/>
+                      </p:stCondLst>
+                      <p:childTnLst>
+                        <p:par>
+                          <p:cTn id="24" fill="hold">
+                            <p:stCondLst>
+                              <p:cond delay="0"/>
+                            </p:stCondLst>
+                            <p:childTnLst>
+                              <p:par>
+                                <p:cTn id="25" presetID="1" presetClass="entr" presetSubtype="0" fill="hold" nodeType="clickEffect">
+                                  <p:stCondLst>
+                                    <p:cond delay="0"/>
+                                  </p:stCondLst>
+                                  <p:childTnLst>
+                                    <p:set>
+                                      <p:cBhvr>
+                                        <p:cTn id="26" dur="1" fill="hold">
+                                          <p:stCondLst>
+                                            <p:cond delay="0"/>
+                                          </p:stCondLst>
+                                        </p:cTn>
+                                        <p:tgtEl>
+                                          <p:spTgt spid="3">
+                                            <p:txEl>
+                                              <p:pRg st="6" end="6"/>
+                                            </p:txEl>
+                                          </p:spTgt>
+                                        </p:tgtEl>
+                                        <p:attrNameLst>
+                                          <p:attrName>style.visibility</p:attrName>
+                                        </p:attrNameLst>
+                                      </p:cBhvr>
+                                      <p:to>
+                                        <p:strVal val="visible"/>
+                                      </p:to>
+                                    </p:set>
+                                  </p:childTnLst>
+                                </p:cTn>
+                              </p:par>
+                            </p:childTnLst>
+                          </p:cTn>
+                        </p:par>
+                      </p:childTnLst>
+                    </p:cTn>
+                  </p:par>
+                </p:childTnLst>
+              </p:cTn>
+              <p:prevCondLst>
+                <p:cond evt="onPrev" delay="0">
+                  <p:tgtEl>
+                    <p:sldTgt/>
+                  </p:tgtEl>
+                </p:cond>
+              </p:prevCondLst>
+              <p:nextCondLst>
+                <p:cond evt="onNext" delay="0">
+                  <p:tgtEl>
+                    <p:sldTgt/>
+                  </p:tgtEl>
+                </p:cond>
+              </p:nextCondLst>
+            </p:seq>
+          </p:childTnLst>
+        </p:cTn>
+      </p:par>
+    </p:tnLst>
+  </p:timing>
+</p:sld>
+</file>
+
+<file path=ppt/slides/slide30.xml><?xml version="1.0" encoding="utf-8"?>
+<p:sld xmlns:a="http://schemas.openxmlformats.org/drawingml/2006/main" xmlns:r="http://schemas.openxmlformats.org/officeDocument/2006/relationships" xmlns:p="http://schemas.openxmlformats.org/presentationml/2006/main">
+  <p:cSld>
+    <p:spTree>
+      <p:nvGrpSpPr>
+        <p:cNvPr id="1" name=""/>
+        <p:cNvGrpSpPr/>
+        <p:nvPr/>
+      </p:nvGrpSpPr>
+      <p:grpSpPr>
+        <a:xfrm>
+          <a:off x="0" y="0"/>
+          <a:ext cx="0" cy="0"/>
+          <a:chOff x="0" y="0"/>
+          <a:chExt cx="0" cy="0"/>
+        </a:xfrm>
+      </p:grpSpPr>
+      <p:sp>
+        <p:nvSpPr>
+          <p:cNvPr id="2" name="Title 1">
+            <a:extLst>
+              <a:ext uri="{FF2B5EF4-FFF2-40B4-BE49-F238E27FC236}">
+                <a16:creationId xmlns:a16="http://schemas.microsoft.com/office/drawing/2014/main" id="{3B3EA3CE-8DB0-40A5-B4A6-AFCE2156CC1F}"/>
+              </a:ext>
+            </a:extLst>
+          </p:cNvPr>
+          <p:cNvSpPr>
+            <a:spLocks noGrp="1"/>
+          </p:cNvSpPr>
+          <p:nvPr>
+            <p:ph type="title"/>
+          </p:nvPr>
+        </p:nvSpPr>
+        <p:spPr>
+          <a:xfrm>
+            <a:off x="838200" y="365125"/>
+            <a:ext cx="10515600" cy="620993"/>
+          </a:xfrm>
+        </p:spPr>
+        <p:txBody>
+          <a:bodyPr>
+            <a:normAutofit fontScale="90000"/>
+          </a:bodyPr>
+          <a:lstStyle/>
+          <a:p>
+            <a:r>
+              <a:rPr lang="en-US" dirty="0">
+                <a:latin typeface="+mn-lt"/>
+              </a:rPr>
+              <a:t>Breadth First Search Algorithm</a:t>
+            </a:r>
+            <a:endParaRPr lang="en-US" dirty="0"/>
+          </a:p>
+        </p:txBody>
+      </p:sp>
+      <mc:AlternateContent xmlns:mc="http://schemas.openxmlformats.org/markup-compatibility/2006" xmlns:a14="http://schemas.microsoft.com/office/drawing/2010/main">
+        <mc:Choice Requires="a14">
           <p:sp>
             <p:nvSpPr>
               <p:cNvPr id="3" name="Content Placeholder 2">
@@ -23276,7 +23294,7 @@
             </p:txBody>
           </p:sp>
         </mc:Choice>
-        <mc:Fallback>
+        <mc:Fallback xmlns="">
           <p:sp>
             <p:nvSpPr>
               <p:cNvPr id="3" name="Content Placeholder 2">
@@ -23732,7 +23750,7 @@
 </p:sld>
 </file>
 
-<file path=ppt/slides/slide32.xml><?xml version="1.0" encoding="utf-8"?>
+<file path=ppt/slides/slide31.xml><?xml version="1.0" encoding="utf-8"?>
 <p:sld xmlns:a="http://schemas.openxmlformats.org/drawingml/2006/main" xmlns:r="http://schemas.openxmlformats.org/officeDocument/2006/relationships" xmlns:p="http://schemas.openxmlformats.org/presentationml/2006/main">
   <p:cSld>
     <p:spTree>
@@ -26008,7 +26026,7 @@
 </p:sld>
 </file>
 
-<file path=ppt/slides/slide33.xml><?xml version="1.0" encoding="utf-8"?>
+<file path=ppt/slides/slide32.xml><?xml version="1.0" encoding="utf-8"?>
 <p:sld xmlns:a="http://schemas.openxmlformats.org/drawingml/2006/main" xmlns:r="http://schemas.openxmlformats.org/officeDocument/2006/relationships" xmlns:p="http://schemas.openxmlformats.org/presentationml/2006/main">
   <p:cSld>
     <p:spTree>
@@ -27822,7 +27840,7 @@
 </p:sld>
 </file>
 
-<file path=ppt/slides/slide34.xml><?xml version="1.0" encoding="utf-8"?>
+<file path=ppt/slides/slide33.xml><?xml version="1.0" encoding="utf-8"?>
 <p:sld xmlns:a="http://schemas.openxmlformats.org/drawingml/2006/main" xmlns:r="http://schemas.openxmlformats.org/officeDocument/2006/relationships" xmlns:p="http://schemas.openxmlformats.org/presentationml/2006/main">
   <p:cSld>
     <p:spTree>
@@ -28342,7 +28360,7 @@
 </p:sld>
 </file>
 
-<file path=ppt/slides/slide35.xml><?xml version="1.0" encoding="utf-8"?>
+<file path=ppt/slides/slide34.xml><?xml version="1.0" encoding="utf-8"?>
 <p:sld xmlns:a="http://schemas.openxmlformats.org/drawingml/2006/main" xmlns:r="http://schemas.openxmlformats.org/officeDocument/2006/relationships" xmlns:p="http://schemas.openxmlformats.org/presentationml/2006/main">
   <p:cSld>
     <p:spTree>
@@ -28501,7 +28519,7 @@
 </p:sld>
 </file>
 
-<file path=ppt/slides/slide36.xml><?xml version="1.0" encoding="utf-8"?>
+<file path=ppt/slides/slide35.xml><?xml version="1.0" encoding="utf-8"?>
 <p:sld xmlns:a="http://schemas.openxmlformats.org/drawingml/2006/main" xmlns:r="http://schemas.openxmlformats.org/officeDocument/2006/relationships" xmlns:p="http://schemas.openxmlformats.org/presentationml/2006/main">
   <p:cSld>
     <p:spTree>
@@ -29836,7 +29854,7 @@
 </p:sld>
 </file>
 
-<file path=ppt/slides/slide37.xml><?xml version="1.0" encoding="utf-8"?>
+<file path=ppt/slides/slide36.xml><?xml version="1.0" encoding="utf-8"?>
 <p:sld xmlns:a="http://schemas.openxmlformats.org/drawingml/2006/main" xmlns:r="http://schemas.openxmlformats.org/officeDocument/2006/relationships" xmlns:p="http://schemas.openxmlformats.org/presentationml/2006/main">
   <p:cSld>
     <p:spTree>
@@ -30901,7 +30919,7 @@
 </p:sld>
 </file>
 
-<file path=ppt/slides/slide38.xml><?xml version="1.0" encoding="utf-8"?>
+<file path=ppt/slides/slide37.xml><?xml version="1.0" encoding="utf-8"?>
 <p:sld xmlns:a="http://schemas.openxmlformats.org/drawingml/2006/main" xmlns:r="http://schemas.openxmlformats.org/officeDocument/2006/relationships" xmlns:p="http://schemas.openxmlformats.org/presentationml/2006/main">
   <p:cSld>
     <p:spTree>
@@ -32280,7 +32298,7 @@
 </p:sld>
 </file>
 
-<file path=ppt/slides/slide39.xml><?xml version="1.0" encoding="utf-8"?>
+<file path=ppt/slides/slide38.xml><?xml version="1.0" encoding="utf-8"?>
 <p:sld xmlns:a="http://schemas.openxmlformats.org/drawingml/2006/main" xmlns:r="http://schemas.openxmlformats.org/officeDocument/2006/relationships" xmlns:p="http://schemas.openxmlformats.org/presentationml/2006/main">
   <p:cSld>
     <p:spTree>
@@ -33261,507 +33279,7 @@
 </p:sld>
 </file>
 
-<file path=ppt/slides/slide4.xml><?xml version="1.0" encoding="utf-8"?>
-<p:sld xmlns:a="http://schemas.openxmlformats.org/drawingml/2006/main" xmlns:r="http://schemas.openxmlformats.org/officeDocument/2006/relationships" xmlns:p="http://schemas.openxmlformats.org/presentationml/2006/main">
-  <p:cSld>
-    <p:spTree>
-      <p:nvGrpSpPr>
-        <p:cNvPr id="1" name=""/>
-        <p:cNvGrpSpPr/>
-        <p:nvPr/>
-      </p:nvGrpSpPr>
-      <p:grpSpPr>
-        <a:xfrm>
-          <a:off x="0" y="0"/>
-          <a:ext cx="0" cy="0"/>
-          <a:chOff x="0" y="0"/>
-          <a:chExt cx="0" cy="0"/>
-        </a:xfrm>
-      </p:grpSpPr>
-      <p:sp>
-        <p:nvSpPr>
-          <p:cNvPr id="2" name="Title 1">
-            <a:extLst>
-              <a:ext uri="{FF2B5EF4-FFF2-40B4-BE49-F238E27FC236}">
-                <a16:creationId xmlns:a16="http://schemas.microsoft.com/office/drawing/2014/main" id="{3B3EA3CE-8DB0-40A5-B4A6-AFCE2156CC1F}"/>
-              </a:ext>
-            </a:extLst>
-          </p:cNvPr>
-          <p:cNvSpPr>
-            <a:spLocks noGrp="1"/>
-          </p:cNvSpPr>
-          <p:nvPr>
-            <p:ph type="title"/>
-          </p:nvPr>
-        </p:nvSpPr>
-        <p:spPr>
-          <a:xfrm>
-            <a:off x="838200" y="365125"/>
-            <a:ext cx="10515600" cy="620993"/>
-          </a:xfrm>
-        </p:spPr>
-        <p:txBody>
-          <a:bodyPr>
-            <a:normAutofit fontScale="90000"/>
-          </a:bodyPr>
-          <a:lstStyle/>
-          <a:p>
-            <a:r>
-              <a:rPr lang="en-US" dirty="0">
-                <a:latin typeface="+mn-lt"/>
-              </a:rPr>
-              <a:t>Introduction to Social Network Analysis</a:t>
-            </a:r>
-            <a:endParaRPr lang="en-US" dirty="0"/>
-          </a:p>
-        </p:txBody>
-      </p:sp>
-      <p:sp>
-        <p:nvSpPr>
-          <p:cNvPr id="3" name="Content Placeholder 2">
-            <a:extLst>
-              <a:ext uri="{FF2B5EF4-FFF2-40B4-BE49-F238E27FC236}">
-                <a16:creationId xmlns:a16="http://schemas.microsoft.com/office/drawing/2014/main" id="{CA03134D-F068-4BC9-B038-F3D5CBDDE3F9}"/>
-              </a:ext>
-            </a:extLst>
-          </p:cNvPr>
-          <p:cNvSpPr>
-            <a:spLocks noGrp="1"/>
-          </p:cNvSpPr>
-          <p:nvPr>
-            <p:ph idx="1"/>
-          </p:nvPr>
-        </p:nvSpPr>
-        <p:spPr>
-          <a:xfrm>
-            <a:off x="312930" y="1267346"/>
-            <a:ext cx="4933113" cy="5526858"/>
-          </a:xfrm>
-        </p:spPr>
-        <p:txBody>
-          <a:bodyPr>
-            <a:normAutofit/>
-          </a:bodyPr>
-          <a:lstStyle/>
-          <a:p>
-            <a:pPr marL="0" indent="0">
-              <a:buNone/>
-            </a:pPr>
-            <a:r>
-              <a:rPr lang="en-US" dirty="0"/>
-              <a:t>Social networks appear in many forms </a:t>
-            </a:r>
-          </a:p>
-          <a:p>
-            <a:r>
-              <a:rPr lang="en-US" dirty="0"/>
-              <a:t>Example: Association network of Bottlenose Dolphins at Port Stephens NSW Australia </a:t>
-            </a:r>
-          </a:p>
-          <a:p>
-            <a:pPr lvl="1"/>
-            <a:r>
-              <a:rPr lang="en-US" dirty="0"/>
-              <a:t>Square = western population</a:t>
-            </a:r>
-          </a:p>
-          <a:p>
-            <a:pPr lvl="1"/>
-            <a:r>
-              <a:rPr lang="en-US" dirty="0"/>
-              <a:t>Circle = eastern population</a:t>
-            </a:r>
-          </a:p>
-          <a:p>
-            <a:pPr lvl="1"/>
-            <a:r>
-              <a:rPr lang="en-US" dirty="0"/>
-              <a:t>Edge weight = strength of relationship</a:t>
-            </a:r>
-          </a:p>
-          <a:p>
-            <a:pPr marL="0" indent="0">
-              <a:buNone/>
-            </a:pPr>
-            <a:endParaRPr lang="en-US" dirty="0"/>
-          </a:p>
-          <a:p>
-            <a:pPr marL="0" indent="0">
-              <a:buNone/>
-            </a:pPr>
-            <a:r>
-              <a:rPr lang="en-US" sz="2000" dirty="0">
-                <a:hlinkClick r:id="rId2"/>
-              </a:rPr>
-              <a:t>Credit: </a:t>
-            </a:r>
-            <a:r>
-              <a:rPr lang="en-US" sz="2000" dirty="0" err="1">
-                <a:hlinkClick r:id="rId2"/>
-              </a:rPr>
-              <a:t>Wiszniewksi</a:t>
-            </a:r>
-            <a:r>
-              <a:rPr lang="en-US" sz="2000" dirty="0">
-                <a:hlinkClick r:id="rId2"/>
-              </a:rPr>
-              <a:t>, Brown and Moller, Journal of Mammalogy, 2012</a:t>
-            </a:r>
-            <a:endParaRPr lang="en-US" sz="2000" dirty="0"/>
-          </a:p>
-          <a:p>
-            <a:endParaRPr lang="en-US" dirty="0"/>
-          </a:p>
-          <a:p>
-            <a:endParaRPr lang="en-US" dirty="0"/>
-          </a:p>
-        </p:txBody>
-      </p:sp>
-      <p:pic>
-        <p:nvPicPr>
-          <p:cNvPr id="1026" name="Picture 2" descr="Social network of male bottlenose dolphins (Tursiops aduncus) in Port Stephens based on the association index (half-weight index [HWI]) for all years. Subgroup structure was identified using the modularity matrix technique that controls for data structure and gregariousness and is illustrated by different colors of the nodes. Community membership is represented by shape, where squares represent western males and circles represent eastern males. Line (edge) thickness running between 2 individuals is proportional to association strength and for clarity, lines are only displayed for association indices greater than 0.14 (twice the mean association index over all individuals).">
-            <a:extLst>
-              <a:ext uri="{FF2B5EF4-FFF2-40B4-BE49-F238E27FC236}">
-                <a16:creationId xmlns:a16="http://schemas.microsoft.com/office/drawing/2014/main" id="{9F4C610F-A832-4326-B9B1-876BF101B60B}"/>
-              </a:ext>
-            </a:extLst>
-          </p:cNvPr>
-          <p:cNvPicPr>
-            <a:picLocks noChangeAspect="1" noChangeArrowheads="1"/>
-          </p:cNvPicPr>
-          <p:nvPr/>
-        </p:nvPicPr>
-        <p:blipFill>
-          <a:blip r:embed="rId3">
-            <a:extLst>
-              <a:ext uri="{28A0092B-C50C-407E-A947-70E740481C1C}">
-                <a14:useLocalDpi xmlns:a14="http://schemas.microsoft.com/office/drawing/2010/main" val="0"/>
-              </a:ext>
-            </a:extLst>
-          </a:blip>
-          <a:srcRect/>
-          <a:stretch>
-            <a:fillRect/>
-          </a:stretch>
-        </p:blipFill>
-        <p:spPr bwMode="auto">
-          <a:xfrm>
-            <a:off x="5371447" y="1378615"/>
-            <a:ext cx="6775211" cy="5114260"/>
-          </a:xfrm>
-          <a:prstGeom prst="rect">
-            <a:avLst/>
-          </a:prstGeom>
-          <a:noFill/>
-          <a:extLst>
-            <a:ext uri="{909E8E84-426E-40DD-AFC4-6F175D3DCCD1}">
-              <a14:hiddenFill xmlns:a14="http://schemas.microsoft.com/office/drawing/2010/main">
-                <a:solidFill>
-                  <a:srgbClr val="FFFFFF"/>
-                </a:solidFill>
-              </a14:hiddenFill>
-            </a:ext>
-          </a:extLst>
-        </p:spPr>
-      </p:pic>
-    </p:spTree>
-    <p:extLst>
-      <p:ext uri="{BB962C8B-B14F-4D97-AF65-F5344CB8AC3E}">
-        <p14:creationId xmlns:p14="http://schemas.microsoft.com/office/powerpoint/2010/main" val="3996445275"/>
-      </p:ext>
-    </p:extLst>
-  </p:cSld>
-  <p:clrMapOvr>
-    <a:masterClrMapping/>
-  </p:clrMapOvr>
-  <p:timing>
-    <p:tnLst>
-      <p:par>
-        <p:cTn id="1" dur="indefinite" restart="never" nodeType="tmRoot">
-          <p:childTnLst>
-            <p:seq concurrent="1" nextAc="seek">
-              <p:cTn id="2" dur="indefinite" nodeType="mainSeq">
-                <p:childTnLst>
-                  <p:par>
-                    <p:cTn id="3" fill="hold">
-                      <p:stCondLst>
-                        <p:cond delay="indefinite"/>
-                      </p:stCondLst>
-                      <p:childTnLst>
-                        <p:par>
-                          <p:cTn id="4" fill="hold">
-                            <p:stCondLst>
-                              <p:cond delay="0"/>
-                            </p:stCondLst>
-                            <p:childTnLst>
-                              <p:par>
-                                <p:cTn id="5" presetID="1" presetClass="entr" presetSubtype="0" fill="hold" nodeType="clickEffect">
-                                  <p:stCondLst>
-                                    <p:cond delay="0"/>
-                                  </p:stCondLst>
-                                  <p:childTnLst>
-                                    <p:set>
-                                      <p:cBhvr>
-                                        <p:cTn id="6" dur="1" fill="hold">
-                                          <p:stCondLst>
-                                            <p:cond delay="0"/>
-                                          </p:stCondLst>
-                                        </p:cTn>
-                                        <p:tgtEl>
-                                          <p:spTgt spid="3">
-                                            <p:txEl>
-                                              <p:pRg st="1" end="1"/>
-                                            </p:txEl>
-                                          </p:spTgt>
-                                        </p:tgtEl>
-                                        <p:attrNameLst>
-                                          <p:attrName>style.visibility</p:attrName>
-                                        </p:attrNameLst>
-                                      </p:cBhvr>
-                                      <p:to>
-                                        <p:strVal val="visible"/>
-                                      </p:to>
-                                    </p:set>
-                                  </p:childTnLst>
-                                </p:cTn>
-                              </p:par>
-                              <p:par>
-                                <p:cTn id="7" presetID="1" presetClass="entr" presetSubtype="0" fill="hold" nodeType="withEffect">
-                                  <p:stCondLst>
-                                    <p:cond delay="0"/>
-                                  </p:stCondLst>
-                                  <p:childTnLst>
-                                    <p:set>
-                                      <p:cBhvr>
-                                        <p:cTn id="8" dur="1" fill="hold">
-                                          <p:stCondLst>
-                                            <p:cond delay="0"/>
-                                          </p:stCondLst>
-                                        </p:cTn>
-                                        <p:tgtEl>
-                                          <p:spTgt spid="1026"/>
-                                        </p:tgtEl>
-                                        <p:attrNameLst>
-                                          <p:attrName>style.visibility</p:attrName>
-                                        </p:attrNameLst>
-                                      </p:cBhvr>
-                                      <p:to>
-                                        <p:strVal val="visible"/>
-                                      </p:to>
-                                    </p:set>
-                                  </p:childTnLst>
-                                </p:cTn>
-                              </p:par>
-                              <p:par>
-                                <p:cTn id="9" presetID="1" presetClass="entr" presetSubtype="0" fill="hold" nodeType="withEffect">
-                                  <p:stCondLst>
-                                    <p:cond delay="0"/>
-                                  </p:stCondLst>
-                                  <p:childTnLst>
-                                    <p:set>
-                                      <p:cBhvr>
-                                        <p:cTn id="10" dur="1" fill="hold">
-                                          <p:stCondLst>
-                                            <p:cond delay="0"/>
-                                          </p:stCondLst>
-                                        </p:cTn>
-                                        <p:tgtEl>
-                                          <p:spTgt spid="3">
-                                            <p:txEl>
-                                              <p:pRg st="6" end="6"/>
-                                            </p:txEl>
-                                          </p:spTgt>
-                                        </p:tgtEl>
-                                        <p:attrNameLst>
-                                          <p:attrName>style.visibility</p:attrName>
-                                        </p:attrNameLst>
-                                      </p:cBhvr>
-                                      <p:to>
-                                        <p:strVal val="visible"/>
-                                      </p:to>
-                                    </p:set>
-                                  </p:childTnLst>
-                                </p:cTn>
-                              </p:par>
-                            </p:childTnLst>
-                          </p:cTn>
-                        </p:par>
-                      </p:childTnLst>
-                    </p:cTn>
-                  </p:par>
-                  <p:par>
-                    <p:cTn id="11" fill="hold">
-                      <p:stCondLst>
-                        <p:cond delay="indefinite"/>
-                      </p:stCondLst>
-                      <p:childTnLst>
-                        <p:par>
-                          <p:cTn id="12" fill="hold">
-                            <p:stCondLst>
-                              <p:cond delay="0"/>
-                            </p:stCondLst>
-                            <p:childTnLst>
-                              <p:par>
-                                <p:cTn id="13" presetID="1" presetClass="entr" presetSubtype="0" fill="hold" nodeType="clickEffect">
-                                  <p:stCondLst>
-                                    <p:cond delay="0"/>
-                                  </p:stCondLst>
-                                  <p:childTnLst>
-                                    <p:set>
-                                      <p:cBhvr>
-                                        <p:cTn id="14" dur="1" fill="hold">
-                                          <p:stCondLst>
-                                            <p:cond delay="0"/>
-                                          </p:stCondLst>
-                                        </p:cTn>
-                                        <p:tgtEl>
-                                          <p:spTgt spid="3">
-                                            <p:txEl>
-                                              <p:pRg st="2" end="2"/>
-                                            </p:txEl>
-                                          </p:spTgt>
-                                        </p:tgtEl>
-                                        <p:attrNameLst>
-                                          <p:attrName>style.visibility</p:attrName>
-                                        </p:attrNameLst>
-                                      </p:cBhvr>
-                                      <p:to>
-                                        <p:strVal val="visible"/>
-                                      </p:to>
-                                    </p:set>
-                                  </p:childTnLst>
-                                </p:cTn>
-                              </p:par>
-                            </p:childTnLst>
-                          </p:cTn>
-                        </p:par>
-                      </p:childTnLst>
-                    </p:cTn>
-                  </p:par>
-                  <p:par>
-                    <p:cTn id="15" fill="hold">
-                      <p:stCondLst>
-                        <p:cond delay="indefinite"/>
-                      </p:stCondLst>
-                      <p:childTnLst>
-                        <p:par>
-                          <p:cTn id="16" fill="hold">
-                            <p:stCondLst>
-                              <p:cond delay="0"/>
-                            </p:stCondLst>
-                            <p:childTnLst>
-                              <p:par>
-                                <p:cTn id="17" presetID="1" presetClass="entr" presetSubtype="0" fill="hold" nodeType="clickEffect">
-                                  <p:stCondLst>
-                                    <p:cond delay="0"/>
-                                  </p:stCondLst>
-                                  <p:childTnLst>
-                                    <p:set>
-                                      <p:cBhvr>
-                                        <p:cTn id="18" dur="1" fill="hold">
-                                          <p:stCondLst>
-                                            <p:cond delay="0"/>
-                                          </p:stCondLst>
-                                        </p:cTn>
-                                        <p:tgtEl>
-                                          <p:spTgt spid="3">
-                                            <p:txEl>
-                                              <p:pRg st="3" end="3"/>
-                                            </p:txEl>
-                                          </p:spTgt>
-                                        </p:tgtEl>
-                                        <p:attrNameLst>
-                                          <p:attrName>style.visibility</p:attrName>
-                                        </p:attrNameLst>
-                                      </p:cBhvr>
-                                      <p:to>
-                                        <p:strVal val="visible"/>
-                                      </p:to>
-                                    </p:set>
-                                  </p:childTnLst>
-                                </p:cTn>
-                              </p:par>
-                            </p:childTnLst>
-                          </p:cTn>
-                        </p:par>
-                      </p:childTnLst>
-                    </p:cTn>
-                  </p:par>
-                  <p:par>
-                    <p:cTn id="19" fill="hold">
-                      <p:stCondLst>
-                        <p:cond delay="indefinite"/>
-                      </p:stCondLst>
-                      <p:childTnLst>
-                        <p:par>
-                          <p:cTn id="20" fill="hold">
-                            <p:stCondLst>
-                              <p:cond delay="0"/>
-                            </p:stCondLst>
-                            <p:childTnLst>
-                              <p:par>
-                                <p:cTn id="21" presetID="1" presetClass="entr" presetSubtype="0" fill="hold" nodeType="clickEffect">
-                                  <p:stCondLst>
-                                    <p:cond delay="0"/>
-                                  </p:stCondLst>
-                                  <p:childTnLst>
-                                    <p:set>
-                                      <p:cBhvr>
-                                        <p:cTn id="22" dur="1" fill="hold">
-                                          <p:stCondLst>
-                                            <p:cond delay="0"/>
-                                          </p:stCondLst>
-                                        </p:cTn>
-                                        <p:tgtEl>
-                                          <p:spTgt spid="3">
-                                            <p:txEl>
-                                              <p:pRg st="4" end="4"/>
-                                            </p:txEl>
-                                          </p:spTgt>
-                                        </p:tgtEl>
-                                        <p:attrNameLst>
-                                          <p:attrName>style.visibility</p:attrName>
-                                        </p:attrNameLst>
-                                      </p:cBhvr>
-                                      <p:to>
-                                        <p:strVal val="visible"/>
-                                      </p:to>
-                                    </p:set>
-                                  </p:childTnLst>
-                                </p:cTn>
-                              </p:par>
-                            </p:childTnLst>
-                          </p:cTn>
-                        </p:par>
-                      </p:childTnLst>
-                    </p:cTn>
-                  </p:par>
-                </p:childTnLst>
-              </p:cTn>
-              <p:prevCondLst>
-                <p:cond evt="onPrev" delay="0">
-                  <p:tgtEl>
-                    <p:sldTgt/>
-                  </p:tgtEl>
-                </p:cond>
-              </p:prevCondLst>
-              <p:nextCondLst>
-                <p:cond evt="onNext" delay="0">
-                  <p:tgtEl>
-                    <p:sldTgt/>
-                  </p:tgtEl>
-                </p:cond>
-              </p:nextCondLst>
-            </p:seq>
-          </p:childTnLst>
-        </p:cTn>
-      </p:par>
-    </p:tnLst>
-  </p:timing>
-</p:sld>
-</file>
-
-<file path=ppt/slides/slide40.xml><?xml version="1.0" encoding="utf-8"?>
+<file path=ppt/slides/slide39.xml><?xml version="1.0" encoding="utf-8"?>
 <p:sld xmlns:a="http://schemas.openxmlformats.org/drawingml/2006/main" xmlns:r="http://schemas.openxmlformats.org/officeDocument/2006/relationships" xmlns:p="http://schemas.openxmlformats.org/presentationml/2006/main">
   <p:cSld>
     <p:spTree>
@@ -34321,7 +33839,409 @@
 </p:sld>
 </file>
 
-<file path=ppt/slides/slide41.xml><?xml version="1.0" encoding="utf-8"?>
+<file path=ppt/slides/slide4.xml><?xml version="1.0" encoding="utf-8"?>
+<p:sld xmlns:a="http://schemas.openxmlformats.org/drawingml/2006/main" xmlns:r="http://schemas.openxmlformats.org/officeDocument/2006/relationships" xmlns:p="http://schemas.openxmlformats.org/presentationml/2006/main">
+  <p:cSld>
+    <p:spTree>
+      <p:nvGrpSpPr>
+        <p:cNvPr id="1" name=""/>
+        <p:cNvGrpSpPr/>
+        <p:nvPr/>
+      </p:nvGrpSpPr>
+      <p:grpSpPr>
+        <a:xfrm>
+          <a:off x="0" y="0"/>
+          <a:ext cx="0" cy="0"/>
+          <a:chOff x="0" y="0"/>
+          <a:chExt cx="0" cy="0"/>
+        </a:xfrm>
+      </p:grpSpPr>
+      <p:sp>
+        <p:nvSpPr>
+          <p:cNvPr id="2" name="Title 1">
+            <a:extLst>
+              <a:ext uri="{FF2B5EF4-FFF2-40B4-BE49-F238E27FC236}">
+                <a16:creationId xmlns:a16="http://schemas.microsoft.com/office/drawing/2014/main" id="{3B3EA3CE-8DB0-40A5-B4A6-AFCE2156CC1F}"/>
+              </a:ext>
+            </a:extLst>
+          </p:cNvPr>
+          <p:cNvSpPr>
+            <a:spLocks noGrp="1"/>
+          </p:cNvSpPr>
+          <p:nvPr>
+            <p:ph type="title"/>
+          </p:nvPr>
+        </p:nvSpPr>
+        <p:spPr>
+          <a:xfrm>
+            <a:off x="838200" y="365125"/>
+            <a:ext cx="10515600" cy="620993"/>
+          </a:xfrm>
+        </p:spPr>
+        <p:txBody>
+          <a:bodyPr>
+            <a:normAutofit fontScale="90000"/>
+          </a:bodyPr>
+          <a:lstStyle/>
+          <a:p>
+            <a:r>
+              <a:rPr lang="en-US" dirty="0">
+                <a:latin typeface="+mn-lt"/>
+              </a:rPr>
+              <a:t>Introduction to Social Network Analysis</a:t>
+            </a:r>
+            <a:endParaRPr lang="en-US" dirty="0"/>
+          </a:p>
+        </p:txBody>
+      </p:sp>
+      <p:sp>
+        <p:nvSpPr>
+          <p:cNvPr id="3" name="Content Placeholder 2">
+            <a:extLst>
+              <a:ext uri="{FF2B5EF4-FFF2-40B4-BE49-F238E27FC236}">
+                <a16:creationId xmlns:a16="http://schemas.microsoft.com/office/drawing/2014/main" id="{CA03134D-F068-4BC9-B038-F3D5CBDDE3F9}"/>
+              </a:ext>
+            </a:extLst>
+          </p:cNvPr>
+          <p:cNvSpPr>
+            <a:spLocks noGrp="1"/>
+          </p:cNvSpPr>
+          <p:nvPr>
+            <p:ph idx="1"/>
+          </p:nvPr>
+        </p:nvSpPr>
+        <p:spPr>
+          <a:xfrm>
+            <a:off x="312930" y="1267346"/>
+            <a:ext cx="4933113" cy="5526858"/>
+          </a:xfrm>
+        </p:spPr>
+        <p:txBody>
+          <a:bodyPr>
+            <a:normAutofit/>
+          </a:bodyPr>
+          <a:lstStyle/>
+          <a:p>
+            <a:pPr marL="0" indent="0">
+              <a:buNone/>
+            </a:pPr>
+            <a:r>
+              <a:rPr lang="en-US" dirty="0"/>
+              <a:t>Social networks appear in many forms </a:t>
+            </a:r>
+          </a:p>
+          <a:p>
+            <a:r>
+              <a:rPr lang="en-US" dirty="0"/>
+              <a:t>Example: Association network of Bottlenose Dolphins at Port Stephens NSW Australia </a:t>
+            </a:r>
+          </a:p>
+          <a:p>
+            <a:pPr lvl="1"/>
+            <a:r>
+              <a:rPr lang="en-US" dirty="0"/>
+              <a:t>Square = western population</a:t>
+            </a:r>
+          </a:p>
+          <a:p>
+            <a:pPr lvl="1"/>
+            <a:r>
+              <a:rPr lang="en-US" dirty="0"/>
+              <a:t>Circle = eastern population</a:t>
+            </a:r>
+          </a:p>
+          <a:p>
+            <a:pPr marL="0" indent="0">
+              <a:buNone/>
+            </a:pPr>
+            <a:r>
+              <a:rPr lang="en-US" sz="2000" dirty="0">
+                <a:hlinkClick r:id="rId2"/>
+              </a:rPr>
+              <a:t>Credit: </a:t>
+            </a:r>
+            <a:r>
+              <a:rPr lang="en-US" sz="2000" dirty="0" err="1">
+                <a:hlinkClick r:id="rId2"/>
+              </a:rPr>
+              <a:t>Wiszniewksi</a:t>
+            </a:r>
+            <a:r>
+              <a:rPr lang="en-US" sz="2000" dirty="0">
+                <a:hlinkClick r:id="rId2"/>
+              </a:rPr>
+              <a:t>, Brown and Moller, Journal of Mammalogy, 2012</a:t>
+            </a:r>
+            <a:endParaRPr lang="en-US" sz="2000" dirty="0"/>
+          </a:p>
+          <a:p>
+            <a:endParaRPr lang="en-US" dirty="0"/>
+          </a:p>
+          <a:p>
+            <a:endParaRPr lang="en-US" dirty="0"/>
+          </a:p>
+        </p:txBody>
+      </p:sp>
+      <p:pic>
+        <p:nvPicPr>
+          <p:cNvPr id="1026" name="Picture 2" descr="Social network of male bottlenose dolphins (Tursiops aduncus) in Port Stephens based on the association index (half-weight index [HWI]) for all years. Subgroup structure was identified using the modularity matrix technique that controls for data structure and gregariousness and is illustrated by different colors of the nodes. Community membership is represented by shape, where squares represent western males and circles represent eastern males. Line (edge) thickness running between 2 individuals is proportional to association strength and for clarity, lines are only displayed for association indices greater than 0.14 (twice the mean association index over all individuals).">
+            <a:extLst>
+              <a:ext uri="{FF2B5EF4-FFF2-40B4-BE49-F238E27FC236}">
+                <a16:creationId xmlns:a16="http://schemas.microsoft.com/office/drawing/2014/main" id="{9F4C610F-A832-4326-B9B1-876BF101B60B}"/>
+              </a:ext>
+            </a:extLst>
+          </p:cNvPr>
+          <p:cNvPicPr>
+            <a:picLocks noChangeAspect="1" noChangeArrowheads="1"/>
+          </p:cNvPicPr>
+          <p:nvPr/>
+        </p:nvPicPr>
+        <p:blipFill>
+          <a:blip r:embed="rId3">
+            <a:extLst>
+              <a:ext uri="{28A0092B-C50C-407E-A947-70E740481C1C}">
+                <a14:useLocalDpi xmlns:a14="http://schemas.microsoft.com/office/drawing/2010/main" val="0"/>
+              </a:ext>
+            </a:extLst>
+          </a:blip>
+          <a:srcRect/>
+          <a:stretch>
+            <a:fillRect/>
+          </a:stretch>
+        </p:blipFill>
+        <p:spPr bwMode="auto">
+          <a:xfrm>
+            <a:off x="5371447" y="1378615"/>
+            <a:ext cx="6775211" cy="5114260"/>
+          </a:xfrm>
+          <a:prstGeom prst="rect">
+            <a:avLst/>
+          </a:prstGeom>
+          <a:noFill/>
+          <a:extLst>
+            <a:ext uri="{909E8E84-426E-40DD-AFC4-6F175D3DCCD1}">
+              <a14:hiddenFill xmlns:a14="http://schemas.microsoft.com/office/drawing/2010/main">
+                <a:solidFill>
+                  <a:srgbClr val="FFFFFF"/>
+                </a:solidFill>
+              </a14:hiddenFill>
+            </a:ext>
+          </a:extLst>
+        </p:spPr>
+      </p:pic>
+    </p:spTree>
+    <p:extLst>
+      <p:ext uri="{BB962C8B-B14F-4D97-AF65-F5344CB8AC3E}">
+        <p14:creationId xmlns:p14="http://schemas.microsoft.com/office/powerpoint/2010/main" val="3996445275"/>
+      </p:ext>
+    </p:extLst>
+  </p:cSld>
+  <p:clrMapOvr>
+    <a:masterClrMapping/>
+  </p:clrMapOvr>
+  <p:timing>
+    <p:tnLst>
+      <p:par>
+        <p:cTn id="1" dur="indefinite" restart="never" nodeType="tmRoot">
+          <p:childTnLst>
+            <p:seq concurrent="1" nextAc="seek">
+              <p:cTn id="2" dur="indefinite" nodeType="mainSeq">
+                <p:childTnLst>
+                  <p:par>
+                    <p:cTn id="3" fill="hold">
+                      <p:stCondLst>
+                        <p:cond delay="indefinite"/>
+                      </p:stCondLst>
+                      <p:childTnLst>
+                        <p:par>
+                          <p:cTn id="4" fill="hold">
+                            <p:stCondLst>
+                              <p:cond delay="0"/>
+                            </p:stCondLst>
+                            <p:childTnLst>
+                              <p:par>
+                                <p:cTn id="5" presetID="1" presetClass="entr" presetSubtype="0" fill="hold" nodeType="clickEffect">
+                                  <p:stCondLst>
+                                    <p:cond delay="0"/>
+                                  </p:stCondLst>
+                                  <p:childTnLst>
+                                    <p:set>
+                                      <p:cBhvr>
+                                        <p:cTn id="6" dur="1" fill="hold">
+                                          <p:stCondLst>
+                                            <p:cond delay="0"/>
+                                          </p:stCondLst>
+                                        </p:cTn>
+                                        <p:tgtEl>
+                                          <p:spTgt spid="3">
+                                            <p:txEl>
+                                              <p:pRg st="1" end="1"/>
+                                            </p:txEl>
+                                          </p:spTgt>
+                                        </p:tgtEl>
+                                        <p:attrNameLst>
+                                          <p:attrName>style.visibility</p:attrName>
+                                        </p:attrNameLst>
+                                      </p:cBhvr>
+                                      <p:to>
+                                        <p:strVal val="visible"/>
+                                      </p:to>
+                                    </p:set>
+                                  </p:childTnLst>
+                                </p:cTn>
+                              </p:par>
+                              <p:par>
+                                <p:cTn id="7" presetID="1" presetClass="entr" presetSubtype="0" fill="hold" nodeType="withEffect">
+                                  <p:stCondLst>
+                                    <p:cond delay="0"/>
+                                  </p:stCondLst>
+                                  <p:childTnLst>
+                                    <p:set>
+                                      <p:cBhvr>
+                                        <p:cTn id="8" dur="1" fill="hold">
+                                          <p:stCondLst>
+                                            <p:cond delay="0"/>
+                                          </p:stCondLst>
+                                        </p:cTn>
+                                        <p:tgtEl>
+                                          <p:spTgt spid="1026"/>
+                                        </p:tgtEl>
+                                        <p:attrNameLst>
+                                          <p:attrName>style.visibility</p:attrName>
+                                        </p:attrNameLst>
+                                      </p:cBhvr>
+                                      <p:to>
+                                        <p:strVal val="visible"/>
+                                      </p:to>
+                                    </p:set>
+                                  </p:childTnLst>
+                                </p:cTn>
+                              </p:par>
+                              <p:par>
+                                <p:cTn id="9" presetID="1" presetClass="entr" presetSubtype="0" fill="hold" nodeType="withEffect">
+                                  <p:stCondLst>
+                                    <p:cond delay="0"/>
+                                  </p:stCondLst>
+                                  <p:childTnLst>
+                                    <p:set>
+                                      <p:cBhvr>
+                                        <p:cTn id="10" dur="1" fill="hold">
+                                          <p:stCondLst>
+                                            <p:cond delay="0"/>
+                                          </p:stCondLst>
+                                        </p:cTn>
+                                        <p:tgtEl>
+                                          <p:spTgt spid="3">
+                                            <p:txEl>
+                                              <p:pRg st="4" end="4"/>
+                                            </p:txEl>
+                                          </p:spTgt>
+                                        </p:tgtEl>
+                                        <p:attrNameLst>
+                                          <p:attrName>style.visibility</p:attrName>
+                                        </p:attrNameLst>
+                                      </p:cBhvr>
+                                      <p:to>
+                                        <p:strVal val="visible"/>
+                                      </p:to>
+                                    </p:set>
+                                  </p:childTnLst>
+                                </p:cTn>
+                              </p:par>
+                              <p:par>
+                                <p:cTn id="11" presetID="1" presetClass="entr" presetSubtype="0" fill="hold" nodeType="withEffect">
+                                  <p:stCondLst>
+                                    <p:cond delay="0"/>
+                                  </p:stCondLst>
+                                  <p:childTnLst>
+                                    <p:set>
+                                      <p:cBhvr>
+                                        <p:cTn id="12" dur="1" fill="hold">
+                                          <p:stCondLst>
+                                            <p:cond delay="0"/>
+                                          </p:stCondLst>
+                                        </p:cTn>
+                                        <p:tgtEl>
+                                          <p:spTgt spid="3">
+                                            <p:txEl>
+                                              <p:pRg st="2" end="2"/>
+                                            </p:txEl>
+                                          </p:spTgt>
+                                        </p:tgtEl>
+                                        <p:attrNameLst>
+                                          <p:attrName>style.visibility</p:attrName>
+                                        </p:attrNameLst>
+                                      </p:cBhvr>
+                                      <p:to>
+                                        <p:strVal val="visible"/>
+                                      </p:to>
+                                    </p:set>
+                                  </p:childTnLst>
+                                </p:cTn>
+                              </p:par>
+                              <p:par>
+                                <p:cTn id="13" presetID="1" presetClass="entr" presetSubtype="0" fill="hold" nodeType="withEffect">
+                                  <p:stCondLst>
+                                    <p:cond delay="0"/>
+                                  </p:stCondLst>
+                                  <p:childTnLst>
+                                    <p:set>
+                                      <p:cBhvr>
+                                        <p:cTn id="14" dur="1" fill="hold">
+                                          <p:stCondLst>
+                                            <p:cond delay="0"/>
+                                          </p:stCondLst>
+                                        </p:cTn>
+                                        <p:tgtEl>
+                                          <p:spTgt spid="3">
+                                            <p:txEl>
+                                              <p:pRg st="3" end="3"/>
+                                            </p:txEl>
+                                          </p:spTgt>
+                                        </p:tgtEl>
+                                        <p:attrNameLst>
+                                          <p:attrName>style.visibility</p:attrName>
+                                        </p:attrNameLst>
+                                      </p:cBhvr>
+                                      <p:to>
+                                        <p:strVal val="visible"/>
+                                      </p:to>
+                                    </p:set>
+                                  </p:childTnLst>
+                                </p:cTn>
+                              </p:par>
+                            </p:childTnLst>
+                          </p:cTn>
+                        </p:par>
+                      </p:childTnLst>
+                    </p:cTn>
+                  </p:par>
+                </p:childTnLst>
+              </p:cTn>
+              <p:prevCondLst>
+                <p:cond evt="onPrev" delay="0">
+                  <p:tgtEl>
+                    <p:sldTgt/>
+                  </p:tgtEl>
+                </p:cond>
+              </p:prevCondLst>
+              <p:nextCondLst>
+                <p:cond evt="onNext" delay="0">
+                  <p:tgtEl>
+                    <p:sldTgt/>
+                  </p:tgtEl>
+                </p:cond>
+              </p:nextCondLst>
+            </p:seq>
+          </p:childTnLst>
+        </p:cTn>
+      </p:par>
+    </p:tnLst>
+  </p:timing>
+</p:sld>
+</file>
+
+<file path=ppt/slides/slide40.xml><?xml version="1.0" encoding="utf-8"?>
 <p:sld xmlns:a="http://schemas.openxmlformats.org/drawingml/2006/main" xmlns:r="http://schemas.openxmlformats.org/officeDocument/2006/relationships" xmlns:p="http://schemas.openxmlformats.org/presentationml/2006/main">
   <p:cSld>
     <p:spTree>
@@ -34689,7 +34609,7 @@
 </p:sld>
 </file>
 
-<file path=ppt/slides/slide42.xml><?xml version="1.0" encoding="utf-8"?>
+<file path=ppt/slides/slide41.xml><?xml version="1.0" encoding="utf-8"?>
 <p:sld xmlns:a="http://schemas.openxmlformats.org/drawingml/2006/main" xmlns:r="http://schemas.openxmlformats.org/officeDocument/2006/relationships" xmlns:p="http://schemas.openxmlformats.org/presentationml/2006/main">
   <p:cSld>
     <p:spTree>
@@ -35091,7 +35011,7 @@
 </p:sld>
 </file>
 
-<file path=ppt/slides/slide43.xml><?xml version="1.0" encoding="utf-8"?>
+<file path=ppt/slides/slide42.xml><?xml version="1.0" encoding="utf-8"?>
 <p:sld xmlns:a="http://schemas.openxmlformats.org/drawingml/2006/main" xmlns:r="http://schemas.openxmlformats.org/officeDocument/2006/relationships" xmlns:p="http://schemas.openxmlformats.org/presentationml/2006/main">
   <p:cSld>
     <p:spTree>
@@ -35595,7 +35515,7 @@
 </p:sld>
 </file>
 
-<file path=ppt/slides/slide44.xml><?xml version="1.0" encoding="utf-8"?>
+<file path=ppt/slides/slide43.xml><?xml version="1.0" encoding="utf-8"?>
 <p:sld xmlns:a="http://schemas.openxmlformats.org/drawingml/2006/main" xmlns:r="http://schemas.openxmlformats.org/officeDocument/2006/relationships" xmlns:p="http://schemas.openxmlformats.org/presentationml/2006/main">
   <p:cSld>
     <p:spTree>
@@ -36563,7 +36483,7 @@
 </p:sld>
 </file>
 
-<file path=ppt/slides/slide45.xml><?xml version="1.0" encoding="utf-8"?>
+<file path=ppt/slides/slide44.xml><?xml version="1.0" encoding="utf-8"?>
 <p:sld xmlns:a="http://schemas.openxmlformats.org/drawingml/2006/main" xmlns:r="http://schemas.openxmlformats.org/officeDocument/2006/relationships" xmlns:p="http://schemas.openxmlformats.org/presentationml/2006/main">
   <p:cSld>
     <p:spTree>
@@ -37251,7 +37171,7 @@
 </p:sld>
 </file>
 
-<file path=ppt/slides/slide46.xml><?xml version="1.0" encoding="utf-8"?>
+<file path=ppt/slides/slide45.xml><?xml version="1.0" encoding="utf-8"?>
 <p:sld xmlns:a="http://schemas.openxmlformats.org/drawingml/2006/main" xmlns:r="http://schemas.openxmlformats.org/officeDocument/2006/relationships" xmlns:p="http://schemas.openxmlformats.org/presentationml/2006/main">
   <p:cSld>
     <p:spTree>
@@ -37620,7 +37540,7 @@
 </p:sld>
 </file>
 
-<file path=ppt/slides/slide47.xml><?xml version="1.0" encoding="utf-8"?>
+<file path=ppt/slides/slide46.xml><?xml version="1.0" encoding="utf-8"?>
 <p:sld xmlns:a="http://schemas.openxmlformats.org/drawingml/2006/main" xmlns:r="http://schemas.openxmlformats.org/officeDocument/2006/relationships" xmlns:p="http://schemas.openxmlformats.org/presentationml/2006/main">
   <p:cSld>
     <p:spTree>
@@ -38918,7 +38838,7 @@
 </p:sld>
 </file>
 
-<file path=ppt/slides/slide48.xml><?xml version="1.0" encoding="utf-8"?>
+<file path=ppt/slides/slide47.xml><?xml version="1.0" encoding="utf-8"?>
 <p:sld xmlns:a="http://schemas.openxmlformats.org/drawingml/2006/main" xmlns:r="http://schemas.openxmlformats.org/officeDocument/2006/relationships" xmlns:p="http://schemas.openxmlformats.org/presentationml/2006/main">
   <p:cSld>
     <p:spTree>
@@ -38973,8 +38893,8 @@
           </a:p>
         </p:txBody>
       </p:sp>
-      <mc:AlternateContent xmlns:mc="http://schemas.openxmlformats.org/markup-compatibility/2006" xmlns:a14="http://schemas.microsoft.com/office/drawing/2010/main">
-        <mc:Choice Requires="a14">
+      <mc:AlternateContent xmlns:mc="http://schemas.openxmlformats.org/markup-compatibility/2006">
+        <mc:Choice xmlns:a14="http://schemas.microsoft.com/office/drawing/2010/main" Requires="a14">
           <p:sp>
             <p:nvSpPr>
               <p:cNvPr id="3" name="Content Placeholder 2">
@@ -39900,12 +39820,12 @@
                       <m:t>|</m:t>
                     </m:r>
                     <m:r>
-                      <a:rPr lang="en-US" i="1">
+                      <a:rPr lang="en-US" i="1" smtClean="0">
                         <a:latin typeface="Cambria Math" panose="02040503050406030204" pitchFamily="18" charset="0"/>
                         <a:ea typeface="Cambria Math" panose="02040503050406030204" pitchFamily="18" charset="0"/>
                         <a:cs typeface="Segoe UI" panose="020B0502040204020203" pitchFamily="34" charset="0"/>
                       </a:rPr>
-                      <m:t>&gt;</m:t>
+                      <m:t>≥</m:t>
                     </m:r>
                     <m:sSub>
                       <m:sSubPr>
@@ -39955,12 +39875,12 @@
                       <m:t>|</m:t>
                     </m:r>
                     <m:r>
-                      <a:rPr lang="en-US" i="1">
+                      <a:rPr lang="en-US" i="1" smtClean="0">
                         <a:latin typeface="Cambria Math" panose="02040503050406030204" pitchFamily="18" charset="0"/>
                         <a:ea typeface="Cambria Math" panose="02040503050406030204" pitchFamily="18" charset="0"/>
                         <a:cs typeface="Segoe UI" panose="020B0502040204020203" pitchFamily="34" charset="0"/>
                       </a:rPr>
-                      <m:t>&gt;</m:t>
+                      <m:t>≥</m:t>
                     </m:r>
                   </m:oMath>
                 </a14:m>
@@ -39980,12 +39900,12 @@
                 <a14:m>
                   <m:oMath xmlns:m="http://schemas.openxmlformats.org/officeDocument/2006/math">
                     <m:r>
-                      <a:rPr lang="en-US" i="1">
+                      <a:rPr lang="en-US" i="1" smtClean="0">
                         <a:latin typeface="Cambria Math" panose="02040503050406030204" pitchFamily="18" charset="0"/>
                         <a:ea typeface="Cambria Math" panose="02040503050406030204" pitchFamily="18" charset="0"/>
                         <a:cs typeface="Segoe UI" panose="020B0502040204020203" pitchFamily="34" charset="0"/>
                       </a:rPr>
-                      <m:t>&gt;</m:t>
+                      <m:t>≥</m:t>
                     </m:r>
                   </m:oMath>
                 </a14:m>
@@ -40177,7 +40097,7 @@
             </p:txBody>
           </p:sp>
         </mc:Choice>
-        <mc:Fallback xmlns="">
+        <mc:Fallback>
           <p:sp>
             <p:nvSpPr>
               <p:cNvPr id="3" name="Content Placeholder 2">
@@ -40411,7 +40331,7 @@
 </p:sld>
 </file>
 
-<file path=ppt/slides/slide49.xml><?xml version="1.0" encoding="utf-8"?>
+<file path=ppt/slides/slide48.xml><?xml version="1.0" encoding="utf-8"?>
 <p:sld xmlns:a="http://schemas.openxmlformats.org/drawingml/2006/main" xmlns:r="http://schemas.openxmlformats.org/officeDocument/2006/relationships" xmlns:p="http://schemas.openxmlformats.org/presentationml/2006/main">
   <p:cSld>
     <p:spTree>
@@ -40466,8 +40386,8 @@
           </a:p>
         </p:txBody>
       </p:sp>
-      <mc:AlternateContent xmlns:mc="http://schemas.openxmlformats.org/markup-compatibility/2006" xmlns:a14="http://schemas.microsoft.com/office/drawing/2010/main">
-        <mc:Choice Requires="a14">
+      <mc:AlternateContent xmlns:mc="http://schemas.openxmlformats.org/markup-compatibility/2006">
+        <mc:Choice xmlns:a14="http://schemas.microsoft.com/office/drawing/2010/main" Requires="a14">
           <p:sp>
             <p:nvSpPr>
               <p:cNvPr id="3" name="Content Placeholder 2">
@@ -40748,7 +40668,16 @@
                   <a:rPr lang="en-US" dirty="0">
                     <a:ea typeface="Cambria Math" panose="02040503050406030204" pitchFamily="18" charset="0"/>
                   </a:rPr>
-                  <a:t>Notice the similarity with minim cut algorithm using smallest non-zero eigenvalue</a:t>
+                  <a:t>Is similar to min-cut algorithm using smallest non-zero eigenvalue</a:t>
+                </a:r>
+              </a:p>
+              <a:p>
+                <a:pPr lvl="1"/>
+                <a:r>
+                  <a:rPr lang="en-US" dirty="0">
+                    <a:ea typeface="Cambria Math" panose="02040503050406030204" pitchFamily="18" charset="0"/>
+                  </a:rPr>
+                  <a:t>We explore this algorithm in a subsequent lesson   </a:t>
                 </a:r>
               </a:p>
               <a:p>
@@ -40760,7 +40689,7 @@
             </p:txBody>
           </p:sp>
         </mc:Choice>
-        <mc:Fallback xmlns="">
+        <mc:Fallback>
           <p:sp>
             <p:nvSpPr>
               <p:cNvPr id="3" name="Content Placeholder 2">
@@ -41123,228 +41052,15 @@
                                   </p:childTnLst>
                                 </p:cTn>
                               </p:par>
-                            </p:childTnLst>
-                          </p:cTn>
-                        </p:par>
-                      </p:childTnLst>
-                    </p:cTn>
-                  </p:par>
-                </p:childTnLst>
-              </p:cTn>
-              <p:prevCondLst>
-                <p:cond evt="onPrev" delay="0">
-                  <p:tgtEl>
-                    <p:sldTgt/>
-                  </p:tgtEl>
-                </p:cond>
-              </p:prevCondLst>
-              <p:nextCondLst>
-                <p:cond evt="onNext" delay="0">
-                  <p:tgtEl>
-                    <p:sldTgt/>
-                  </p:tgtEl>
-                </p:cond>
-              </p:nextCondLst>
-            </p:seq>
-          </p:childTnLst>
-        </p:cTn>
-      </p:par>
-    </p:tnLst>
-  </p:timing>
-</p:sld>
-</file>
-
-<file path=ppt/slides/slide5.xml><?xml version="1.0" encoding="utf-8"?>
-<p:sld xmlns:a="http://schemas.openxmlformats.org/drawingml/2006/main" xmlns:r="http://schemas.openxmlformats.org/officeDocument/2006/relationships" xmlns:p="http://schemas.openxmlformats.org/presentationml/2006/main">
-  <p:cSld>
-    <p:spTree>
-      <p:nvGrpSpPr>
-        <p:cNvPr id="1" name=""/>
-        <p:cNvGrpSpPr/>
-        <p:nvPr/>
-      </p:nvGrpSpPr>
-      <p:grpSpPr>
-        <a:xfrm>
-          <a:off x="0" y="0"/>
-          <a:ext cx="0" cy="0"/>
-          <a:chOff x="0" y="0"/>
-          <a:chExt cx="0" cy="0"/>
-        </a:xfrm>
-      </p:grpSpPr>
-      <p:sp>
-        <p:nvSpPr>
-          <p:cNvPr id="2" name="Title 1">
-            <a:extLst>
-              <a:ext uri="{FF2B5EF4-FFF2-40B4-BE49-F238E27FC236}">
-                <a16:creationId xmlns:a16="http://schemas.microsoft.com/office/drawing/2014/main" id="{3B3EA3CE-8DB0-40A5-B4A6-AFCE2156CC1F}"/>
-              </a:ext>
-            </a:extLst>
-          </p:cNvPr>
-          <p:cNvSpPr>
-            <a:spLocks noGrp="1"/>
-          </p:cNvSpPr>
-          <p:nvPr>
-            <p:ph type="title"/>
-          </p:nvPr>
-        </p:nvSpPr>
-        <p:spPr>
-          <a:xfrm>
-            <a:off x="838200" y="365125"/>
-            <a:ext cx="10515600" cy="620993"/>
-          </a:xfrm>
-        </p:spPr>
-        <p:txBody>
-          <a:bodyPr>
-            <a:normAutofit fontScale="90000"/>
-          </a:bodyPr>
-          <a:lstStyle/>
-          <a:p>
-            <a:r>
-              <a:rPr lang="en-US" dirty="0">
-                <a:latin typeface="+mn-lt"/>
-              </a:rPr>
-              <a:t>Introduction to Social Network Analysis</a:t>
-            </a:r>
-            <a:endParaRPr lang="en-US" dirty="0"/>
-          </a:p>
-        </p:txBody>
-      </p:sp>
-      <p:sp>
-        <p:nvSpPr>
-          <p:cNvPr id="3" name="Content Placeholder 2">
-            <a:extLst>
-              <a:ext uri="{FF2B5EF4-FFF2-40B4-BE49-F238E27FC236}">
-                <a16:creationId xmlns:a16="http://schemas.microsoft.com/office/drawing/2014/main" id="{CA03134D-F068-4BC9-B038-F3D5CBDDE3F9}"/>
-              </a:ext>
-            </a:extLst>
-          </p:cNvPr>
-          <p:cNvSpPr>
-            <a:spLocks noGrp="1"/>
-          </p:cNvSpPr>
-          <p:nvPr>
-            <p:ph idx="1"/>
-          </p:nvPr>
-        </p:nvSpPr>
-        <p:spPr>
-          <a:xfrm>
-            <a:off x="775447" y="1208868"/>
-            <a:ext cx="10515600" cy="5447426"/>
-          </a:xfrm>
-        </p:spPr>
-        <p:txBody>
-          <a:bodyPr>
-            <a:normAutofit/>
-          </a:bodyPr>
-          <a:lstStyle/>
-          <a:p>
-            <a:pPr marL="0" indent="0">
-              <a:buNone/>
-            </a:pPr>
-            <a:r>
-              <a:rPr lang="en-US" dirty="0"/>
-              <a:t>Analysis to determine </a:t>
-            </a:r>
-            <a:r>
-              <a:rPr lang="en-US" b="1" dirty="0"/>
-              <a:t>community structure</a:t>
-            </a:r>
-            <a:r>
-              <a:rPr lang="en-US" dirty="0"/>
-              <a:t> in networks </a:t>
-            </a:r>
-          </a:p>
-          <a:p>
-            <a:r>
-              <a:rPr lang="en-US" dirty="0"/>
-              <a:t>Discover regions of dense connections in the network  - cores </a:t>
-            </a:r>
-          </a:p>
-          <a:p>
-            <a:r>
-              <a:rPr lang="en-US" dirty="0"/>
-              <a:t>Discover and partition distinct communities within the networks</a:t>
-            </a:r>
-          </a:p>
-          <a:p>
-            <a:r>
-              <a:rPr lang="en-US" dirty="0"/>
-              <a:t>Find highly influential nodes in the network</a:t>
-            </a:r>
-          </a:p>
-          <a:p>
-            <a:r>
-              <a:rPr lang="en-US" dirty="0"/>
-              <a:t>Community analysis is largely unsupervised learning</a:t>
-            </a:r>
-          </a:p>
-          <a:p>
-            <a:pPr lvl="1"/>
-            <a:r>
-              <a:rPr lang="en-US" dirty="0"/>
-              <a:t>Rarely know ground truth</a:t>
-            </a:r>
-          </a:p>
-          <a:p>
-            <a:pPr lvl="1"/>
-            <a:r>
-              <a:rPr lang="en-US" dirty="0"/>
-              <a:t>Often requires some judgement or domain knowledge </a:t>
-            </a:r>
-          </a:p>
-          <a:p>
-            <a:pPr lvl="1"/>
-            <a:r>
-              <a:rPr lang="en-US" dirty="0"/>
-              <a:t>Different models can provide different views and insights </a:t>
-            </a:r>
-          </a:p>
-          <a:p>
-            <a:endParaRPr lang="en-US" dirty="0"/>
-          </a:p>
-          <a:p>
-            <a:endParaRPr lang="en-US" dirty="0"/>
-          </a:p>
-        </p:txBody>
-      </p:sp>
-    </p:spTree>
-    <p:extLst>
-      <p:ext uri="{BB962C8B-B14F-4D97-AF65-F5344CB8AC3E}">
-        <p14:creationId xmlns:p14="http://schemas.microsoft.com/office/powerpoint/2010/main" val="2719513742"/>
-      </p:ext>
-    </p:extLst>
-  </p:cSld>
-  <p:clrMapOvr>
-    <a:masterClrMapping/>
-  </p:clrMapOvr>
-  <p:timing>
-    <p:tnLst>
-      <p:par>
-        <p:cTn id="1" dur="indefinite" restart="never" nodeType="tmRoot">
-          <p:childTnLst>
-            <p:seq concurrent="1" nextAc="seek">
-              <p:cTn id="2" dur="indefinite" nodeType="mainSeq">
-                <p:childTnLst>
-                  <p:par>
-                    <p:cTn id="3" fill="hold">
-                      <p:stCondLst>
-                        <p:cond delay="indefinite"/>
-                      </p:stCondLst>
-                      <p:childTnLst>
-                        <p:par>
-                          <p:cTn id="4" fill="hold">
-                            <p:stCondLst>
-                              <p:cond delay="0"/>
-                            </p:stCondLst>
-                            <p:childTnLst>
                               <p:par>
-                                <p:cTn id="5" presetID="1" presetClass="entr" presetSubtype="0" fill="hold" nodeType="clickEffect">
+                                <p:cTn id="27" presetID="1" presetClass="entr" presetSubtype="0" fill="hold" nodeType="withEffect">
                                   <p:stCondLst>
                                     <p:cond delay="0"/>
                                   </p:stCondLst>
                                   <p:childTnLst>
                                     <p:set>
                                       <p:cBhvr>
-                                        <p:cTn id="6" dur="1" fill="hold">
+                                        <p:cTn id="28" dur="1" fill="hold">
                                           <p:stCondLst>
                                             <p:cond delay="0"/>
                                           </p:stCondLst>
@@ -41352,247 +41068,7 @@
                                         <p:tgtEl>
                                           <p:spTgt spid="3">
                                             <p:txEl>
-                                              <p:pRg st="1" end="1"/>
-                                            </p:txEl>
-                                          </p:spTgt>
-                                        </p:tgtEl>
-                                        <p:attrNameLst>
-                                          <p:attrName>style.visibility</p:attrName>
-                                        </p:attrNameLst>
-                                      </p:cBhvr>
-                                      <p:to>
-                                        <p:strVal val="visible"/>
-                                      </p:to>
-                                    </p:set>
-                                  </p:childTnLst>
-                                </p:cTn>
-                              </p:par>
-                            </p:childTnLst>
-                          </p:cTn>
-                        </p:par>
-                      </p:childTnLst>
-                    </p:cTn>
-                  </p:par>
-                  <p:par>
-                    <p:cTn id="7" fill="hold">
-                      <p:stCondLst>
-                        <p:cond delay="indefinite"/>
-                      </p:stCondLst>
-                      <p:childTnLst>
-                        <p:par>
-                          <p:cTn id="8" fill="hold">
-                            <p:stCondLst>
-                              <p:cond delay="0"/>
-                            </p:stCondLst>
-                            <p:childTnLst>
-                              <p:par>
-                                <p:cTn id="9" presetID="1" presetClass="entr" presetSubtype="0" fill="hold" nodeType="clickEffect">
-                                  <p:stCondLst>
-                                    <p:cond delay="0"/>
-                                  </p:stCondLst>
-                                  <p:childTnLst>
-                                    <p:set>
-                                      <p:cBhvr>
-                                        <p:cTn id="10" dur="1" fill="hold">
-                                          <p:stCondLst>
-                                            <p:cond delay="0"/>
-                                          </p:stCondLst>
-                                        </p:cTn>
-                                        <p:tgtEl>
-                                          <p:spTgt spid="3">
-                                            <p:txEl>
-                                              <p:pRg st="2" end="2"/>
-                                            </p:txEl>
-                                          </p:spTgt>
-                                        </p:tgtEl>
-                                        <p:attrNameLst>
-                                          <p:attrName>style.visibility</p:attrName>
-                                        </p:attrNameLst>
-                                      </p:cBhvr>
-                                      <p:to>
-                                        <p:strVal val="visible"/>
-                                      </p:to>
-                                    </p:set>
-                                  </p:childTnLst>
-                                </p:cTn>
-                              </p:par>
-                            </p:childTnLst>
-                          </p:cTn>
-                        </p:par>
-                      </p:childTnLst>
-                    </p:cTn>
-                  </p:par>
-                  <p:par>
-                    <p:cTn id="11" fill="hold">
-                      <p:stCondLst>
-                        <p:cond delay="indefinite"/>
-                      </p:stCondLst>
-                      <p:childTnLst>
-                        <p:par>
-                          <p:cTn id="12" fill="hold">
-                            <p:stCondLst>
-                              <p:cond delay="0"/>
-                            </p:stCondLst>
-                            <p:childTnLst>
-                              <p:par>
-                                <p:cTn id="13" presetID="1" presetClass="entr" presetSubtype="0" fill="hold" nodeType="clickEffect">
-                                  <p:stCondLst>
-                                    <p:cond delay="0"/>
-                                  </p:stCondLst>
-                                  <p:childTnLst>
-                                    <p:set>
-                                      <p:cBhvr>
-                                        <p:cTn id="14" dur="1" fill="hold">
-                                          <p:stCondLst>
-                                            <p:cond delay="0"/>
-                                          </p:stCondLst>
-                                        </p:cTn>
-                                        <p:tgtEl>
-                                          <p:spTgt spid="3">
-                                            <p:txEl>
-                                              <p:pRg st="3" end="3"/>
-                                            </p:txEl>
-                                          </p:spTgt>
-                                        </p:tgtEl>
-                                        <p:attrNameLst>
-                                          <p:attrName>style.visibility</p:attrName>
-                                        </p:attrNameLst>
-                                      </p:cBhvr>
-                                      <p:to>
-                                        <p:strVal val="visible"/>
-                                      </p:to>
-                                    </p:set>
-                                  </p:childTnLst>
-                                </p:cTn>
-                              </p:par>
-                            </p:childTnLst>
-                          </p:cTn>
-                        </p:par>
-                      </p:childTnLst>
-                    </p:cTn>
-                  </p:par>
-                  <p:par>
-                    <p:cTn id="15" fill="hold">
-                      <p:stCondLst>
-                        <p:cond delay="indefinite"/>
-                      </p:stCondLst>
-                      <p:childTnLst>
-                        <p:par>
-                          <p:cTn id="16" fill="hold">
-                            <p:stCondLst>
-                              <p:cond delay="0"/>
-                            </p:stCondLst>
-                            <p:childTnLst>
-                              <p:par>
-                                <p:cTn id="17" presetID="1" presetClass="entr" presetSubtype="0" fill="hold" nodeType="clickEffect">
-                                  <p:stCondLst>
-                                    <p:cond delay="0"/>
-                                  </p:stCondLst>
-                                  <p:childTnLst>
-                                    <p:set>
-                                      <p:cBhvr>
-                                        <p:cTn id="18" dur="1" fill="hold">
-                                          <p:stCondLst>
-                                            <p:cond delay="0"/>
-                                          </p:stCondLst>
-                                        </p:cTn>
-                                        <p:tgtEl>
-                                          <p:spTgt spid="3">
-                                            <p:txEl>
-                                              <p:pRg st="4" end="4"/>
-                                            </p:txEl>
-                                          </p:spTgt>
-                                        </p:tgtEl>
-                                        <p:attrNameLst>
-                                          <p:attrName>style.visibility</p:attrName>
-                                        </p:attrNameLst>
-                                      </p:cBhvr>
-                                      <p:to>
-                                        <p:strVal val="visible"/>
-                                      </p:to>
-                                    </p:set>
-                                  </p:childTnLst>
-                                </p:cTn>
-                              </p:par>
-                              <p:par>
-                                <p:cTn id="19" presetID="1" presetClass="entr" presetSubtype="0" fill="hold" nodeType="withEffect">
-                                  <p:stCondLst>
-                                    <p:cond delay="0"/>
-                                  </p:stCondLst>
-                                  <p:childTnLst>
-                                    <p:set>
-                                      <p:cBhvr>
-                                        <p:cTn id="20" dur="1" fill="hold">
-                                          <p:stCondLst>
-                                            <p:cond delay="0"/>
-                                          </p:stCondLst>
-                                        </p:cTn>
-                                        <p:tgtEl>
-                                          <p:spTgt spid="3">
-                                            <p:txEl>
-                                              <p:pRg st="5" end="5"/>
-                                            </p:txEl>
-                                          </p:spTgt>
-                                        </p:tgtEl>
-                                        <p:attrNameLst>
-                                          <p:attrName>style.visibility</p:attrName>
-                                        </p:attrNameLst>
-                                      </p:cBhvr>
-                                      <p:to>
-                                        <p:strVal val="visible"/>
-                                      </p:to>
-                                    </p:set>
-                                  </p:childTnLst>
-                                </p:cTn>
-                              </p:par>
-                              <p:par>
-                                <p:cTn id="21" presetID="1" presetClass="entr" presetSubtype="0" fill="hold" nodeType="withEffect">
-                                  <p:stCondLst>
-                                    <p:cond delay="0"/>
-                                  </p:stCondLst>
-                                  <p:childTnLst>
-                                    <p:set>
-                                      <p:cBhvr>
-                                        <p:cTn id="22" dur="1" fill="hold">
-                                          <p:stCondLst>
-                                            <p:cond delay="0"/>
-                                          </p:stCondLst>
-                                        </p:cTn>
-                                        <p:tgtEl>
-                                          <p:spTgt spid="3">
-                                            <p:txEl>
-                                              <p:pRg st="6" end="6"/>
-                                            </p:txEl>
-                                          </p:spTgt>
-                                        </p:tgtEl>
-                                        <p:attrNameLst>
-                                          <p:attrName>style.visibility</p:attrName>
-                                        </p:attrNameLst>
-                                      </p:cBhvr>
-                                      <p:to>
-                                        <p:strVal val="visible"/>
-                                      </p:to>
-                                    </p:set>
-                                  </p:childTnLst>
-                                </p:cTn>
-                              </p:par>
-                              <p:par>
-                                <p:cTn id="23" presetID="1" presetClass="entr" presetSubtype="0" fill="hold" nodeType="withEffect">
-                                  <p:stCondLst>
-                                    <p:cond delay="0"/>
-                                  </p:stCondLst>
-                                  <p:childTnLst>
-                                    <p:set>
-                                      <p:cBhvr>
-                                        <p:cTn id="24" dur="1" fill="hold">
-                                          <p:stCondLst>
-                                            <p:cond delay="0"/>
-                                          </p:stCondLst>
-                                        </p:cTn>
-                                        <p:tgtEl>
-                                          <p:spTgt spid="3">
-                                            <p:txEl>
-                                              <p:pRg st="7" end="7"/>
+                                              <p:pRg st="8" end="8"/>
                                             </p:txEl>
                                           </p:spTgt>
                                         </p:tgtEl>
@@ -41638,7 +41114,7 @@
 </p:sld>
 </file>
 
-<file path=ppt/slides/slide50.xml><?xml version="1.0" encoding="utf-8"?>
+<file path=ppt/slides/slide49.xml><?xml version="1.0" encoding="utf-8"?>
 <p:sld xmlns:a="http://schemas.openxmlformats.org/drawingml/2006/main" xmlns:r="http://schemas.openxmlformats.org/officeDocument/2006/relationships" xmlns:p="http://schemas.openxmlformats.org/presentationml/2006/main">
   <p:cSld>
     <p:spTree>
@@ -42253,7 +41729,7 @@
 </p:sld>
 </file>
 
-<file path=ppt/slides/slide51.xml><?xml version="1.0" encoding="utf-8"?>
+<file path=ppt/slides/slide5.xml><?xml version="1.0" encoding="utf-8"?>
 <p:sld xmlns:a="http://schemas.openxmlformats.org/drawingml/2006/main" xmlns:r="http://schemas.openxmlformats.org/officeDocument/2006/relationships" xmlns:p="http://schemas.openxmlformats.org/presentationml/2006/main">
   <p:cSld>
     <p:spTree>
@@ -42302,6 +41778,337 @@
               <a:rPr lang="en-US" dirty="0">
                 <a:latin typeface="+mn-lt"/>
               </a:rPr>
+              <a:t>Introduction to Social Network Analysis</a:t>
+            </a:r>
+            <a:endParaRPr lang="en-US" dirty="0"/>
+          </a:p>
+        </p:txBody>
+      </p:sp>
+      <p:sp>
+        <p:nvSpPr>
+          <p:cNvPr id="3" name="Content Placeholder 2">
+            <a:extLst>
+              <a:ext uri="{FF2B5EF4-FFF2-40B4-BE49-F238E27FC236}">
+                <a16:creationId xmlns:a16="http://schemas.microsoft.com/office/drawing/2014/main" id="{CA03134D-F068-4BC9-B038-F3D5CBDDE3F9}"/>
+              </a:ext>
+            </a:extLst>
+          </p:cNvPr>
+          <p:cNvSpPr>
+            <a:spLocks noGrp="1"/>
+          </p:cNvSpPr>
+          <p:nvPr>
+            <p:ph idx="1"/>
+          </p:nvPr>
+        </p:nvSpPr>
+        <p:spPr>
+          <a:xfrm>
+            <a:off x="312930" y="1267346"/>
+            <a:ext cx="4933113" cy="5526858"/>
+          </a:xfrm>
+        </p:spPr>
+        <p:txBody>
+          <a:bodyPr>
+            <a:normAutofit/>
+          </a:bodyPr>
+          <a:lstStyle/>
+          <a:p>
+            <a:pPr marL="0" indent="0">
+              <a:buNone/>
+            </a:pPr>
+            <a:r>
+              <a:rPr lang="en-US" dirty="0"/>
+              <a:t>Social networks appear in many forms </a:t>
+            </a:r>
+          </a:p>
+          <a:p>
+            <a:r>
+              <a:rPr lang="en-US" dirty="0"/>
+              <a:t>Undirected </a:t>
+            </a:r>
+            <a:r>
+              <a:rPr lang="en-US" b="1" dirty="0"/>
+              <a:t>weighted graph </a:t>
+            </a:r>
+            <a:r>
+              <a:rPr lang="en-US" dirty="0"/>
+              <a:t>represents relationships between dolphins</a:t>
+            </a:r>
+          </a:p>
+          <a:p>
+            <a:pPr lvl="1"/>
+            <a:r>
+              <a:rPr lang="en-US" dirty="0"/>
+              <a:t>Strength of relationship represented by edge weights  </a:t>
+            </a:r>
+          </a:p>
+          <a:p>
+            <a:r>
+              <a:rPr lang="en-US" dirty="0"/>
+              <a:t>Communities in </a:t>
+            </a:r>
+            <a:r>
+              <a:rPr lang="en-US" b="1" dirty="0"/>
+              <a:t>isolated graph components </a:t>
+            </a:r>
+          </a:p>
+          <a:p>
+            <a:pPr lvl="1"/>
+            <a:r>
+              <a:rPr lang="en-US" dirty="0"/>
+              <a:t>Some sub-components within communities are weekly connected</a:t>
+            </a:r>
+          </a:p>
+          <a:p>
+            <a:pPr marL="0" indent="0">
+              <a:buNone/>
+            </a:pPr>
+            <a:r>
+              <a:rPr lang="en-US" sz="2000" dirty="0">
+                <a:hlinkClick r:id="rId2"/>
+              </a:rPr>
+              <a:t>Credit: </a:t>
+            </a:r>
+            <a:r>
+              <a:rPr lang="en-US" sz="2000" dirty="0" err="1">
+                <a:hlinkClick r:id="rId2"/>
+              </a:rPr>
+              <a:t>Wiszniewksi</a:t>
+            </a:r>
+            <a:r>
+              <a:rPr lang="en-US" sz="2000" dirty="0">
+                <a:hlinkClick r:id="rId2"/>
+              </a:rPr>
+              <a:t>, Brown and Moller, Journal of Mammalogy, 2012</a:t>
+            </a:r>
+            <a:endParaRPr lang="en-US" sz="2000" dirty="0"/>
+          </a:p>
+          <a:p>
+            <a:endParaRPr lang="en-US" dirty="0"/>
+          </a:p>
+          <a:p>
+            <a:endParaRPr lang="en-US" dirty="0"/>
+          </a:p>
+        </p:txBody>
+      </p:sp>
+      <p:pic>
+        <p:nvPicPr>
+          <p:cNvPr id="1026" name="Picture 2" descr="Social network of male bottlenose dolphins (Tursiops aduncus) in Port Stephens based on the association index (half-weight index [HWI]) for all years. Subgroup structure was identified using the modularity matrix technique that controls for data structure and gregariousness and is illustrated by different colors of the nodes. Community membership is represented by shape, where squares represent western males and circles represent eastern males. Line (edge) thickness running between 2 individuals is proportional to association strength and for clarity, lines are only displayed for association indices greater than 0.14 (twice the mean association index over all individuals).">
+            <a:extLst>
+              <a:ext uri="{FF2B5EF4-FFF2-40B4-BE49-F238E27FC236}">
+                <a16:creationId xmlns:a16="http://schemas.microsoft.com/office/drawing/2014/main" id="{9F4C610F-A832-4326-B9B1-876BF101B60B}"/>
+              </a:ext>
+            </a:extLst>
+          </p:cNvPr>
+          <p:cNvPicPr>
+            <a:picLocks noChangeAspect="1" noChangeArrowheads="1"/>
+          </p:cNvPicPr>
+          <p:nvPr/>
+        </p:nvPicPr>
+        <p:blipFill>
+          <a:blip r:embed="rId3">
+            <a:extLst>
+              <a:ext uri="{28A0092B-C50C-407E-A947-70E740481C1C}">
+                <a14:useLocalDpi xmlns:a14="http://schemas.microsoft.com/office/drawing/2010/main" val="0"/>
+              </a:ext>
+            </a:extLst>
+          </a:blip>
+          <a:srcRect/>
+          <a:stretch>
+            <a:fillRect/>
+          </a:stretch>
+        </p:blipFill>
+        <p:spPr bwMode="auto">
+          <a:xfrm>
+            <a:off x="5371447" y="1378615"/>
+            <a:ext cx="6775211" cy="5114260"/>
+          </a:xfrm>
+          <a:prstGeom prst="rect">
+            <a:avLst/>
+          </a:prstGeom>
+          <a:noFill/>
+          <a:extLst>
+            <a:ext uri="{909E8E84-426E-40DD-AFC4-6F175D3DCCD1}">
+              <a14:hiddenFill xmlns:a14="http://schemas.microsoft.com/office/drawing/2010/main">
+                <a:solidFill>
+                  <a:srgbClr val="FFFFFF"/>
+                </a:solidFill>
+              </a14:hiddenFill>
+            </a:ext>
+          </a:extLst>
+        </p:spPr>
+      </p:pic>
+    </p:spTree>
+    <p:extLst>
+      <p:ext uri="{BB962C8B-B14F-4D97-AF65-F5344CB8AC3E}">
+        <p14:creationId xmlns:p14="http://schemas.microsoft.com/office/powerpoint/2010/main" val="3473659302"/>
+      </p:ext>
+    </p:extLst>
+  </p:cSld>
+  <p:clrMapOvr>
+    <a:masterClrMapping/>
+  </p:clrMapOvr>
+  <p:timing>
+    <p:tnLst>
+      <p:par>
+        <p:cTn id="1" dur="indefinite" restart="never" nodeType="tmRoot">
+          <p:childTnLst>
+            <p:seq concurrent="1" nextAc="seek">
+              <p:cTn id="2" dur="indefinite" nodeType="mainSeq">
+                <p:childTnLst>
+                  <p:par>
+                    <p:cTn id="3" fill="hold">
+                      <p:stCondLst>
+                        <p:cond delay="indefinite"/>
+                      </p:stCondLst>
+                      <p:childTnLst>
+                        <p:par>
+                          <p:cTn id="4" fill="hold">
+                            <p:stCondLst>
+                              <p:cond delay="0"/>
+                            </p:stCondLst>
+                            <p:childTnLst>
+                              <p:par>
+                                <p:cTn id="5" presetID="1" presetClass="entr" presetSubtype="0" fill="hold" nodeType="clickEffect">
+                                  <p:stCondLst>
+                                    <p:cond delay="0"/>
+                                  </p:stCondLst>
+                                  <p:childTnLst>
+                                    <p:set>
+                                      <p:cBhvr>
+                                        <p:cTn id="6" dur="1" fill="hold">
+                                          <p:stCondLst>
+                                            <p:cond delay="0"/>
+                                          </p:stCondLst>
+                                        </p:cTn>
+                                        <p:tgtEl>
+                                          <p:spTgt spid="3">
+                                            <p:txEl>
+                                              <p:pRg st="3" end="3"/>
+                                            </p:txEl>
+                                          </p:spTgt>
+                                        </p:tgtEl>
+                                        <p:attrNameLst>
+                                          <p:attrName>style.visibility</p:attrName>
+                                        </p:attrNameLst>
+                                      </p:cBhvr>
+                                      <p:to>
+                                        <p:strVal val="visible"/>
+                                      </p:to>
+                                    </p:set>
+                                  </p:childTnLst>
+                                </p:cTn>
+                              </p:par>
+                              <p:par>
+                                <p:cTn id="7" presetID="1" presetClass="entr" presetSubtype="0" fill="hold" nodeType="withEffect">
+                                  <p:stCondLst>
+                                    <p:cond delay="0"/>
+                                  </p:stCondLst>
+                                  <p:childTnLst>
+                                    <p:set>
+                                      <p:cBhvr>
+                                        <p:cTn id="8" dur="1" fill="hold">
+                                          <p:stCondLst>
+                                            <p:cond delay="0"/>
+                                          </p:stCondLst>
+                                        </p:cTn>
+                                        <p:tgtEl>
+                                          <p:spTgt spid="3">
+                                            <p:txEl>
+                                              <p:pRg st="4" end="4"/>
+                                            </p:txEl>
+                                          </p:spTgt>
+                                        </p:tgtEl>
+                                        <p:attrNameLst>
+                                          <p:attrName>style.visibility</p:attrName>
+                                        </p:attrNameLst>
+                                      </p:cBhvr>
+                                      <p:to>
+                                        <p:strVal val="visible"/>
+                                      </p:to>
+                                    </p:set>
+                                  </p:childTnLst>
+                                </p:cTn>
+                              </p:par>
+                            </p:childTnLst>
+                          </p:cTn>
+                        </p:par>
+                      </p:childTnLst>
+                    </p:cTn>
+                  </p:par>
+                </p:childTnLst>
+              </p:cTn>
+              <p:prevCondLst>
+                <p:cond evt="onPrev" delay="0">
+                  <p:tgtEl>
+                    <p:sldTgt/>
+                  </p:tgtEl>
+                </p:cond>
+              </p:prevCondLst>
+              <p:nextCondLst>
+                <p:cond evt="onNext" delay="0">
+                  <p:tgtEl>
+                    <p:sldTgt/>
+                  </p:tgtEl>
+                </p:cond>
+              </p:nextCondLst>
+            </p:seq>
+          </p:childTnLst>
+        </p:cTn>
+      </p:par>
+    </p:tnLst>
+  </p:timing>
+</p:sld>
+</file>
+
+<file path=ppt/slides/slide50.xml><?xml version="1.0" encoding="utf-8"?>
+<p:sld xmlns:a="http://schemas.openxmlformats.org/drawingml/2006/main" xmlns:r="http://schemas.openxmlformats.org/officeDocument/2006/relationships" xmlns:p="http://schemas.openxmlformats.org/presentationml/2006/main">
+  <p:cSld>
+    <p:spTree>
+      <p:nvGrpSpPr>
+        <p:cNvPr id="1" name=""/>
+        <p:cNvGrpSpPr/>
+        <p:nvPr/>
+      </p:nvGrpSpPr>
+      <p:grpSpPr>
+        <a:xfrm>
+          <a:off x="0" y="0"/>
+          <a:ext cx="0" cy="0"/>
+          <a:chOff x="0" y="0"/>
+          <a:chExt cx="0" cy="0"/>
+        </a:xfrm>
+      </p:grpSpPr>
+      <p:sp>
+        <p:nvSpPr>
+          <p:cNvPr id="2" name="Title 1">
+            <a:extLst>
+              <a:ext uri="{FF2B5EF4-FFF2-40B4-BE49-F238E27FC236}">
+                <a16:creationId xmlns:a16="http://schemas.microsoft.com/office/drawing/2014/main" id="{3B3EA3CE-8DB0-40A5-B4A6-AFCE2156CC1F}"/>
+              </a:ext>
+            </a:extLst>
+          </p:cNvPr>
+          <p:cNvSpPr>
+            <a:spLocks noGrp="1"/>
+          </p:cNvSpPr>
+          <p:nvPr>
+            <p:ph type="title"/>
+          </p:nvPr>
+        </p:nvSpPr>
+        <p:spPr>
+          <a:xfrm>
+            <a:off x="838200" y="365125"/>
+            <a:ext cx="10515600" cy="620993"/>
+          </a:xfrm>
+        </p:spPr>
+        <p:txBody>
+          <a:bodyPr>
+            <a:normAutofit fontScale="90000"/>
+          </a:bodyPr>
+          <a:lstStyle/>
+          <a:p>
+            <a:r>
+              <a:rPr lang="en-US" dirty="0">
+                <a:latin typeface="+mn-lt"/>
+              </a:rPr>
               <a:t>Summary</a:t>
             </a:r>
             <a:endParaRPr lang="en-US" dirty="0"/>
@@ -42465,6 +42272,518 @@
 </file>
 
 <file path=ppt/slides/slide6.xml><?xml version="1.0" encoding="utf-8"?>
+<p:sld xmlns:a="http://schemas.openxmlformats.org/drawingml/2006/main" xmlns:r="http://schemas.openxmlformats.org/officeDocument/2006/relationships" xmlns:p="http://schemas.openxmlformats.org/presentationml/2006/main">
+  <p:cSld>
+    <p:spTree>
+      <p:nvGrpSpPr>
+        <p:cNvPr id="1" name=""/>
+        <p:cNvGrpSpPr/>
+        <p:nvPr/>
+      </p:nvGrpSpPr>
+      <p:grpSpPr>
+        <a:xfrm>
+          <a:off x="0" y="0"/>
+          <a:ext cx="0" cy="0"/>
+          <a:chOff x="0" y="0"/>
+          <a:chExt cx="0" cy="0"/>
+        </a:xfrm>
+      </p:grpSpPr>
+      <p:sp>
+        <p:nvSpPr>
+          <p:cNvPr id="2" name="Title 1">
+            <a:extLst>
+              <a:ext uri="{FF2B5EF4-FFF2-40B4-BE49-F238E27FC236}">
+                <a16:creationId xmlns:a16="http://schemas.microsoft.com/office/drawing/2014/main" id="{3B3EA3CE-8DB0-40A5-B4A6-AFCE2156CC1F}"/>
+              </a:ext>
+            </a:extLst>
+          </p:cNvPr>
+          <p:cNvSpPr>
+            <a:spLocks noGrp="1"/>
+          </p:cNvSpPr>
+          <p:nvPr>
+            <p:ph type="title"/>
+          </p:nvPr>
+        </p:nvSpPr>
+        <p:spPr>
+          <a:xfrm>
+            <a:off x="838200" y="365125"/>
+            <a:ext cx="10515600" cy="620993"/>
+          </a:xfrm>
+        </p:spPr>
+        <p:txBody>
+          <a:bodyPr>
+            <a:normAutofit fontScale="90000"/>
+          </a:bodyPr>
+          <a:lstStyle/>
+          <a:p>
+            <a:r>
+              <a:rPr lang="en-US" dirty="0">
+                <a:latin typeface="+mn-lt"/>
+              </a:rPr>
+              <a:t>Introduction to Social Network Analysis</a:t>
+            </a:r>
+            <a:endParaRPr lang="en-US" dirty="0"/>
+          </a:p>
+        </p:txBody>
+      </p:sp>
+      <p:sp>
+        <p:nvSpPr>
+          <p:cNvPr id="3" name="Content Placeholder 2">
+            <a:extLst>
+              <a:ext uri="{FF2B5EF4-FFF2-40B4-BE49-F238E27FC236}">
+                <a16:creationId xmlns:a16="http://schemas.microsoft.com/office/drawing/2014/main" id="{CA03134D-F068-4BC9-B038-F3D5CBDDE3F9}"/>
+              </a:ext>
+            </a:extLst>
+          </p:cNvPr>
+          <p:cNvSpPr>
+            <a:spLocks noGrp="1"/>
+          </p:cNvSpPr>
+          <p:nvPr>
+            <p:ph idx="1"/>
+          </p:nvPr>
+        </p:nvSpPr>
+        <p:spPr>
+          <a:xfrm>
+            <a:off x="775447" y="1208868"/>
+            <a:ext cx="10515600" cy="5447426"/>
+          </a:xfrm>
+        </p:spPr>
+        <p:txBody>
+          <a:bodyPr>
+            <a:normAutofit/>
+          </a:bodyPr>
+          <a:lstStyle/>
+          <a:p>
+            <a:pPr marL="0" indent="0">
+              <a:buNone/>
+            </a:pPr>
+            <a:r>
+              <a:rPr lang="en-US" dirty="0"/>
+              <a:t>Analysis to determine </a:t>
+            </a:r>
+            <a:r>
+              <a:rPr lang="en-US" b="1" dirty="0"/>
+              <a:t>community structure</a:t>
+            </a:r>
+            <a:r>
+              <a:rPr lang="en-US" dirty="0"/>
+              <a:t> in networks </a:t>
+            </a:r>
+          </a:p>
+          <a:p>
+            <a:r>
+              <a:rPr lang="en-US" dirty="0"/>
+              <a:t>Discover regions of dense connections in the network, </a:t>
+            </a:r>
+            <a:r>
+              <a:rPr lang="en-US" b="1" dirty="0"/>
+              <a:t>cores</a:t>
+            </a:r>
+            <a:r>
+              <a:rPr lang="en-US" dirty="0"/>
+              <a:t> </a:t>
+            </a:r>
+          </a:p>
+          <a:p>
+            <a:r>
+              <a:rPr lang="en-US" dirty="0"/>
+              <a:t>Discover and </a:t>
+            </a:r>
+            <a:r>
+              <a:rPr lang="en-US" b="1" dirty="0"/>
+              <a:t>partition distinct communities </a:t>
+            </a:r>
+            <a:r>
+              <a:rPr lang="en-US" dirty="0"/>
+              <a:t>within the networks</a:t>
+            </a:r>
+          </a:p>
+          <a:p>
+            <a:r>
+              <a:rPr lang="en-US" dirty="0"/>
+              <a:t>Find </a:t>
+            </a:r>
+            <a:r>
+              <a:rPr lang="en-US" b="1" dirty="0"/>
+              <a:t>highly influential nodes </a:t>
+            </a:r>
+            <a:r>
+              <a:rPr lang="en-US" dirty="0"/>
+              <a:t>in the network</a:t>
+            </a:r>
+          </a:p>
+          <a:p>
+            <a:r>
+              <a:rPr lang="en-US" dirty="0"/>
+              <a:t>Community analysis is largely </a:t>
+            </a:r>
+            <a:r>
+              <a:rPr lang="en-US" b="1" dirty="0"/>
+              <a:t>unsupervised learning</a:t>
+            </a:r>
+          </a:p>
+          <a:p>
+            <a:pPr lvl="1"/>
+            <a:r>
+              <a:rPr lang="en-US" dirty="0"/>
+              <a:t>Rarely know ground truth</a:t>
+            </a:r>
+          </a:p>
+          <a:p>
+            <a:pPr lvl="1"/>
+            <a:r>
+              <a:rPr lang="en-US" dirty="0"/>
+              <a:t>Often requires some judgement or domain knowledge </a:t>
+            </a:r>
+          </a:p>
+          <a:p>
+            <a:pPr lvl="1"/>
+            <a:r>
+              <a:rPr lang="en-US" dirty="0"/>
+              <a:t>Different models can provide different views and insights </a:t>
+            </a:r>
+          </a:p>
+          <a:p>
+            <a:endParaRPr lang="en-US" dirty="0"/>
+          </a:p>
+          <a:p>
+            <a:endParaRPr lang="en-US" dirty="0"/>
+          </a:p>
+        </p:txBody>
+      </p:sp>
+    </p:spTree>
+    <p:extLst>
+      <p:ext uri="{BB962C8B-B14F-4D97-AF65-F5344CB8AC3E}">
+        <p14:creationId xmlns:p14="http://schemas.microsoft.com/office/powerpoint/2010/main" val="2719513742"/>
+      </p:ext>
+    </p:extLst>
+  </p:cSld>
+  <p:clrMapOvr>
+    <a:masterClrMapping/>
+  </p:clrMapOvr>
+  <p:timing>
+    <p:tnLst>
+      <p:par>
+        <p:cTn id="1" dur="indefinite" restart="never" nodeType="tmRoot">
+          <p:childTnLst>
+            <p:seq concurrent="1" nextAc="seek">
+              <p:cTn id="2" dur="indefinite" nodeType="mainSeq">
+                <p:childTnLst>
+                  <p:par>
+                    <p:cTn id="3" fill="hold">
+                      <p:stCondLst>
+                        <p:cond delay="indefinite"/>
+                      </p:stCondLst>
+                      <p:childTnLst>
+                        <p:par>
+                          <p:cTn id="4" fill="hold">
+                            <p:stCondLst>
+                              <p:cond delay="0"/>
+                            </p:stCondLst>
+                            <p:childTnLst>
+                              <p:par>
+                                <p:cTn id="5" presetID="1" presetClass="entr" presetSubtype="0" fill="hold" nodeType="clickEffect">
+                                  <p:stCondLst>
+                                    <p:cond delay="0"/>
+                                  </p:stCondLst>
+                                  <p:childTnLst>
+                                    <p:set>
+                                      <p:cBhvr>
+                                        <p:cTn id="6" dur="1" fill="hold">
+                                          <p:stCondLst>
+                                            <p:cond delay="0"/>
+                                          </p:stCondLst>
+                                        </p:cTn>
+                                        <p:tgtEl>
+                                          <p:spTgt spid="3">
+                                            <p:txEl>
+                                              <p:pRg st="1" end="1"/>
+                                            </p:txEl>
+                                          </p:spTgt>
+                                        </p:tgtEl>
+                                        <p:attrNameLst>
+                                          <p:attrName>style.visibility</p:attrName>
+                                        </p:attrNameLst>
+                                      </p:cBhvr>
+                                      <p:to>
+                                        <p:strVal val="visible"/>
+                                      </p:to>
+                                    </p:set>
+                                  </p:childTnLst>
+                                </p:cTn>
+                              </p:par>
+                            </p:childTnLst>
+                          </p:cTn>
+                        </p:par>
+                      </p:childTnLst>
+                    </p:cTn>
+                  </p:par>
+                  <p:par>
+                    <p:cTn id="7" fill="hold">
+                      <p:stCondLst>
+                        <p:cond delay="indefinite"/>
+                      </p:stCondLst>
+                      <p:childTnLst>
+                        <p:par>
+                          <p:cTn id="8" fill="hold">
+                            <p:stCondLst>
+                              <p:cond delay="0"/>
+                            </p:stCondLst>
+                            <p:childTnLst>
+                              <p:par>
+                                <p:cTn id="9" presetID="1" presetClass="entr" presetSubtype="0" fill="hold" nodeType="clickEffect">
+                                  <p:stCondLst>
+                                    <p:cond delay="0"/>
+                                  </p:stCondLst>
+                                  <p:childTnLst>
+                                    <p:set>
+                                      <p:cBhvr>
+                                        <p:cTn id="10" dur="1" fill="hold">
+                                          <p:stCondLst>
+                                            <p:cond delay="0"/>
+                                          </p:stCondLst>
+                                        </p:cTn>
+                                        <p:tgtEl>
+                                          <p:spTgt spid="3">
+                                            <p:txEl>
+                                              <p:pRg st="2" end="2"/>
+                                            </p:txEl>
+                                          </p:spTgt>
+                                        </p:tgtEl>
+                                        <p:attrNameLst>
+                                          <p:attrName>style.visibility</p:attrName>
+                                        </p:attrNameLst>
+                                      </p:cBhvr>
+                                      <p:to>
+                                        <p:strVal val="visible"/>
+                                      </p:to>
+                                    </p:set>
+                                  </p:childTnLst>
+                                </p:cTn>
+                              </p:par>
+                            </p:childTnLst>
+                          </p:cTn>
+                        </p:par>
+                      </p:childTnLst>
+                    </p:cTn>
+                  </p:par>
+                  <p:par>
+                    <p:cTn id="11" fill="hold">
+                      <p:stCondLst>
+                        <p:cond delay="indefinite"/>
+                      </p:stCondLst>
+                      <p:childTnLst>
+                        <p:par>
+                          <p:cTn id="12" fill="hold">
+                            <p:stCondLst>
+                              <p:cond delay="0"/>
+                            </p:stCondLst>
+                            <p:childTnLst>
+                              <p:par>
+                                <p:cTn id="13" presetID="1" presetClass="entr" presetSubtype="0" fill="hold" nodeType="clickEffect">
+                                  <p:stCondLst>
+                                    <p:cond delay="0"/>
+                                  </p:stCondLst>
+                                  <p:childTnLst>
+                                    <p:set>
+                                      <p:cBhvr>
+                                        <p:cTn id="14" dur="1" fill="hold">
+                                          <p:stCondLst>
+                                            <p:cond delay="0"/>
+                                          </p:stCondLst>
+                                        </p:cTn>
+                                        <p:tgtEl>
+                                          <p:spTgt spid="3">
+                                            <p:txEl>
+                                              <p:pRg st="3" end="3"/>
+                                            </p:txEl>
+                                          </p:spTgt>
+                                        </p:tgtEl>
+                                        <p:attrNameLst>
+                                          <p:attrName>style.visibility</p:attrName>
+                                        </p:attrNameLst>
+                                      </p:cBhvr>
+                                      <p:to>
+                                        <p:strVal val="visible"/>
+                                      </p:to>
+                                    </p:set>
+                                  </p:childTnLst>
+                                </p:cTn>
+                              </p:par>
+                            </p:childTnLst>
+                          </p:cTn>
+                        </p:par>
+                      </p:childTnLst>
+                    </p:cTn>
+                  </p:par>
+                  <p:par>
+                    <p:cTn id="15" fill="hold">
+                      <p:stCondLst>
+                        <p:cond delay="indefinite"/>
+                      </p:stCondLst>
+                      <p:childTnLst>
+                        <p:par>
+                          <p:cTn id="16" fill="hold">
+                            <p:stCondLst>
+                              <p:cond delay="0"/>
+                            </p:stCondLst>
+                            <p:childTnLst>
+                              <p:par>
+                                <p:cTn id="17" presetID="1" presetClass="entr" presetSubtype="0" fill="hold" nodeType="clickEffect">
+                                  <p:stCondLst>
+                                    <p:cond delay="0"/>
+                                  </p:stCondLst>
+                                  <p:childTnLst>
+                                    <p:set>
+                                      <p:cBhvr>
+                                        <p:cTn id="18" dur="1" fill="hold">
+                                          <p:stCondLst>
+                                            <p:cond delay="0"/>
+                                          </p:stCondLst>
+                                        </p:cTn>
+                                        <p:tgtEl>
+                                          <p:spTgt spid="3">
+                                            <p:txEl>
+                                              <p:pRg st="4" end="4"/>
+                                            </p:txEl>
+                                          </p:spTgt>
+                                        </p:tgtEl>
+                                        <p:attrNameLst>
+                                          <p:attrName>style.visibility</p:attrName>
+                                        </p:attrNameLst>
+                                      </p:cBhvr>
+                                      <p:to>
+                                        <p:strVal val="visible"/>
+                                      </p:to>
+                                    </p:set>
+                                  </p:childTnLst>
+                                </p:cTn>
+                              </p:par>
+                              <p:par>
+                                <p:cTn id="19" presetID="1" presetClass="entr" presetSubtype="0" fill="hold" nodeType="withEffect">
+                                  <p:stCondLst>
+                                    <p:cond delay="0"/>
+                                  </p:stCondLst>
+                                  <p:childTnLst>
+                                    <p:set>
+                                      <p:cBhvr>
+                                        <p:cTn id="20" dur="1" fill="hold">
+                                          <p:stCondLst>
+                                            <p:cond delay="0"/>
+                                          </p:stCondLst>
+                                        </p:cTn>
+                                        <p:tgtEl>
+                                          <p:spTgt spid="3">
+                                            <p:txEl>
+                                              <p:pRg st="5" end="5"/>
+                                            </p:txEl>
+                                          </p:spTgt>
+                                        </p:tgtEl>
+                                        <p:attrNameLst>
+                                          <p:attrName>style.visibility</p:attrName>
+                                        </p:attrNameLst>
+                                      </p:cBhvr>
+                                      <p:to>
+                                        <p:strVal val="visible"/>
+                                      </p:to>
+                                    </p:set>
+                                  </p:childTnLst>
+                                </p:cTn>
+                              </p:par>
+                              <p:par>
+                                <p:cTn id="21" presetID="1" presetClass="entr" presetSubtype="0" fill="hold" nodeType="withEffect">
+                                  <p:stCondLst>
+                                    <p:cond delay="0"/>
+                                  </p:stCondLst>
+                                  <p:childTnLst>
+                                    <p:set>
+                                      <p:cBhvr>
+                                        <p:cTn id="22" dur="1" fill="hold">
+                                          <p:stCondLst>
+                                            <p:cond delay="0"/>
+                                          </p:stCondLst>
+                                        </p:cTn>
+                                        <p:tgtEl>
+                                          <p:spTgt spid="3">
+                                            <p:txEl>
+                                              <p:pRg st="6" end="6"/>
+                                            </p:txEl>
+                                          </p:spTgt>
+                                        </p:tgtEl>
+                                        <p:attrNameLst>
+                                          <p:attrName>style.visibility</p:attrName>
+                                        </p:attrNameLst>
+                                      </p:cBhvr>
+                                      <p:to>
+                                        <p:strVal val="visible"/>
+                                      </p:to>
+                                    </p:set>
+                                  </p:childTnLst>
+                                </p:cTn>
+                              </p:par>
+                              <p:par>
+                                <p:cTn id="23" presetID="1" presetClass="entr" presetSubtype="0" fill="hold" nodeType="withEffect">
+                                  <p:stCondLst>
+                                    <p:cond delay="0"/>
+                                  </p:stCondLst>
+                                  <p:childTnLst>
+                                    <p:set>
+                                      <p:cBhvr>
+                                        <p:cTn id="24" dur="1" fill="hold">
+                                          <p:stCondLst>
+                                            <p:cond delay="0"/>
+                                          </p:stCondLst>
+                                        </p:cTn>
+                                        <p:tgtEl>
+                                          <p:spTgt spid="3">
+                                            <p:txEl>
+                                              <p:pRg st="7" end="7"/>
+                                            </p:txEl>
+                                          </p:spTgt>
+                                        </p:tgtEl>
+                                        <p:attrNameLst>
+                                          <p:attrName>style.visibility</p:attrName>
+                                        </p:attrNameLst>
+                                      </p:cBhvr>
+                                      <p:to>
+                                        <p:strVal val="visible"/>
+                                      </p:to>
+                                    </p:set>
+                                  </p:childTnLst>
+                                </p:cTn>
+                              </p:par>
+                            </p:childTnLst>
+                          </p:cTn>
+                        </p:par>
+                      </p:childTnLst>
+                    </p:cTn>
+                  </p:par>
+                </p:childTnLst>
+              </p:cTn>
+              <p:prevCondLst>
+                <p:cond evt="onPrev" delay="0">
+                  <p:tgtEl>
+                    <p:sldTgt/>
+                  </p:tgtEl>
+                </p:cond>
+              </p:prevCondLst>
+              <p:nextCondLst>
+                <p:cond evt="onNext" delay="0">
+                  <p:tgtEl>
+                    <p:sldTgt/>
+                  </p:tgtEl>
+                </p:cond>
+              </p:nextCondLst>
+            </p:seq>
+          </p:childTnLst>
+        </p:cTn>
+      </p:par>
+    </p:tnLst>
+  </p:timing>
+</p:sld>
+</file>
+
+<file path=ppt/slides/slide7.xml><?xml version="1.0" encoding="utf-8"?>
 <p:sld xmlns:a="http://schemas.openxmlformats.org/drawingml/2006/main" xmlns:r="http://schemas.openxmlformats.org/officeDocument/2006/relationships" xmlns:p="http://schemas.openxmlformats.org/presentationml/2006/main">
   <p:cSld>
     <p:spTree>
@@ -42948,7 +43267,7 @@
 </p:sld>
 </file>
 
-<file path=ppt/slides/slide7.xml><?xml version="1.0" encoding="utf-8"?>
+<file path=ppt/slides/slide8.xml><?xml version="1.0" encoding="utf-8"?>
 <p:sld xmlns:a="http://schemas.openxmlformats.org/drawingml/2006/main" xmlns:r="http://schemas.openxmlformats.org/officeDocument/2006/relationships" xmlns:p="http://schemas.openxmlformats.org/presentationml/2006/main">
   <p:cSld>
     <p:spTree>
@@ -43461,7 +43780,7 @@
 </p:sld>
 </file>
 
-<file path=ppt/slides/slide8.xml><?xml version="1.0" encoding="utf-8"?>
+<file path=ppt/slides/slide9.xml><?xml version="1.0" encoding="utf-8"?>
 <p:sld xmlns:a="http://schemas.openxmlformats.org/drawingml/2006/main" xmlns:r="http://schemas.openxmlformats.org/officeDocument/2006/relationships" xmlns:p="http://schemas.openxmlformats.org/presentationml/2006/main">
   <p:cSld>
     <p:spTree>
@@ -44034,563 +44353,6 @@
                                           <p:spTgt spid="3">
                                             <p:txEl>
                                               <p:pRg st="10" end="10"/>
-                                            </p:txEl>
-                                          </p:spTgt>
-                                        </p:tgtEl>
-                                        <p:attrNameLst>
-                                          <p:attrName>style.visibility</p:attrName>
-                                        </p:attrNameLst>
-                                      </p:cBhvr>
-                                      <p:to>
-                                        <p:strVal val="visible"/>
-                                      </p:to>
-                                    </p:set>
-                                  </p:childTnLst>
-                                </p:cTn>
-                              </p:par>
-                            </p:childTnLst>
-                          </p:cTn>
-                        </p:par>
-                      </p:childTnLst>
-                    </p:cTn>
-                  </p:par>
-                </p:childTnLst>
-              </p:cTn>
-              <p:prevCondLst>
-                <p:cond evt="onPrev" delay="0">
-                  <p:tgtEl>
-                    <p:sldTgt/>
-                  </p:tgtEl>
-                </p:cond>
-              </p:prevCondLst>
-              <p:nextCondLst>
-                <p:cond evt="onNext" delay="0">
-                  <p:tgtEl>
-                    <p:sldTgt/>
-                  </p:tgtEl>
-                </p:cond>
-              </p:nextCondLst>
-            </p:seq>
-          </p:childTnLst>
-        </p:cTn>
-      </p:par>
-    </p:tnLst>
-  </p:timing>
-</p:sld>
-</file>
-
-<file path=ppt/slides/slide9.xml><?xml version="1.0" encoding="utf-8"?>
-<p:sld xmlns:a="http://schemas.openxmlformats.org/drawingml/2006/main" xmlns:r="http://schemas.openxmlformats.org/officeDocument/2006/relationships" xmlns:p="http://schemas.openxmlformats.org/presentationml/2006/main">
-  <p:cSld>
-    <p:spTree>
-      <p:nvGrpSpPr>
-        <p:cNvPr id="1" name=""/>
-        <p:cNvGrpSpPr/>
-        <p:nvPr/>
-      </p:nvGrpSpPr>
-      <p:grpSpPr>
-        <a:xfrm>
-          <a:off x="0" y="0"/>
-          <a:ext cx="0" cy="0"/>
-          <a:chOff x="0" y="0"/>
-          <a:chExt cx="0" cy="0"/>
-        </a:xfrm>
-      </p:grpSpPr>
-      <p:sp>
-        <p:nvSpPr>
-          <p:cNvPr id="2" name="Title 1">
-            <a:extLst>
-              <a:ext uri="{FF2B5EF4-FFF2-40B4-BE49-F238E27FC236}">
-                <a16:creationId xmlns:a16="http://schemas.microsoft.com/office/drawing/2014/main" id="{3B3EA3CE-8DB0-40A5-B4A6-AFCE2156CC1F}"/>
-              </a:ext>
-            </a:extLst>
-          </p:cNvPr>
-          <p:cNvSpPr>
-            <a:spLocks noGrp="1"/>
-          </p:cNvSpPr>
-          <p:nvPr>
-            <p:ph type="title"/>
-          </p:nvPr>
-        </p:nvSpPr>
-        <p:spPr>
-          <a:xfrm>
-            <a:off x="838200" y="365125"/>
-            <a:ext cx="10515600" cy="620993"/>
-          </a:xfrm>
-        </p:spPr>
-        <p:txBody>
-          <a:bodyPr>
-            <a:normAutofit fontScale="90000"/>
-          </a:bodyPr>
-          <a:lstStyle/>
-          <a:p>
-            <a:r>
-              <a:rPr lang="en-US" dirty="0">
-                <a:latin typeface="+mn-lt"/>
-              </a:rPr>
-              <a:t>Pitfalls in Social Network Analysis</a:t>
-            </a:r>
-            <a:endParaRPr lang="en-US" dirty="0"/>
-          </a:p>
-        </p:txBody>
-      </p:sp>
-      <p:sp>
-        <p:nvSpPr>
-          <p:cNvPr id="3" name="Content Placeholder 2">
-            <a:extLst>
-              <a:ext uri="{FF2B5EF4-FFF2-40B4-BE49-F238E27FC236}">
-                <a16:creationId xmlns:a16="http://schemas.microsoft.com/office/drawing/2014/main" id="{CA03134D-F068-4BC9-B038-F3D5CBDDE3F9}"/>
-              </a:ext>
-            </a:extLst>
-          </p:cNvPr>
-          <p:cNvSpPr>
-            <a:spLocks noGrp="1"/>
-          </p:cNvSpPr>
-          <p:nvPr>
-            <p:ph idx="1"/>
-          </p:nvPr>
-        </p:nvSpPr>
-        <p:spPr>
-          <a:xfrm>
-            <a:off x="775447" y="1208868"/>
-            <a:ext cx="10515600" cy="5447426"/>
-          </a:xfrm>
-        </p:spPr>
-        <p:txBody>
-          <a:bodyPr>
-            <a:normAutofit/>
-          </a:bodyPr>
-          <a:lstStyle/>
-          <a:p>
-            <a:pPr marL="0" indent="0">
-              <a:buNone/>
-            </a:pPr>
-            <a:r>
-              <a:rPr lang="en-US" dirty="0"/>
-              <a:t>Unsupervised learning of community structure has pitfalls </a:t>
-            </a:r>
-          </a:p>
-          <a:p>
-            <a:r>
-              <a:rPr lang="en-US" dirty="0"/>
-              <a:t>No hard definitions or thresholds</a:t>
-            </a:r>
-          </a:p>
-          <a:p>
-            <a:pPr lvl="1"/>
-            <a:r>
-              <a:rPr lang="en-US" dirty="0"/>
-              <a:t>How can you define dense? </a:t>
-            </a:r>
-          </a:p>
-          <a:p>
-            <a:pPr lvl="1"/>
-            <a:r>
-              <a:rPr lang="en-US" dirty="0"/>
-              <a:t>How dense is a core? </a:t>
-            </a:r>
-          </a:p>
-          <a:p>
-            <a:r>
-              <a:rPr lang="en-US" dirty="0"/>
-              <a:t>How many communities are there? </a:t>
-            </a:r>
-          </a:p>
-          <a:p>
-            <a:pPr lvl="1"/>
-            <a:r>
-              <a:rPr lang="en-US" dirty="0"/>
-              <a:t>Communities may have </a:t>
-            </a:r>
-            <a:r>
-              <a:rPr lang="en-US" b="1" dirty="0"/>
-              <a:t>subcommunities</a:t>
-            </a:r>
-            <a:r>
-              <a:rPr lang="en-US" dirty="0"/>
-              <a:t>   </a:t>
-            </a:r>
-          </a:p>
-          <a:p>
-            <a:r>
-              <a:rPr lang="en-US" dirty="0"/>
-              <a:t>Communities may overlap – not independent or unique</a:t>
-            </a:r>
-          </a:p>
-          <a:p>
-            <a:pPr lvl="1"/>
-            <a:r>
-              <a:rPr lang="en-US" dirty="0"/>
-              <a:t>Example: members of two clubs </a:t>
-            </a:r>
-          </a:p>
-          <a:p>
-            <a:pPr lvl="1"/>
-            <a:r>
-              <a:rPr lang="en-US" dirty="0"/>
-              <a:t>Example: people in occupations and members of political parties  </a:t>
-            </a:r>
-          </a:p>
-          <a:p>
-            <a:r>
-              <a:rPr lang="en-US" dirty="0"/>
-              <a:t>Evaluation is never fully objective </a:t>
-            </a:r>
-          </a:p>
-          <a:p>
-            <a:endParaRPr lang="en-US" dirty="0"/>
-          </a:p>
-        </p:txBody>
-      </p:sp>
-    </p:spTree>
-    <p:extLst>
-      <p:ext uri="{BB962C8B-B14F-4D97-AF65-F5344CB8AC3E}">
-        <p14:creationId xmlns:p14="http://schemas.microsoft.com/office/powerpoint/2010/main" val="373737149"/>
-      </p:ext>
-    </p:extLst>
-  </p:cSld>
-  <p:clrMapOvr>
-    <a:masterClrMapping/>
-  </p:clrMapOvr>
-  <p:timing>
-    <p:tnLst>
-      <p:par>
-        <p:cTn id="1" dur="indefinite" restart="never" nodeType="tmRoot">
-          <p:childTnLst>
-            <p:seq concurrent="1" nextAc="seek">
-              <p:cTn id="2" dur="indefinite" nodeType="mainSeq">
-                <p:childTnLst>
-                  <p:par>
-                    <p:cTn id="3" fill="hold">
-                      <p:stCondLst>
-                        <p:cond delay="indefinite"/>
-                      </p:stCondLst>
-                      <p:childTnLst>
-                        <p:par>
-                          <p:cTn id="4" fill="hold">
-                            <p:stCondLst>
-                              <p:cond delay="0"/>
-                            </p:stCondLst>
-                            <p:childTnLst>
-                              <p:par>
-                                <p:cTn id="5" presetID="1" presetClass="entr" presetSubtype="0" fill="hold" nodeType="clickEffect">
-                                  <p:stCondLst>
-                                    <p:cond delay="0"/>
-                                  </p:stCondLst>
-                                  <p:childTnLst>
-                                    <p:set>
-                                      <p:cBhvr>
-                                        <p:cTn id="6" dur="1" fill="hold">
-                                          <p:stCondLst>
-                                            <p:cond delay="0"/>
-                                          </p:stCondLst>
-                                        </p:cTn>
-                                        <p:tgtEl>
-                                          <p:spTgt spid="3">
-                                            <p:txEl>
-                                              <p:pRg st="1" end="1"/>
-                                            </p:txEl>
-                                          </p:spTgt>
-                                        </p:tgtEl>
-                                        <p:attrNameLst>
-                                          <p:attrName>style.visibility</p:attrName>
-                                        </p:attrNameLst>
-                                      </p:cBhvr>
-                                      <p:to>
-                                        <p:strVal val="visible"/>
-                                      </p:to>
-                                    </p:set>
-                                  </p:childTnLst>
-                                </p:cTn>
-                              </p:par>
-                              <p:par>
-                                <p:cTn id="7" presetID="1" presetClass="entr" presetSubtype="0" fill="hold" nodeType="withEffect">
-                                  <p:stCondLst>
-                                    <p:cond delay="0"/>
-                                  </p:stCondLst>
-                                  <p:childTnLst>
-                                    <p:set>
-                                      <p:cBhvr>
-                                        <p:cTn id="8" dur="1" fill="hold">
-                                          <p:stCondLst>
-                                            <p:cond delay="0"/>
-                                          </p:stCondLst>
-                                        </p:cTn>
-                                        <p:tgtEl>
-                                          <p:spTgt spid="3">
-                                            <p:txEl>
-                                              <p:pRg st="2" end="2"/>
-                                            </p:txEl>
-                                          </p:spTgt>
-                                        </p:tgtEl>
-                                        <p:attrNameLst>
-                                          <p:attrName>style.visibility</p:attrName>
-                                        </p:attrNameLst>
-                                      </p:cBhvr>
-                                      <p:to>
-                                        <p:strVal val="visible"/>
-                                      </p:to>
-                                    </p:set>
-                                  </p:childTnLst>
-                                </p:cTn>
-                              </p:par>
-                              <p:par>
-                                <p:cTn id="9" presetID="1" presetClass="entr" presetSubtype="0" fill="hold" nodeType="withEffect">
-                                  <p:stCondLst>
-                                    <p:cond delay="0"/>
-                                  </p:stCondLst>
-                                  <p:childTnLst>
-                                    <p:set>
-                                      <p:cBhvr>
-                                        <p:cTn id="10" dur="1" fill="hold">
-                                          <p:stCondLst>
-                                            <p:cond delay="0"/>
-                                          </p:stCondLst>
-                                        </p:cTn>
-                                        <p:tgtEl>
-                                          <p:spTgt spid="3">
-                                            <p:txEl>
-                                              <p:pRg st="3" end="3"/>
-                                            </p:txEl>
-                                          </p:spTgt>
-                                        </p:tgtEl>
-                                        <p:attrNameLst>
-                                          <p:attrName>style.visibility</p:attrName>
-                                        </p:attrNameLst>
-                                      </p:cBhvr>
-                                      <p:to>
-                                        <p:strVal val="visible"/>
-                                      </p:to>
-                                    </p:set>
-                                  </p:childTnLst>
-                                </p:cTn>
-                              </p:par>
-                            </p:childTnLst>
-                          </p:cTn>
-                        </p:par>
-                      </p:childTnLst>
-                    </p:cTn>
-                  </p:par>
-                  <p:par>
-                    <p:cTn id="11" fill="hold">
-                      <p:stCondLst>
-                        <p:cond delay="indefinite"/>
-                      </p:stCondLst>
-                      <p:childTnLst>
-                        <p:par>
-                          <p:cTn id="12" fill="hold">
-                            <p:stCondLst>
-                              <p:cond delay="0"/>
-                            </p:stCondLst>
-                            <p:childTnLst>
-                              <p:par>
-                                <p:cTn id="13" presetID="1" presetClass="entr" presetSubtype="0" fill="hold" nodeType="clickEffect">
-                                  <p:stCondLst>
-                                    <p:cond delay="0"/>
-                                  </p:stCondLst>
-                                  <p:childTnLst>
-                                    <p:set>
-                                      <p:cBhvr>
-                                        <p:cTn id="14" dur="1" fill="hold">
-                                          <p:stCondLst>
-                                            <p:cond delay="0"/>
-                                          </p:stCondLst>
-                                        </p:cTn>
-                                        <p:tgtEl>
-                                          <p:spTgt spid="3">
-                                            <p:txEl>
-                                              <p:pRg st="4" end="4"/>
-                                            </p:txEl>
-                                          </p:spTgt>
-                                        </p:tgtEl>
-                                        <p:attrNameLst>
-                                          <p:attrName>style.visibility</p:attrName>
-                                        </p:attrNameLst>
-                                      </p:cBhvr>
-                                      <p:to>
-                                        <p:strVal val="visible"/>
-                                      </p:to>
-                                    </p:set>
-                                  </p:childTnLst>
-                                </p:cTn>
-                              </p:par>
-                              <p:par>
-                                <p:cTn id="15" presetID="1" presetClass="entr" presetSubtype="0" fill="hold" nodeType="withEffect">
-                                  <p:stCondLst>
-                                    <p:cond delay="0"/>
-                                  </p:stCondLst>
-                                  <p:childTnLst>
-                                    <p:set>
-                                      <p:cBhvr>
-                                        <p:cTn id="16" dur="1" fill="hold">
-                                          <p:stCondLst>
-                                            <p:cond delay="0"/>
-                                          </p:stCondLst>
-                                        </p:cTn>
-                                        <p:tgtEl>
-                                          <p:spTgt spid="3">
-                                            <p:txEl>
-                                              <p:pRg st="5" end="5"/>
-                                            </p:txEl>
-                                          </p:spTgt>
-                                        </p:tgtEl>
-                                        <p:attrNameLst>
-                                          <p:attrName>style.visibility</p:attrName>
-                                        </p:attrNameLst>
-                                      </p:cBhvr>
-                                      <p:to>
-                                        <p:strVal val="visible"/>
-                                      </p:to>
-                                    </p:set>
-                                  </p:childTnLst>
-                                </p:cTn>
-                              </p:par>
-                            </p:childTnLst>
-                          </p:cTn>
-                        </p:par>
-                      </p:childTnLst>
-                    </p:cTn>
-                  </p:par>
-                  <p:par>
-                    <p:cTn id="17" fill="hold">
-                      <p:stCondLst>
-                        <p:cond delay="indefinite"/>
-                      </p:stCondLst>
-                      <p:childTnLst>
-                        <p:par>
-                          <p:cTn id="18" fill="hold">
-                            <p:stCondLst>
-                              <p:cond delay="0"/>
-                            </p:stCondLst>
-                            <p:childTnLst>
-                              <p:par>
-                                <p:cTn id="19" presetID="1" presetClass="entr" presetSubtype="0" fill="hold" nodeType="clickEffect">
-                                  <p:stCondLst>
-                                    <p:cond delay="0"/>
-                                  </p:stCondLst>
-                                  <p:childTnLst>
-                                    <p:set>
-                                      <p:cBhvr>
-                                        <p:cTn id="20" dur="1" fill="hold">
-                                          <p:stCondLst>
-                                            <p:cond delay="0"/>
-                                          </p:stCondLst>
-                                        </p:cTn>
-                                        <p:tgtEl>
-                                          <p:spTgt spid="3">
-                                            <p:txEl>
-                                              <p:pRg st="6" end="6"/>
-                                            </p:txEl>
-                                          </p:spTgt>
-                                        </p:tgtEl>
-                                        <p:attrNameLst>
-                                          <p:attrName>style.visibility</p:attrName>
-                                        </p:attrNameLst>
-                                      </p:cBhvr>
-                                      <p:to>
-                                        <p:strVal val="visible"/>
-                                      </p:to>
-                                    </p:set>
-                                  </p:childTnLst>
-                                </p:cTn>
-                              </p:par>
-                              <p:par>
-                                <p:cTn id="21" presetID="1" presetClass="entr" presetSubtype="0" fill="hold" nodeType="withEffect">
-                                  <p:stCondLst>
-                                    <p:cond delay="0"/>
-                                  </p:stCondLst>
-                                  <p:childTnLst>
-                                    <p:set>
-                                      <p:cBhvr>
-                                        <p:cTn id="22" dur="1" fill="hold">
-                                          <p:stCondLst>
-                                            <p:cond delay="0"/>
-                                          </p:stCondLst>
-                                        </p:cTn>
-                                        <p:tgtEl>
-                                          <p:spTgt spid="3">
-                                            <p:txEl>
-                                              <p:pRg st="7" end="7"/>
-                                            </p:txEl>
-                                          </p:spTgt>
-                                        </p:tgtEl>
-                                        <p:attrNameLst>
-                                          <p:attrName>style.visibility</p:attrName>
-                                        </p:attrNameLst>
-                                      </p:cBhvr>
-                                      <p:to>
-                                        <p:strVal val="visible"/>
-                                      </p:to>
-                                    </p:set>
-                                  </p:childTnLst>
-                                </p:cTn>
-                              </p:par>
-                              <p:par>
-                                <p:cTn id="23" presetID="1" presetClass="entr" presetSubtype="0" fill="hold" nodeType="withEffect">
-                                  <p:stCondLst>
-                                    <p:cond delay="0"/>
-                                  </p:stCondLst>
-                                  <p:childTnLst>
-                                    <p:set>
-                                      <p:cBhvr>
-                                        <p:cTn id="24" dur="1" fill="hold">
-                                          <p:stCondLst>
-                                            <p:cond delay="0"/>
-                                          </p:stCondLst>
-                                        </p:cTn>
-                                        <p:tgtEl>
-                                          <p:spTgt spid="3">
-                                            <p:txEl>
-                                              <p:pRg st="8" end="8"/>
-                                            </p:txEl>
-                                          </p:spTgt>
-                                        </p:tgtEl>
-                                        <p:attrNameLst>
-                                          <p:attrName>style.visibility</p:attrName>
-                                        </p:attrNameLst>
-                                      </p:cBhvr>
-                                      <p:to>
-                                        <p:strVal val="visible"/>
-                                      </p:to>
-                                    </p:set>
-                                  </p:childTnLst>
-                                </p:cTn>
-                              </p:par>
-                            </p:childTnLst>
-                          </p:cTn>
-                        </p:par>
-                      </p:childTnLst>
-                    </p:cTn>
-                  </p:par>
-                  <p:par>
-                    <p:cTn id="25" fill="hold">
-                      <p:stCondLst>
-                        <p:cond delay="indefinite"/>
-                      </p:stCondLst>
-                      <p:childTnLst>
-                        <p:par>
-                          <p:cTn id="26" fill="hold">
-                            <p:stCondLst>
-                              <p:cond delay="0"/>
-                            </p:stCondLst>
-                            <p:childTnLst>
-                              <p:par>
-                                <p:cTn id="27" presetID="1" presetClass="entr" presetSubtype="0" fill="hold" nodeType="clickEffect">
-                                  <p:stCondLst>
-                                    <p:cond delay="0"/>
-                                  </p:stCondLst>
-                                  <p:childTnLst>
-                                    <p:set>
-                                      <p:cBhvr>
-                                        <p:cTn id="28" dur="1" fill="hold">
-                                          <p:stCondLst>
-                                            <p:cond delay="0"/>
-                                          </p:stCondLst>
-                                        </p:cTn>
-                                        <p:tgtEl>
-                                          <p:spTgt spid="3">
-                                            <p:txEl>
-                                              <p:pRg st="9" end="9"/>
                                             </p:txEl>
                                           </p:spTgt>
                                         </p:tgtEl>
